--- a/Week14/week14 natural language processing.pptx
+++ b/Week14/week14 natural language processing.pptx
@@ -5,10 +5,10 @@
     <p:sldMasterId id="2147483660" r:id="rId1"/>
   </p:sldMasterIdLst>
   <p:notesMasterIdLst>
-    <p:notesMasterId r:id="rId23"/>
+    <p:notesMasterId r:id="rId28"/>
   </p:notesMasterIdLst>
   <p:handoutMasterIdLst>
-    <p:handoutMasterId r:id="rId24"/>
+    <p:handoutMasterId r:id="rId29"/>
   </p:handoutMasterIdLst>
   <p:sldIdLst>
     <p:sldId id="265" r:id="rId2"/>
@@ -25,13 +25,18 @@
     <p:sldId id="771" r:id="rId13"/>
     <p:sldId id="774" r:id="rId14"/>
     <p:sldId id="772" r:id="rId15"/>
-    <p:sldId id="773" r:id="rId16"/>
-    <p:sldId id="738" r:id="rId17"/>
-    <p:sldId id="643" r:id="rId18"/>
-    <p:sldId id="759" r:id="rId19"/>
-    <p:sldId id="760" r:id="rId20"/>
-    <p:sldId id="761" r:id="rId21"/>
-    <p:sldId id="762" r:id="rId22"/>
+    <p:sldId id="775" r:id="rId16"/>
+    <p:sldId id="776" r:id="rId17"/>
+    <p:sldId id="777" r:id="rId18"/>
+    <p:sldId id="778" r:id="rId19"/>
+    <p:sldId id="779" r:id="rId20"/>
+    <p:sldId id="780" r:id="rId21"/>
+    <p:sldId id="781" r:id="rId22"/>
+    <p:sldId id="782" r:id="rId23"/>
+    <p:sldId id="783" r:id="rId24"/>
+    <p:sldId id="784" r:id="rId25"/>
+    <p:sldId id="785" r:id="rId26"/>
+    <p:sldId id="762" r:id="rId27"/>
   </p:sldIdLst>
   <p:sldSz cx="9144000" cy="6858000" type="screen4x3"/>
   <p:notesSz cx="6797675" cy="9874250"/>
@@ -1169,7 +1174,7 @@
     </p:spTree>
     <p:extLst>
       <p:ext uri="{BB962C8B-B14F-4D97-AF65-F5344CB8AC3E}">
-        <p14:creationId xmlns:p14="http://schemas.microsoft.com/office/powerpoint/2010/main" val="1230059241"/>
+        <p14:creationId xmlns:p14="http://schemas.microsoft.com/office/powerpoint/2010/main" val="1666848792"/>
       </p:ext>
     </p:extLst>
   </p:cSld>
@@ -1253,7 +1258,7 @@
     </p:spTree>
     <p:extLst>
       <p:ext uri="{BB962C8B-B14F-4D97-AF65-F5344CB8AC3E}">
-        <p14:creationId xmlns:p14="http://schemas.microsoft.com/office/powerpoint/2010/main" val="1734706249"/>
+        <p14:creationId xmlns:p14="http://schemas.microsoft.com/office/powerpoint/2010/main" val="2298756069"/>
       </p:ext>
     </p:extLst>
   </p:cSld>
@@ -1337,7 +1342,7 @@
     </p:spTree>
     <p:extLst>
       <p:ext uri="{BB962C8B-B14F-4D97-AF65-F5344CB8AC3E}">
-        <p14:creationId xmlns:p14="http://schemas.microsoft.com/office/powerpoint/2010/main" val="1773711130"/>
+        <p14:creationId xmlns:p14="http://schemas.microsoft.com/office/powerpoint/2010/main" val="4174807514"/>
       </p:ext>
     </p:extLst>
   </p:cSld>
@@ -1421,7 +1426,7 @@
     </p:spTree>
     <p:extLst>
       <p:ext uri="{BB962C8B-B14F-4D97-AF65-F5344CB8AC3E}">
-        <p14:creationId xmlns:p14="http://schemas.microsoft.com/office/powerpoint/2010/main" val="2764305036"/>
+        <p14:creationId xmlns:p14="http://schemas.microsoft.com/office/powerpoint/2010/main" val="2409859715"/>
       </p:ext>
     </p:extLst>
   </p:cSld>
@@ -1505,7 +1510,7 @@
     </p:spTree>
     <p:extLst>
       <p:ext uri="{BB962C8B-B14F-4D97-AF65-F5344CB8AC3E}">
-        <p14:creationId xmlns:p14="http://schemas.microsoft.com/office/powerpoint/2010/main" val="2105190159"/>
+        <p14:creationId xmlns:p14="http://schemas.microsoft.com/office/powerpoint/2010/main" val="1279215817"/>
       </p:ext>
     </p:extLst>
   </p:cSld>
@@ -1589,7 +1594,7 @@
     </p:spTree>
     <p:extLst>
       <p:ext uri="{BB962C8B-B14F-4D97-AF65-F5344CB8AC3E}">
-        <p14:creationId xmlns:p14="http://schemas.microsoft.com/office/powerpoint/2010/main" val="1440104131"/>
+        <p14:creationId xmlns:p14="http://schemas.microsoft.com/office/powerpoint/2010/main" val="4093338346"/>
       </p:ext>
     </p:extLst>
   </p:cSld>
@@ -1749,6 +1754,426 @@
             <a:fld id="{AE7DD7B4-6F0D-4FE3-8660-A7DE31D2AD67}" type="slidenum">
               <a:rPr lang="ko-KR" altLang="en-US" smtClean="0"/>
               <a:t>21</a:t>
+            </a:fld>
+            <a:endParaRPr lang="ko-KR" altLang="en-US"/>
+          </a:p>
+        </p:txBody>
+      </p:sp>
+    </p:spTree>
+    <p:extLst>
+      <p:ext uri="{BB962C8B-B14F-4D97-AF65-F5344CB8AC3E}">
+        <p14:creationId xmlns:p14="http://schemas.microsoft.com/office/powerpoint/2010/main" val="3567851734"/>
+      </p:ext>
+    </p:extLst>
+  </p:cSld>
+  <p:clrMapOvr>
+    <a:masterClrMapping/>
+  </p:clrMapOvr>
+</p:notes>
+</file>
+
+<file path=ppt/notesSlides/notesSlide21.xml><?xml version="1.0" encoding="utf-8"?>
+<p:notes xmlns:a="http://schemas.openxmlformats.org/drawingml/2006/main" xmlns:r="http://schemas.openxmlformats.org/officeDocument/2006/relationships" xmlns:p="http://schemas.openxmlformats.org/presentationml/2006/main">
+  <p:cSld>
+    <p:spTree>
+      <p:nvGrpSpPr>
+        <p:cNvPr id="1" name=""/>
+        <p:cNvGrpSpPr/>
+        <p:nvPr/>
+      </p:nvGrpSpPr>
+      <p:grpSpPr>
+        <a:xfrm>
+          <a:off x="0" y="0"/>
+          <a:ext cx="0" cy="0"/>
+          <a:chOff x="0" y="0"/>
+          <a:chExt cx="0" cy="0"/>
+        </a:xfrm>
+      </p:grpSpPr>
+      <p:sp>
+        <p:nvSpPr>
+          <p:cNvPr id="2" name="슬라이드 이미지 개체 틀 1"/>
+          <p:cNvSpPr>
+            <a:spLocks noGrp="1" noRot="1" noChangeAspect="1"/>
+          </p:cNvSpPr>
+          <p:nvPr>
+            <p:ph type="sldImg"/>
+          </p:nvPr>
+        </p:nvSpPr>
+        <p:spPr/>
+      </p:sp>
+      <p:sp>
+        <p:nvSpPr>
+          <p:cNvPr id="3" name="슬라이드 노트 개체 틀 2"/>
+          <p:cNvSpPr>
+            <a:spLocks noGrp="1"/>
+          </p:cNvSpPr>
+          <p:nvPr>
+            <p:ph type="body" idx="1"/>
+          </p:nvPr>
+        </p:nvSpPr>
+        <p:spPr/>
+        <p:txBody>
+          <a:bodyPr/>
+          <a:lstStyle/>
+          <a:p>
+            <a:endParaRPr lang="ko-KR" altLang="en-US" dirty="0"/>
+          </a:p>
+        </p:txBody>
+      </p:sp>
+      <p:sp>
+        <p:nvSpPr>
+          <p:cNvPr id="4" name="슬라이드 번호 개체 틀 3"/>
+          <p:cNvSpPr>
+            <a:spLocks noGrp="1"/>
+          </p:cNvSpPr>
+          <p:nvPr>
+            <p:ph type="sldNum" sz="quarter" idx="10"/>
+          </p:nvPr>
+        </p:nvSpPr>
+        <p:spPr/>
+        <p:txBody>
+          <a:bodyPr/>
+          <a:lstStyle/>
+          <a:p>
+            <a:fld id="{AE7DD7B4-6F0D-4FE3-8660-A7DE31D2AD67}" type="slidenum">
+              <a:rPr lang="ko-KR" altLang="en-US" smtClean="0"/>
+              <a:t>22</a:t>
+            </a:fld>
+            <a:endParaRPr lang="ko-KR" altLang="en-US"/>
+          </a:p>
+        </p:txBody>
+      </p:sp>
+    </p:spTree>
+    <p:extLst>
+      <p:ext uri="{BB962C8B-B14F-4D97-AF65-F5344CB8AC3E}">
+        <p14:creationId xmlns:p14="http://schemas.microsoft.com/office/powerpoint/2010/main" val="674815427"/>
+      </p:ext>
+    </p:extLst>
+  </p:cSld>
+  <p:clrMapOvr>
+    <a:masterClrMapping/>
+  </p:clrMapOvr>
+</p:notes>
+</file>
+
+<file path=ppt/notesSlides/notesSlide22.xml><?xml version="1.0" encoding="utf-8"?>
+<p:notes xmlns:a="http://schemas.openxmlformats.org/drawingml/2006/main" xmlns:r="http://schemas.openxmlformats.org/officeDocument/2006/relationships" xmlns:p="http://schemas.openxmlformats.org/presentationml/2006/main">
+  <p:cSld>
+    <p:spTree>
+      <p:nvGrpSpPr>
+        <p:cNvPr id="1" name=""/>
+        <p:cNvGrpSpPr/>
+        <p:nvPr/>
+      </p:nvGrpSpPr>
+      <p:grpSpPr>
+        <a:xfrm>
+          <a:off x="0" y="0"/>
+          <a:ext cx="0" cy="0"/>
+          <a:chOff x="0" y="0"/>
+          <a:chExt cx="0" cy="0"/>
+        </a:xfrm>
+      </p:grpSpPr>
+      <p:sp>
+        <p:nvSpPr>
+          <p:cNvPr id="2" name="슬라이드 이미지 개체 틀 1"/>
+          <p:cNvSpPr>
+            <a:spLocks noGrp="1" noRot="1" noChangeAspect="1"/>
+          </p:cNvSpPr>
+          <p:nvPr>
+            <p:ph type="sldImg"/>
+          </p:nvPr>
+        </p:nvSpPr>
+        <p:spPr/>
+      </p:sp>
+      <p:sp>
+        <p:nvSpPr>
+          <p:cNvPr id="3" name="슬라이드 노트 개체 틀 2"/>
+          <p:cNvSpPr>
+            <a:spLocks noGrp="1"/>
+          </p:cNvSpPr>
+          <p:nvPr>
+            <p:ph type="body" idx="1"/>
+          </p:nvPr>
+        </p:nvSpPr>
+        <p:spPr/>
+        <p:txBody>
+          <a:bodyPr/>
+          <a:lstStyle/>
+          <a:p>
+            <a:endParaRPr lang="ko-KR" altLang="en-US" dirty="0"/>
+          </a:p>
+        </p:txBody>
+      </p:sp>
+      <p:sp>
+        <p:nvSpPr>
+          <p:cNvPr id="4" name="슬라이드 번호 개체 틀 3"/>
+          <p:cNvSpPr>
+            <a:spLocks noGrp="1"/>
+          </p:cNvSpPr>
+          <p:nvPr>
+            <p:ph type="sldNum" sz="quarter" idx="10"/>
+          </p:nvPr>
+        </p:nvSpPr>
+        <p:spPr/>
+        <p:txBody>
+          <a:bodyPr/>
+          <a:lstStyle/>
+          <a:p>
+            <a:fld id="{AE7DD7B4-6F0D-4FE3-8660-A7DE31D2AD67}" type="slidenum">
+              <a:rPr lang="ko-KR" altLang="en-US" smtClean="0"/>
+              <a:t>23</a:t>
+            </a:fld>
+            <a:endParaRPr lang="ko-KR" altLang="en-US"/>
+          </a:p>
+        </p:txBody>
+      </p:sp>
+    </p:spTree>
+    <p:extLst>
+      <p:ext uri="{BB962C8B-B14F-4D97-AF65-F5344CB8AC3E}">
+        <p14:creationId xmlns:p14="http://schemas.microsoft.com/office/powerpoint/2010/main" val="2069706598"/>
+      </p:ext>
+    </p:extLst>
+  </p:cSld>
+  <p:clrMapOvr>
+    <a:masterClrMapping/>
+  </p:clrMapOvr>
+</p:notes>
+</file>
+
+<file path=ppt/notesSlides/notesSlide23.xml><?xml version="1.0" encoding="utf-8"?>
+<p:notes xmlns:a="http://schemas.openxmlformats.org/drawingml/2006/main" xmlns:r="http://schemas.openxmlformats.org/officeDocument/2006/relationships" xmlns:p="http://schemas.openxmlformats.org/presentationml/2006/main">
+  <p:cSld>
+    <p:spTree>
+      <p:nvGrpSpPr>
+        <p:cNvPr id="1" name=""/>
+        <p:cNvGrpSpPr/>
+        <p:nvPr/>
+      </p:nvGrpSpPr>
+      <p:grpSpPr>
+        <a:xfrm>
+          <a:off x="0" y="0"/>
+          <a:ext cx="0" cy="0"/>
+          <a:chOff x="0" y="0"/>
+          <a:chExt cx="0" cy="0"/>
+        </a:xfrm>
+      </p:grpSpPr>
+      <p:sp>
+        <p:nvSpPr>
+          <p:cNvPr id="2" name="슬라이드 이미지 개체 틀 1"/>
+          <p:cNvSpPr>
+            <a:spLocks noGrp="1" noRot="1" noChangeAspect="1"/>
+          </p:cNvSpPr>
+          <p:nvPr>
+            <p:ph type="sldImg"/>
+          </p:nvPr>
+        </p:nvSpPr>
+        <p:spPr/>
+      </p:sp>
+      <p:sp>
+        <p:nvSpPr>
+          <p:cNvPr id="3" name="슬라이드 노트 개체 틀 2"/>
+          <p:cNvSpPr>
+            <a:spLocks noGrp="1"/>
+          </p:cNvSpPr>
+          <p:nvPr>
+            <p:ph type="body" idx="1"/>
+          </p:nvPr>
+        </p:nvSpPr>
+        <p:spPr/>
+        <p:txBody>
+          <a:bodyPr/>
+          <a:lstStyle/>
+          <a:p>
+            <a:endParaRPr lang="ko-KR" altLang="en-US" dirty="0"/>
+          </a:p>
+        </p:txBody>
+      </p:sp>
+      <p:sp>
+        <p:nvSpPr>
+          <p:cNvPr id="4" name="슬라이드 번호 개체 틀 3"/>
+          <p:cNvSpPr>
+            <a:spLocks noGrp="1"/>
+          </p:cNvSpPr>
+          <p:nvPr>
+            <p:ph type="sldNum" sz="quarter" idx="10"/>
+          </p:nvPr>
+        </p:nvSpPr>
+        <p:spPr/>
+        <p:txBody>
+          <a:bodyPr/>
+          <a:lstStyle/>
+          <a:p>
+            <a:fld id="{AE7DD7B4-6F0D-4FE3-8660-A7DE31D2AD67}" type="slidenum">
+              <a:rPr lang="ko-KR" altLang="en-US" smtClean="0"/>
+              <a:t>24</a:t>
+            </a:fld>
+            <a:endParaRPr lang="ko-KR" altLang="en-US"/>
+          </a:p>
+        </p:txBody>
+      </p:sp>
+    </p:spTree>
+    <p:extLst>
+      <p:ext uri="{BB962C8B-B14F-4D97-AF65-F5344CB8AC3E}">
+        <p14:creationId xmlns:p14="http://schemas.microsoft.com/office/powerpoint/2010/main" val="2170837883"/>
+      </p:ext>
+    </p:extLst>
+  </p:cSld>
+  <p:clrMapOvr>
+    <a:masterClrMapping/>
+  </p:clrMapOvr>
+</p:notes>
+</file>
+
+<file path=ppt/notesSlides/notesSlide24.xml><?xml version="1.0" encoding="utf-8"?>
+<p:notes xmlns:a="http://schemas.openxmlformats.org/drawingml/2006/main" xmlns:r="http://schemas.openxmlformats.org/officeDocument/2006/relationships" xmlns:p="http://schemas.openxmlformats.org/presentationml/2006/main">
+  <p:cSld>
+    <p:spTree>
+      <p:nvGrpSpPr>
+        <p:cNvPr id="1" name=""/>
+        <p:cNvGrpSpPr/>
+        <p:nvPr/>
+      </p:nvGrpSpPr>
+      <p:grpSpPr>
+        <a:xfrm>
+          <a:off x="0" y="0"/>
+          <a:ext cx="0" cy="0"/>
+          <a:chOff x="0" y="0"/>
+          <a:chExt cx="0" cy="0"/>
+        </a:xfrm>
+      </p:grpSpPr>
+      <p:sp>
+        <p:nvSpPr>
+          <p:cNvPr id="2" name="슬라이드 이미지 개체 틀 1"/>
+          <p:cNvSpPr>
+            <a:spLocks noGrp="1" noRot="1" noChangeAspect="1"/>
+          </p:cNvSpPr>
+          <p:nvPr>
+            <p:ph type="sldImg"/>
+          </p:nvPr>
+        </p:nvSpPr>
+        <p:spPr/>
+      </p:sp>
+      <p:sp>
+        <p:nvSpPr>
+          <p:cNvPr id="3" name="슬라이드 노트 개체 틀 2"/>
+          <p:cNvSpPr>
+            <a:spLocks noGrp="1"/>
+          </p:cNvSpPr>
+          <p:nvPr>
+            <p:ph type="body" idx="1"/>
+          </p:nvPr>
+        </p:nvSpPr>
+        <p:spPr/>
+        <p:txBody>
+          <a:bodyPr/>
+          <a:lstStyle/>
+          <a:p>
+            <a:endParaRPr lang="ko-KR" altLang="en-US" dirty="0"/>
+          </a:p>
+        </p:txBody>
+      </p:sp>
+      <p:sp>
+        <p:nvSpPr>
+          <p:cNvPr id="4" name="슬라이드 번호 개체 틀 3"/>
+          <p:cNvSpPr>
+            <a:spLocks noGrp="1"/>
+          </p:cNvSpPr>
+          <p:nvPr>
+            <p:ph type="sldNum" sz="quarter" idx="10"/>
+          </p:nvPr>
+        </p:nvSpPr>
+        <p:spPr/>
+        <p:txBody>
+          <a:bodyPr/>
+          <a:lstStyle/>
+          <a:p>
+            <a:fld id="{AE7DD7B4-6F0D-4FE3-8660-A7DE31D2AD67}" type="slidenum">
+              <a:rPr lang="ko-KR" altLang="en-US" smtClean="0"/>
+              <a:t>25</a:t>
+            </a:fld>
+            <a:endParaRPr lang="ko-KR" altLang="en-US"/>
+          </a:p>
+        </p:txBody>
+      </p:sp>
+    </p:spTree>
+    <p:extLst>
+      <p:ext uri="{BB962C8B-B14F-4D97-AF65-F5344CB8AC3E}">
+        <p14:creationId xmlns:p14="http://schemas.microsoft.com/office/powerpoint/2010/main" val="1124938435"/>
+      </p:ext>
+    </p:extLst>
+  </p:cSld>
+  <p:clrMapOvr>
+    <a:masterClrMapping/>
+  </p:clrMapOvr>
+</p:notes>
+</file>
+
+<file path=ppt/notesSlides/notesSlide25.xml><?xml version="1.0" encoding="utf-8"?>
+<p:notes xmlns:a="http://schemas.openxmlformats.org/drawingml/2006/main" xmlns:r="http://schemas.openxmlformats.org/officeDocument/2006/relationships" xmlns:p="http://schemas.openxmlformats.org/presentationml/2006/main">
+  <p:cSld>
+    <p:spTree>
+      <p:nvGrpSpPr>
+        <p:cNvPr id="1" name=""/>
+        <p:cNvGrpSpPr/>
+        <p:nvPr/>
+      </p:nvGrpSpPr>
+      <p:grpSpPr>
+        <a:xfrm>
+          <a:off x="0" y="0"/>
+          <a:ext cx="0" cy="0"/>
+          <a:chOff x="0" y="0"/>
+          <a:chExt cx="0" cy="0"/>
+        </a:xfrm>
+      </p:grpSpPr>
+      <p:sp>
+        <p:nvSpPr>
+          <p:cNvPr id="2" name="슬라이드 이미지 개체 틀 1"/>
+          <p:cNvSpPr>
+            <a:spLocks noGrp="1" noRot="1" noChangeAspect="1"/>
+          </p:cNvSpPr>
+          <p:nvPr>
+            <p:ph type="sldImg"/>
+          </p:nvPr>
+        </p:nvSpPr>
+        <p:spPr/>
+      </p:sp>
+      <p:sp>
+        <p:nvSpPr>
+          <p:cNvPr id="3" name="슬라이드 노트 개체 틀 2"/>
+          <p:cNvSpPr>
+            <a:spLocks noGrp="1"/>
+          </p:cNvSpPr>
+          <p:nvPr>
+            <p:ph type="body" idx="1"/>
+          </p:nvPr>
+        </p:nvSpPr>
+        <p:spPr/>
+        <p:txBody>
+          <a:bodyPr/>
+          <a:lstStyle/>
+          <a:p>
+            <a:endParaRPr lang="ko-KR" altLang="en-US" dirty="0"/>
+          </a:p>
+        </p:txBody>
+      </p:sp>
+      <p:sp>
+        <p:nvSpPr>
+          <p:cNvPr id="4" name="슬라이드 번호 개체 틀 3"/>
+          <p:cNvSpPr>
+            <a:spLocks noGrp="1"/>
+          </p:cNvSpPr>
+          <p:nvPr>
+            <p:ph type="sldNum" sz="quarter" idx="10"/>
+          </p:nvPr>
+        </p:nvSpPr>
+        <p:spPr/>
+        <p:txBody>
+          <a:bodyPr/>
+          <a:lstStyle/>
+          <a:p>
+            <a:fld id="{AE7DD7B4-6F0D-4FE3-8660-A7DE31D2AD67}" type="slidenum">
+              <a:rPr lang="ko-KR" altLang="en-US" smtClean="0"/>
+              <a:t>26</a:t>
             </a:fld>
             <a:endParaRPr lang="ko-KR" altLang="en-US"/>
           </a:p>
@@ -6912,11 +7337,7 @@
             <a:p>
               <a:r>
                 <a:rPr lang="en-US" altLang="ko-KR" dirty="0"/>
-                <a:t>  [0. 0. 0. 0. 0. 0. 0. 0. </a:t>
-              </a:r>
-              <a:r>
-                <a:rPr lang="en-US" altLang="ko-KR"/>
-                <a:t>1.]</a:t>
+                <a:t>  [0. 0. 0. 0. 0. 0. 0. 0. 1.]</a:t>
               </a:r>
               <a:endParaRPr lang="ko-KR" altLang="en-US" dirty="0"/>
             </a:p>
@@ -7256,7 +7677,7 @@
         </p:nvSpPr>
         <p:spPr>
           <a:xfrm>
-            <a:off x="1935019" y="3170535"/>
+            <a:off x="1935019" y="3161108"/>
             <a:ext cx="4572000" cy="923330"/>
           </a:xfrm>
           <a:prstGeom prst="rect">
@@ -7274,13 +7695,7 @@
               <a:rPr lang="en-US" altLang="ko-KR" dirty="0">
                 <a:hlinkClick r:id="rId3"/>
               </a:rPr>
-              <a:t>https://colab.research.google.com/github/JunetaeKim/DeepLearningClass/blob/main/Week14/ </a:t>
-            </a:r>
-            <a:r>
-              <a:rPr lang="en-US" altLang="ko-KR" dirty="0" err="1">
-                <a:hlinkClick r:id="rId3"/>
-              </a:rPr>
-              <a:t>OneHotKeras.ipynb</a:t>
+              <a:t>https://colab.research.google.com/github/JunetaeKim/DeepLearningClass/blob/main/Week14/OneHotKeras.ipynb</a:t>
             </a:r>
             <a:endParaRPr lang="ko-KR" altLang="en-US" dirty="0"/>
           </a:p>
@@ -7404,8 +7819,8 @@
         </p:nvSpPr>
         <p:spPr>
           <a:xfrm>
-            <a:off x="328771" y="1139130"/>
-            <a:ext cx="8742077" cy="1130438"/>
+            <a:off x="328770" y="1139130"/>
+            <a:ext cx="8544322" cy="5435591"/>
           </a:xfrm>
           <a:prstGeom prst="rect">
             <a:avLst/>
@@ -7431,18 +7846,72 @@
                 </a:solidFill>
                 <a:latin typeface="Arial Narrow" panose="020B0606020202030204" pitchFamily="34" charset="0"/>
               </a:rPr>
-              <a:t>One-Hot Encoding with </a:t>
-            </a:r>
-            <a:r>
-              <a:rPr lang="en-US" altLang="ko-KR" sz="2400" dirty="0" err="1">
-                <a:solidFill>
-                  <a:srgbClr val="222222"/>
-                </a:solidFill>
-                <a:latin typeface="Arial Narrow" panose="020B0606020202030204" pitchFamily="34" charset="0"/>
-              </a:rPr>
-              <a:t>Keras</a:t>
-            </a:r>
-            <a:endParaRPr lang="en-US" altLang="ko-KR" sz="2400" dirty="0">
+              <a:t> Limitations and Alternatives to One-Hot Encoding</a:t>
+            </a:r>
+          </a:p>
+          <a:p>
+            <a:pPr marL="741600" lvl="1" indent="-284400">
+              <a:lnSpc>
+                <a:spcPct val="150000"/>
+              </a:lnSpc>
+              <a:buFont typeface="Arial" panose="020B0604020202020204" pitchFamily="34" charset="0"/>
+              <a:buChar char="•"/>
+            </a:pPr>
+            <a:r>
+              <a:rPr lang="en-US" altLang="ko-KR" sz="2000" dirty="0">
+                <a:solidFill>
+                  <a:srgbClr val="222222"/>
+                </a:solidFill>
+                <a:latin typeface="Arial Narrow" panose="020B0606020202030204" pitchFamily="34" charset="0"/>
+              </a:rPr>
+              <a:t>Limitations of One-Hot Encoding</a:t>
+            </a:r>
+          </a:p>
+          <a:p>
+            <a:pPr marL="1198800" lvl="2" indent="-284400">
+              <a:lnSpc>
+                <a:spcPct val="150000"/>
+              </a:lnSpc>
+              <a:buFont typeface="Arial" panose="020B0604020202020204" pitchFamily="34" charset="0"/>
+              <a:buChar char="•"/>
+            </a:pPr>
+            <a:r>
+              <a:rPr lang="en-US" altLang="ko-KR" dirty="0">
+                <a:solidFill>
+                  <a:srgbClr val="222222"/>
+                </a:solidFill>
+                <a:latin typeface="Arial Narrow" panose="020B0606020202030204" pitchFamily="34" charset="0"/>
+              </a:rPr>
+              <a:t>Sparse representation: For large vocabularies, one-hot vectors can become very large with mostly zero values</a:t>
+            </a:r>
+          </a:p>
+          <a:p>
+            <a:pPr marL="1198800" lvl="2" indent="-284400">
+              <a:lnSpc>
+                <a:spcPct val="150000"/>
+              </a:lnSpc>
+              <a:buFont typeface="Arial" panose="020B0604020202020204" pitchFamily="34" charset="0"/>
+              <a:buChar char="•"/>
+            </a:pPr>
+            <a:r>
+              <a:rPr lang="en-US" altLang="ko-KR" dirty="0">
+                <a:solidFill>
+                  <a:srgbClr val="222222"/>
+                </a:solidFill>
+                <a:latin typeface="Arial Narrow" panose="020B0606020202030204" pitchFamily="34" charset="0"/>
+              </a:rPr>
+              <a:t>Lack of semantic information: One-Hot Encoding doesn't capture relationships or similarities between words</a:t>
+            </a:r>
+          </a:p>
+          <a:p>
+            <a:pPr marL="1198800" lvl="2" indent="-284400">
+              <a:lnSpc>
+                <a:spcPct val="150000"/>
+              </a:lnSpc>
+              <a:buFont typeface="Arial" panose="020B0604020202020204" pitchFamily="34" charset="0"/>
+              <a:buChar char="•"/>
+            </a:pPr>
+            <a:endParaRPr lang="en-US" altLang="ko-KR" dirty="0">
               <a:solidFill>
                 <a:srgbClr val="222222"/>
               </a:solidFill>
@@ -7450,19 +7919,103 @@
             </a:endParaRPr>
           </a:p>
           <a:p>
-            <a:pPr marL="284400" indent="-284400">
+            <a:pPr marL="741600" lvl="1" indent="-284400">
               <a:lnSpc>
                 <a:spcPct val="150000"/>
               </a:lnSpc>
               <a:buFont typeface="Arial" panose="020B0604020202020204" pitchFamily="34" charset="0"/>
               <a:buChar char="•"/>
             </a:pPr>
-            <a:endParaRPr lang="en-US" altLang="ko-KR" sz="2400" dirty="0">
-              <a:solidFill>
-                <a:srgbClr val="222222"/>
-              </a:solidFill>
-              <a:latin typeface="Arial Narrow" panose="020B0606020202030204" pitchFamily="34" charset="0"/>
-            </a:endParaRPr>
+            <a:r>
+              <a:rPr lang="en-US" altLang="ko-KR" sz="2000" dirty="0">
+                <a:solidFill>
+                  <a:srgbClr val="222222"/>
+                </a:solidFill>
+                <a:latin typeface="Arial Narrow" panose="020B0606020202030204" pitchFamily="34" charset="0"/>
+              </a:rPr>
+              <a:t>Alternative Techniques</a:t>
+            </a:r>
+          </a:p>
+          <a:p>
+            <a:pPr marL="1198800" lvl="2" indent="-284400">
+              <a:lnSpc>
+                <a:spcPct val="150000"/>
+              </a:lnSpc>
+              <a:buFont typeface="Arial" panose="020B0604020202020204" pitchFamily="34" charset="0"/>
+              <a:buChar char="•"/>
+            </a:pPr>
+            <a:r>
+              <a:rPr lang="en-US" altLang="ko-KR" b="1" dirty="0">
+                <a:solidFill>
+                  <a:srgbClr val="C00000"/>
+                </a:solidFill>
+                <a:latin typeface="Arial Narrow" panose="020B0606020202030204" pitchFamily="34" charset="0"/>
+              </a:rPr>
+              <a:t>Word</a:t>
+            </a:r>
+            <a:r>
+              <a:rPr lang="en-US" altLang="ko-KR" dirty="0">
+                <a:solidFill>
+                  <a:srgbClr val="222222"/>
+                </a:solidFill>
+                <a:latin typeface="Arial Narrow" panose="020B0606020202030204" pitchFamily="34" charset="0"/>
+              </a:rPr>
+              <a:t> </a:t>
+            </a:r>
+            <a:r>
+              <a:rPr lang="en-US" altLang="ko-KR" b="1" dirty="0">
+                <a:solidFill>
+                  <a:srgbClr val="C00000"/>
+                </a:solidFill>
+                <a:latin typeface="Arial Narrow" panose="020B0606020202030204" pitchFamily="34" charset="0"/>
+              </a:rPr>
+              <a:t>Embeddings</a:t>
+            </a:r>
+            <a:r>
+              <a:rPr lang="en-US" altLang="ko-KR" dirty="0">
+                <a:solidFill>
+                  <a:srgbClr val="222222"/>
+                </a:solidFill>
+                <a:latin typeface="Arial Narrow" panose="020B0606020202030204" pitchFamily="34" charset="0"/>
+              </a:rPr>
+              <a:t> (e.g., Word2Vec, </a:t>
+            </a:r>
+            <a:r>
+              <a:rPr lang="en-US" altLang="ko-KR" dirty="0" err="1">
+                <a:solidFill>
+                  <a:srgbClr val="222222"/>
+                </a:solidFill>
+                <a:latin typeface="Arial Narrow" panose="020B0606020202030204" pitchFamily="34" charset="0"/>
+              </a:rPr>
+              <a:t>GloVe</a:t>
+            </a:r>
+            <a:r>
+              <a:rPr lang="en-US" altLang="ko-KR" dirty="0">
+                <a:solidFill>
+                  <a:srgbClr val="222222"/>
+                </a:solidFill>
+                <a:latin typeface="Arial Narrow" panose="020B0606020202030204" pitchFamily="34" charset="0"/>
+              </a:rPr>
+              <a:t>): Dense, fixed-size vector representations that capture semantic relationships between words</a:t>
+            </a:r>
+          </a:p>
+          <a:p>
+            <a:pPr marL="1198800" lvl="2" indent="-284400">
+              <a:lnSpc>
+                <a:spcPct val="150000"/>
+              </a:lnSpc>
+              <a:buFont typeface="Arial" panose="020B0604020202020204" pitchFamily="34" charset="0"/>
+              <a:buChar char="•"/>
+            </a:pPr>
+            <a:r>
+              <a:rPr lang="en-US" altLang="ko-KR" dirty="0">
+                <a:solidFill>
+                  <a:srgbClr val="222222"/>
+                </a:solidFill>
+                <a:latin typeface="Arial Narrow" panose="020B0606020202030204" pitchFamily="34" charset="0"/>
+              </a:rPr>
+              <a:t>Pre-trained Language Models (e.g., BERT, GPT): Provide contextualized word representations and improve performance on various NLP tasks</a:t>
+            </a:r>
           </a:p>
         </p:txBody>
       </p:sp>
@@ -7517,7 +8070,7 @@
     </p:spTree>
     <p:extLst>
       <p:ext uri="{BB962C8B-B14F-4D97-AF65-F5344CB8AC3E}">
-        <p14:creationId xmlns:p14="http://schemas.microsoft.com/office/powerpoint/2010/main" val="3643843154"/>
+        <p14:creationId xmlns:p14="http://schemas.microsoft.com/office/powerpoint/2010/main" val="4007606259"/>
       </p:ext>
     </p:extLst>
   </p:cSld>
@@ -7632,8 +8185,8 @@
         </p:nvSpPr>
         <p:spPr>
           <a:xfrm>
-            <a:off x="328771" y="1139130"/>
-            <a:ext cx="8967629" cy="3086935"/>
+            <a:off x="328770" y="1139130"/>
+            <a:ext cx="8544322" cy="5256760"/>
           </a:xfrm>
           <a:prstGeom prst="rect">
             <a:avLst/>
@@ -7659,7 +8212,7 @@
                 </a:solidFill>
                 <a:latin typeface="Arial Narrow" panose="020B0606020202030204" pitchFamily="34" charset="0"/>
               </a:rPr>
-              <a:t>How to compose time series data in the form of a sliding window frame.</a:t>
+              <a:t>Introduction to Word Embeddings</a:t>
             </a:r>
           </a:p>
           <a:p>
@@ -7671,35 +8224,71 @@
               <a:buChar char="•"/>
             </a:pPr>
             <a:r>
-              <a:rPr lang="en-US" altLang="ko-KR" sz="1800" dirty="0">
-                <a:solidFill>
-                  <a:srgbClr val="222222"/>
-                </a:solidFill>
-                <a:latin typeface="Arial Narrow" panose="020B0606020202030204" pitchFamily="34" charset="0"/>
-              </a:rPr>
-              <a:t>By using </a:t>
-            </a:r>
-            <a:r>
-              <a:rPr lang="en-US" altLang="ko-KR" sz="1800" dirty="0" err="1">
-                <a:solidFill>
-                  <a:srgbClr val="222222"/>
-                </a:solidFill>
-                <a:latin typeface="Arial Narrow" panose="020B0606020202030204" pitchFamily="34" charset="0"/>
-              </a:rPr>
-              <a:t>tf.signal.frame</a:t>
-            </a:r>
-            <a:r>
-              <a:rPr lang="en-US" altLang="ko-KR" sz="1800" dirty="0">
-                <a:solidFill>
-                  <a:srgbClr val="222222"/>
-                </a:solidFill>
-                <a:latin typeface="Arial Narrow" panose="020B0606020202030204" pitchFamily="34" charset="0"/>
-              </a:rPr>
-              <a:t>, data can be composed in the form of a sliding window frame.</a:t>
-            </a:r>
-          </a:p>
-          <a:p>
-            <a:pPr marL="741600" lvl="1" indent="-284400">
+              <a:rPr lang="en-US" altLang="ko-KR" sz="2000" dirty="0">
+                <a:solidFill>
+                  <a:srgbClr val="222222"/>
+                </a:solidFill>
+                <a:latin typeface="Arial Narrow" panose="020B0606020202030204" pitchFamily="34" charset="0"/>
+              </a:rPr>
+              <a:t>What are Word Embeddings?</a:t>
+            </a:r>
+          </a:p>
+          <a:p>
+            <a:pPr marL="1198800" lvl="2" indent="-284400">
+              <a:lnSpc>
+                <a:spcPct val="150000"/>
+              </a:lnSpc>
+              <a:buFont typeface="Arial" panose="020B0604020202020204" pitchFamily="34" charset="0"/>
+              <a:buChar char="•"/>
+            </a:pPr>
+            <a:r>
+              <a:rPr lang="en-US" altLang="ko-KR" dirty="0">
+                <a:solidFill>
+                  <a:srgbClr val="222222"/>
+                </a:solidFill>
+                <a:latin typeface="Arial Narrow" panose="020B0606020202030204" pitchFamily="34" charset="0"/>
+              </a:rPr>
+              <a:t>Dense, fixed-size vector representations of words</a:t>
+            </a:r>
+          </a:p>
+          <a:p>
+            <a:pPr marL="1198800" lvl="2" indent="-284400">
+              <a:lnSpc>
+                <a:spcPct val="150000"/>
+              </a:lnSpc>
+              <a:buFont typeface="Arial" panose="020B0604020202020204" pitchFamily="34" charset="0"/>
+              <a:buChar char="•"/>
+            </a:pPr>
+            <a:r>
+              <a:rPr lang="en-US" altLang="ko-KR" dirty="0">
+                <a:solidFill>
+                  <a:srgbClr val="222222"/>
+                </a:solidFill>
+                <a:latin typeface="Arial Narrow" panose="020B0606020202030204" pitchFamily="34" charset="0"/>
+              </a:rPr>
+              <a:t>Capture semantic relationships and similarities between words</a:t>
+            </a:r>
+          </a:p>
+          <a:p>
+            <a:pPr marL="1198800" lvl="2" indent="-284400">
+              <a:lnSpc>
+                <a:spcPct val="150000"/>
+              </a:lnSpc>
+              <a:buFont typeface="Arial" panose="020B0604020202020204" pitchFamily="34" charset="0"/>
+              <a:buChar char="•"/>
+            </a:pPr>
+            <a:r>
+              <a:rPr lang="en-US" altLang="ko-KR" dirty="0">
+                <a:solidFill>
+                  <a:srgbClr val="222222"/>
+                </a:solidFill>
+                <a:latin typeface="Arial Narrow" panose="020B0606020202030204" pitchFamily="34" charset="0"/>
+              </a:rPr>
+              <a:t>Transform words into continuous vectors, enabling efficient processing and better performance in NLP tasks</a:t>
+            </a:r>
+          </a:p>
+          <a:p>
+            <a:pPr marL="1198800" lvl="2" indent="-284400">
               <a:lnSpc>
                 <a:spcPct val="150000"/>
               </a:lnSpc>
@@ -7722,85 +8311,13 @@
               <a:buChar char="•"/>
             </a:pPr>
             <a:r>
-              <a:rPr lang="en-US" altLang="ko-KR" dirty="0" err="1">
-                <a:solidFill>
-                  <a:srgbClr val="222222"/>
-                </a:solidFill>
-                <a:latin typeface="Arial Narrow" panose="020B0606020202030204" pitchFamily="34" charset="0"/>
-              </a:rPr>
-              <a:t>tf.</a:t>
-            </a:r>
-            <a:r>
-              <a:rPr lang="en-US" altLang="ko-KR" dirty="0" err="1">
-                <a:solidFill>
-                  <a:schemeClr val="accent5"/>
-                </a:solidFill>
-                <a:latin typeface="Arial Narrow" panose="020B0606020202030204" pitchFamily="34" charset="0"/>
-              </a:rPr>
-              <a:t>signal</a:t>
-            </a:r>
-            <a:r>
-              <a:rPr lang="en-US" altLang="ko-KR" dirty="0" err="1">
-                <a:solidFill>
-                  <a:srgbClr val="222222"/>
-                </a:solidFill>
-                <a:latin typeface="Arial Narrow" panose="020B0606020202030204" pitchFamily="34" charset="0"/>
-              </a:rPr>
-              <a:t>.</a:t>
-            </a:r>
-            <a:r>
-              <a:rPr lang="en-US" altLang="ko-KR" dirty="0" err="1">
-                <a:solidFill>
-                  <a:schemeClr val="accent5"/>
-                </a:solidFill>
-                <a:latin typeface="Arial Narrow" panose="020B0606020202030204" pitchFamily="34" charset="0"/>
-              </a:rPr>
-              <a:t>frame</a:t>
-            </a:r>
-            <a:r>
-              <a:rPr lang="en-US" altLang="ko-KR" dirty="0">
-                <a:solidFill>
-                  <a:srgbClr val="222222"/>
-                </a:solidFill>
-                <a:latin typeface="Arial Narrow" panose="020B0606020202030204" pitchFamily="34" charset="0"/>
-              </a:rPr>
-              <a:t>(data, </a:t>
-            </a:r>
-            <a:r>
-              <a:rPr lang="en-US" altLang="ko-KR" dirty="0" err="1">
-                <a:solidFill>
-                  <a:srgbClr val="222222"/>
-                </a:solidFill>
-                <a:latin typeface="Arial Narrow" panose="020B0606020202030204" pitchFamily="34" charset="0"/>
-              </a:rPr>
-              <a:t>frame_length</a:t>
-            </a:r>
-            <a:r>
-              <a:rPr lang="en-US" altLang="ko-KR" dirty="0">
-                <a:solidFill>
-                  <a:srgbClr val="222222"/>
-                </a:solidFill>
-                <a:latin typeface="Arial Narrow" panose="020B0606020202030204" pitchFamily="34" charset="0"/>
-              </a:rPr>
-              <a:t>, </a:t>
-            </a:r>
-            <a:r>
-              <a:rPr lang="en-US" altLang="ko-KR" dirty="0" err="1">
-                <a:solidFill>
-                  <a:srgbClr val="222222"/>
-                </a:solidFill>
-                <a:latin typeface="Arial Narrow" panose="020B0606020202030204" pitchFamily="34" charset="0"/>
-              </a:rPr>
-              <a:t>frame_step</a:t>
-            </a:r>
-            <a:r>
-              <a:rPr lang="en-US" altLang="ko-KR" dirty="0">
-                <a:solidFill>
-                  <a:srgbClr val="222222"/>
-                </a:solidFill>
-                <a:latin typeface="Arial Narrow" panose="020B0606020202030204" pitchFamily="34" charset="0"/>
-              </a:rPr>
-              <a:t>)</a:t>
+              <a:rPr lang="en-US" altLang="ko-KR" sz="2000" dirty="0">
+                <a:solidFill>
+                  <a:srgbClr val="222222"/>
+                </a:solidFill>
+                <a:latin typeface="Arial Narrow" panose="020B0606020202030204" pitchFamily="34" charset="0"/>
+              </a:rPr>
+              <a:t>Why use Word Embeddings?</a:t>
             </a:r>
           </a:p>
           <a:p>
@@ -7812,22 +8329,10 @@
               <a:buChar char="•"/>
             </a:pPr>
             <a:r>
-              <a:rPr lang="en-US" altLang="ko-KR" dirty="0" err="1">
-                <a:solidFill>
-                  <a:srgbClr val="222222"/>
-                </a:solidFill>
-                <a:latin typeface="Arial Narrow" panose="020B0606020202030204" pitchFamily="34" charset="0"/>
-              </a:rPr>
-              <a:t>frame_length</a:t>
-            </a:r>
-            <a:r>
               <a:rPr lang="en-US" altLang="ko-KR" dirty="0">
-                <a:solidFill>
-                  <a:srgbClr val="222222"/>
-                </a:solidFill>
-                <a:latin typeface="Arial Narrow" panose="020B0606020202030204" pitchFamily="34" charset="0"/>
-              </a:rPr>
-              <a:t>: window size</a:t>
+                <a:latin typeface="Arial Narrow" panose="020B0606020202030204" pitchFamily="34" charset="0"/>
+              </a:rPr>
+              <a:t>Efficient and scalable, suitable for large datasets and vocabularies</a:t>
             </a:r>
           </a:p>
           <a:p>
@@ -7839,38 +8344,41 @@
               <a:buChar char="•"/>
             </a:pPr>
             <a:r>
-              <a:rPr lang="en-US" altLang="ko-KR" dirty="0" err="1">
-                <a:solidFill>
-                  <a:srgbClr val="222222"/>
-                </a:solidFill>
-                <a:latin typeface="Arial Narrow" panose="020B0606020202030204" pitchFamily="34" charset="0"/>
-              </a:rPr>
-              <a:t>frame_step</a:t>
-            </a:r>
-            <a:r>
               <a:rPr lang="en-US" altLang="ko-KR" dirty="0">
-                <a:solidFill>
-                  <a:srgbClr val="222222"/>
-                </a:solidFill>
-                <a:latin typeface="Arial Narrow" panose="020B0606020202030204" pitchFamily="34" charset="0"/>
-              </a:rPr>
-              <a:t>: stride</a:t>
-            </a:r>
-          </a:p>
-          <a:p>
-            <a:pPr marL="741600" lvl="1" indent="-284400">
+                <a:latin typeface="Arial Narrow" panose="020B0606020202030204" pitchFamily="34" charset="0"/>
+              </a:rPr>
+              <a:t>Captures complex semantic and syntactic relationships</a:t>
+            </a:r>
+          </a:p>
+          <a:p>
+            <a:pPr marL="1198800" lvl="2" indent="-284400">
               <a:lnSpc>
                 <a:spcPct val="150000"/>
               </a:lnSpc>
               <a:buFont typeface="Arial" panose="020B0604020202020204" pitchFamily="34" charset="0"/>
               <a:buChar char="•"/>
             </a:pPr>
-            <a:endParaRPr lang="en-US" altLang="ko-KR" sz="1800" dirty="0">
-              <a:solidFill>
-                <a:srgbClr val="222222"/>
-              </a:solidFill>
-              <a:latin typeface="Arial Narrow" panose="020B0606020202030204" pitchFamily="34" charset="0"/>
-            </a:endParaRPr>
+            <a:r>
+              <a:rPr lang="en-US" altLang="ko-KR" dirty="0">
+                <a:latin typeface="Arial Narrow" panose="020B0606020202030204" pitchFamily="34" charset="0"/>
+              </a:rPr>
+              <a:t>Pre-trained models available for various languages and domains</a:t>
+            </a:r>
+          </a:p>
+          <a:p>
+            <a:pPr marL="1198800" lvl="2" indent="-284400">
+              <a:lnSpc>
+                <a:spcPct val="150000"/>
+              </a:lnSpc>
+              <a:buFont typeface="Arial" panose="020B0604020202020204" pitchFamily="34" charset="0"/>
+              <a:buChar char="•"/>
+            </a:pPr>
+            <a:r>
+              <a:rPr lang="en-US" altLang="ko-KR" dirty="0">
+                <a:latin typeface="Arial Narrow" panose="020B0606020202030204" pitchFamily="34" charset="0"/>
+              </a:rPr>
+              <a:t>Facilitates learning from word similarities and relationships</a:t>
+            </a:r>
           </a:p>
         </p:txBody>
       </p:sp>
@@ -7913,7 +8421,7 @@
                 </a:solidFill>
                 <a:latin typeface="Arial Narrow" panose="020B0606020202030204" pitchFamily="34" charset="0"/>
               </a:rPr>
-              <a:t>Introduction to sequential and timeseries data</a:t>
+              <a:t>Introduction to natural language processing</a:t>
             </a:r>
             <a:endParaRPr lang="en-US" altLang="ko-KR" sz="2800" dirty="0">
               <a:latin typeface="Arial Narrow" panose="020B0606020202030204" pitchFamily="34" charset="0"/>
@@ -7922,62 +8430,10 @@
           </a:p>
         </p:txBody>
       </p:sp>
-      <p:sp>
-        <p:nvSpPr>
-          <p:cNvPr id="7" name="TextBox 6">
-            <a:extLst>
-              <a:ext uri="{FF2B5EF4-FFF2-40B4-BE49-F238E27FC236}">
-                <a16:creationId xmlns:a16="http://schemas.microsoft.com/office/drawing/2014/main" id="{3A981397-94FD-D47C-1A84-CF58E13DF550}"/>
-              </a:ext>
-            </a:extLst>
-          </p:cNvPr>
-          <p:cNvSpPr txBox="1"/>
-          <p:nvPr/>
-        </p:nvSpPr>
-        <p:spPr>
-          <a:xfrm>
-            <a:off x="2193090" y="4507944"/>
-            <a:ext cx="4572000" cy="923330"/>
-          </a:xfrm>
-          <a:prstGeom prst="rect">
-            <a:avLst/>
-          </a:prstGeom>
-          <a:noFill/>
-        </p:spPr>
-        <p:txBody>
-          <a:bodyPr wrap="square">
-            <a:spAutoFit/>
-          </a:bodyPr>
-          <a:lstStyle/>
-          <a:p>
-            <a:r>
-              <a:rPr lang="en-US" altLang="ko-KR" dirty="0">
-                <a:hlinkClick r:id="rId3"/>
-              </a:rPr>
-              <a:t>https://colab.research.google.com/github/JunetaeKim/DeepLearningClass/blob/main/Week13/</a:t>
-            </a:r>
-            <a:r>
-              <a:rPr lang="en-US" altLang="ko-KR" b="0" i="0" u="none" strike="noStrike" dirty="0">
-                <a:effectLst/>
-                <a:latin typeface="-apple-system"/>
-                <a:hlinkClick r:id="rId3"/>
-              </a:rPr>
-              <a:t>SlidingWindow</a:t>
-            </a:r>
-            <a:r>
-              <a:rPr lang="en-US" altLang="ko-KR" dirty="0">
-                <a:hlinkClick r:id="rId3"/>
-              </a:rPr>
-              <a:t>.ipynb</a:t>
-            </a:r>
-            <a:endParaRPr lang="ko-KR" altLang="en-US" dirty="0"/>
-          </a:p>
-        </p:txBody>
-      </p:sp>
     </p:spTree>
     <p:extLst>
       <p:ext uri="{BB962C8B-B14F-4D97-AF65-F5344CB8AC3E}">
-        <p14:creationId xmlns:p14="http://schemas.microsoft.com/office/powerpoint/2010/main" val="547966778"/>
+        <p14:creationId xmlns:p14="http://schemas.microsoft.com/office/powerpoint/2010/main" val="605287976"/>
       </p:ext>
     </p:extLst>
   </p:cSld>
@@ -8080,6 +8536,52 @@
       </p:cxnSp>
       <p:sp>
         <p:nvSpPr>
+          <p:cNvPr id="10" name="직사각형 9">
+            <a:extLst>
+              <a:ext uri="{FF2B5EF4-FFF2-40B4-BE49-F238E27FC236}">
+                <a16:creationId xmlns:a16="http://schemas.microsoft.com/office/drawing/2014/main" id="{9DC7D8DF-F1AC-5E24-6D05-87B8D3343A78}"/>
+              </a:ext>
+            </a:extLst>
+          </p:cNvPr>
+          <p:cNvSpPr/>
+          <p:nvPr/>
+        </p:nvSpPr>
+        <p:spPr>
+          <a:xfrm>
+            <a:off x="328770" y="1139130"/>
+            <a:ext cx="8544322" cy="576440"/>
+          </a:xfrm>
+          <a:prstGeom prst="rect">
+            <a:avLst/>
+          </a:prstGeom>
+        </p:spPr>
+        <p:txBody>
+          <a:bodyPr wrap="square">
+            <a:spAutoFit/>
+          </a:bodyPr>
+          <a:lstStyle/>
+          <a:p>
+            <a:pPr marL="284400" indent="-284400">
+              <a:lnSpc>
+                <a:spcPct val="150000"/>
+              </a:lnSpc>
+              <a:buFont typeface="Arial" panose="020B0604020202020204" pitchFamily="34" charset="0"/>
+              <a:buChar char="•"/>
+            </a:pPr>
+            <a:r>
+              <a:rPr lang="en-US" altLang="ko-KR" sz="2400" dirty="0">
+                <a:solidFill>
+                  <a:srgbClr val="222222"/>
+                </a:solidFill>
+                <a:latin typeface="Arial Narrow" panose="020B0606020202030204" pitchFamily="34" charset="0"/>
+              </a:rPr>
+              <a:t>Word Embeddings vs One-Hot Encoding</a:t>
+            </a:r>
+          </a:p>
+        </p:txBody>
+      </p:sp>
+      <p:sp>
+        <p:nvSpPr>
           <p:cNvPr id="6" name="직사각형 5">
             <a:extLst>
               <a:ext uri="{FF2B5EF4-FFF2-40B4-BE49-F238E27FC236}">
@@ -8117,7 +8619,7 @@
                 </a:solidFill>
                 <a:latin typeface="Arial Narrow" panose="020B0606020202030204" pitchFamily="34" charset="0"/>
               </a:rPr>
-              <a:t>Introduction to sequential and timeseries data</a:t>
+              <a:t>Introduction to natural language processing</a:t>
             </a:r>
             <a:endParaRPr lang="en-US" altLang="ko-KR" sz="2800" dirty="0">
               <a:latin typeface="Arial Narrow" panose="020B0606020202030204" pitchFamily="34" charset="0"/>
@@ -8126,76 +8628,1488 @@
           </a:p>
         </p:txBody>
       </p:sp>
-      <p:sp>
-        <p:nvSpPr>
-          <p:cNvPr id="2" name="직사각형 1">
+      <p:graphicFrame>
+        <p:nvGraphicFramePr>
+          <p:cNvPr id="7" name="표 7">
             <a:extLst>
               <a:ext uri="{FF2B5EF4-FFF2-40B4-BE49-F238E27FC236}">
-                <a16:creationId xmlns:a16="http://schemas.microsoft.com/office/drawing/2014/main" id="{24539B91-7724-8C2D-4000-9B98731F9B3C}"/>
+                <a16:creationId xmlns:a16="http://schemas.microsoft.com/office/drawing/2014/main" id="{15E1A8A5-576D-F0D2-6C0A-B34B84229F79}"/>
               </a:ext>
             </a:extLst>
           </p:cNvPr>
-          <p:cNvSpPr/>
-          <p:nvPr/>
-        </p:nvSpPr>
-        <p:spPr>
-          <a:xfrm>
-            <a:off x="328771" y="1139130"/>
-            <a:ext cx="8742077" cy="1049775"/>
-          </a:xfrm>
-          <a:prstGeom prst="rect">
-            <a:avLst/>
-          </a:prstGeom>
-        </p:spPr>
-        <p:txBody>
-          <a:bodyPr wrap="square">
-            <a:spAutoFit/>
-          </a:bodyPr>
-          <a:lstStyle/>
-          <a:p>
-            <a:pPr marL="284400" indent="-284400">
-              <a:lnSpc>
-                <a:spcPct val="150000"/>
-              </a:lnSpc>
-              <a:buFont typeface="Arial" panose="020B0604020202020204" pitchFamily="34" charset="0"/>
-              <a:buChar char="•"/>
-            </a:pPr>
-            <a:r>
-              <a:rPr lang="en-US" altLang="ko-KR" sz="2400" dirty="0">
-                <a:solidFill>
-                  <a:srgbClr val="222222"/>
-                </a:solidFill>
-                <a:latin typeface="Arial Narrow" panose="020B0606020202030204" pitchFamily="34" charset="0"/>
-              </a:rPr>
-              <a:t>One-hot encoding</a:t>
-            </a:r>
-          </a:p>
-          <a:p>
-            <a:pPr marL="741600" lvl="1" indent="-284400">
-              <a:lnSpc>
-                <a:spcPct val="150000"/>
-              </a:lnSpc>
-              <a:buFont typeface="Arial" panose="020B0604020202020204" pitchFamily="34" charset="0"/>
-              <a:buChar char="•"/>
-            </a:pPr>
-            <a:r>
-              <a:rPr lang="en-US" altLang="ko-KR" sz="2000" dirty="0">
-                <a:solidFill>
-                  <a:srgbClr val="222222"/>
-                </a:solidFill>
-                <a:latin typeface="Arial Narrow" panose="020B0606020202030204" pitchFamily="34" charset="0"/>
-              </a:rPr>
-              <a:t>How to conduct one-hot encoding?</a:t>
-            </a:r>
-          </a:p>
-        </p:txBody>
-      </p:sp>
-      <p:sp>
-        <p:nvSpPr>
-          <p:cNvPr id="4" name="TextBox 3">
+          <p:cNvGraphicFramePr>
+            <a:graphicFrameLocks noGrp="1"/>
+          </p:cNvGraphicFramePr>
+          <p:nvPr>
+            <p:extLst>
+              <p:ext uri="{D42A27DB-BD31-4B8C-83A1-F6EECF244321}">
+                <p14:modId xmlns:p14="http://schemas.microsoft.com/office/powerpoint/2010/main" val="4005028513"/>
+              </p:ext>
+            </p:extLst>
+          </p:nvPr>
+        </p:nvGraphicFramePr>
+        <p:xfrm>
+          <a:off x="2574502" y="2242547"/>
+          <a:ext cx="4267200" cy="1828800"/>
+        </p:xfrm>
+        <a:graphic>
+          <a:graphicData uri="http://schemas.openxmlformats.org/drawingml/2006/table">
+            <a:tbl>
+              <a:tblPr firstRow="1" bandRow="1">
+                <a:tableStyleId>{5940675A-B579-460E-94D1-54222C63F5DA}</a:tableStyleId>
+              </a:tblPr>
+              <a:tblGrid>
+                <a:gridCol w="609600">
+                  <a:extLst>
+                    <a:ext uri="{9D8B030D-6E8A-4147-A177-3AD203B41FA5}">
+                      <a16:colId xmlns:a16="http://schemas.microsoft.com/office/drawing/2014/main" val="3192334174"/>
+                    </a:ext>
+                  </a:extLst>
+                </a:gridCol>
+                <a:gridCol w="609600">
+                  <a:extLst>
+                    <a:ext uri="{9D8B030D-6E8A-4147-A177-3AD203B41FA5}">
+                      <a16:colId xmlns:a16="http://schemas.microsoft.com/office/drawing/2014/main" val="3810395283"/>
+                    </a:ext>
+                  </a:extLst>
+                </a:gridCol>
+                <a:gridCol w="609600">
+                  <a:extLst>
+                    <a:ext uri="{9D8B030D-6E8A-4147-A177-3AD203B41FA5}">
+                      <a16:colId xmlns:a16="http://schemas.microsoft.com/office/drawing/2014/main" val="1215230586"/>
+                    </a:ext>
+                  </a:extLst>
+                </a:gridCol>
+                <a:gridCol w="609600">
+                  <a:extLst>
+                    <a:ext uri="{9D8B030D-6E8A-4147-A177-3AD203B41FA5}">
+                      <a16:colId xmlns:a16="http://schemas.microsoft.com/office/drawing/2014/main" val="512058223"/>
+                    </a:ext>
+                  </a:extLst>
+                </a:gridCol>
+                <a:gridCol w="609600">
+                  <a:extLst>
+                    <a:ext uri="{9D8B030D-6E8A-4147-A177-3AD203B41FA5}">
+                      <a16:colId xmlns:a16="http://schemas.microsoft.com/office/drawing/2014/main" val="1925179512"/>
+                    </a:ext>
+                  </a:extLst>
+                </a:gridCol>
+                <a:gridCol w="609600">
+                  <a:extLst>
+                    <a:ext uri="{9D8B030D-6E8A-4147-A177-3AD203B41FA5}">
+                      <a16:colId xmlns:a16="http://schemas.microsoft.com/office/drawing/2014/main" val="1571155361"/>
+                    </a:ext>
+                  </a:extLst>
+                </a:gridCol>
+                <a:gridCol w="609600">
+                  <a:extLst>
+                    <a:ext uri="{9D8B030D-6E8A-4147-A177-3AD203B41FA5}">
+                      <a16:colId xmlns:a16="http://schemas.microsoft.com/office/drawing/2014/main" val="1778041225"/>
+                    </a:ext>
+                  </a:extLst>
+                </a:gridCol>
+              </a:tblGrid>
+              <a:tr h="181301">
+                <a:tc>
+                  <a:txBody>
+                    <a:bodyPr/>
+                    <a:lstStyle/>
+                    <a:p>
+                      <a:pPr algn="ctr" latinLnBrk="1"/>
+                      <a:r>
+                        <a:rPr lang="en-US" altLang="ko-KR" sz="1400" dirty="0"/>
+                        <a:t>0</a:t>
+                      </a:r>
+                      <a:endParaRPr lang="ko-KR" altLang="en-US" sz="1400" dirty="0"/>
+                    </a:p>
+                  </a:txBody>
+                  <a:tcPr/>
+                </a:tc>
+                <a:tc>
+                  <a:txBody>
+                    <a:bodyPr/>
+                    <a:lstStyle/>
+                    <a:p>
+                      <a:pPr algn="ctr" latinLnBrk="1"/>
+                      <a:r>
+                        <a:rPr lang="en-US" altLang="ko-KR" sz="1400" dirty="0"/>
+                        <a:t>1</a:t>
+                      </a:r>
+                      <a:endParaRPr lang="ko-KR" altLang="en-US" sz="1400" dirty="0"/>
+                    </a:p>
+                  </a:txBody>
+                  <a:tcPr/>
+                </a:tc>
+                <a:tc>
+                  <a:txBody>
+                    <a:bodyPr/>
+                    <a:lstStyle/>
+                    <a:p>
+                      <a:pPr algn="ctr" latinLnBrk="1"/>
+                      <a:r>
+                        <a:rPr lang="en-US" altLang="ko-KR" sz="1400" dirty="0"/>
+                        <a:t>0</a:t>
+                      </a:r>
+                      <a:endParaRPr lang="ko-KR" altLang="en-US" sz="1400" dirty="0"/>
+                    </a:p>
+                  </a:txBody>
+                  <a:tcPr/>
+                </a:tc>
+                <a:tc>
+                  <a:txBody>
+                    <a:bodyPr/>
+                    <a:lstStyle/>
+                    <a:p>
+                      <a:pPr algn="ctr" latinLnBrk="1"/>
+                      <a:r>
+                        <a:rPr lang="en-US" altLang="ko-KR" sz="1400" dirty="0"/>
+                        <a:t>0</a:t>
+                      </a:r>
+                      <a:endParaRPr lang="ko-KR" altLang="en-US" sz="1400" dirty="0"/>
+                    </a:p>
+                  </a:txBody>
+                  <a:tcPr/>
+                </a:tc>
+                <a:tc>
+                  <a:txBody>
+                    <a:bodyPr/>
+                    <a:lstStyle/>
+                    <a:p>
+                      <a:pPr algn="ctr" latinLnBrk="1"/>
+                      <a:r>
+                        <a:rPr lang="en-US" altLang="ko-KR" sz="1400" dirty="0"/>
+                        <a:t>0</a:t>
+                      </a:r>
+                      <a:endParaRPr lang="ko-KR" altLang="en-US" sz="1400" dirty="0"/>
+                    </a:p>
+                  </a:txBody>
+                  <a:tcPr/>
+                </a:tc>
+                <a:tc>
+                  <a:txBody>
+                    <a:bodyPr/>
+                    <a:lstStyle/>
+                    <a:p>
+                      <a:pPr algn="ctr" latinLnBrk="1"/>
+                      <a:r>
+                        <a:rPr lang="en-US" altLang="ko-KR" sz="1400" dirty="0"/>
+                        <a:t>0</a:t>
+                      </a:r>
+                      <a:endParaRPr lang="ko-KR" altLang="en-US" sz="1400" dirty="0"/>
+                    </a:p>
+                  </a:txBody>
+                  <a:tcPr/>
+                </a:tc>
+                <a:tc>
+                  <a:txBody>
+                    <a:bodyPr/>
+                    <a:lstStyle/>
+                    <a:p>
+                      <a:pPr algn="ctr" latinLnBrk="1"/>
+                      <a:r>
+                        <a:rPr lang="en-US" altLang="ko-KR" sz="1400" dirty="0"/>
+                        <a:t>0</a:t>
+                      </a:r>
+                      <a:endParaRPr lang="ko-KR" altLang="en-US" sz="1400" dirty="0"/>
+                    </a:p>
+                  </a:txBody>
+                  <a:tcPr/>
+                </a:tc>
+                <a:extLst>
+                  <a:ext uri="{0D108BD9-81ED-4DB2-BD59-A6C34878D82A}">
+                    <a16:rowId xmlns:a16="http://schemas.microsoft.com/office/drawing/2014/main" val="3220178390"/>
+                  </a:ext>
+                </a:extLst>
+              </a:tr>
+              <a:tr h="181301">
+                <a:tc>
+                  <a:txBody>
+                    <a:bodyPr/>
+                    <a:lstStyle/>
+                    <a:p>
+                      <a:pPr algn="ctr" latinLnBrk="1"/>
+                      <a:r>
+                        <a:rPr lang="en-US" altLang="ko-KR" sz="1400" dirty="0"/>
+                        <a:t>0</a:t>
+                      </a:r>
+                      <a:endParaRPr lang="ko-KR" altLang="en-US" sz="1400" dirty="0"/>
+                    </a:p>
+                  </a:txBody>
+                  <a:tcPr/>
+                </a:tc>
+                <a:tc>
+                  <a:txBody>
+                    <a:bodyPr/>
+                    <a:lstStyle/>
+                    <a:p>
+                      <a:pPr algn="ctr" latinLnBrk="1"/>
+                      <a:r>
+                        <a:rPr lang="en-US" altLang="ko-KR" sz="1400" dirty="0"/>
+                        <a:t>0</a:t>
+                      </a:r>
+                      <a:endParaRPr lang="ko-KR" altLang="en-US" sz="1400" dirty="0"/>
+                    </a:p>
+                  </a:txBody>
+                  <a:tcPr/>
+                </a:tc>
+                <a:tc>
+                  <a:txBody>
+                    <a:bodyPr/>
+                    <a:lstStyle/>
+                    <a:p>
+                      <a:pPr algn="ctr" latinLnBrk="1"/>
+                      <a:r>
+                        <a:rPr lang="en-US" altLang="ko-KR" sz="1400" dirty="0"/>
+                        <a:t>1</a:t>
+                      </a:r>
+                      <a:endParaRPr lang="ko-KR" altLang="en-US" sz="1400" dirty="0"/>
+                    </a:p>
+                  </a:txBody>
+                  <a:tcPr/>
+                </a:tc>
+                <a:tc>
+                  <a:txBody>
+                    <a:bodyPr/>
+                    <a:lstStyle/>
+                    <a:p>
+                      <a:pPr algn="ctr" latinLnBrk="1"/>
+                      <a:r>
+                        <a:rPr lang="en-US" altLang="ko-KR" sz="1400" dirty="0"/>
+                        <a:t>0</a:t>
+                      </a:r>
+                      <a:endParaRPr lang="ko-KR" altLang="en-US" sz="1400" dirty="0"/>
+                    </a:p>
+                  </a:txBody>
+                  <a:tcPr/>
+                </a:tc>
+                <a:tc>
+                  <a:txBody>
+                    <a:bodyPr/>
+                    <a:lstStyle/>
+                    <a:p>
+                      <a:pPr algn="ctr" latinLnBrk="1"/>
+                      <a:r>
+                        <a:rPr lang="en-US" altLang="ko-KR" sz="1400" dirty="0"/>
+                        <a:t>0</a:t>
+                      </a:r>
+                      <a:endParaRPr lang="ko-KR" altLang="en-US" sz="1400" dirty="0"/>
+                    </a:p>
+                  </a:txBody>
+                  <a:tcPr/>
+                </a:tc>
+                <a:tc>
+                  <a:txBody>
+                    <a:bodyPr/>
+                    <a:lstStyle/>
+                    <a:p>
+                      <a:pPr algn="ctr" latinLnBrk="1"/>
+                      <a:r>
+                        <a:rPr lang="en-US" altLang="ko-KR" sz="1400" dirty="0"/>
+                        <a:t>0</a:t>
+                      </a:r>
+                      <a:endParaRPr lang="ko-KR" altLang="en-US" sz="1400" dirty="0"/>
+                    </a:p>
+                  </a:txBody>
+                  <a:tcPr/>
+                </a:tc>
+                <a:tc>
+                  <a:txBody>
+                    <a:bodyPr/>
+                    <a:lstStyle/>
+                    <a:p>
+                      <a:pPr algn="ctr" latinLnBrk="1"/>
+                      <a:r>
+                        <a:rPr lang="en-US" altLang="ko-KR" sz="1400" dirty="0"/>
+                        <a:t>0</a:t>
+                      </a:r>
+                      <a:endParaRPr lang="ko-KR" altLang="en-US" sz="1400" dirty="0"/>
+                    </a:p>
+                  </a:txBody>
+                  <a:tcPr/>
+                </a:tc>
+                <a:extLst>
+                  <a:ext uri="{0D108BD9-81ED-4DB2-BD59-A6C34878D82A}">
+                    <a16:rowId xmlns:a16="http://schemas.microsoft.com/office/drawing/2014/main" val="517937284"/>
+                  </a:ext>
+                </a:extLst>
+              </a:tr>
+              <a:tr h="181301">
+                <a:tc>
+                  <a:txBody>
+                    <a:bodyPr/>
+                    <a:lstStyle/>
+                    <a:p>
+                      <a:pPr algn="ctr" latinLnBrk="1"/>
+                      <a:r>
+                        <a:rPr lang="en-US" altLang="ko-KR" sz="1400" dirty="0"/>
+                        <a:t>0</a:t>
+                      </a:r>
+                      <a:endParaRPr lang="ko-KR" altLang="en-US" sz="1400" dirty="0"/>
+                    </a:p>
+                  </a:txBody>
+                  <a:tcPr/>
+                </a:tc>
+                <a:tc>
+                  <a:txBody>
+                    <a:bodyPr/>
+                    <a:lstStyle/>
+                    <a:p>
+                      <a:pPr algn="ctr" latinLnBrk="1"/>
+                      <a:r>
+                        <a:rPr lang="en-US" altLang="ko-KR" sz="1400" dirty="0"/>
+                        <a:t>0</a:t>
+                      </a:r>
+                      <a:endParaRPr lang="ko-KR" altLang="en-US" sz="1400" dirty="0"/>
+                    </a:p>
+                  </a:txBody>
+                  <a:tcPr/>
+                </a:tc>
+                <a:tc>
+                  <a:txBody>
+                    <a:bodyPr/>
+                    <a:lstStyle/>
+                    <a:p>
+                      <a:pPr algn="ctr" latinLnBrk="1"/>
+                      <a:r>
+                        <a:rPr lang="en-US" altLang="ko-KR" sz="1400" dirty="0"/>
+                        <a:t>0</a:t>
+                      </a:r>
+                      <a:endParaRPr lang="ko-KR" altLang="en-US" sz="1400" dirty="0"/>
+                    </a:p>
+                  </a:txBody>
+                  <a:tcPr/>
+                </a:tc>
+                <a:tc>
+                  <a:txBody>
+                    <a:bodyPr/>
+                    <a:lstStyle/>
+                    <a:p>
+                      <a:pPr algn="ctr" latinLnBrk="1"/>
+                      <a:r>
+                        <a:rPr lang="en-US" altLang="ko-KR" sz="1400" dirty="0"/>
+                        <a:t>1</a:t>
+                      </a:r>
+                      <a:endParaRPr lang="ko-KR" altLang="en-US" sz="1400" dirty="0"/>
+                    </a:p>
+                  </a:txBody>
+                  <a:tcPr/>
+                </a:tc>
+                <a:tc>
+                  <a:txBody>
+                    <a:bodyPr/>
+                    <a:lstStyle/>
+                    <a:p>
+                      <a:pPr algn="ctr" latinLnBrk="1"/>
+                      <a:r>
+                        <a:rPr lang="en-US" altLang="ko-KR" sz="1400" dirty="0"/>
+                        <a:t>0</a:t>
+                      </a:r>
+                      <a:endParaRPr lang="ko-KR" altLang="en-US" sz="1400" dirty="0"/>
+                    </a:p>
+                  </a:txBody>
+                  <a:tcPr/>
+                </a:tc>
+                <a:tc>
+                  <a:txBody>
+                    <a:bodyPr/>
+                    <a:lstStyle/>
+                    <a:p>
+                      <a:pPr algn="ctr" latinLnBrk="1"/>
+                      <a:r>
+                        <a:rPr lang="en-US" altLang="ko-KR" sz="1400" dirty="0"/>
+                        <a:t>0</a:t>
+                      </a:r>
+                      <a:endParaRPr lang="ko-KR" altLang="en-US" sz="1400" dirty="0"/>
+                    </a:p>
+                  </a:txBody>
+                  <a:tcPr/>
+                </a:tc>
+                <a:tc>
+                  <a:txBody>
+                    <a:bodyPr/>
+                    <a:lstStyle/>
+                    <a:p>
+                      <a:pPr algn="ctr" latinLnBrk="1"/>
+                      <a:r>
+                        <a:rPr lang="en-US" altLang="ko-KR" sz="1400" dirty="0"/>
+                        <a:t>0</a:t>
+                      </a:r>
+                      <a:endParaRPr lang="ko-KR" altLang="en-US" sz="1400" dirty="0"/>
+                    </a:p>
+                  </a:txBody>
+                  <a:tcPr/>
+                </a:tc>
+                <a:extLst>
+                  <a:ext uri="{0D108BD9-81ED-4DB2-BD59-A6C34878D82A}">
+                    <a16:rowId xmlns:a16="http://schemas.microsoft.com/office/drawing/2014/main" val="3006731820"/>
+                  </a:ext>
+                </a:extLst>
+              </a:tr>
+              <a:tr h="181301">
+                <a:tc>
+                  <a:txBody>
+                    <a:bodyPr/>
+                    <a:lstStyle/>
+                    <a:p>
+                      <a:pPr algn="ctr" latinLnBrk="1"/>
+                      <a:r>
+                        <a:rPr lang="en-US" altLang="ko-KR" sz="1400" dirty="0"/>
+                        <a:t>0</a:t>
+                      </a:r>
+                      <a:endParaRPr lang="ko-KR" altLang="en-US" sz="1400" dirty="0"/>
+                    </a:p>
+                  </a:txBody>
+                  <a:tcPr/>
+                </a:tc>
+                <a:tc>
+                  <a:txBody>
+                    <a:bodyPr/>
+                    <a:lstStyle/>
+                    <a:p>
+                      <a:pPr algn="ctr" latinLnBrk="1"/>
+                      <a:r>
+                        <a:rPr lang="en-US" altLang="ko-KR" sz="1400" dirty="0"/>
+                        <a:t>0</a:t>
+                      </a:r>
+                      <a:endParaRPr lang="ko-KR" altLang="en-US" sz="1400" dirty="0"/>
+                    </a:p>
+                  </a:txBody>
+                  <a:tcPr/>
+                </a:tc>
+                <a:tc>
+                  <a:txBody>
+                    <a:bodyPr/>
+                    <a:lstStyle/>
+                    <a:p>
+                      <a:pPr algn="ctr" latinLnBrk="1"/>
+                      <a:r>
+                        <a:rPr lang="en-US" altLang="ko-KR" sz="1400" dirty="0"/>
+                        <a:t>0</a:t>
+                      </a:r>
+                      <a:endParaRPr lang="ko-KR" altLang="en-US" sz="1400" dirty="0"/>
+                    </a:p>
+                  </a:txBody>
+                  <a:tcPr/>
+                </a:tc>
+                <a:tc>
+                  <a:txBody>
+                    <a:bodyPr/>
+                    <a:lstStyle/>
+                    <a:p>
+                      <a:pPr algn="ctr" latinLnBrk="1"/>
+                      <a:r>
+                        <a:rPr lang="en-US" altLang="ko-KR" sz="1400" dirty="0"/>
+                        <a:t>0</a:t>
+                      </a:r>
+                      <a:endParaRPr lang="ko-KR" altLang="en-US" sz="1400" dirty="0"/>
+                    </a:p>
+                  </a:txBody>
+                  <a:tcPr/>
+                </a:tc>
+                <a:tc>
+                  <a:txBody>
+                    <a:bodyPr/>
+                    <a:lstStyle/>
+                    <a:p>
+                      <a:pPr algn="ctr" latinLnBrk="1"/>
+                      <a:r>
+                        <a:rPr lang="en-US" altLang="ko-KR" sz="1400" dirty="0"/>
+                        <a:t>1</a:t>
+                      </a:r>
+                      <a:endParaRPr lang="ko-KR" altLang="en-US" sz="1400" dirty="0"/>
+                    </a:p>
+                  </a:txBody>
+                  <a:tcPr/>
+                </a:tc>
+                <a:tc>
+                  <a:txBody>
+                    <a:bodyPr/>
+                    <a:lstStyle/>
+                    <a:p>
+                      <a:pPr algn="ctr" latinLnBrk="1"/>
+                      <a:r>
+                        <a:rPr lang="en-US" altLang="ko-KR" sz="1400" dirty="0"/>
+                        <a:t>0</a:t>
+                      </a:r>
+                      <a:endParaRPr lang="ko-KR" altLang="en-US" sz="1400" dirty="0"/>
+                    </a:p>
+                  </a:txBody>
+                  <a:tcPr/>
+                </a:tc>
+                <a:tc>
+                  <a:txBody>
+                    <a:bodyPr/>
+                    <a:lstStyle/>
+                    <a:p>
+                      <a:pPr algn="ctr" latinLnBrk="1"/>
+                      <a:r>
+                        <a:rPr lang="en-US" altLang="ko-KR" sz="1400" dirty="0"/>
+                        <a:t>0</a:t>
+                      </a:r>
+                      <a:endParaRPr lang="ko-KR" altLang="en-US" sz="1400" dirty="0"/>
+                    </a:p>
+                  </a:txBody>
+                  <a:tcPr/>
+                </a:tc>
+                <a:extLst>
+                  <a:ext uri="{0D108BD9-81ED-4DB2-BD59-A6C34878D82A}">
+                    <a16:rowId xmlns:a16="http://schemas.microsoft.com/office/drawing/2014/main" val="505219452"/>
+                  </a:ext>
+                </a:extLst>
+              </a:tr>
+              <a:tr h="181301">
+                <a:tc>
+                  <a:txBody>
+                    <a:bodyPr/>
+                    <a:lstStyle/>
+                    <a:p>
+                      <a:pPr algn="ctr" latinLnBrk="1"/>
+                      <a:r>
+                        <a:rPr lang="en-US" altLang="ko-KR" sz="1400" dirty="0"/>
+                        <a:t>0</a:t>
+                      </a:r>
+                      <a:endParaRPr lang="ko-KR" altLang="en-US" sz="1400" dirty="0"/>
+                    </a:p>
+                  </a:txBody>
+                  <a:tcPr/>
+                </a:tc>
+                <a:tc>
+                  <a:txBody>
+                    <a:bodyPr/>
+                    <a:lstStyle/>
+                    <a:p>
+                      <a:pPr algn="ctr" latinLnBrk="1"/>
+                      <a:r>
+                        <a:rPr lang="en-US" altLang="ko-KR" sz="1400" dirty="0"/>
+                        <a:t>0</a:t>
+                      </a:r>
+                      <a:endParaRPr lang="ko-KR" altLang="en-US" sz="1400" dirty="0"/>
+                    </a:p>
+                  </a:txBody>
+                  <a:tcPr/>
+                </a:tc>
+                <a:tc>
+                  <a:txBody>
+                    <a:bodyPr/>
+                    <a:lstStyle/>
+                    <a:p>
+                      <a:pPr algn="ctr" latinLnBrk="1"/>
+                      <a:r>
+                        <a:rPr lang="en-US" altLang="ko-KR" sz="1400" dirty="0"/>
+                        <a:t>0</a:t>
+                      </a:r>
+                      <a:endParaRPr lang="ko-KR" altLang="en-US" sz="1400" dirty="0"/>
+                    </a:p>
+                  </a:txBody>
+                  <a:tcPr/>
+                </a:tc>
+                <a:tc>
+                  <a:txBody>
+                    <a:bodyPr/>
+                    <a:lstStyle/>
+                    <a:p>
+                      <a:pPr algn="ctr" latinLnBrk="1"/>
+                      <a:r>
+                        <a:rPr lang="en-US" altLang="ko-KR" sz="1400" dirty="0"/>
+                        <a:t>0</a:t>
+                      </a:r>
+                      <a:endParaRPr lang="ko-KR" altLang="en-US" sz="1400" dirty="0"/>
+                    </a:p>
+                  </a:txBody>
+                  <a:tcPr/>
+                </a:tc>
+                <a:tc>
+                  <a:txBody>
+                    <a:bodyPr/>
+                    <a:lstStyle/>
+                    <a:p>
+                      <a:pPr algn="ctr" latinLnBrk="1"/>
+                      <a:r>
+                        <a:rPr lang="en-US" altLang="ko-KR" sz="1400" dirty="0"/>
+                        <a:t>0</a:t>
+                      </a:r>
+                      <a:endParaRPr lang="ko-KR" altLang="en-US" sz="1400" dirty="0"/>
+                    </a:p>
+                  </a:txBody>
+                  <a:tcPr/>
+                </a:tc>
+                <a:tc>
+                  <a:txBody>
+                    <a:bodyPr/>
+                    <a:lstStyle/>
+                    <a:p>
+                      <a:pPr algn="ctr" latinLnBrk="1"/>
+                      <a:r>
+                        <a:rPr lang="en-US" altLang="ko-KR" sz="1400" dirty="0"/>
+                        <a:t>1</a:t>
+                      </a:r>
+                      <a:endParaRPr lang="ko-KR" altLang="en-US" sz="1400" dirty="0"/>
+                    </a:p>
+                  </a:txBody>
+                  <a:tcPr/>
+                </a:tc>
+                <a:tc>
+                  <a:txBody>
+                    <a:bodyPr/>
+                    <a:lstStyle/>
+                    <a:p>
+                      <a:pPr algn="ctr" latinLnBrk="1"/>
+                      <a:r>
+                        <a:rPr lang="en-US" altLang="ko-KR" sz="1400" dirty="0"/>
+                        <a:t>0</a:t>
+                      </a:r>
+                      <a:endParaRPr lang="ko-KR" altLang="en-US" sz="1400" dirty="0"/>
+                    </a:p>
+                  </a:txBody>
+                  <a:tcPr/>
+                </a:tc>
+                <a:extLst>
+                  <a:ext uri="{0D108BD9-81ED-4DB2-BD59-A6C34878D82A}">
+                    <a16:rowId xmlns:a16="http://schemas.microsoft.com/office/drawing/2014/main" val="852908928"/>
+                  </a:ext>
+                </a:extLst>
+              </a:tr>
+              <a:tr h="181301">
+                <a:tc>
+                  <a:txBody>
+                    <a:bodyPr/>
+                    <a:lstStyle/>
+                    <a:p>
+                      <a:pPr algn="ctr" latinLnBrk="1"/>
+                      <a:r>
+                        <a:rPr lang="en-US" altLang="ko-KR" sz="1400" dirty="0"/>
+                        <a:t>0</a:t>
+                      </a:r>
+                      <a:endParaRPr lang="ko-KR" altLang="en-US" sz="1400" dirty="0"/>
+                    </a:p>
+                  </a:txBody>
+                  <a:tcPr/>
+                </a:tc>
+                <a:tc>
+                  <a:txBody>
+                    <a:bodyPr/>
+                    <a:lstStyle/>
+                    <a:p>
+                      <a:pPr algn="ctr" latinLnBrk="1"/>
+                      <a:r>
+                        <a:rPr lang="en-US" altLang="ko-KR" sz="1400" dirty="0"/>
+                        <a:t>0</a:t>
+                      </a:r>
+                      <a:endParaRPr lang="ko-KR" altLang="en-US" sz="1400" dirty="0"/>
+                    </a:p>
+                  </a:txBody>
+                  <a:tcPr/>
+                </a:tc>
+                <a:tc>
+                  <a:txBody>
+                    <a:bodyPr/>
+                    <a:lstStyle/>
+                    <a:p>
+                      <a:pPr algn="ctr" latinLnBrk="1"/>
+                      <a:r>
+                        <a:rPr lang="en-US" altLang="ko-KR" sz="1400" dirty="0"/>
+                        <a:t>0</a:t>
+                      </a:r>
+                      <a:endParaRPr lang="ko-KR" altLang="en-US" sz="1400" dirty="0"/>
+                    </a:p>
+                  </a:txBody>
+                  <a:tcPr/>
+                </a:tc>
+                <a:tc>
+                  <a:txBody>
+                    <a:bodyPr/>
+                    <a:lstStyle/>
+                    <a:p>
+                      <a:pPr algn="ctr" latinLnBrk="1"/>
+                      <a:r>
+                        <a:rPr lang="en-US" altLang="ko-KR" sz="1400" dirty="0"/>
+                        <a:t>0</a:t>
+                      </a:r>
+                      <a:endParaRPr lang="ko-KR" altLang="en-US" sz="1400" dirty="0"/>
+                    </a:p>
+                  </a:txBody>
+                  <a:tcPr/>
+                </a:tc>
+                <a:tc>
+                  <a:txBody>
+                    <a:bodyPr/>
+                    <a:lstStyle/>
+                    <a:p>
+                      <a:pPr algn="ctr" latinLnBrk="1"/>
+                      <a:r>
+                        <a:rPr lang="en-US" altLang="ko-KR" sz="1400" dirty="0"/>
+                        <a:t>0</a:t>
+                      </a:r>
+                      <a:endParaRPr lang="ko-KR" altLang="en-US" sz="1400" dirty="0"/>
+                    </a:p>
+                  </a:txBody>
+                  <a:tcPr/>
+                </a:tc>
+                <a:tc>
+                  <a:txBody>
+                    <a:bodyPr/>
+                    <a:lstStyle/>
+                    <a:p>
+                      <a:pPr algn="ctr" latinLnBrk="1"/>
+                      <a:r>
+                        <a:rPr lang="en-US" altLang="ko-KR" sz="1400" dirty="0"/>
+                        <a:t>0</a:t>
+                      </a:r>
+                      <a:endParaRPr lang="ko-KR" altLang="en-US" sz="1400" dirty="0"/>
+                    </a:p>
+                  </a:txBody>
+                  <a:tcPr/>
+                </a:tc>
+                <a:tc>
+                  <a:txBody>
+                    <a:bodyPr/>
+                    <a:lstStyle/>
+                    <a:p>
+                      <a:pPr algn="ctr" latinLnBrk="1"/>
+                      <a:r>
+                        <a:rPr lang="en-US" altLang="ko-KR" sz="1400" dirty="0"/>
+                        <a:t>1</a:t>
+                      </a:r>
+                      <a:endParaRPr lang="ko-KR" altLang="en-US" sz="1400" dirty="0"/>
+                    </a:p>
+                  </a:txBody>
+                  <a:tcPr/>
+                </a:tc>
+                <a:extLst>
+                  <a:ext uri="{0D108BD9-81ED-4DB2-BD59-A6C34878D82A}">
+                    <a16:rowId xmlns:a16="http://schemas.microsoft.com/office/drawing/2014/main" val="763874231"/>
+                  </a:ext>
+                </a:extLst>
+              </a:tr>
+            </a:tbl>
+          </a:graphicData>
+        </a:graphic>
+      </p:graphicFrame>
+      <p:graphicFrame>
+        <p:nvGraphicFramePr>
+          <p:cNvPr id="8" name="표 7">
             <a:extLst>
               <a:ext uri="{FF2B5EF4-FFF2-40B4-BE49-F238E27FC236}">
-                <a16:creationId xmlns:a16="http://schemas.microsoft.com/office/drawing/2014/main" id="{6C9D1B7A-5426-CD07-B7DF-D66456D7C253}"/>
+                <a16:creationId xmlns:a16="http://schemas.microsoft.com/office/drawing/2014/main" id="{93E03E5C-D3C4-2067-DDFF-9E10B9742485}"/>
+              </a:ext>
+            </a:extLst>
+          </p:cNvPr>
+          <p:cNvGraphicFramePr>
+            <a:graphicFrameLocks noGrp="1"/>
+          </p:cNvGraphicFramePr>
+          <p:nvPr>
+            <p:extLst>
+              <p:ext uri="{D42A27DB-BD31-4B8C-83A1-F6EECF244321}">
+                <p14:modId xmlns:p14="http://schemas.microsoft.com/office/powerpoint/2010/main" val="2120402836"/>
+              </p:ext>
+            </p:extLst>
+          </p:nvPr>
+        </p:nvGraphicFramePr>
+        <p:xfrm>
+          <a:off x="1451728" y="2241514"/>
+          <a:ext cx="1036949" cy="1828800"/>
+        </p:xfrm>
+        <a:graphic>
+          <a:graphicData uri="http://schemas.openxmlformats.org/drawingml/2006/table">
+            <a:tbl>
+              <a:tblPr firstRow="1" bandRow="1">
+                <a:tableStyleId>{5940675A-B579-460E-94D1-54222C63F5DA}</a:tableStyleId>
+              </a:tblPr>
+              <a:tblGrid>
+                <a:gridCol w="1036949">
+                  <a:extLst>
+                    <a:ext uri="{9D8B030D-6E8A-4147-A177-3AD203B41FA5}">
+                      <a16:colId xmlns:a16="http://schemas.microsoft.com/office/drawing/2014/main" val="16548843"/>
+                    </a:ext>
+                  </a:extLst>
+                </a:gridCol>
+              </a:tblGrid>
+              <a:tr h="213540">
+                <a:tc>
+                  <a:txBody>
+                    <a:bodyPr/>
+                    <a:lstStyle/>
+                    <a:p>
+                      <a:pPr algn="r" latinLnBrk="1"/>
+                      <a:r>
+                        <a:rPr lang="en-US" altLang="ko-KR" sz="1400" dirty="0"/>
+                        <a:t>We</a:t>
+                      </a:r>
+                      <a:endParaRPr lang="ko-KR" altLang="en-US" sz="1400" dirty="0"/>
+                    </a:p>
+                  </a:txBody>
+                  <a:tcPr/>
+                </a:tc>
+                <a:extLst>
+                  <a:ext uri="{0D108BD9-81ED-4DB2-BD59-A6C34878D82A}">
+                    <a16:rowId xmlns:a16="http://schemas.microsoft.com/office/drawing/2014/main" val="2391844433"/>
+                  </a:ext>
+                </a:extLst>
+              </a:tr>
+              <a:tr h="213540">
+                <a:tc>
+                  <a:txBody>
+                    <a:bodyPr/>
+                    <a:lstStyle/>
+                    <a:p>
+                      <a:pPr algn="r" latinLnBrk="1"/>
+                      <a:r>
+                        <a:rPr lang="en-US" altLang="ko-KR" sz="1400" dirty="0"/>
+                        <a:t>enjoy</a:t>
+                      </a:r>
+                      <a:endParaRPr lang="ko-KR" altLang="en-US" sz="1400" dirty="0"/>
+                    </a:p>
+                  </a:txBody>
+                  <a:tcPr/>
+                </a:tc>
+                <a:extLst>
+                  <a:ext uri="{0D108BD9-81ED-4DB2-BD59-A6C34878D82A}">
+                    <a16:rowId xmlns:a16="http://schemas.microsoft.com/office/drawing/2014/main" val="1823065810"/>
+                  </a:ext>
+                </a:extLst>
+              </a:tr>
+              <a:tr h="213540">
+                <a:tc>
+                  <a:txBody>
+                    <a:bodyPr/>
+                    <a:lstStyle/>
+                    <a:p>
+                      <a:pPr algn="r" latinLnBrk="1"/>
+                      <a:r>
+                        <a:rPr lang="en-US" altLang="ko-KR" sz="1400" dirty="0"/>
+                        <a:t>ice</a:t>
+                      </a:r>
+                      <a:endParaRPr lang="ko-KR" altLang="en-US" sz="1400" dirty="0"/>
+                    </a:p>
+                  </a:txBody>
+                  <a:tcPr/>
+                </a:tc>
+                <a:extLst>
+                  <a:ext uri="{0D108BD9-81ED-4DB2-BD59-A6C34878D82A}">
+                    <a16:rowId xmlns:a16="http://schemas.microsoft.com/office/drawing/2014/main" val="3101555175"/>
+                  </a:ext>
+                </a:extLst>
+              </a:tr>
+              <a:tr h="213540">
+                <a:tc>
+                  <a:txBody>
+                    <a:bodyPr/>
+                    <a:lstStyle/>
+                    <a:p>
+                      <a:pPr algn="r" latinLnBrk="1"/>
+                      <a:r>
+                        <a:rPr lang="en-US" altLang="ko-KR" sz="1400" dirty="0"/>
+                        <a:t>cream</a:t>
+                      </a:r>
+                      <a:endParaRPr lang="ko-KR" altLang="en-US" sz="1400" dirty="0"/>
+                    </a:p>
+                  </a:txBody>
+                  <a:tcPr/>
+                </a:tc>
+                <a:extLst>
+                  <a:ext uri="{0D108BD9-81ED-4DB2-BD59-A6C34878D82A}">
+                    <a16:rowId xmlns:a16="http://schemas.microsoft.com/office/drawing/2014/main" val="2099560689"/>
+                  </a:ext>
+                </a:extLst>
+              </a:tr>
+              <a:tr h="213540">
+                <a:tc>
+                  <a:txBody>
+                    <a:bodyPr/>
+                    <a:lstStyle/>
+                    <a:p>
+                      <a:pPr algn="r" latinLnBrk="1"/>
+                      <a:r>
+                        <a:rPr lang="en-US" altLang="ko-KR" sz="1400" dirty="0"/>
+                        <a:t>in</a:t>
+                      </a:r>
+                      <a:endParaRPr lang="ko-KR" altLang="en-US" sz="1400" dirty="0"/>
+                    </a:p>
+                  </a:txBody>
+                  <a:tcPr/>
+                </a:tc>
+                <a:extLst>
+                  <a:ext uri="{0D108BD9-81ED-4DB2-BD59-A6C34878D82A}">
+                    <a16:rowId xmlns:a16="http://schemas.microsoft.com/office/drawing/2014/main" val="999433888"/>
+                  </a:ext>
+                </a:extLst>
+              </a:tr>
+              <a:tr h="213540">
+                <a:tc>
+                  <a:txBody>
+                    <a:bodyPr/>
+                    <a:lstStyle/>
+                    <a:p>
+                      <a:pPr algn="r" latinLnBrk="1"/>
+                      <a:r>
+                        <a:rPr lang="en-US" altLang="ko-KR" sz="1400" dirty="0"/>
+                        <a:t>summer</a:t>
+                      </a:r>
+                      <a:endParaRPr lang="ko-KR" altLang="en-US" sz="1400" dirty="0"/>
+                    </a:p>
+                  </a:txBody>
+                  <a:tcPr/>
+                </a:tc>
+                <a:extLst>
+                  <a:ext uri="{0D108BD9-81ED-4DB2-BD59-A6C34878D82A}">
+                    <a16:rowId xmlns:a16="http://schemas.microsoft.com/office/drawing/2014/main" val="1533787237"/>
+                  </a:ext>
+                </a:extLst>
+              </a:tr>
+            </a:tbl>
+          </a:graphicData>
+        </a:graphic>
+      </p:graphicFrame>
+      <p:graphicFrame>
+        <p:nvGraphicFramePr>
+          <p:cNvPr id="12" name="표 7">
+            <a:extLst>
+              <a:ext uri="{FF2B5EF4-FFF2-40B4-BE49-F238E27FC236}">
+                <a16:creationId xmlns:a16="http://schemas.microsoft.com/office/drawing/2014/main" id="{578EF667-F3B9-E02B-1E37-6ED3EFD86F1D}"/>
+              </a:ext>
+            </a:extLst>
+          </p:cNvPr>
+          <p:cNvGraphicFramePr>
+            <a:graphicFrameLocks noGrp="1"/>
+          </p:cNvGraphicFramePr>
+          <p:nvPr>
+            <p:extLst>
+              <p:ext uri="{D42A27DB-BD31-4B8C-83A1-F6EECF244321}">
+                <p14:modId xmlns:p14="http://schemas.microsoft.com/office/powerpoint/2010/main" val="151935590"/>
+              </p:ext>
+            </p:extLst>
+          </p:nvPr>
+        </p:nvGraphicFramePr>
+        <p:xfrm>
+          <a:off x="2574502" y="4393426"/>
+          <a:ext cx="1828800" cy="1828800"/>
+        </p:xfrm>
+        <a:graphic>
+          <a:graphicData uri="http://schemas.openxmlformats.org/drawingml/2006/table">
+            <a:tbl>
+              <a:tblPr firstRow="1" bandRow="1">
+                <a:tableStyleId>{5940675A-B579-460E-94D1-54222C63F5DA}</a:tableStyleId>
+              </a:tblPr>
+              <a:tblGrid>
+                <a:gridCol w="609600">
+                  <a:extLst>
+                    <a:ext uri="{9D8B030D-6E8A-4147-A177-3AD203B41FA5}">
+                      <a16:colId xmlns:a16="http://schemas.microsoft.com/office/drawing/2014/main" val="3192334174"/>
+                    </a:ext>
+                  </a:extLst>
+                </a:gridCol>
+                <a:gridCol w="609600">
+                  <a:extLst>
+                    <a:ext uri="{9D8B030D-6E8A-4147-A177-3AD203B41FA5}">
+                      <a16:colId xmlns:a16="http://schemas.microsoft.com/office/drawing/2014/main" val="3810395283"/>
+                    </a:ext>
+                  </a:extLst>
+                </a:gridCol>
+                <a:gridCol w="609600">
+                  <a:extLst>
+                    <a:ext uri="{9D8B030D-6E8A-4147-A177-3AD203B41FA5}">
+                      <a16:colId xmlns:a16="http://schemas.microsoft.com/office/drawing/2014/main" val="1215230586"/>
+                    </a:ext>
+                  </a:extLst>
+                </a:gridCol>
+              </a:tblGrid>
+              <a:tr h="181301">
+                <a:tc>
+                  <a:txBody>
+                    <a:bodyPr/>
+                    <a:lstStyle/>
+                    <a:p>
+                      <a:pPr algn="ctr" latinLnBrk="1"/>
+                      <a:r>
+                        <a:rPr lang="en-US" altLang="ko-KR" sz="1400" dirty="0"/>
+                        <a:t>0.15</a:t>
+                      </a:r>
+                      <a:endParaRPr lang="ko-KR" altLang="en-US" sz="1400" dirty="0"/>
+                    </a:p>
+                  </a:txBody>
+                  <a:tcPr/>
+                </a:tc>
+                <a:tc>
+                  <a:txBody>
+                    <a:bodyPr/>
+                    <a:lstStyle/>
+                    <a:p>
+                      <a:pPr algn="ctr" latinLnBrk="1"/>
+                      <a:r>
+                        <a:rPr lang="en-US" altLang="ko-KR" sz="1400" dirty="0"/>
+                        <a:t>-0.1</a:t>
+                      </a:r>
+                      <a:endParaRPr lang="ko-KR" altLang="en-US" sz="1400" dirty="0"/>
+                    </a:p>
+                  </a:txBody>
+                  <a:tcPr/>
+                </a:tc>
+                <a:tc>
+                  <a:txBody>
+                    <a:bodyPr/>
+                    <a:lstStyle/>
+                    <a:p>
+                      <a:pPr algn="ctr" latinLnBrk="1"/>
+                      <a:r>
+                        <a:rPr lang="en-US" altLang="ko-KR" sz="1400" dirty="0"/>
+                        <a:t>1.23</a:t>
+                      </a:r>
+                      <a:endParaRPr lang="ko-KR" altLang="en-US" sz="1400" dirty="0"/>
+                    </a:p>
+                  </a:txBody>
+                  <a:tcPr/>
+                </a:tc>
+                <a:extLst>
+                  <a:ext uri="{0D108BD9-81ED-4DB2-BD59-A6C34878D82A}">
+                    <a16:rowId xmlns:a16="http://schemas.microsoft.com/office/drawing/2014/main" val="3220178390"/>
+                  </a:ext>
+                </a:extLst>
+              </a:tr>
+              <a:tr h="181301">
+                <a:tc>
+                  <a:txBody>
+                    <a:bodyPr/>
+                    <a:lstStyle/>
+                    <a:p>
+                      <a:pPr algn="ctr" latinLnBrk="1"/>
+                      <a:r>
+                        <a:rPr lang="en-US" altLang="ko-KR" sz="1400" dirty="0"/>
+                        <a:t>-2.12</a:t>
+                      </a:r>
+                      <a:endParaRPr lang="ko-KR" altLang="en-US" sz="1400" dirty="0"/>
+                    </a:p>
+                  </a:txBody>
+                  <a:tcPr/>
+                </a:tc>
+                <a:tc>
+                  <a:txBody>
+                    <a:bodyPr/>
+                    <a:lstStyle/>
+                    <a:p>
+                      <a:pPr algn="ctr" latinLnBrk="1"/>
+                      <a:r>
+                        <a:rPr lang="en-US" altLang="ko-KR" sz="1400" dirty="0"/>
+                        <a:t>-1.41</a:t>
+                      </a:r>
+                      <a:endParaRPr lang="ko-KR" altLang="en-US" sz="1400" dirty="0"/>
+                    </a:p>
+                  </a:txBody>
+                  <a:tcPr/>
+                </a:tc>
+                <a:tc>
+                  <a:txBody>
+                    <a:bodyPr/>
+                    <a:lstStyle/>
+                    <a:p>
+                      <a:pPr algn="ctr" latinLnBrk="1"/>
+                      <a:r>
+                        <a:rPr lang="en-US" altLang="ko-KR" sz="1400" dirty="0"/>
+                        <a:t>0.54</a:t>
+                      </a:r>
+                      <a:endParaRPr lang="ko-KR" altLang="en-US" sz="1400" dirty="0"/>
+                    </a:p>
+                  </a:txBody>
+                  <a:tcPr/>
+                </a:tc>
+                <a:extLst>
+                  <a:ext uri="{0D108BD9-81ED-4DB2-BD59-A6C34878D82A}">
+                    <a16:rowId xmlns:a16="http://schemas.microsoft.com/office/drawing/2014/main" val="517937284"/>
+                  </a:ext>
+                </a:extLst>
+              </a:tr>
+              <a:tr h="181301">
+                <a:tc>
+                  <a:txBody>
+                    <a:bodyPr/>
+                    <a:lstStyle/>
+                    <a:p>
+                      <a:pPr algn="ctr" latinLnBrk="1"/>
+                      <a:r>
+                        <a:rPr lang="en-US" altLang="ko-KR" sz="1400" dirty="0"/>
+                        <a:t>-1.89</a:t>
+                      </a:r>
+                      <a:endParaRPr lang="ko-KR" altLang="en-US" sz="1400" dirty="0"/>
+                    </a:p>
+                  </a:txBody>
+                  <a:tcPr/>
+                </a:tc>
+                <a:tc>
+                  <a:txBody>
+                    <a:bodyPr/>
+                    <a:lstStyle/>
+                    <a:p>
+                      <a:pPr algn="ctr" latinLnBrk="1"/>
+                      <a:r>
+                        <a:rPr lang="en-US" altLang="ko-KR" sz="1400" dirty="0"/>
+                        <a:t>0.1</a:t>
+                      </a:r>
+                      <a:endParaRPr lang="ko-KR" altLang="en-US" sz="1400" dirty="0"/>
+                    </a:p>
+                  </a:txBody>
+                  <a:tcPr/>
+                </a:tc>
+                <a:tc>
+                  <a:txBody>
+                    <a:bodyPr/>
+                    <a:lstStyle/>
+                    <a:p>
+                      <a:pPr algn="ctr" latinLnBrk="1"/>
+                      <a:r>
+                        <a:rPr lang="en-US" altLang="ko-KR" sz="1400" dirty="0"/>
+                        <a:t>0.89</a:t>
+                      </a:r>
+                      <a:endParaRPr lang="ko-KR" altLang="en-US" sz="1400" dirty="0"/>
+                    </a:p>
+                  </a:txBody>
+                  <a:tcPr/>
+                </a:tc>
+                <a:extLst>
+                  <a:ext uri="{0D108BD9-81ED-4DB2-BD59-A6C34878D82A}">
+                    <a16:rowId xmlns:a16="http://schemas.microsoft.com/office/drawing/2014/main" val="3006731820"/>
+                  </a:ext>
+                </a:extLst>
+              </a:tr>
+              <a:tr h="181301">
+                <a:tc>
+                  <a:txBody>
+                    <a:bodyPr/>
+                    <a:lstStyle/>
+                    <a:p>
+                      <a:pPr algn="ctr" latinLnBrk="1"/>
+                      <a:r>
+                        <a:rPr lang="en-US" altLang="ko-KR" sz="1400" dirty="0"/>
+                        <a:t>0.76</a:t>
+                      </a:r>
+                      <a:endParaRPr lang="ko-KR" altLang="en-US" sz="1400" dirty="0"/>
+                    </a:p>
+                  </a:txBody>
+                  <a:tcPr/>
+                </a:tc>
+                <a:tc>
+                  <a:txBody>
+                    <a:bodyPr/>
+                    <a:lstStyle/>
+                    <a:p>
+                      <a:pPr algn="ctr" latinLnBrk="1"/>
+                      <a:r>
+                        <a:rPr lang="en-US" altLang="ko-KR" sz="1400" dirty="0"/>
+                        <a:t>-0.57</a:t>
+                      </a:r>
+                      <a:endParaRPr lang="ko-KR" altLang="en-US" sz="1400" dirty="0"/>
+                    </a:p>
+                  </a:txBody>
+                  <a:tcPr/>
+                </a:tc>
+                <a:tc>
+                  <a:txBody>
+                    <a:bodyPr/>
+                    <a:lstStyle/>
+                    <a:p>
+                      <a:pPr algn="ctr" latinLnBrk="1"/>
+                      <a:r>
+                        <a:rPr lang="en-US" altLang="ko-KR" sz="1400" dirty="0"/>
+                        <a:t>1.67</a:t>
+                      </a:r>
+                      <a:endParaRPr lang="ko-KR" altLang="en-US" sz="1400" dirty="0"/>
+                    </a:p>
+                  </a:txBody>
+                  <a:tcPr/>
+                </a:tc>
+                <a:extLst>
+                  <a:ext uri="{0D108BD9-81ED-4DB2-BD59-A6C34878D82A}">
+                    <a16:rowId xmlns:a16="http://schemas.microsoft.com/office/drawing/2014/main" val="505219452"/>
+                  </a:ext>
+                </a:extLst>
+              </a:tr>
+              <a:tr h="181301">
+                <a:tc>
+                  <a:txBody>
+                    <a:bodyPr/>
+                    <a:lstStyle/>
+                    <a:p>
+                      <a:pPr algn="ctr" latinLnBrk="1"/>
+                      <a:r>
+                        <a:rPr lang="en-US" altLang="ko-KR" sz="1400" dirty="0"/>
+                        <a:t>1.25</a:t>
+                      </a:r>
+                      <a:endParaRPr lang="ko-KR" altLang="en-US" sz="1400" dirty="0"/>
+                    </a:p>
+                  </a:txBody>
+                  <a:tcPr/>
+                </a:tc>
+                <a:tc>
+                  <a:txBody>
+                    <a:bodyPr/>
+                    <a:lstStyle/>
+                    <a:p>
+                      <a:pPr algn="ctr" latinLnBrk="1"/>
+                      <a:r>
+                        <a:rPr lang="en-US" altLang="ko-KR" sz="1400" dirty="0"/>
+                        <a:t>1.61</a:t>
+                      </a:r>
+                      <a:endParaRPr lang="ko-KR" altLang="en-US" sz="1400" dirty="0"/>
+                    </a:p>
+                  </a:txBody>
+                  <a:tcPr/>
+                </a:tc>
+                <a:tc>
+                  <a:txBody>
+                    <a:bodyPr/>
+                    <a:lstStyle/>
+                    <a:p>
+                      <a:pPr algn="ctr" latinLnBrk="1"/>
+                      <a:r>
+                        <a:rPr lang="en-US" altLang="ko-KR" sz="1400" dirty="0"/>
+                        <a:t>0.87</a:t>
+                      </a:r>
+                      <a:endParaRPr lang="ko-KR" altLang="en-US" sz="1400" dirty="0"/>
+                    </a:p>
+                  </a:txBody>
+                  <a:tcPr/>
+                </a:tc>
+                <a:extLst>
+                  <a:ext uri="{0D108BD9-81ED-4DB2-BD59-A6C34878D82A}">
+                    <a16:rowId xmlns:a16="http://schemas.microsoft.com/office/drawing/2014/main" val="852908928"/>
+                  </a:ext>
+                </a:extLst>
+              </a:tr>
+              <a:tr h="181301">
+                <a:tc>
+                  <a:txBody>
+                    <a:bodyPr/>
+                    <a:lstStyle/>
+                    <a:p>
+                      <a:pPr algn="ctr" latinLnBrk="1"/>
+                      <a:r>
+                        <a:rPr lang="en-US" altLang="ko-KR" sz="1400" dirty="0"/>
+                        <a:t>1.54</a:t>
+                      </a:r>
+                      <a:endParaRPr lang="ko-KR" altLang="en-US" sz="1400" dirty="0"/>
+                    </a:p>
+                  </a:txBody>
+                  <a:tcPr/>
+                </a:tc>
+                <a:tc>
+                  <a:txBody>
+                    <a:bodyPr/>
+                    <a:lstStyle/>
+                    <a:p>
+                      <a:pPr algn="ctr" latinLnBrk="1"/>
+                      <a:r>
+                        <a:rPr lang="en-US" altLang="ko-KR" sz="1400" dirty="0"/>
+                        <a:t>0.97</a:t>
+                      </a:r>
+                      <a:endParaRPr lang="ko-KR" altLang="en-US" sz="1400" dirty="0"/>
+                    </a:p>
+                  </a:txBody>
+                  <a:tcPr/>
+                </a:tc>
+                <a:tc>
+                  <a:txBody>
+                    <a:bodyPr/>
+                    <a:lstStyle/>
+                    <a:p>
+                      <a:pPr algn="ctr" latinLnBrk="1"/>
+                      <a:r>
+                        <a:rPr lang="en-US" altLang="ko-KR" sz="1400" dirty="0"/>
+                        <a:t>-0.78</a:t>
+                      </a:r>
+                      <a:endParaRPr lang="ko-KR" altLang="en-US" sz="1400" dirty="0"/>
+                    </a:p>
+                  </a:txBody>
+                  <a:tcPr/>
+                </a:tc>
+                <a:extLst>
+                  <a:ext uri="{0D108BD9-81ED-4DB2-BD59-A6C34878D82A}">
+                    <a16:rowId xmlns:a16="http://schemas.microsoft.com/office/drawing/2014/main" val="763874231"/>
+                  </a:ext>
+                </a:extLst>
+              </a:tr>
+            </a:tbl>
+          </a:graphicData>
+        </a:graphic>
+      </p:graphicFrame>
+      <p:graphicFrame>
+        <p:nvGraphicFramePr>
+          <p:cNvPr id="13" name="표 12">
+            <a:extLst>
+              <a:ext uri="{FF2B5EF4-FFF2-40B4-BE49-F238E27FC236}">
+                <a16:creationId xmlns:a16="http://schemas.microsoft.com/office/drawing/2014/main" id="{B2CE4708-6B2A-D1E8-E4F5-9D4C078386A6}"/>
+              </a:ext>
+            </a:extLst>
+          </p:cNvPr>
+          <p:cNvGraphicFramePr>
+            <a:graphicFrameLocks noGrp="1"/>
+          </p:cNvGraphicFramePr>
+          <p:nvPr>
+            <p:extLst>
+              <p:ext uri="{D42A27DB-BD31-4B8C-83A1-F6EECF244321}">
+                <p14:modId xmlns:p14="http://schemas.microsoft.com/office/powerpoint/2010/main" val="1508115170"/>
+              </p:ext>
+            </p:extLst>
+          </p:nvPr>
+        </p:nvGraphicFramePr>
+        <p:xfrm>
+          <a:off x="1451728" y="4392393"/>
+          <a:ext cx="1036949" cy="1828800"/>
+        </p:xfrm>
+        <a:graphic>
+          <a:graphicData uri="http://schemas.openxmlformats.org/drawingml/2006/table">
+            <a:tbl>
+              <a:tblPr firstRow="1" bandRow="1">
+                <a:tableStyleId>{5940675A-B579-460E-94D1-54222C63F5DA}</a:tableStyleId>
+              </a:tblPr>
+              <a:tblGrid>
+                <a:gridCol w="1036949">
+                  <a:extLst>
+                    <a:ext uri="{9D8B030D-6E8A-4147-A177-3AD203B41FA5}">
+                      <a16:colId xmlns:a16="http://schemas.microsoft.com/office/drawing/2014/main" val="16548843"/>
+                    </a:ext>
+                  </a:extLst>
+                </a:gridCol>
+              </a:tblGrid>
+              <a:tr h="213540">
+                <a:tc>
+                  <a:txBody>
+                    <a:bodyPr/>
+                    <a:lstStyle/>
+                    <a:p>
+                      <a:pPr algn="r" latinLnBrk="1"/>
+                      <a:r>
+                        <a:rPr lang="en-US" altLang="ko-KR" sz="1400" dirty="0"/>
+                        <a:t>We</a:t>
+                      </a:r>
+                      <a:endParaRPr lang="ko-KR" altLang="en-US" sz="1400" dirty="0"/>
+                    </a:p>
+                  </a:txBody>
+                  <a:tcPr/>
+                </a:tc>
+                <a:extLst>
+                  <a:ext uri="{0D108BD9-81ED-4DB2-BD59-A6C34878D82A}">
+                    <a16:rowId xmlns:a16="http://schemas.microsoft.com/office/drawing/2014/main" val="2391844433"/>
+                  </a:ext>
+                </a:extLst>
+              </a:tr>
+              <a:tr h="213540">
+                <a:tc>
+                  <a:txBody>
+                    <a:bodyPr/>
+                    <a:lstStyle/>
+                    <a:p>
+                      <a:pPr algn="r" latinLnBrk="1"/>
+                      <a:r>
+                        <a:rPr lang="en-US" altLang="ko-KR" sz="1400" dirty="0"/>
+                        <a:t>enjoy</a:t>
+                      </a:r>
+                      <a:endParaRPr lang="ko-KR" altLang="en-US" sz="1400" dirty="0"/>
+                    </a:p>
+                  </a:txBody>
+                  <a:tcPr/>
+                </a:tc>
+                <a:extLst>
+                  <a:ext uri="{0D108BD9-81ED-4DB2-BD59-A6C34878D82A}">
+                    <a16:rowId xmlns:a16="http://schemas.microsoft.com/office/drawing/2014/main" val="1823065810"/>
+                  </a:ext>
+                </a:extLst>
+              </a:tr>
+              <a:tr h="213540">
+                <a:tc>
+                  <a:txBody>
+                    <a:bodyPr/>
+                    <a:lstStyle/>
+                    <a:p>
+                      <a:pPr algn="r" latinLnBrk="1"/>
+                      <a:r>
+                        <a:rPr lang="en-US" altLang="ko-KR" sz="1400" dirty="0"/>
+                        <a:t>ice</a:t>
+                      </a:r>
+                      <a:endParaRPr lang="ko-KR" altLang="en-US" sz="1400" dirty="0"/>
+                    </a:p>
+                  </a:txBody>
+                  <a:tcPr/>
+                </a:tc>
+                <a:extLst>
+                  <a:ext uri="{0D108BD9-81ED-4DB2-BD59-A6C34878D82A}">
+                    <a16:rowId xmlns:a16="http://schemas.microsoft.com/office/drawing/2014/main" val="3101555175"/>
+                  </a:ext>
+                </a:extLst>
+              </a:tr>
+              <a:tr h="213540">
+                <a:tc>
+                  <a:txBody>
+                    <a:bodyPr/>
+                    <a:lstStyle/>
+                    <a:p>
+                      <a:pPr algn="r" latinLnBrk="1"/>
+                      <a:r>
+                        <a:rPr lang="en-US" altLang="ko-KR" sz="1400" dirty="0"/>
+                        <a:t>cream</a:t>
+                      </a:r>
+                      <a:endParaRPr lang="ko-KR" altLang="en-US" sz="1400" dirty="0"/>
+                    </a:p>
+                  </a:txBody>
+                  <a:tcPr/>
+                </a:tc>
+                <a:extLst>
+                  <a:ext uri="{0D108BD9-81ED-4DB2-BD59-A6C34878D82A}">
+                    <a16:rowId xmlns:a16="http://schemas.microsoft.com/office/drawing/2014/main" val="2099560689"/>
+                  </a:ext>
+                </a:extLst>
+              </a:tr>
+              <a:tr h="213540">
+                <a:tc>
+                  <a:txBody>
+                    <a:bodyPr/>
+                    <a:lstStyle/>
+                    <a:p>
+                      <a:pPr algn="r" latinLnBrk="1"/>
+                      <a:r>
+                        <a:rPr lang="en-US" altLang="ko-KR" sz="1400" dirty="0"/>
+                        <a:t>in</a:t>
+                      </a:r>
+                      <a:endParaRPr lang="ko-KR" altLang="en-US" sz="1400" dirty="0"/>
+                    </a:p>
+                  </a:txBody>
+                  <a:tcPr/>
+                </a:tc>
+                <a:extLst>
+                  <a:ext uri="{0D108BD9-81ED-4DB2-BD59-A6C34878D82A}">
+                    <a16:rowId xmlns:a16="http://schemas.microsoft.com/office/drawing/2014/main" val="999433888"/>
+                  </a:ext>
+                </a:extLst>
+              </a:tr>
+              <a:tr h="213540">
+                <a:tc>
+                  <a:txBody>
+                    <a:bodyPr/>
+                    <a:lstStyle/>
+                    <a:p>
+                      <a:pPr algn="r" latinLnBrk="1"/>
+                      <a:r>
+                        <a:rPr lang="en-US" altLang="ko-KR" sz="1400" dirty="0"/>
+                        <a:t>summer</a:t>
+                      </a:r>
+                      <a:endParaRPr lang="ko-KR" altLang="en-US" sz="1400" dirty="0"/>
+                    </a:p>
+                  </a:txBody>
+                  <a:tcPr/>
+                </a:tc>
+                <a:extLst>
+                  <a:ext uri="{0D108BD9-81ED-4DB2-BD59-A6C34878D82A}">
+                    <a16:rowId xmlns:a16="http://schemas.microsoft.com/office/drawing/2014/main" val="1533787237"/>
+                  </a:ext>
+                </a:extLst>
+              </a:tr>
+            </a:tbl>
+          </a:graphicData>
+        </a:graphic>
+      </p:graphicFrame>
+      <p:sp>
+        <p:nvSpPr>
+          <p:cNvPr id="15" name="TextBox 14">
+            <a:extLst>
+              <a:ext uri="{FF2B5EF4-FFF2-40B4-BE49-F238E27FC236}">
+                <a16:creationId xmlns:a16="http://schemas.microsoft.com/office/drawing/2014/main" id="{1D3F016B-F420-DCA4-47CC-C20FD30CEE89}"/>
               </a:ext>
             </a:extLst>
           </p:cNvPr>
@@ -8203,9 +10117,9 @@
           <p:nvPr/>
         </p:nvSpPr>
         <p:spPr>
-          <a:xfrm>
-            <a:off x="1979469" y="3909675"/>
-            <a:ext cx="4572000" cy="923330"/>
+          <a:xfrm rot="16200000">
+            <a:off x="161456" y="2968990"/>
+            <a:ext cx="1828800" cy="369332"/>
           </a:xfrm>
           <a:prstGeom prst="rect">
             <a:avLst/>
@@ -8219,19 +10133,292 @@
           <a:lstStyle/>
           <a:p>
             <a:r>
-              <a:rPr lang="en-US" altLang="ko-KR" dirty="0">
-                <a:hlinkClick r:id="rId3"/>
-              </a:rPr>
-              <a:t>https://colab.research.google.com/github/JunetaeKim/DeepLearningClass/blob/main/Week10/IrisOneHot.ipynb</a:t>
+              <a:rPr lang="en-US" altLang="ko-KR" sz="1800" dirty="0">
+                <a:solidFill>
+                  <a:srgbClr val="222222"/>
+                </a:solidFill>
+                <a:latin typeface="Arial Narrow" panose="020B0606020202030204" pitchFamily="34" charset="0"/>
+              </a:rPr>
+              <a:t>One-Hot Encoding</a:t>
             </a:r>
             <a:endParaRPr lang="ko-KR" altLang="en-US" dirty="0"/>
+          </a:p>
+        </p:txBody>
+      </p:sp>
+      <p:sp>
+        <p:nvSpPr>
+          <p:cNvPr id="16" name="TextBox 15">
+            <a:extLst>
+              <a:ext uri="{FF2B5EF4-FFF2-40B4-BE49-F238E27FC236}">
+                <a16:creationId xmlns:a16="http://schemas.microsoft.com/office/drawing/2014/main" id="{FEEF77ED-48E2-ED53-0E96-DB3988D3AF8E}"/>
+              </a:ext>
+            </a:extLst>
+          </p:cNvPr>
+          <p:cNvSpPr txBox="1"/>
+          <p:nvPr/>
+        </p:nvSpPr>
+        <p:spPr>
+          <a:xfrm rot="16200000">
+            <a:off x="255973" y="5094094"/>
+            <a:ext cx="1639766" cy="369332"/>
+          </a:xfrm>
+          <a:prstGeom prst="rect">
+            <a:avLst/>
+          </a:prstGeom>
+          <a:noFill/>
+        </p:spPr>
+        <p:txBody>
+          <a:bodyPr wrap="square">
+            <a:spAutoFit/>
+          </a:bodyPr>
+          <a:lstStyle/>
+          <a:p>
+            <a:r>
+              <a:rPr lang="en-US" altLang="ko-KR" sz="1800" dirty="0">
+                <a:solidFill>
+                  <a:srgbClr val="222222"/>
+                </a:solidFill>
+                <a:latin typeface="Arial Narrow" panose="020B0606020202030204" pitchFamily="34" charset="0"/>
+              </a:rPr>
+              <a:t>Word embedding</a:t>
+            </a:r>
+            <a:endParaRPr lang="ko-KR" altLang="en-US" dirty="0"/>
+          </a:p>
+        </p:txBody>
+      </p:sp>
+      <p:sp>
+        <p:nvSpPr>
+          <p:cNvPr id="17" name="왼쪽 중괄호 16">
+            <a:extLst>
+              <a:ext uri="{FF2B5EF4-FFF2-40B4-BE49-F238E27FC236}">
+                <a16:creationId xmlns:a16="http://schemas.microsoft.com/office/drawing/2014/main" id="{CE241F8C-E271-486E-AD91-78AC467AEDB3}"/>
+              </a:ext>
+            </a:extLst>
+          </p:cNvPr>
+          <p:cNvSpPr/>
+          <p:nvPr/>
+        </p:nvSpPr>
+        <p:spPr>
+          <a:xfrm rot="5400000">
+            <a:off x="4602900" y="-58540"/>
+            <a:ext cx="210405" cy="4267200"/>
+          </a:xfrm>
+          <a:prstGeom prst="leftBrace">
+            <a:avLst>
+              <a:gd name="adj1" fmla="val 42268"/>
+              <a:gd name="adj2" fmla="val 50000"/>
+            </a:avLst>
+          </a:prstGeom>
+          <a:ln w="12700">
+            <a:solidFill>
+              <a:schemeClr val="tx1">
+                <a:lumMod val="95000"/>
+                <a:lumOff val="5000"/>
+              </a:schemeClr>
+            </a:solidFill>
+            <a:prstDash val="sysDash"/>
+          </a:ln>
+        </p:spPr>
+        <p:style>
+          <a:lnRef idx="1">
+            <a:schemeClr val="dk1"/>
+          </a:lnRef>
+          <a:fillRef idx="0">
+            <a:schemeClr val="dk1"/>
+          </a:fillRef>
+          <a:effectRef idx="0">
+            <a:schemeClr val="dk1"/>
+          </a:effectRef>
+          <a:fontRef idx="minor">
+            <a:schemeClr val="tx1"/>
+          </a:fontRef>
+        </p:style>
+        <p:txBody>
+          <a:bodyPr rtlCol="0" anchor="ctr"/>
+          <a:lstStyle/>
+          <a:p>
+            <a:pPr algn="ctr"/>
+            <a:endParaRPr lang="ko-KR" altLang="en-US"/>
+          </a:p>
+        </p:txBody>
+      </p:sp>
+      <p:sp>
+        <p:nvSpPr>
+          <p:cNvPr id="19" name="TextBox 18">
+            <a:extLst>
+              <a:ext uri="{FF2B5EF4-FFF2-40B4-BE49-F238E27FC236}">
+                <a16:creationId xmlns:a16="http://schemas.microsoft.com/office/drawing/2014/main" id="{8431A46A-BFC3-A98C-7139-96D36E695393}"/>
+              </a:ext>
+            </a:extLst>
+          </p:cNvPr>
+          <p:cNvSpPr txBox="1"/>
+          <p:nvPr/>
+        </p:nvSpPr>
+        <p:spPr>
+          <a:xfrm>
+            <a:off x="4710851" y="1714847"/>
+            <a:ext cx="1809589" cy="338554"/>
+          </a:xfrm>
+          <a:prstGeom prst="rect">
+            <a:avLst/>
+          </a:prstGeom>
+          <a:noFill/>
+        </p:spPr>
+        <p:txBody>
+          <a:bodyPr wrap="square">
+            <a:spAutoFit/>
+          </a:bodyPr>
+          <a:lstStyle/>
+          <a:p>
+            <a:r>
+              <a:rPr lang="en-US" altLang="ko-KR" sz="1600" dirty="0"/>
+              <a:t>Word size + 1</a:t>
+            </a:r>
+            <a:endParaRPr lang="ko-KR" altLang="en-US" sz="1600" dirty="0"/>
+          </a:p>
+        </p:txBody>
+      </p:sp>
+      <p:sp>
+        <p:nvSpPr>
+          <p:cNvPr id="20" name="왼쪽 중괄호 19">
+            <a:extLst>
+              <a:ext uri="{FF2B5EF4-FFF2-40B4-BE49-F238E27FC236}">
+                <a16:creationId xmlns:a16="http://schemas.microsoft.com/office/drawing/2014/main" id="{EA241C54-13B1-E3F9-99C7-0471B8C167B2}"/>
+              </a:ext>
+            </a:extLst>
+          </p:cNvPr>
+          <p:cNvSpPr/>
+          <p:nvPr/>
+        </p:nvSpPr>
+        <p:spPr>
+          <a:xfrm rot="16200000">
+            <a:off x="3384752" y="5523651"/>
+            <a:ext cx="208302" cy="1828799"/>
+          </a:xfrm>
+          <a:prstGeom prst="leftBrace">
+            <a:avLst>
+              <a:gd name="adj1" fmla="val 42268"/>
+              <a:gd name="adj2" fmla="val 50000"/>
+            </a:avLst>
+          </a:prstGeom>
+          <a:ln w="12700">
+            <a:solidFill>
+              <a:schemeClr val="tx1">
+                <a:lumMod val="95000"/>
+                <a:lumOff val="5000"/>
+              </a:schemeClr>
+            </a:solidFill>
+            <a:prstDash val="sysDash"/>
+          </a:ln>
+        </p:spPr>
+        <p:style>
+          <a:lnRef idx="1">
+            <a:schemeClr val="dk1"/>
+          </a:lnRef>
+          <a:fillRef idx="0">
+            <a:schemeClr val="dk1"/>
+          </a:fillRef>
+          <a:effectRef idx="0">
+            <a:schemeClr val="dk1"/>
+          </a:effectRef>
+          <a:fontRef idx="minor">
+            <a:schemeClr val="tx1"/>
+          </a:fontRef>
+        </p:style>
+        <p:txBody>
+          <a:bodyPr rtlCol="0" anchor="ctr"/>
+          <a:lstStyle/>
+          <a:p>
+            <a:pPr algn="ctr"/>
+            <a:endParaRPr lang="ko-KR" altLang="en-US"/>
+          </a:p>
+        </p:txBody>
+      </p:sp>
+      <p:sp>
+        <p:nvSpPr>
+          <p:cNvPr id="21" name="TextBox 20">
+            <a:extLst>
+              <a:ext uri="{FF2B5EF4-FFF2-40B4-BE49-F238E27FC236}">
+                <a16:creationId xmlns:a16="http://schemas.microsoft.com/office/drawing/2014/main" id="{9577D659-8032-90ED-0789-9DEE3FDF346B}"/>
+              </a:ext>
+            </a:extLst>
+          </p:cNvPr>
+          <p:cNvSpPr txBox="1"/>
+          <p:nvPr/>
+        </p:nvSpPr>
+        <p:spPr>
+          <a:xfrm>
+            <a:off x="3488902" y="6449583"/>
+            <a:ext cx="1809589" cy="338554"/>
+          </a:xfrm>
+          <a:prstGeom prst="rect">
+            <a:avLst/>
+          </a:prstGeom>
+          <a:noFill/>
+        </p:spPr>
+        <p:txBody>
+          <a:bodyPr wrap="square">
+            <a:spAutoFit/>
+          </a:bodyPr>
+          <a:lstStyle/>
+          <a:p>
+            <a:r>
+              <a:rPr lang="en-US" altLang="ko-KR" sz="1600" dirty="0"/>
+              <a:t>Hyper-parameter</a:t>
+            </a:r>
+            <a:endParaRPr lang="ko-KR" altLang="en-US" sz="1600" dirty="0"/>
+          </a:p>
+        </p:txBody>
+      </p:sp>
+      <p:sp>
+        <p:nvSpPr>
+          <p:cNvPr id="23" name="TextBox 22">
+            <a:extLst>
+              <a:ext uri="{FF2B5EF4-FFF2-40B4-BE49-F238E27FC236}">
+                <a16:creationId xmlns:a16="http://schemas.microsoft.com/office/drawing/2014/main" id="{538FC044-7BED-2D46-AD44-8D380CAA83F1}"/>
+              </a:ext>
+            </a:extLst>
+          </p:cNvPr>
+          <p:cNvSpPr txBox="1"/>
+          <p:nvPr/>
+        </p:nvSpPr>
+        <p:spPr>
+          <a:xfrm rot="20998750">
+            <a:off x="5031156" y="5078705"/>
+            <a:ext cx="2978567" cy="400110"/>
+          </a:xfrm>
+          <a:prstGeom prst="rect">
+            <a:avLst/>
+          </a:prstGeom>
+          <a:noFill/>
+        </p:spPr>
+        <p:txBody>
+          <a:bodyPr wrap="square">
+            <a:spAutoFit/>
+          </a:bodyPr>
+          <a:lstStyle/>
+          <a:p>
+            <a:r>
+              <a:rPr lang="en-US" altLang="ko-KR" sz="2000" dirty="0">
+                <a:solidFill>
+                  <a:srgbClr val="C00000"/>
+                </a:solidFill>
+                <a:latin typeface="Arial Narrow" panose="020B0606020202030204" pitchFamily="34" charset="0"/>
+              </a:rPr>
+              <a:t>Efficient and effect approach</a:t>
+            </a:r>
+            <a:endParaRPr lang="ko-KR" altLang="en-US" sz="2000" dirty="0">
+              <a:solidFill>
+                <a:srgbClr val="C00000"/>
+              </a:solidFill>
+            </a:endParaRPr>
           </a:p>
         </p:txBody>
       </p:sp>
     </p:spTree>
     <p:extLst>
       <p:ext uri="{BB962C8B-B14F-4D97-AF65-F5344CB8AC3E}">
-        <p14:creationId xmlns:p14="http://schemas.microsoft.com/office/powerpoint/2010/main" val="438018079"/>
+        <p14:creationId xmlns:p14="http://schemas.microsoft.com/office/powerpoint/2010/main" val="2820463769"/>
       </p:ext>
     </p:extLst>
   </p:cSld>
@@ -8334,71 +10521,10 @@
       </p:cxnSp>
       <p:sp>
         <p:nvSpPr>
-          <p:cNvPr id="10" name="직사각형 9">
+          <p:cNvPr id="6" name="직사각형 5">
             <a:extLst>
               <a:ext uri="{FF2B5EF4-FFF2-40B4-BE49-F238E27FC236}">
-                <a16:creationId xmlns:a16="http://schemas.microsoft.com/office/drawing/2014/main" id="{9DC7D8DF-F1AC-5E24-6D05-87B8D3343A78}"/>
-              </a:ext>
-            </a:extLst>
-          </p:cNvPr>
-          <p:cNvSpPr/>
-          <p:nvPr/>
-        </p:nvSpPr>
-        <p:spPr>
-          <a:xfrm>
-            <a:off x="328772" y="1139130"/>
-            <a:ext cx="8643778" cy="1130438"/>
-          </a:xfrm>
-          <a:prstGeom prst="rect">
-            <a:avLst/>
-          </a:prstGeom>
-        </p:spPr>
-        <p:txBody>
-          <a:bodyPr wrap="square">
-            <a:spAutoFit/>
-          </a:bodyPr>
-          <a:lstStyle/>
-          <a:p>
-            <a:pPr marL="284400" indent="-284400">
-              <a:lnSpc>
-                <a:spcPct val="150000"/>
-              </a:lnSpc>
-              <a:buFont typeface="Arial" panose="020B0604020202020204" pitchFamily="34" charset="0"/>
-              <a:buChar char="•"/>
-            </a:pPr>
-            <a:r>
-              <a:rPr lang="en-US" altLang="ko-KR" sz="2400" dirty="0">
-                <a:solidFill>
-                  <a:srgbClr val="222222"/>
-                </a:solidFill>
-                <a:latin typeface="Arial Narrow" panose="020B0606020202030204" pitchFamily="34" charset="0"/>
-              </a:rPr>
-              <a:t>Exercise2</a:t>
-            </a:r>
-          </a:p>
-          <a:p>
-            <a:pPr marL="741600" lvl="1" indent="-284400">
-              <a:lnSpc>
-                <a:spcPct val="150000"/>
-              </a:lnSpc>
-              <a:buFont typeface="Arial" panose="020B0604020202020204" pitchFamily="34" charset="0"/>
-              <a:buChar char="•"/>
-            </a:pPr>
-            <a:endParaRPr lang="en-US" altLang="ko-KR" sz="2400" dirty="0">
-              <a:solidFill>
-                <a:srgbClr val="222222"/>
-              </a:solidFill>
-              <a:latin typeface="Arial Narrow" panose="020B0606020202030204" pitchFamily="34" charset="0"/>
-            </a:endParaRPr>
-          </a:p>
-        </p:txBody>
-      </p:sp>
-      <p:sp>
-        <p:nvSpPr>
-          <p:cNvPr id="3" name="직사각형 2">
-            <a:extLst>
-              <a:ext uri="{FF2B5EF4-FFF2-40B4-BE49-F238E27FC236}">
-                <a16:creationId xmlns:a16="http://schemas.microsoft.com/office/drawing/2014/main" id="{8B3309B0-9FAF-B08A-2228-DB5B26F7E72B}"/>
+                <a16:creationId xmlns:a16="http://schemas.microsoft.com/office/drawing/2014/main" id="{6AE458C1-6B85-ECDF-7351-770B57E86129}"/>
               </a:ext>
             </a:extLst>
           </p:cNvPr>
@@ -8432,7 +10558,7 @@
                 </a:solidFill>
                 <a:latin typeface="Arial Narrow" panose="020B0606020202030204" pitchFamily="34" charset="0"/>
               </a:rPr>
-              <a:t>Introduction to Long Short-Term Memory (LSTM) </a:t>
+              <a:t>Introduction to natural language processing</a:t>
             </a:r>
             <a:endParaRPr lang="en-US" altLang="ko-KR" sz="2800" dirty="0">
               <a:latin typeface="Arial Narrow" panose="020B0606020202030204" pitchFamily="34" charset="0"/>
@@ -8443,25 +10569,24 @@
       </p:sp>
       <p:sp>
         <p:nvSpPr>
-          <p:cNvPr id="47" name="TextBox 46">
+          <p:cNvPr id="2" name="직사각형 1">
             <a:extLst>
               <a:ext uri="{FF2B5EF4-FFF2-40B4-BE49-F238E27FC236}">
-                <a16:creationId xmlns:a16="http://schemas.microsoft.com/office/drawing/2014/main" id="{4AF13AF6-01D4-FB8A-E877-EDF17A2F06FA}"/>
+                <a16:creationId xmlns:a16="http://schemas.microsoft.com/office/drawing/2014/main" id="{0312F0CB-A1EA-A177-7E7F-D9DB7FC6A687}"/>
               </a:ext>
             </a:extLst>
           </p:cNvPr>
-          <p:cNvSpPr txBox="1"/>
+          <p:cNvSpPr/>
           <p:nvPr/>
         </p:nvSpPr>
         <p:spPr>
           <a:xfrm>
-            <a:off x="2055756" y="2502932"/>
-            <a:ext cx="4754880" cy="923330"/>
+            <a:off x="328770" y="1139130"/>
+            <a:ext cx="8544322" cy="3133102"/>
           </a:xfrm>
           <a:prstGeom prst="rect">
             <a:avLst/>
           </a:prstGeom>
-          <a:noFill/>
         </p:spPr>
         <p:txBody>
           <a:bodyPr wrap="square">
@@ -8469,140 +10594,110 @@
           </a:bodyPr>
           <a:lstStyle/>
           <a:p>
+            <a:pPr marL="284400" indent="-284400">
+              <a:lnSpc>
+                <a:spcPct val="150000"/>
+              </a:lnSpc>
+              <a:buFont typeface="Arial" panose="020B0604020202020204" pitchFamily="34" charset="0"/>
+              <a:buChar char="•"/>
+            </a:pPr>
+            <a:r>
+              <a:rPr lang="en-US" altLang="ko-KR" sz="2400" dirty="0">
+                <a:solidFill>
+                  <a:srgbClr val="222222"/>
+                </a:solidFill>
+                <a:latin typeface="Arial Narrow" panose="020B0606020202030204" pitchFamily="34" charset="0"/>
+              </a:rPr>
+              <a:t>Introduction to Word Embeddings</a:t>
+            </a:r>
+          </a:p>
+          <a:p>
+            <a:pPr marL="741600" lvl="1" indent="-284400">
+              <a:lnSpc>
+                <a:spcPct val="150000"/>
+              </a:lnSpc>
+              <a:buFont typeface="Arial" panose="020B0604020202020204" pitchFamily="34" charset="0"/>
+              <a:buChar char="•"/>
+            </a:pPr>
+            <a:r>
+              <a:rPr lang="en-US" altLang="ko-KR" sz="2000" dirty="0">
+                <a:solidFill>
+                  <a:srgbClr val="222222"/>
+                </a:solidFill>
+                <a:latin typeface="Arial Narrow" panose="020B0606020202030204" pitchFamily="34" charset="0"/>
+              </a:rPr>
+              <a:t>Two learning algorithms for creating Word Embeddings</a:t>
+            </a:r>
+          </a:p>
+          <a:p>
+            <a:pPr marL="1198800" lvl="2" indent="-284400">
+              <a:lnSpc>
+                <a:spcPct val="150000"/>
+              </a:lnSpc>
+              <a:buFont typeface="Arial" panose="020B0604020202020204" pitchFamily="34" charset="0"/>
+              <a:buChar char="•"/>
+            </a:pPr>
             <a:r>
               <a:rPr lang="en-US" altLang="ko-KR" dirty="0">
-                <a:hlinkClick r:id="rId3"/>
-              </a:rPr>
-              <a:t>https://colab.research.google.com/github/JunetaeKim/DeepLearningClass/blob/main/Week13/OccupancyEstimation.ipynb</a:t>
-            </a:r>
-            <a:endParaRPr lang="ko-KR" altLang="en-US" dirty="0"/>
-          </a:p>
-        </p:txBody>
-      </p:sp>
-      <p:sp>
-        <p:nvSpPr>
-          <p:cNvPr id="49" name="TextBox 48">
-            <a:extLst>
-              <a:ext uri="{FF2B5EF4-FFF2-40B4-BE49-F238E27FC236}">
-                <a16:creationId xmlns:a16="http://schemas.microsoft.com/office/drawing/2014/main" id="{D25B7DA9-BA3C-C9D9-C110-F805A3BA6883}"/>
-              </a:ext>
-            </a:extLst>
-          </p:cNvPr>
-          <p:cNvSpPr txBox="1"/>
-          <p:nvPr/>
-        </p:nvSpPr>
-        <p:spPr>
-          <a:xfrm>
-            <a:off x="2055756" y="2133600"/>
-            <a:ext cx="4572000" cy="369332"/>
-          </a:xfrm>
-          <a:prstGeom prst="rect">
-            <a:avLst/>
-          </a:prstGeom>
-          <a:noFill/>
-        </p:spPr>
-        <p:txBody>
-          <a:bodyPr wrap="square">
-            <a:spAutoFit/>
-          </a:bodyPr>
-          <a:lstStyle/>
-          <a:p>
-            <a:r>
-              <a:rPr lang="en-US" altLang="ko-KR" sz="1800" dirty="0">
-                <a:solidFill>
-                  <a:srgbClr val="222222"/>
-                </a:solidFill>
-                <a:latin typeface="Arial Narrow" panose="020B0606020202030204" pitchFamily="34" charset="0"/>
-              </a:rPr>
-              <a:t>For students</a:t>
-            </a:r>
-            <a:endParaRPr lang="ko-KR" altLang="en-US" dirty="0"/>
-          </a:p>
-        </p:txBody>
-      </p:sp>
-      <p:sp>
-        <p:nvSpPr>
-          <p:cNvPr id="50" name="TextBox 49">
-            <a:extLst>
-              <a:ext uri="{FF2B5EF4-FFF2-40B4-BE49-F238E27FC236}">
-                <a16:creationId xmlns:a16="http://schemas.microsoft.com/office/drawing/2014/main" id="{D88F4D1A-AF14-C213-BA65-39212DBE062C}"/>
-              </a:ext>
-            </a:extLst>
-          </p:cNvPr>
-          <p:cNvSpPr txBox="1"/>
-          <p:nvPr/>
-        </p:nvSpPr>
-        <p:spPr>
-          <a:xfrm>
-            <a:off x="2055756" y="4233348"/>
-            <a:ext cx="4853940" cy="923330"/>
-          </a:xfrm>
-          <a:prstGeom prst="rect">
-            <a:avLst/>
-          </a:prstGeom>
-          <a:noFill/>
-        </p:spPr>
-        <p:txBody>
-          <a:bodyPr wrap="square">
-            <a:spAutoFit/>
-          </a:bodyPr>
-          <a:lstStyle/>
-          <a:p>
+                <a:solidFill>
+                  <a:srgbClr val="222222"/>
+                </a:solidFill>
+                <a:latin typeface="Arial Narrow" panose="020B0606020202030204" pitchFamily="34" charset="0"/>
+              </a:rPr>
+              <a:t>Continuous Bag-of-Words (CBOW): Predicts a target word based on its surrounding context words</a:t>
+            </a:r>
+          </a:p>
+          <a:p>
+            <a:pPr marL="1198800" lvl="2" indent="-284400">
+              <a:lnSpc>
+                <a:spcPct val="150000"/>
+              </a:lnSpc>
+              <a:buFont typeface="Arial" panose="020B0604020202020204" pitchFamily="34" charset="0"/>
+              <a:buChar char="•"/>
+            </a:pPr>
             <a:r>
               <a:rPr lang="en-US" altLang="ko-KR" dirty="0">
-                <a:hlinkClick r:id="rId4"/>
-              </a:rPr>
-              <a:t>https://colab.research.google.com/github/JunetaeKim/DeepLearningClass/blob/main/Week13/OccupancyEstimationSolution.ipynb</a:t>
-            </a:r>
-            <a:endParaRPr lang="ko-KR" altLang="en-US" dirty="0"/>
-          </a:p>
-        </p:txBody>
-      </p:sp>
-      <p:sp>
-        <p:nvSpPr>
-          <p:cNvPr id="51" name="TextBox 50">
-            <a:extLst>
-              <a:ext uri="{FF2B5EF4-FFF2-40B4-BE49-F238E27FC236}">
-                <a16:creationId xmlns:a16="http://schemas.microsoft.com/office/drawing/2014/main" id="{AE4B7A2C-716F-E3FA-3BBC-C1A1B6331ADF}"/>
-              </a:ext>
-            </a:extLst>
-          </p:cNvPr>
-          <p:cNvSpPr txBox="1"/>
-          <p:nvPr/>
-        </p:nvSpPr>
-        <p:spPr>
-          <a:xfrm>
-            <a:off x="2055756" y="3864016"/>
-            <a:ext cx="4572000" cy="369332"/>
-          </a:xfrm>
-          <a:prstGeom prst="rect">
-            <a:avLst/>
-          </a:prstGeom>
-          <a:noFill/>
-        </p:spPr>
-        <p:txBody>
-          <a:bodyPr wrap="square">
-            <a:spAutoFit/>
-          </a:bodyPr>
-          <a:lstStyle/>
-          <a:p>
-            <a:r>
-              <a:rPr lang="en-US" altLang="ko-KR" sz="1800" dirty="0">
-                <a:solidFill>
-                  <a:srgbClr val="222222"/>
-                </a:solidFill>
-                <a:latin typeface="Arial Narrow" panose="020B0606020202030204" pitchFamily="34" charset="0"/>
-              </a:rPr>
-              <a:t>For solutions</a:t>
-            </a:r>
-            <a:endParaRPr lang="ko-KR" altLang="en-US" dirty="0"/>
+                <a:solidFill>
+                  <a:srgbClr val="222222"/>
+                </a:solidFill>
+                <a:latin typeface="Arial Narrow" panose="020B0606020202030204" pitchFamily="34" charset="0"/>
+              </a:rPr>
+              <a:t>Skip-gram: Predicts context words given a target word</a:t>
+            </a:r>
+          </a:p>
+          <a:p>
+            <a:pPr marL="1198800" lvl="2" indent="-284400">
+              <a:lnSpc>
+                <a:spcPct val="150000"/>
+              </a:lnSpc>
+              <a:buFont typeface="Arial" panose="020B0604020202020204" pitchFamily="34" charset="0"/>
+              <a:buChar char="•"/>
+            </a:pPr>
+            <a:endParaRPr lang="en-US" altLang="ko-KR" dirty="0">
+              <a:solidFill>
+                <a:srgbClr val="222222"/>
+              </a:solidFill>
+              <a:latin typeface="Arial Narrow" panose="020B0606020202030204" pitchFamily="34" charset="0"/>
+            </a:endParaRPr>
+          </a:p>
+          <a:p>
+            <a:pPr marL="741600" lvl="1" indent="-284400">
+              <a:lnSpc>
+                <a:spcPct val="150000"/>
+              </a:lnSpc>
+              <a:buFont typeface="Arial" panose="020B0604020202020204" pitchFamily="34" charset="0"/>
+              <a:buChar char="•"/>
+            </a:pPr>
+            <a:endParaRPr lang="en-US" altLang="ko-KR" dirty="0">
+              <a:latin typeface="Arial Narrow" panose="020B0606020202030204" pitchFamily="34" charset="0"/>
+            </a:endParaRPr>
           </a:p>
         </p:txBody>
       </p:sp>
     </p:spTree>
     <p:extLst>
       <p:ext uri="{BB962C8B-B14F-4D97-AF65-F5344CB8AC3E}">
-        <p14:creationId xmlns:p14="http://schemas.microsoft.com/office/powerpoint/2010/main" val="3320742243"/>
+        <p14:creationId xmlns:p14="http://schemas.microsoft.com/office/powerpoint/2010/main" val="680719621"/>
       </p:ext>
     </p:extLst>
   </p:cSld>
@@ -8705,74 +10800,10 @@
       </p:cxnSp>
       <p:sp>
         <p:nvSpPr>
-          <p:cNvPr id="10" name="직사각형 9">
+          <p:cNvPr id="6" name="직사각형 5">
             <a:extLst>
               <a:ext uri="{FF2B5EF4-FFF2-40B4-BE49-F238E27FC236}">
-                <a16:creationId xmlns:a16="http://schemas.microsoft.com/office/drawing/2014/main" id="{9DC7D8DF-F1AC-5E24-6D05-87B8D3343A78}"/>
-              </a:ext>
-            </a:extLst>
-          </p:cNvPr>
-          <p:cNvSpPr/>
-          <p:nvPr/>
-        </p:nvSpPr>
-        <p:spPr>
-          <a:xfrm>
-            <a:off x="328772" y="1139130"/>
-            <a:ext cx="8643778" cy="1009444"/>
-          </a:xfrm>
-          <a:prstGeom prst="rect">
-            <a:avLst/>
-          </a:prstGeom>
-        </p:spPr>
-        <p:txBody>
-          <a:bodyPr wrap="square">
-            <a:spAutoFit/>
-          </a:bodyPr>
-          <a:lstStyle/>
-          <a:p>
-            <a:pPr marL="284400" indent="-284400">
-              <a:lnSpc>
-                <a:spcPct val="150000"/>
-              </a:lnSpc>
-              <a:buFont typeface="Arial" panose="020B0604020202020204" pitchFamily="34" charset="0"/>
-              <a:buChar char="•"/>
-            </a:pPr>
-            <a:r>
-              <a:rPr lang="en-US" altLang="ko-KR" sz="2400" dirty="0">
-                <a:solidFill>
-                  <a:srgbClr val="222222"/>
-                </a:solidFill>
-                <a:latin typeface="Arial Narrow" panose="020B0606020202030204" pitchFamily="34" charset="0"/>
-              </a:rPr>
-              <a:t>Exercise3</a:t>
-            </a:r>
-          </a:p>
-          <a:p>
-            <a:pPr marL="741600" lvl="1" indent="-284400">
-              <a:lnSpc>
-                <a:spcPct val="150000"/>
-              </a:lnSpc>
-              <a:buFont typeface="Arial" panose="020B0604020202020204" pitchFamily="34" charset="0"/>
-              <a:buChar char="•"/>
-            </a:pPr>
-            <a:r>
-              <a:rPr lang="en-US" altLang="ko-KR" dirty="0">
-                <a:solidFill>
-                  <a:srgbClr val="222222"/>
-                </a:solidFill>
-                <a:latin typeface="Arial Narrow" panose="020B0606020202030204" pitchFamily="34" charset="0"/>
-              </a:rPr>
-              <a:t>Alphabet sequence prediction</a:t>
-            </a:r>
-          </a:p>
-        </p:txBody>
-      </p:sp>
-      <p:sp>
-        <p:nvSpPr>
-          <p:cNvPr id="3" name="직사각형 2">
-            <a:extLst>
-              <a:ext uri="{FF2B5EF4-FFF2-40B4-BE49-F238E27FC236}">
-                <a16:creationId xmlns:a16="http://schemas.microsoft.com/office/drawing/2014/main" id="{8B3309B0-9FAF-B08A-2228-DB5B26F7E72B}"/>
+                <a16:creationId xmlns:a16="http://schemas.microsoft.com/office/drawing/2014/main" id="{6AE458C1-6B85-ECDF-7351-770B57E86129}"/>
               </a:ext>
             </a:extLst>
           </p:cNvPr>
@@ -8806,7 +10837,7 @@
                 </a:solidFill>
                 <a:latin typeface="Arial Narrow" panose="020B0606020202030204" pitchFamily="34" charset="0"/>
               </a:rPr>
-              <a:t>Introduction to Long Short-Term Memory (LSTM) </a:t>
+              <a:t>Introduction to natural language processing</a:t>
             </a:r>
             <a:endParaRPr lang="en-US" altLang="ko-KR" sz="2800" dirty="0">
               <a:latin typeface="Arial Narrow" panose="020B0606020202030204" pitchFamily="34" charset="0"/>
@@ -8817,10 +10848,124 @@
       </p:sp>
       <p:sp>
         <p:nvSpPr>
-          <p:cNvPr id="47" name="TextBox 46">
+          <p:cNvPr id="2" name="직사각형 1">
             <a:extLst>
               <a:ext uri="{FF2B5EF4-FFF2-40B4-BE49-F238E27FC236}">
-                <a16:creationId xmlns:a16="http://schemas.microsoft.com/office/drawing/2014/main" id="{4AF13AF6-01D4-FB8A-E877-EDF17A2F06FA}"/>
+                <a16:creationId xmlns:a16="http://schemas.microsoft.com/office/drawing/2014/main" id="{0312F0CB-A1EA-A177-7E7F-D9DB7FC6A687}"/>
+              </a:ext>
+            </a:extLst>
+          </p:cNvPr>
+          <p:cNvSpPr/>
+          <p:nvPr/>
+        </p:nvSpPr>
+        <p:spPr>
+          <a:xfrm>
+            <a:off x="328770" y="1139130"/>
+            <a:ext cx="8544322" cy="1049775"/>
+          </a:xfrm>
+          <a:prstGeom prst="rect">
+            <a:avLst/>
+          </a:prstGeom>
+        </p:spPr>
+        <p:txBody>
+          <a:bodyPr wrap="square">
+            <a:spAutoFit/>
+          </a:bodyPr>
+          <a:lstStyle/>
+          <a:p>
+            <a:pPr marL="284400" indent="-284400">
+              <a:lnSpc>
+                <a:spcPct val="150000"/>
+              </a:lnSpc>
+              <a:buFont typeface="Arial" panose="020B0604020202020204" pitchFamily="34" charset="0"/>
+              <a:buChar char="•"/>
+            </a:pPr>
+            <a:r>
+              <a:rPr lang="en-US" altLang="ko-KR" sz="2400" dirty="0">
+                <a:solidFill>
+                  <a:srgbClr val="222222"/>
+                </a:solidFill>
+                <a:latin typeface="Arial Narrow" panose="020B0606020202030204" pitchFamily="34" charset="0"/>
+              </a:rPr>
+              <a:t>Introduction to Word Embeddings</a:t>
+            </a:r>
+          </a:p>
+          <a:p>
+            <a:pPr marL="741600" lvl="1" indent="-284400">
+              <a:lnSpc>
+                <a:spcPct val="150000"/>
+              </a:lnSpc>
+              <a:buFont typeface="Arial" panose="020B0604020202020204" pitchFamily="34" charset="0"/>
+              <a:buChar char="•"/>
+            </a:pPr>
+            <a:r>
+              <a:rPr lang="en-US" altLang="ko-KR" sz="2000" dirty="0">
+                <a:solidFill>
+                  <a:srgbClr val="222222"/>
+                </a:solidFill>
+                <a:latin typeface="Arial Narrow" panose="020B0606020202030204" pitchFamily="34" charset="0"/>
+              </a:rPr>
+              <a:t>CBOW vs Skip-gram</a:t>
+            </a:r>
+            <a:endParaRPr lang="en-US" altLang="ko-KR" dirty="0">
+              <a:latin typeface="Arial Narrow" panose="020B0606020202030204" pitchFamily="34" charset="0"/>
+            </a:endParaRPr>
+          </a:p>
+        </p:txBody>
+      </p:sp>
+      <p:pic>
+        <p:nvPicPr>
+          <p:cNvPr id="2050" name="Picture 2" descr="cbow word2vec">
+            <a:extLst>
+              <a:ext uri="{FF2B5EF4-FFF2-40B4-BE49-F238E27FC236}">
+                <a16:creationId xmlns:a16="http://schemas.microsoft.com/office/drawing/2014/main" id="{F69D8983-B411-A7ED-847F-998D830713E1}"/>
+              </a:ext>
+            </a:extLst>
+          </p:cNvPr>
+          <p:cNvPicPr>
+            <a:picLocks noChangeAspect="1" noChangeArrowheads="1"/>
+          </p:cNvPicPr>
+          <p:nvPr/>
+        </p:nvPicPr>
+        <p:blipFill>
+          <a:blip r:embed="rId3">
+            <a:extLst>
+              <a:ext uri="{28A0092B-C50C-407E-A947-70E740481C1C}">
+                <a14:useLocalDpi xmlns:a14="http://schemas.microsoft.com/office/drawing/2010/main" val="0"/>
+              </a:ext>
+            </a:extLst>
+          </a:blip>
+          <a:srcRect/>
+          <a:stretch>
+            <a:fillRect/>
+          </a:stretch>
+        </p:blipFill>
+        <p:spPr bwMode="auto">
+          <a:xfrm>
+            <a:off x="240599" y="2394584"/>
+            <a:ext cx="8662801" cy="3702746"/>
+          </a:xfrm>
+          <a:prstGeom prst="rect">
+            <a:avLst/>
+          </a:prstGeom>
+          <a:noFill/>
+          <a:extLst>
+            <a:ext uri="{909E8E84-426E-40DD-AFC4-6F175D3DCCD1}">
+              <a14:hiddenFill xmlns:a14="http://schemas.microsoft.com/office/drawing/2010/main">
+                <a:solidFill>
+                  <a:srgbClr val="FFFFFF"/>
+                </a:solidFill>
+              </a14:hiddenFill>
+            </a:ext>
+          </a:extLst>
+        </p:spPr>
+      </p:pic>
+      <p:sp>
+        <p:nvSpPr>
+          <p:cNvPr id="4" name="TextBox 3">
+            <a:extLst>
+              <a:ext uri="{FF2B5EF4-FFF2-40B4-BE49-F238E27FC236}">
+                <a16:creationId xmlns:a16="http://schemas.microsoft.com/office/drawing/2014/main" id="{62B09125-3F22-C0D6-B9FE-8317169CAC29}"/>
               </a:ext>
             </a:extLst>
           </p:cNvPr>
@@ -8829,8 +10974,8 @@
         </p:nvSpPr>
         <p:spPr>
           <a:xfrm>
-            <a:off x="1735243" y="5462885"/>
-            <a:ext cx="5932381" cy="646331"/>
+            <a:off x="2564189" y="6479620"/>
+            <a:ext cx="6579811" cy="307777"/>
           </a:xfrm>
           <a:prstGeom prst="rect">
             <a:avLst/>
@@ -8844,611 +10989,17 @@
           <a:lstStyle/>
           <a:p>
             <a:r>
-              <a:rPr lang="en-US" altLang="ko-KR" dirty="0">
-                <a:hlinkClick r:id="rId3"/>
-              </a:rPr>
-              <a:t>https://colab.research.google.com/github/JunetaeKim/DeepLearningClass/blob/main/Week13/AlphabetSeq.ipynb</a:t>
-            </a:r>
-            <a:endParaRPr lang="ko-KR" altLang="en-US" dirty="0"/>
-          </a:p>
-        </p:txBody>
-      </p:sp>
-      <p:graphicFrame>
-        <p:nvGraphicFramePr>
-          <p:cNvPr id="2" name="표 3">
-            <a:extLst>
-              <a:ext uri="{FF2B5EF4-FFF2-40B4-BE49-F238E27FC236}">
-                <a16:creationId xmlns:a16="http://schemas.microsoft.com/office/drawing/2014/main" id="{D2A90E1B-CDA5-8FD9-9832-FE9E237930E9}"/>
-              </a:ext>
-            </a:extLst>
-          </p:cNvPr>
-          <p:cNvGraphicFramePr>
-            <a:graphicFrameLocks noGrp="1"/>
-          </p:cNvGraphicFramePr>
-          <p:nvPr>
-            <p:extLst>
-              <p:ext uri="{D42A27DB-BD31-4B8C-83A1-F6EECF244321}">
-                <p14:modId xmlns:p14="http://schemas.microsoft.com/office/powerpoint/2010/main" val="4101477168"/>
-              </p:ext>
-            </p:extLst>
-          </p:nvPr>
-        </p:nvGraphicFramePr>
-        <p:xfrm>
-          <a:off x="2316269" y="2559933"/>
-          <a:ext cx="4064000" cy="2225040"/>
-        </p:xfrm>
-        <a:graphic>
-          <a:graphicData uri="http://schemas.openxmlformats.org/drawingml/2006/table">
-            <a:tbl>
-              <a:tblPr firstRow="1" bandRow="1">
-                <a:tableStyleId>{5940675A-B579-460E-94D1-54222C63F5DA}</a:tableStyleId>
-              </a:tblPr>
-              <a:tblGrid>
-                <a:gridCol w="2032000">
-                  <a:extLst>
-                    <a:ext uri="{9D8B030D-6E8A-4147-A177-3AD203B41FA5}">
-                      <a16:colId xmlns:a16="http://schemas.microsoft.com/office/drawing/2014/main" val="4140232556"/>
-                    </a:ext>
-                  </a:extLst>
-                </a:gridCol>
-                <a:gridCol w="2032000">
-                  <a:extLst>
-                    <a:ext uri="{9D8B030D-6E8A-4147-A177-3AD203B41FA5}">
-                      <a16:colId xmlns:a16="http://schemas.microsoft.com/office/drawing/2014/main" val="4034668507"/>
-                    </a:ext>
-                  </a:extLst>
-                </a:gridCol>
-              </a:tblGrid>
-              <a:tr h="370840">
-                <a:tc>
-                  <a:txBody>
-                    <a:bodyPr/>
-                    <a:lstStyle/>
-                    <a:p>
-                      <a:pPr algn="ctr" latinLnBrk="1"/>
-                      <a:r>
-                        <a:rPr lang="en-US" altLang="ko-KR" dirty="0"/>
-                        <a:t>Input</a:t>
-                      </a:r>
-                      <a:endParaRPr lang="ko-KR" altLang="en-US" dirty="0"/>
-                    </a:p>
-                  </a:txBody>
-                  <a:tcPr/>
-                </a:tc>
-                <a:tc>
-                  <a:txBody>
-                    <a:bodyPr/>
-                    <a:lstStyle/>
-                    <a:p>
-                      <a:pPr algn="ctr" latinLnBrk="1"/>
-                      <a:r>
-                        <a:rPr lang="en-US" altLang="ko-KR" dirty="0"/>
-                        <a:t>Output</a:t>
-                      </a:r>
-                      <a:endParaRPr lang="ko-KR" altLang="en-US" dirty="0"/>
-                    </a:p>
-                  </a:txBody>
-                  <a:tcPr/>
-                </a:tc>
-                <a:extLst>
-                  <a:ext uri="{0D108BD9-81ED-4DB2-BD59-A6C34878D82A}">
-                    <a16:rowId xmlns:a16="http://schemas.microsoft.com/office/drawing/2014/main" val="1251107467"/>
-                  </a:ext>
-                </a:extLst>
-              </a:tr>
-              <a:tr h="370840">
-                <a:tc>
-                  <a:txBody>
-                    <a:bodyPr/>
-                    <a:lstStyle/>
-                    <a:p>
-                      <a:pPr algn="ctr" latinLnBrk="1"/>
-                      <a:r>
-                        <a:rPr lang="en-US" altLang="ko-KR" dirty="0">
-                          <a:latin typeface="Arial Narrow" panose="020B0606020202030204" pitchFamily="34" charset="0"/>
-                        </a:rPr>
-                        <a:t>ABC</a:t>
-                      </a:r>
-                      <a:endParaRPr lang="ko-KR" altLang="en-US" dirty="0">
-                        <a:latin typeface="Arial Narrow" panose="020B0606020202030204" pitchFamily="34" charset="0"/>
-                      </a:endParaRPr>
-                    </a:p>
-                  </a:txBody>
-                  <a:tcPr/>
-                </a:tc>
-                <a:tc>
-                  <a:txBody>
-                    <a:bodyPr/>
-                    <a:lstStyle/>
-                    <a:p>
-                      <a:pPr algn="ctr" latinLnBrk="1"/>
-                      <a:r>
-                        <a:rPr lang="en-US" altLang="ko-KR" dirty="0">
-                          <a:latin typeface="Arial Narrow" panose="020B0606020202030204" pitchFamily="34" charset="0"/>
-                        </a:rPr>
-                        <a:t>DEF</a:t>
-                      </a:r>
-                      <a:endParaRPr lang="ko-KR" altLang="en-US" dirty="0">
-                        <a:latin typeface="Arial Narrow" panose="020B0606020202030204" pitchFamily="34" charset="0"/>
-                      </a:endParaRPr>
-                    </a:p>
-                  </a:txBody>
-                  <a:tcPr/>
-                </a:tc>
-                <a:extLst>
-                  <a:ext uri="{0D108BD9-81ED-4DB2-BD59-A6C34878D82A}">
-                    <a16:rowId xmlns:a16="http://schemas.microsoft.com/office/drawing/2014/main" val="1350315580"/>
-                  </a:ext>
-                </a:extLst>
-              </a:tr>
-              <a:tr h="370840">
-                <a:tc>
-                  <a:txBody>
-                    <a:bodyPr/>
-                    <a:lstStyle/>
-                    <a:p>
-                      <a:pPr algn="ctr" latinLnBrk="1"/>
-                      <a:r>
-                        <a:rPr lang="en-US" altLang="ko-KR" dirty="0">
-                          <a:latin typeface="Arial Narrow" panose="020B0606020202030204" pitchFamily="34" charset="0"/>
-                        </a:rPr>
-                        <a:t>BCD</a:t>
-                      </a:r>
-                      <a:endParaRPr lang="ko-KR" altLang="en-US" dirty="0">
-                        <a:latin typeface="Arial Narrow" panose="020B0606020202030204" pitchFamily="34" charset="0"/>
-                      </a:endParaRPr>
-                    </a:p>
-                  </a:txBody>
-                  <a:tcPr/>
-                </a:tc>
-                <a:tc>
-                  <a:txBody>
-                    <a:bodyPr/>
-                    <a:lstStyle/>
-                    <a:p>
-                      <a:pPr algn="ctr" latinLnBrk="1"/>
-                      <a:r>
-                        <a:rPr lang="en-US" altLang="ko-KR" dirty="0">
-                          <a:latin typeface="Arial Narrow" panose="020B0606020202030204" pitchFamily="34" charset="0"/>
-                        </a:rPr>
-                        <a:t>EFG</a:t>
-                      </a:r>
-                      <a:endParaRPr lang="ko-KR" altLang="en-US" dirty="0">
-                        <a:latin typeface="Arial Narrow" panose="020B0606020202030204" pitchFamily="34" charset="0"/>
-                      </a:endParaRPr>
-                    </a:p>
-                  </a:txBody>
-                  <a:tcPr/>
-                </a:tc>
-                <a:extLst>
-                  <a:ext uri="{0D108BD9-81ED-4DB2-BD59-A6C34878D82A}">
-                    <a16:rowId xmlns:a16="http://schemas.microsoft.com/office/drawing/2014/main" val="3136079236"/>
-                  </a:ext>
-                </a:extLst>
-              </a:tr>
-              <a:tr h="370840">
-                <a:tc>
-                  <a:txBody>
-                    <a:bodyPr/>
-                    <a:lstStyle/>
-                    <a:p>
-                      <a:pPr algn="ctr" latinLnBrk="1"/>
-                      <a:r>
-                        <a:rPr lang="en-US" altLang="ko-KR" dirty="0">
-                          <a:latin typeface="Arial Narrow" panose="020B0606020202030204" pitchFamily="34" charset="0"/>
-                        </a:rPr>
-                        <a:t>…</a:t>
-                      </a:r>
-                      <a:endParaRPr lang="ko-KR" altLang="en-US" dirty="0">
-                        <a:latin typeface="Arial Narrow" panose="020B0606020202030204" pitchFamily="34" charset="0"/>
-                      </a:endParaRPr>
-                    </a:p>
-                  </a:txBody>
-                  <a:tcPr/>
-                </a:tc>
-                <a:tc>
-                  <a:txBody>
-                    <a:bodyPr/>
-                    <a:lstStyle/>
-                    <a:p>
-                      <a:pPr algn="ctr" latinLnBrk="1"/>
-                      <a:r>
-                        <a:rPr lang="en-US" altLang="ko-KR" dirty="0">
-                          <a:latin typeface="Arial Narrow" panose="020B0606020202030204" pitchFamily="34" charset="0"/>
-                        </a:rPr>
-                        <a:t>…</a:t>
-                      </a:r>
-                      <a:endParaRPr lang="ko-KR" altLang="en-US" dirty="0">
-                        <a:latin typeface="Arial Narrow" panose="020B0606020202030204" pitchFamily="34" charset="0"/>
-                      </a:endParaRPr>
-                    </a:p>
-                  </a:txBody>
-                  <a:tcPr/>
-                </a:tc>
-                <a:extLst>
-                  <a:ext uri="{0D108BD9-81ED-4DB2-BD59-A6C34878D82A}">
-                    <a16:rowId xmlns:a16="http://schemas.microsoft.com/office/drawing/2014/main" val="1901682917"/>
-                  </a:ext>
-                </a:extLst>
-              </a:tr>
-              <a:tr h="370840">
-                <a:tc>
-                  <a:txBody>
-                    <a:bodyPr/>
-                    <a:lstStyle/>
-                    <a:p>
-                      <a:pPr algn="ctr" latinLnBrk="1"/>
-                      <a:r>
-                        <a:rPr lang="en-US" altLang="ko-KR" dirty="0">
-                          <a:latin typeface="Arial Narrow" panose="020B0606020202030204" pitchFamily="34" charset="0"/>
-                        </a:rPr>
-                        <a:t>TUV</a:t>
-                      </a:r>
-                      <a:endParaRPr lang="ko-KR" altLang="en-US" dirty="0">
-                        <a:latin typeface="Arial Narrow" panose="020B0606020202030204" pitchFamily="34" charset="0"/>
-                      </a:endParaRPr>
-                    </a:p>
-                  </a:txBody>
-                  <a:tcPr/>
-                </a:tc>
-                <a:tc>
-                  <a:txBody>
-                    <a:bodyPr/>
-                    <a:lstStyle/>
-                    <a:p>
-                      <a:pPr algn="ctr" latinLnBrk="1"/>
-                      <a:r>
-                        <a:rPr lang="en-US" altLang="ko-KR" dirty="0">
-                          <a:latin typeface="Arial Narrow" panose="020B0606020202030204" pitchFamily="34" charset="0"/>
-                        </a:rPr>
-                        <a:t>WXY</a:t>
-                      </a:r>
-                      <a:endParaRPr lang="ko-KR" altLang="en-US" dirty="0">
-                        <a:latin typeface="Arial Narrow" panose="020B0606020202030204" pitchFamily="34" charset="0"/>
-                      </a:endParaRPr>
-                    </a:p>
-                  </a:txBody>
-                  <a:tcPr/>
-                </a:tc>
-                <a:extLst>
-                  <a:ext uri="{0D108BD9-81ED-4DB2-BD59-A6C34878D82A}">
-                    <a16:rowId xmlns:a16="http://schemas.microsoft.com/office/drawing/2014/main" val="3178701568"/>
-                  </a:ext>
-                </a:extLst>
-              </a:tr>
-              <a:tr h="370840">
-                <a:tc>
-                  <a:txBody>
-                    <a:bodyPr/>
-                    <a:lstStyle/>
-                    <a:p>
-                      <a:pPr algn="ctr" latinLnBrk="1"/>
-                      <a:r>
-                        <a:rPr lang="en-US" altLang="ko-KR" dirty="0">
-                          <a:latin typeface="Arial Narrow" panose="020B0606020202030204" pitchFamily="34" charset="0"/>
-                        </a:rPr>
-                        <a:t>UVW</a:t>
-                      </a:r>
-                      <a:endParaRPr lang="ko-KR" altLang="en-US" dirty="0">
-                        <a:latin typeface="Arial Narrow" panose="020B0606020202030204" pitchFamily="34" charset="0"/>
-                      </a:endParaRPr>
-                    </a:p>
-                  </a:txBody>
-                  <a:tcPr/>
-                </a:tc>
-                <a:tc>
-                  <a:txBody>
-                    <a:bodyPr/>
-                    <a:lstStyle/>
-                    <a:p>
-                      <a:pPr algn="ctr" latinLnBrk="1"/>
-                      <a:r>
-                        <a:rPr lang="en-US" altLang="ko-KR" dirty="0">
-                          <a:latin typeface="Arial Narrow" panose="020B0606020202030204" pitchFamily="34" charset="0"/>
-                        </a:rPr>
-                        <a:t>XYZ</a:t>
-                      </a:r>
-                      <a:endParaRPr lang="ko-KR" altLang="en-US" dirty="0">
-                        <a:latin typeface="Arial Narrow" panose="020B0606020202030204" pitchFamily="34" charset="0"/>
-                      </a:endParaRPr>
-                    </a:p>
-                  </a:txBody>
-                  <a:tcPr/>
-                </a:tc>
-                <a:extLst>
-                  <a:ext uri="{0D108BD9-81ED-4DB2-BD59-A6C34878D82A}">
-                    <a16:rowId xmlns:a16="http://schemas.microsoft.com/office/drawing/2014/main" val="1612167321"/>
-                  </a:ext>
-                </a:extLst>
-              </a:tr>
-            </a:tbl>
-          </a:graphicData>
-        </a:graphic>
-      </p:graphicFrame>
-      <p:sp>
-        <p:nvSpPr>
-          <p:cNvPr id="4" name="화살표: 오른쪽 3">
-            <a:extLst>
-              <a:ext uri="{FF2B5EF4-FFF2-40B4-BE49-F238E27FC236}">
-                <a16:creationId xmlns:a16="http://schemas.microsoft.com/office/drawing/2014/main" id="{7F776092-8037-08FC-FDB9-1FDFCBAC3FC2}"/>
-              </a:ext>
-            </a:extLst>
-          </p:cNvPr>
-          <p:cNvSpPr/>
-          <p:nvPr/>
-        </p:nvSpPr>
-        <p:spPr>
-          <a:xfrm>
-            <a:off x="4105381" y="2971800"/>
-            <a:ext cx="466619" cy="266700"/>
-          </a:xfrm>
-          <a:prstGeom prst="rightArrow">
-            <a:avLst/>
-          </a:prstGeom>
-          <a:solidFill>
-            <a:schemeClr val="bg2">
-              <a:lumMod val="90000"/>
-            </a:schemeClr>
-          </a:solidFill>
-          <a:ln>
-            <a:solidFill>
-              <a:schemeClr val="tx1"/>
-            </a:solidFill>
-          </a:ln>
-        </p:spPr>
-        <p:style>
-          <a:lnRef idx="2">
-            <a:schemeClr val="accent1">
-              <a:shade val="50000"/>
-            </a:schemeClr>
-          </a:lnRef>
-          <a:fillRef idx="1">
-            <a:schemeClr val="accent1"/>
-          </a:fillRef>
-          <a:effectRef idx="0">
-            <a:schemeClr val="accent1"/>
-          </a:effectRef>
-          <a:fontRef idx="minor">
-            <a:schemeClr val="lt1"/>
-          </a:fontRef>
-        </p:style>
-        <p:txBody>
-          <a:bodyPr rtlCol="0" anchor="ctr"/>
-          <a:lstStyle/>
-          <a:p>
-            <a:pPr algn="ctr"/>
-            <a:endParaRPr lang="ko-KR" altLang="en-US"/>
-          </a:p>
-        </p:txBody>
-      </p:sp>
-      <p:sp>
-        <p:nvSpPr>
-          <p:cNvPr id="5" name="화살표: 오른쪽 4">
-            <a:extLst>
-              <a:ext uri="{FF2B5EF4-FFF2-40B4-BE49-F238E27FC236}">
-                <a16:creationId xmlns:a16="http://schemas.microsoft.com/office/drawing/2014/main" id="{92721498-C902-2B67-5D68-2FA615E5A0EF}"/>
-              </a:ext>
-            </a:extLst>
-          </p:cNvPr>
-          <p:cNvSpPr/>
-          <p:nvPr/>
-        </p:nvSpPr>
-        <p:spPr>
-          <a:xfrm>
-            <a:off x="4105434" y="3357563"/>
-            <a:ext cx="466619" cy="266700"/>
-          </a:xfrm>
-          <a:prstGeom prst="rightArrow">
-            <a:avLst/>
-          </a:prstGeom>
-          <a:solidFill>
-            <a:schemeClr val="bg2">
-              <a:lumMod val="90000"/>
-            </a:schemeClr>
-          </a:solidFill>
-          <a:ln>
-            <a:solidFill>
-              <a:schemeClr val="tx1"/>
-            </a:solidFill>
-          </a:ln>
-        </p:spPr>
-        <p:style>
-          <a:lnRef idx="2">
-            <a:schemeClr val="accent1">
-              <a:shade val="50000"/>
-            </a:schemeClr>
-          </a:lnRef>
-          <a:fillRef idx="1">
-            <a:schemeClr val="accent1"/>
-          </a:fillRef>
-          <a:effectRef idx="0">
-            <a:schemeClr val="accent1"/>
-          </a:effectRef>
-          <a:fontRef idx="minor">
-            <a:schemeClr val="lt1"/>
-          </a:fontRef>
-        </p:style>
-        <p:txBody>
-          <a:bodyPr rtlCol="0" anchor="ctr"/>
-          <a:lstStyle/>
-          <a:p>
-            <a:pPr algn="ctr"/>
-            <a:endParaRPr lang="ko-KR" altLang="en-US"/>
-          </a:p>
-        </p:txBody>
-      </p:sp>
-      <p:sp>
-        <p:nvSpPr>
-          <p:cNvPr id="6" name="화살표: 오른쪽 5">
-            <a:extLst>
-              <a:ext uri="{FF2B5EF4-FFF2-40B4-BE49-F238E27FC236}">
-                <a16:creationId xmlns:a16="http://schemas.microsoft.com/office/drawing/2014/main" id="{405FB8B6-07BB-CBFA-F483-2E0F865E6694}"/>
-              </a:ext>
-            </a:extLst>
-          </p:cNvPr>
-          <p:cNvSpPr/>
-          <p:nvPr/>
-        </p:nvSpPr>
-        <p:spPr>
-          <a:xfrm>
-            <a:off x="4105380" y="3718845"/>
-            <a:ext cx="466619" cy="266700"/>
-          </a:xfrm>
-          <a:prstGeom prst="rightArrow">
-            <a:avLst/>
-          </a:prstGeom>
-          <a:solidFill>
-            <a:schemeClr val="bg2">
-              <a:lumMod val="90000"/>
-            </a:schemeClr>
-          </a:solidFill>
-          <a:ln>
-            <a:solidFill>
-              <a:schemeClr val="tx1"/>
-            </a:solidFill>
-          </a:ln>
-        </p:spPr>
-        <p:style>
-          <a:lnRef idx="2">
-            <a:schemeClr val="accent1">
-              <a:shade val="50000"/>
-            </a:schemeClr>
-          </a:lnRef>
-          <a:fillRef idx="1">
-            <a:schemeClr val="accent1"/>
-          </a:fillRef>
-          <a:effectRef idx="0">
-            <a:schemeClr val="accent1"/>
-          </a:effectRef>
-          <a:fontRef idx="minor">
-            <a:schemeClr val="lt1"/>
-          </a:fontRef>
-        </p:style>
-        <p:txBody>
-          <a:bodyPr rtlCol="0" anchor="ctr"/>
-          <a:lstStyle/>
-          <a:p>
-            <a:pPr algn="ctr"/>
-            <a:endParaRPr lang="ko-KR" altLang="en-US"/>
-          </a:p>
-        </p:txBody>
-      </p:sp>
-      <p:sp>
-        <p:nvSpPr>
-          <p:cNvPr id="7" name="화살표: 오른쪽 6">
-            <a:extLst>
-              <a:ext uri="{FF2B5EF4-FFF2-40B4-BE49-F238E27FC236}">
-                <a16:creationId xmlns:a16="http://schemas.microsoft.com/office/drawing/2014/main" id="{3A2516A0-D304-5587-1C26-41E7DEDAC31F}"/>
-              </a:ext>
-            </a:extLst>
-          </p:cNvPr>
-          <p:cNvSpPr/>
-          <p:nvPr/>
-        </p:nvSpPr>
-        <p:spPr>
-          <a:xfrm>
-            <a:off x="4105379" y="4104608"/>
-            <a:ext cx="466619" cy="266700"/>
-          </a:xfrm>
-          <a:prstGeom prst="rightArrow">
-            <a:avLst/>
-          </a:prstGeom>
-          <a:solidFill>
-            <a:schemeClr val="bg2">
-              <a:lumMod val="90000"/>
-            </a:schemeClr>
-          </a:solidFill>
-          <a:ln>
-            <a:solidFill>
-              <a:schemeClr val="tx1"/>
-            </a:solidFill>
-          </a:ln>
-        </p:spPr>
-        <p:style>
-          <a:lnRef idx="2">
-            <a:schemeClr val="accent1">
-              <a:shade val="50000"/>
-            </a:schemeClr>
-          </a:lnRef>
-          <a:fillRef idx="1">
-            <a:schemeClr val="accent1"/>
-          </a:fillRef>
-          <a:effectRef idx="0">
-            <a:schemeClr val="accent1"/>
-          </a:effectRef>
-          <a:fontRef idx="minor">
-            <a:schemeClr val="lt1"/>
-          </a:fontRef>
-        </p:style>
-        <p:txBody>
-          <a:bodyPr rtlCol="0" anchor="ctr"/>
-          <a:lstStyle/>
-          <a:p>
-            <a:pPr algn="ctr"/>
-            <a:endParaRPr lang="ko-KR" altLang="en-US"/>
-          </a:p>
-        </p:txBody>
-      </p:sp>
-      <p:sp>
-        <p:nvSpPr>
-          <p:cNvPr id="8" name="화살표: 오른쪽 7">
-            <a:extLst>
-              <a:ext uri="{FF2B5EF4-FFF2-40B4-BE49-F238E27FC236}">
-                <a16:creationId xmlns:a16="http://schemas.microsoft.com/office/drawing/2014/main" id="{B0D486D3-61F2-E335-7666-E218B5504E53}"/>
-              </a:ext>
-            </a:extLst>
-          </p:cNvPr>
-          <p:cNvSpPr/>
-          <p:nvPr/>
-        </p:nvSpPr>
-        <p:spPr>
-          <a:xfrm>
-            <a:off x="4105378" y="4465890"/>
-            <a:ext cx="466619" cy="266700"/>
-          </a:xfrm>
-          <a:prstGeom prst="rightArrow">
-            <a:avLst/>
-          </a:prstGeom>
-          <a:solidFill>
-            <a:schemeClr val="bg2">
-              <a:lumMod val="90000"/>
-            </a:schemeClr>
-          </a:solidFill>
-          <a:ln>
-            <a:solidFill>
-              <a:schemeClr val="tx1"/>
-            </a:solidFill>
-          </a:ln>
-        </p:spPr>
-        <p:style>
-          <a:lnRef idx="2">
-            <a:schemeClr val="accent1">
-              <a:shade val="50000"/>
-            </a:schemeClr>
-          </a:lnRef>
-          <a:fillRef idx="1">
-            <a:schemeClr val="accent1"/>
-          </a:fillRef>
-          <a:effectRef idx="0">
-            <a:schemeClr val="accent1"/>
-          </a:effectRef>
-          <a:fontRef idx="minor">
-            <a:schemeClr val="lt1"/>
-          </a:fontRef>
-        </p:style>
-        <p:txBody>
-          <a:bodyPr rtlCol="0" anchor="ctr"/>
-          <a:lstStyle/>
-          <a:p>
-            <a:pPr algn="ctr"/>
-            <a:endParaRPr lang="ko-KR" altLang="en-US"/>
+              <a:rPr lang="en-US" altLang="ko-KR" sz="1400" dirty="0"/>
+              <a:t>Source: https://dataaspirant.com/wp-content/uploads/2020/08/10-cbow-word2vec.png</a:t>
+            </a:r>
+            <a:endParaRPr lang="ko-KR" altLang="en-US" sz="1400" dirty="0"/>
           </a:p>
         </p:txBody>
       </p:sp>
     </p:spTree>
     <p:extLst>
       <p:ext uri="{BB962C8B-B14F-4D97-AF65-F5344CB8AC3E}">
-        <p14:creationId xmlns:p14="http://schemas.microsoft.com/office/powerpoint/2010/main" val="2938015911"/>
+        <p14:creationId xmlns:p14="http://schemas.microsoft.com/office/powerpoint/2010/main" val="1335700571"/>
       </p:ext>
     </p:extLst>
   </p:cSld>
@@ -9869,92 +11420,10 @@
       </p:cxnSp>
       <p:sp>
         <p:nvSpPr>
-          <p:cNvPr id="10" name="직사각형 9">
+          <p:cNvPr id="6" name="직사각형 5">
             <a:extLst>
               <a:ext uri="{FF2B5EF4-FFF2-40B4-BE49-F238E27FC236}">
-                <a16:creationId xmlns:a16="http://schemas.microsoft.com/office/drawing/2014/main" id="{9DC7D8DF-F1AC-5E24-6D05-87B8D3343A78}"/>
-              </a:ext>
-            </a:extLst>
-          </p:cNvPr>
-          <p:cNvSpPr/>
-          <p:nvPr/>
-        </p:nvSpPr>
-        <p:spPr>
-          <a:xfrm>
-            <a:off x="328772" y="1139130"/>
-            <a:ext cx="8643778" cy="1424942"/>
-          </a:xfrm>
-          <a:prstGeom prst="rect">
-            <a:avLst/>
-          </a:prstGeom>
-        </p:spPr>
-        <p:txBody>
-          <a:bodyPr wrap="square">
-            <a:spAutoFit/>
-          </a:bodyPr>
-          <a:lstStyle/>
-          <a:p>
-            <a:pPr marL="284400" indent="-284400">
-              <a:lnSpc>
-                <a:spcPct val="150000"/>
-              </a:lnSpc>
-              <a:buFont typeface="Arial" panose="020B0604020202020204" pitchFamily="34" charset="0"/>
-              <a:buChar char="•"/>
-            </a:pPr>
-            <a:r>
-              <a:rPr lang="en-US" altLang="ko-KR" sz="2400" dirty="0">
-                <a:solidFill>
-                  <a:srgbClr val="222222"/>
-                </a:solidFill>
-                <a:latin typeface="Arial Narrow" panose="020B0606020202030204" pitchFamily="34" charset="0"/>
-              </a:rPr>
-              <a:t>Exercise4</a:t>
-            </a:r>
-          </a:p>
-          <a:p>
-            <a:pPr marL="741600" lvl="1" indent="-284400">
-              <a:lnSpc>
-                <a:spcPct val="150000"/>
-              </a:lnSpc>
-              <a:buFont typeface="Arial" panose="020B0604020202020204" pitchFamily="34" charset="0"/>
-              <a:buChar char="•"/>
-            </a:pPr>
-            <a:r>
-              <a:rPr lang="en-US" altLang="ko-KR" dirty="0">
-                <a:solidFill>
-                  <a:srgbClr val="222222"/>
-                </a:solidFill>
-                <a:latin typeface="Arial Narrow" panose="020B0606020202030204" pitchFamily="34" charset="0"/>
-              </a:rPr>
-              <a:t>Developing a model to complete 10 letter words</a:t>
-            </a:r>
-          </a:p>
-          <a:p>
-            <a:pPr marL="741600" lvl="1" indent="-284400">
-              <a:lnSpc>
-                <a:spcPct val="150000"/>
-              </a:lnSpc>
-              <a:buFont typeface="Arial" panose="020B0604020202020204" pitchFamily="34" charset="0"/>
-              <a:buChar char="•"/>
-            </a:pPr>
-            <a:r>
-              <a:rPr lang="en-US" altLang="ko-KR" dirty="0">
-                <a:solidFill>
-                  <a:srgbClr val="222222"/>
-                </a:solidFill>
-                <a:latin typeface="Arial Narrow" panose="020B0606020202030204" pitchFamily="34" charset="0"/>
-              </a:rPr>
-              <a:t>Predicting the last 3 letters, given 7 letters.</a:t>
-            </a:r>
-          </a:p>
-        </p:txBody>
-      </p:sp>
-      <p:sp>
-        <p:nvSpPr>
-          <p:cNvPr id="3" name="직사각형 2">
-            <a:extLst>
-              <a:ext uri="{FF2B5EF4-FFF2-40B4-BE49-F238E27FC236}">
-                <a16:creationId xmlns:a16="http://schemas.microsoft.com/office/drawing/2014/main" id="{8B3309B0-9FAF-B08A-2228-DB5B26F7E72B}"/>
+                <a16:creationId xmlns:a16="http://schemas.microsoft.com/office/drawing/2014/main" id="{6AE458C1-6B85-ECDF-7351-770B57E86129}"/>
               </a:ext>
             </a:extLst>
           </p:cNvPr>
@@ -9988,7 +11457,7 @@
                 </a:solidFill>
                 <a:latin typeface="Arial Narrow" panose="020B0606020202030204" pitchFamily="34" charset="0"/>
               </a:rPr>
-              <a:t>Introduction to Long Short-Term Memory (LSTM) </a:t>
+              <a:t>Introduction to natural language processing</a:t>
             </a:r>
             <a:endParaRPr lang="en-US" altLang="ko-KR" sz="2800" dirty="0">
               <a:latin typeface="Arial Narrow" panose="020B0606020202030204" pitchFamily="34" charset="0"/>
@@ -9997,12 +11466,431 @@
           </a:p>
         </p:txBody>
       </p:sp>
+      <p:sp>
+        <p:nvSpPr>
+          <p:cNvPr id="2" name="직사각형 1">
+            <a:extLst>
+              <a:ext uri="{FF2B5EF4-FFF2-40B4-BE49-F238E27FC236}">
+                <a16:creationId xmlns:a16="http://schemas.microsoft.com/office/drawing/2014/main" id="{0312F0CB-A1EA-A177-7E7F-D9DB7FC6A687}"/>
+              </a:ext>
+            </a:extLst>
+          </p:cNvPr>
+          <p:cNvSpPr/>
+          <p:nvPr/>
+        </p:nvSpPr>
+        <p:spPr>
+          <a:xfrm>
+            <a:off x="328770" y="1139130"/>
+            <a:ext cx="8544322" cy="4518096"/>
+          </a:xfrm>
+          <a:prstGeom prst="rect">
+            <a:avLst/>
+          </a:prstGeom>
+        </p:spPr>
+        <p:txBody>
+          <a:bodyPr wrap="square">
+            <a:spAutoFit/>
+          </a:bodyPr>
+          <a:lstStyle/>
+          <a:p>
+            <a:pPr marL="284400" indent="-284400">
+              <a:lnSpc>
+                <a:spcPct val="150000"/>
+              </a:lnSpc>
+              <a:buFont typeface="Arial" panose="020B0604020202020204" pitchFamily="34" charset="0"/>
+              <a:buChar char="•"/>
+            </a:pPr>
+            <a:r>
+              <a:rPr lang="en-US" altLang="ko-KR" sz="2400" dirty="0">
+                <a:solidFill>
+                  <a:srgbClr val="222222"/>
+                </a:solidFill>
+                <a:latin typeface="Arial Narrow" panose="020B0606020202030204" pitchFamily="34" charset="0"/>
+              </a:rPr>
+              <a:t>Word embedding with </a:t>
+            </a:r>
+            <a:r>
+              <a:rPr lang="en-US" altLang="ko-KR" sz="2400" dirty="0" err="1">
+                <a:solidFill>
+                  <a:srgbClr val="222222"/>
+                </a:solidFill>
+                <a:latin typeface="Arial Narrow" panose="020B0606020202030204" pitchFamily="34" charset="0"/>
+              </a:rPr>
+              <a:t>Keras</a:t>
+            </a:r>
+            <a:endParaRPr lang="en-US" altLang="ko-KR" sz="2400" dirty="0">
+              <a:solidFill>
+                <a:srgbClr val="222222"/>
+              </a:solidFill>
+              <a:latin typeface="Arial Narrow" panose="020B0606020202030204" pitchFamily="34" charset="0"/>
+            </a:endParaRPr>
+          </a:p>
+          <a:p>
+            <a:pPr marL="741600" lvl="1" indent="-284400">
+              <a:lnSpc>
+                <a:spcPct val="150000"/>
+              </a:lnSpc>
+              <a:buFont typeface="Arial" panose="020B0604020202020204" pitchFamily="34" charset="0"/>
+              <a:buChar char="•"/>
+            </a:pPr>
+            <a:r>
+              <a:rPr lang="en-US" altLang="ko-KR" sz="2000" dirty="0">
+                <a:solidFill>
+                  <a:srgbClr val="222222"/>
+                </a:solidFill>
+                <a:latin typeface="Arial Narrow" panose="020B0606020202030204" pitchFamily="34" charset="0"/>
+              </a:rPr>
+              <a:t>Mechanism and procedure for Word Embeddings in </a:t>
+            </a:r>
+            <a:r>
+              <a:rPr lang="en-US" altLang="ko-KR" sz="2000" dirty="0" err="1">
+                <a:solidFill>
+                  <a:srgbClr val="222222"/>
+                </a:solidFill>
+                <a:latin typeface="Arial Narrow" panose="020B0606020202030204" pitchFamily="34" charset="0"/>
+              </a:rPr>
+              <a:t>Keras</a:t>
+            </a:r>
+            <a:endParaRPr lang="en-US" altLang="ko-KR" sz="2000" dirty="0">
+              <a:solidFill>
+                <a:srgbClr val="222222"/>
+              </a:solidFill>
+              <a:latin typeface="Arial Narrow" panose="020B0606020202030204" pitchFamily="34" charset="0"/>
+            </a:endParaRPr>
+          </a:p>
+          <a:p>
+            <a:pPr marL="1198800" lvl="2" indent="-284400">
+              <a:lnSpc>
+                <a:spcPct val="150000"/>
+              </a:lnSpc>
+              <a:buFont typeface="Arial" panose="020B0604020202020204" pitchFamily="34" charset="0"/>
+              <a:buChar char="•"/>
+            </a:pPr>
+            <a:r>
+              <a:rPr lang="en-US" altLang="ko-KR" dirty="0">
+                <a:solidFill>
+                  <a:srgbClr val="222222"/>
+                </a:solidFill>
+                <a:latin typeface="Arial Narrow" panose="020B0606020202030204" pitchFamily="34" charset="0"/>
+              </a:rPr>
+              <a:t>Step 1: Word </a:t>
+            </a:r>
+            <a:r>
+              <a:rPr lang="en-US" altLang="ko-KR" dirty="0">
+                <a:solidFill>
+                  <a:srgbClr val="222222"/>
+                </a:solidFill>
+                <a:latin typeface="Arial Narrow" panose="020B0606020202030204" pitchFamily="34" charset="0"/>
+                <a:sym typeface="Wingdings" panose="05000000000000000000" pitchFamily="2" charset="2"/>
+              </a:rPr>
+              <a:t></a:t>
+            </a:r>
+            <a:r>
+              <a:rPr lang="en-US" altLang="ko-KR" dirty="0">
+                <a:solidFill>
+                  <a:srgbClr val="222222"/>
+                </a:solidFill>
+                <a:latin typeface="Arial Narrow" panose="020B0606020202030204" pitchFamily="34" charset="0"/>
+              </a:rPr>
+              <a:t> Integer mapping</a:t>
+            </a:r>
+            <a:endParaRPr lang="en-US" altLang="ko-KR" sz="1600" dirty="0">
+              <a:solidFill>
+                <a:srgbClr val="222222"/>
+              </a:solidFill>
+              <a:latin typeface="Arial Narrow" panose="020B0606020202030204" pitchFamily="34" charset="0"/>
+            </a:endParaRPr>
+          </a:p>
+          <a:p>
+            <a:pPr marL="1656000" lvl="3" indent="-284400">
+              <a:lnSpc>
+                <a:spcPct val="150000"/>
+              </a:lnSpc>
+              <a:buFont typeface="Arial" panose="020B0604020202020204" pitchFamily="34" charset="0"/>
+              <a:buChar char="•"/>
+            </a:pPr>
+            <a:r>
+              <a:rPr lang="en-US" altLang="ko-KR" sz="1600" dirty="0">
+                <a:solidFill>
+                  <a:srgbClr val="222222"/>
+                </a:solidFill>
+                <a:latin typeface="Arial Narrow" panose="020B0606020202030204" pitchFamily="34" charset="0"/>
+              </a:rPr>
+              <a:t>We </a:t>
+            </a:r>
+            <a:r>
+              <a:rPr lang="en-US" altLang="ko-KR" sz="1600" dirty="0">
+                <a:solidFill>
+                  <a:srgbClr val="222222"/>
+                </a:solidFill>
+                <a:latin typeface="Arial Narrow" panose="020B0606020202030204" pitchFamily="34" charset="0"/>
+                <a:sym typeface="Wingdings" panose="05000000000000000000" pitchFamily="2" charset="2"/>
+              </a:rPr>
+              <a:t></a:t>
+            </a:r>
+            <a:r>
+              <a:rPr lang="en-US" altLang="ko-KR" sz="1600" dirty="0">
+                <a:solidFill>
+                  <a:srgbClr val="222222"/>
+                </a:solidFill>
+                <a:latin typeface="Arial Narrow" panose="020B0606020202030204" pitchFamily="34" charset="0"/>
+              </a:rPr>
+              <a:t> 0 , enjoy </a:t>
+            </a:r>
+            <a:r>
+              <a:rPr lang="en-US" altLang="ko-KR" sz="1600" dirty="0">
+                <a:solidFill>
+                  <a:srgbClr val="222222"/>
+                </a:solidFill>
+                <a:latin typeface="Arial Narrow" panose="020B0606020202030204" pitchFamily="34" charset="0"/>
+                <a:sym typeface="Wingdings" panose="05000000000000000000" pitchFamily="2" charset="2"/>
+              </a:rPr>
+              <a:t> 1 , ice  2 , cream  3, </a:t>
+            </a:r>
+            <a:r>
+              <a:rPr lang="en-US" altLang="ko-KR" sz="1600" dirty="0" err="1">
+                <a:solidFill>
+                  <a:srgbClr val="222222"/>
+                </a:solidFill>
+                <a:latin typeface="Arial Narrow" panose="020B0606020202030204" pitchFamily="34" charset="0"/>
+                <a:sym typeface="Wingdings" panose="05000000000000000000" pitchFamily="2" charset="2"/>
+              </a:rPr>
+              <a:t>etc</a:t>
+            </a:r>
+            <a:endParaRPr lang="en-US" altLang="ko-KR" sz="1600" dirty="0">
+              <a:solidFill>
+                <a:srgbClr val="222222"/>
+              </a:solidFill>
+              <a:latin typeface="Arial Narrow" panose="020B0606020202030204" pitchFamily="34" charset="0"/>
+            </a:endParaRPr>
+          </a:p>
+          <a:p>
+            <a:pPr marL="1198800" lvl="2" indent="-284400">
+              <a:lnSpc>
+                <a:spcPct val="150000"/>
+              </a:lnSpc>
+              <a:buFont typeface="Arial" panose="020B0604020202020204" pitchFamily="34" charset="0"/>
+              <a:buChar char="•"/>
+            </a:pPr>
+            <a:endParaRPr lang="en-US" altLang="ko-KR" sz="1600" dirty="0">
+              <a:solidFill>
+                <a:srgbClr val="222222"/>
+              </a:solidFill>
+              <a:latin typeface="Arial Narrow" panose="020B0606020202030204" pitchFamily="34" charset="0"/>
+            </a:endParaRPr>
+          </a:p>
+          <a:p>
+            <a:pPr marL="1198800" lvl="2" indent="-284400">
+              <a:lnSpc>
+                <a:spcPct val="150000"/>
+              </a:lnSpc>
+              <a:buFont typeface="Arial" panose="020B0604020202020204" pitchFamily="34" charset="0"/>
+              <a:buChar char="•"/>
+            </a:pPr>
+            <a:r>
+              <a:rPr lang="en-US" altLang="ko-KR" dirty="0">
+                <a:solidFill>
+                  <a:srgbClr val="222222"/>
+                </a:solidFill>
+                <a:latin typeface="Arial Narrow" panose="020B0606020202030204" pitchFamily="34" charset="0"/>
+              </a:rPr>
+              <a:t>Step 2: Integer </a:t>
+            </a:r>
+            <a:r>
+              <a:rPr lang="en-US" altLang="ko-KR" dirty="0">
+                <a:solidFill>
+                  <a:srgbClr val="222222"/>
+                </a:solidFill>
+                <a:latin typeface="Arial Narrow" panose="020B0606020202030204" pitchFamily="34" charset="0"/>
+                <a:sym typeface="Wingdings" panose="05000000000000000000" pitchFamily="2" charset="2"/>
+              </a:rPr>
+              <a:t></a:t>
+            </a:r>
+            <a:r>
+              <a:rPr lang="en-US" altLang="ko-KR" dirty="0">
+                <a:solidFill>
+                  <a:srgbClr val="222222"/>
+                </a:solidFill>
+                <a:latin typeface="Arial Narrow" panose="020B0606020202030204" pitchFamily="34" charset="0"/>
+              </a:rPr>
+              <a:t> </a:t>
+            </a:r>
+            <a:r>
+              <a:rPr lang="en-US" altLang="ko-KR" sz="1800" dirty="0">
+                <a:solidFill>
+                  <a:srgbClr val="222222"/>
+                </a:solidFill>
+                <a:latin typeface="Arial Narrow" panose="020B0606020202030204" pitchFamily="34" charset="0"/>
+              </a:rPr>
+              <a:t>lookup table </a:t>
+            </a:r>
+            <a:r>
+              <a:rPr lang="en-US" altLang="ko-KR" dirty="0">
+                <a:solidFill>
+                  <a:srgbClr val="222222"/>
+                </a:solidFill>
+                <a:latin typeface="Arial Narrow" panose="020B0606020202030204" pitchFamily="34" charset="0"/>
+                <a:sym typeface="Wingdings" panose="05000000000000000000" pitchFamily="2" charset="2"/>
+              </a:rPr>
+              <a:t> embedding vector </a:t>
+            </a:r>
+            <a:endParaRPr lang="en-US" altLang="ko-KR" dirty="0">
+              <a:solidFill>
+                <a:srgbClr val="222222"/>
+              </a:solidFill>
+              <a:latin typeface="Arial Narrow" panose="020B0606020202030204" pitchFamily="34" charset="0"/>
+            </a:endParaRPr>
+          </a:p>
+          <a:p>
+            <a:pPr marL="1656000" lvl="3" indent="-284400">
+              <a:lnSpc>
+                <a:spcPct val="150000"/>
+              </a:lnSpc>
+              <a:buFont typeface="Arial" panose="020B0604020202020204" pitchFamily="34" charset="0"/>
+              <a:buChar char="•"/>
+            </a:pPr>
+            <a:r>
+              <a:rPr lang="en-US" altLang="ko-KR" sz="1600" dirty="0">
+                <a:solidFill>
+                  <a:srgbClr val="222222"/>
+                </a:solidFill>
+                <a:latin typeface="Arial Narrow" panose="020B0606020202030204" pitchFamily="34" charset="0"/>
+              </a:rPr>
+              <a:t>Using a lookup table, when a specific word is encountered, the corresponding integer ID is used to retrieve the associated embedding vector.</a:t>
+            </a:r>
+          </a:p>
+          <a:p>
+            <a:pPr marL="1656000" lvl="3" indent="-284400">
+              <a:lnSpc>
+                <a:spcPct val="150000"/>
+              </a:lnSpc>
+              <a:buFont typeface="Arial" panose="020B0604020202020204" pitchFamily="34" charset="0"/>
+              <a:buChar char="•"/>
+            </a:pPr>
+            <a:r>
+              <a:rPr lang="en-US" altLang="ko-KR" sz="1600" dirty="0">
+                <a:solidFill>
+                  <a:srgbClr val="222222"/>
+                </a:solidFill>
+                <a:latin typeface="Arial Narrow" panose="020B0606020202030204" pitchFamily="34" charset="0"/>
+              </a:rPr>
+              <a:t>We </a:t>
+            </a:r>
+            <a:r>
+              <a:rPr lang="en-US" altLang="ko-KR" sz="1600" dirty="0">
+                <a:solidFill>
+                  <a:srgbClr val="222222"/>
+                </a:solidFill>
+                <a:latin typeface="Arial Narrow" panose="020B0606020202030204" pitchFamily="34" charset="0"/>
+                <a:sym typeface="Wingdings" panose="05000000000000000000" pitchFamily="2" charset="2"/>
+              </a:rPr>
+              <a:t></a:t>
+            </a:r>
+            <a:r>
+              <a:rPr lang="en-US" altLang="ko-KR" sz="1600" dirty="0">
+                <a:solidFill>
+                  <a:srgbClr val="222222"/>
+                </a:solidFill>
+                <a:latin typeface="Arial Narrow" panose="020B0606020202030204" pitchFamily="34" charset="0"/>
+              </a:rPr>
+              <a:t> 0 </a:t>
+            </a:r>
+            <a:r>
+              <a:rPr lang="en-US" altLang="ko-KR" sz="1600" dirty="0">
+                <a:solidFill>
+                  <a:srgbClr val="222222"/>
+                </a:solidFill>
+                <a:latin typeface="Arial Narrow" panose="020B0606020202030204" pitchFamily="34" charset="0"/>
+                <a:sym typeface="Wingdings" panose="05000000000000000000" pitchFamily="2" charset="2"/>
+              </a:rPr>
+              <a:t></a:t>
+            </a:r>
+            <a:r>
+              <a:rPr lang="en-US" altLang="ko-KR" sz="1600" dirty="0">
+                <a:solidFill>
+                  <a:srgbClr val="222222"/>
+                </a:solidFill>
+                <a:latin typeface="Arial Narrow" panose="020B0606020202030204" pitchFamily="34" charset="0"/>
+              </a:rPr>
+              <a:t> </a:t>
+            </a:r>
+          </a:p>
+          <a:p>
+            <a:pPr marL="1656000" lvl="3" indent="-284400">
+              <a:lnSpc>
+                <a:spcPct val="150000"/>
+              </a:lnSpc>
+              <a:buFont typeface="Arial" panose="020B0604020202020204" pitchFamily="34" charset="0"/>
+              <a:buChar char="•"/>
+            </a:pPr>
+            <a:r>
+              <a:rPr lang="en-US" altLang="ko-KR" sz="1600" dirty="0">
+                <a:solidFill>
+                  <a:srgbClr val="222222"/>
+                </a:solidFill>
+                <a:latin typeface="Arial Narrow" panose="020B0606020202030204" pitchFamily="34" charset="0"/>
+              </a:rPr>
+              <a:t>enjoy </a:t>
+            </a:r>
+            <a:r>
+              <a:rPr lang="en-US" altLang="ko-KR" sz="1600" dirty="0">
+                <a:solidFill>
+                  <a:srgbClr val="222222"/>
+                </a:solidFill>
+                <a:latin typeface="Arial Narrow" panose="020B0606020202030204" pitchFamily="34" charset="0"/>
+                <a:sym typeface="Wingdings" panose="05000000000000000000" pitchFamily="2" charset="2"/>
+              </a:rPr>
+              <a:t></a:t>
+            </a:r>
+            <a:r>
+              <a:rPr lang="en-US" altLang="ko-KR" sz="1600" dirty="0">
+                <a:solidFill>
+                  <a:srgbClr val="222222"/>
+                </a:solidFill>
+                <a:latin typeface="Arial Narrow" panose="020B0606020202030204" pitchFamily="34" charset="0"/>
+              </a:rPr>
+              <a:t> 1 </a:t>
+            </a:r>
+            <a:r>
+              <a:rPr lang="en-US" altLang="ko-KR" sz="1600" dirty="0">
+                <a:solidFill>
+                  <a:srgbClr val="222222"/>
+                </a:solidFill>
+                <a:latin typeface="Arial Narrow" panose="020B0606020202030204" pitchFamily="34" charset="0"/>
+                <a:sym typeface="Wingdings" panose="05000000000000000000" pitchFamily="2" charset="2"/>
+              </a:rPr>
+              <a:t></a:t>
+            </a:r>
+            <a:r>
+              <a:rPr lang="en-US" altLang="ko-KR" sz="1600" dirty="0">
+                <a:solidFill>
+                  <a:srgbClr val="222222"/>
+                </a:solidFill>
+                <a:latin typeface="Arial Narrow" panose="020B0606020202030204" pitchFamily="34" charset="0"/>
+              </a:rPr>
+              <a:t> </a:t>
+            </a:r>
+          </a:p>
+          <a:p>
+            <a:pPr marL="741600" lvl="1" indent="-284400">
+              <a:lnSpc>
+                <a:spcPct val="150000"/>
+              </a:lnSpc>
+              <a:buFont typeface="Arial" panose="020B0604020202020204" pitchFamily="34" charset="0"/>
+              <a:buChar char="•"/>
+            </a:pPr>
+            <a:endParaRPr lang="en-US" altLang="ko-KR" dirty="0">
+              <a:latin typeface="Arial Narrow" panose="020B0606020202030204" pitchFamily="34" charset="0"/>
+            </a:endParaRPr>
+          </a:p>
+        </p:txBody>
+      </p:sp>
       <p:graphicFrame>
         <p:nvGraphicFramePr>
-          <p:cNvPr id="2" name="표 3">
+          <p:cNvPr id="4" name="표 3">
             <a:extLst>
               <a:ext uri="{FF2B5EF4-FFF2-40B4-BE49-F238E27FC236}">
-                <a16:creationId xmlns:a16="http://schemas.microsoft.com/office/drawing/2014/main" id="{D2A90E1B-CDA5-8FD9-9832-FE9E237930E9}"/>
+                <a16:creationId xmlns:a16="http://schemas.microsoft.com/office/drawing/2014/main" id="{F46C1089-4211-8192-EBC7-2493BD386631}"/>
               </a:ext>
             </a:extLst>
           </p:cNvPr>
@@ -10012,14 +11900,14 @@
           <p:nvPr>
             <p:extLst>
               <p:ext uri="{D42A27DB-BD31-4B8C-83A1-F6EECF244321}">
-                <p14:modId xmlns:p14="http://schemas.microsoft.com/office/powerpoint/2010/main" val="2061226145"/>
+                <p14:modId xmlns:p14="http://schemas.microsoft.com/office/powerpoint/2010/main" val="105684059"/>
               </p:ext>
             </p:extLst>
           </p:nvPr>
         </p:nvGraphicFramePr>
         <p:xfrm>
-          <a:off x="1769514" y="2918153"/>
-          <a:ext cx="4895235" cy="2194560"/>
+          <a:off x="3057525" y="4593948"/>
+          <a:ext cx="775944" cy="176645"/>
         </p:xfrm>
         <a:graphic>
           <a:graphicData uri="http://schemas.openxmlformats.org/drawingml/2006/table">
@@ -10028,43 +11916,46 @@
                 <a:tableStyleId>{5940675A-B579-460E-94D1-54222C63F5DA}</a:tableStyleId>
               </a:tblPr>
               <a:tblGrid>
-                <a:gridCol w="1631745">
+                <a:gridCol w="258648">
                   <a:extLst>
                     <a:ext uri="{9D8B030D-6E8A-4147-A177-3AD203B41FA5}">
-                      <a16:colId xmlns:a16="http://schemas.microsoft.com/office/drawing/2014/main" val="1983556881"/>
+                      <a16:colId xmlns:a16="http://schemas.microsoft.com/office/drawing/2014/main" val="330090719"/>
                     </a:ext>
                   </a:extLst>
                 </a:gridCol>
-                <a:gridCol w="1631745">
+                <a:gridCol w="258648">
                   <a:extLst>
                     <a:ext uri="{9D8B030D-6E8A-4147-A177-3AD203B41FA5}">
-                      <a16:colId xmlns:a16="http://schemas.microsoft.com/office/drawing/2014/main" val="4140232556"/>
+                      <a16:colId xmlns:a16="http://schemas.microsoft.com/office/drawing/2014/main" val="1240424932"/>
                     </a:ext>
                   </a:extLst>
                 </a:gridCol>
-                <a:gridCol w="1631745">
+                <a:gridCol w="258648">
                   <a:extLst>
                     <a:ext uri="{9D8B030D-6E8A-4147-A177-3AD203B41FA5}">
-                      <a16:colId xmlns:a16="http://schemas.microsoft.com/office/drawing/2014/main" val="4034668507"/>
+                      <a16:colId xmlns:a16="http://schemas.microsoft.com/office/drawing/2014/main" val="2228966134"/>
                     </a:ext>
                   </a:extLst>
                 </a:gridCol>
               </a:tblGrid>
-              <a:tr h="362110">
+              <a:tr h="176645">
                 <a:tc>
                   <a:txBody>
                     <a:bodyPr/>
                     <a:lstStyle/>
                     <a:p>
                       <a:pPr algn="ctr" latinLnBrk="1"/>
-                      <a:r>
-                        <a:rPr lang="en-US" altLang="ko-KR" dirty="0"/>
-                        <a:t>Ground truth</a:t>
-                      </a:r>
-                      <a:endParaRPr lang="ko-KR" altLang="en-US" dirty="0"/>
+                      <a:endParaRPr lang="ko-KR" altLang="en-US" sz="300" dirty="0"/>
                     </a:p>
                   </a:txBody>
-                  <a:tcPr/>
+                  <a:tcPr>
+                    <a:solidFill>
+                      <a:schemeClr val="accent5">
+                        <a:lumMod val="20000"/>
+                        <a:lumOff val="80000"/>
+                      </a:schemeClr>
+                    </a:solidFill>
+                  </a:tcPr>
                 </a:tc>
                 <a:tc>
                   <a:txBody>
@@ -10072,14 +11963,17 @@
                     <a:lstStyle/>
                     <a:p>
                       <a:pPr algn="ctr" latinLnBrk="1"/>
-                      <a:r>
-                        <a:rPr lang="en-US" altLang="ko-KR" dirty="0"/>
-                        <a:t>Input</a:t>
-                      </a:r>
-                      <a:endParaRPr lang="ko-KR" altLang="en-US" dirty="0"/>
+                      <a:endParaRPr lang="ko-KR" altLang="en-US" sz="300" dirty="0"/>
                     </a:p>
                   </a:txBody>
-                  <a:tcPr/>
+                  <a:tcPr>
+                    <a:solidFill>
+                      <a:schemeClr val="accent5">
+                        <a:lumMod val="60000"/>
+                        <a:lumOff val="40000"/>
+                      </a:schemeClr>
+                    </a:solidFill>
+                  </a:tcPr>
                 </a:tc>
                 <a:tc>
                   <a:txBody>
@@ -10087,57 +11981,98 @@
                     <a:lstStyle/>
                     <a:p>
                       <a:pPr algn="ctr" latinLnBrk="1"/>
-                      <a:r>
-                        <a:rPr lang="en-US" altLang="ko-KR" dirty="0"/>
-                        <a:t>Output</a:t>
-                      </a:r>
-                      <a:endParaRPr lang="ko-KR" altLang="en-US" dirty="0"/>
+                      <a:endParaRPr lang="ko-KR" altLang="en-US" sz="300" dirty="0"/>
                     </a:p>
                   </a:txBody>
-                  <a:tcPr/>
+                  <a:tcPr>
+                    <a:solidFill>
+                      <a:schemeClr val="accent5">
+                        <a:lumMod val="75000"/>
+                      </a:schemeClr>
+                    </a:solidFill>
+                  </a:tcPr>
                 </a:tc>
                 <a:extLst>
                   <a:ext uri="{0D108BD9-81ED-4DB2-BD59-A6C34878D82A}">
-                    <a16:rowId xmlns:a16="http://schemas.microsoft.com/office/drawing/2014/main" val="1251107467"/>
+                    <a16:rowId xmlns:a16="http://schemas.microsoft.com/office/drawing/2014/main" val="3183673895"/>
                   </a:ext>
                 </a:extLst>
               </a:tr>
-              <a:tr h="362110">
+            </a:tbl>
+          </a:graphicData>
+        </a:graphic>
+      </p:graphicFrame>
+      <p:graphicFrame>
+        <p:nvGraphicFramePr>
+          <p:cNvPr id="5" name="표 4">
+            <a:extLst>
+              <a:ext uri="{FF2B5EF4-FFF2-40B4-BE49-F238E27FC236}">
+                <a16:creationId xmlns:a16="http://schemas.microsoft.com/office/drawing/2014/main" id="{1DF593AD-B709-C2AD-2CB3-FD00AF28AD7F}"/>
+              </a:ext>
+            </a:extLst>
+          </p:cNvPr>
+          <p:cNvGraphicFramePr>
+            <a:graphicFrameLocks noGrp="1"/>
+          </p:cNvGraphicFramePr>
+          <p:nvPr>
+            <p:extLst>
+              <p:ext uri="{D42A27DB-BD31-4B8C-83A1-F6EECF244321}">
+                <p14:modId xmlns:p14="http://schemas.microsoft.com/office/powerpoint/2010/main" val="3880225174"/>
+              </p:ext>
+            </p:extLst>
+          </p:nvPr>
+        </p:nvGraphicFramePr>
+        <p:xfrm>
+          <a:off x="3172218" y="4964149"/>
+          <a:ext cx="775944" cy="176645"/>
+        </p:xfrm>
+        <a:graphic>
+          <a:graphicData uri="http://schemas.openxmlformats.org/drawingml/2006/table">
+            <a:tbl>
+              <a:tblPr firstRow="1" bandRow="1">
+                <a:tableStyleId>{5940675A-B579-460E-94D1-54222C63F5DA}</a:tableStyleId>
+              </a:tblPr>
+              <a:tblGrid>
+                <a:gridCol w="258648">
+                  <a:extLst>
+                    <a:ext uri="{9D8B030D-6E8A-4147-A177-3AD203B41FA5}">
+                      <a16:colId xmlns:a16="http://schemas.microsoft.com/office/drawing/2014/main" val="330090719"/>
+                    </a:ext>
+                  </a:extLst>
+                </a:gridCol>
+                <a:gridCol w="258648">
+                  <a:extLst>
+                    <a:ext uri="{9D8B030D-6E8A-4147-A177-3AD203B41FA5}">
+                      <a16:colId xmlns:a16="http://schemas.microsoft.com/office/drawing/2014/main" val="1240424932"/>
+                    </a:ext>
+                  </a:extLst>
+                </a:gridCol>
+                <a:gridCol w="258648">
+                  <a:extLst>
+                    <a:ext uri="{9D8B030D-6E8A-4147-A177-3AD203B41FA5}">
+                      <a16:colId xmlns:a16="http://schemas.microsoft.com/office/drawing/2014/main" val="2228966134"/>
+                    </a:ext>
+                  </a:extLst>
+                </a:gridCol>
+              </a:tblGrid>
+              <a:tr h="176645">
                 <a:tc>
                   <a:txBody>
                     <a:bodyPr/>
                     <a:lstStyle/>
                     <a:p>
                       <a:pPr algn="ctr" latinLnBrk="1"/>
-                      <a:r>
-                        <a:rPr lang="en-US" altLang="ko-KR" dirty="0">
-                          <a:solidFill>
-                            <a:schemeClr val="accent6">
-                              <a:lumMod val="75000"/>
-                            </a:schemeClr>
-                          </a:solidFill>
-                          <a:latin typeface="Arial Narrow" panose="020B0606020202030204" pitchFamily="34" charset="0"/>
-                        </a:rPr>
-                        <a:t>abbrevi</a:t>
-                      </a:r>
-                      <a:r>
-                        <a:rPr lang="en-US" altLang="ko-KR" dirty="0">
-                          <a:solidFill>
-                            <a:schemeClr val="accent5"/>
-                          </a:solidFill>
-                          <a:latin typeface="Arial Narrow" panose="020B0606020202030204" pitchFamily="34" charset="0"/>
-                        </a:rPr>
-                        <a:t>ate</a:t>
-                      </a:r>
-                      <a:endParaRPr lang="ko-KR" altLang="en-US" dirty="0">
-                        <a:solidFill>
-                          <a:schemeClr val="accent5"/>
-                        </a:solidFill>
-                        <a:latin typeface="Arial Narrow" panose="020B0606020202030204" pitchFamily="34" charset="0"/>
-                      </a:endParaRPr>
+                      <a:endParaRPr lang="ko-KR" altLang="en-US" sz="300" dirty="0"/>
                     </a:p>
                   </a:txBody>
-                  <a:tcPr/>
+                  <a:tcPr>
+                    <a:solidFill>
+                      <a:schemeClr val="accent5">
+                        <a:lumMod val="60000"/>
+                        <a:lumOff val="40000"/>
+                      </a:schemeClr>
+                    </a:solidFill>
+                  </a:tcPr>
                 </a:tc>
                 <a:tc>
                   <a:txBody>
@@ -10145,18 +12080,17 @@
                     <a:lstStyle/>
                     <a:p>
                       <a:pPr algn="ctr" latinLnBrk="1"/>
-                      <a:r>
-                        <a:rPr lang="en-US" altLang="ko-KR" dirty="0" err="1">
-                          <a:latin typeface="Arial Narrow" panose="020B0606020202030204" pitchFamily="34" charset="0"/>
-                        </a:rPr>
-                        <a:t>abbrevi</a:t>
-                      </a:r>
-                      <a:endParaRPr lang="ko-KR" altLang="en-US" dirty="0">
-                        <a:latin typeface="Arial Narrow" panose="020B0606020202030204" pitchFamily="34" charset="0"/>
-                      </a:endParaRPr>
+                      <a:endParaRPr lang="ko-KR" altLang="en-US" sz="300" dirty="0"/>
                     </a:p>
                   </a:txBody>
-                  <a:tcPr/>
+                  <a:tcPr>
+                    <a:solidFill>
+                      <a:schemeClr val="accent5">
+                        <a:lumMod val="60000"/>
+                        <a:lumOff val="40000"/>
+                      </a:schemeClr>
+                    </a:solidFill>
+                  </a:tcPr>
                 </a:tc>
                 <a:tc>
                   <a:txBody>
@@ -10164,323 +12098,21 @@
                     <a:lstStyle/>
                     <a:p>
                       <a:pPr algn="ctr" latinLnBrk="1"/>
-                      <a:r>
-                        <a:rPr lang="en-US" altLang="ko-KR" dirty="0">
-                          <a:latin typeface="Arial Narrow" panose="020B0606020202030204" pitchFamily="34" charset="0"/>
-                        </a:rPr>
-                        <a:t>ate</a:t>
-                      </a:r>
-                      <a:endParaRPr lang="ko-KR" altLang="en-US" dirty="0">
-                        <a:latin typeface="Arial Narrow" panose="020B0606020202030204" pitchFamily="34" charset="0"/>
-                      </a:endParaRPr>
+                      <a:endParaRPr lang="ko-KR" altLang="en-US" sz="300" dirty="0"/>
                     </a:p>
                   </a:txBody>
-                  <a:tcPr/>
+                  <a:tcPr>
+                    <a:solidFill>
+                      <a:schemeClr val="accent5">
+                        <a:lumMod val="40000"/>
+                        <a:lumOff val="60000"/>
+                      </a:schemeClr>
+                    </a:solidFill>
+                  </a:tcPr>
                 </a:tc>
                 <a:extLst>
                   <a:ext uri="{0D108BD9-81ED-4DB2-BD59-A6C34878D82A}">
-                    <a16:rowId xmlns:a16="http://schemas.microsoft.com/office/drawing/2014/main" val="1350315580"/>
-                  </a:ext>
-                </a:extLst>
-              </a:tr>
-              <a:tr h="362110">
-                <a:tc>
-                  <a:txBody>
-                    <a:bodyPr/>
-                    <a:lstStyle/>
-                    <a:p>
-                      <a:pPr algn="ctr" latinLnBrk="1"/>
-                      <a:r>
-                        <a:rPr lang="en-US" altLang="ko-KR" dirty="0">
-                          <a:solidFill>
-                            <a:schemeClr val="accent6">
-                              <a:lumMod val="75000"/>
-                            </a:schemeClr>
-                          </a:solidFill>
-                          <a:latin typeface="Arial Narrow" panose="020B0606020202030204" pitchFamily="34" charset="0"/>
-                        </a:rPr>
-                        <a:t>abdicat</a:t>
-                      </a:r>
-                      <a:r>
-                        <a:rPr lang="en-US" altLang="ko-KR" dirty="0">
-                          <a:solidFill>
-                            <a:schemeClr val="accent5"/>
-                          </a:solidFill>
-                          <a:latin typeface="Arial Narrow" panose="020B0606020202030204" pitchFamily="34" charset="0"/>
-                        </a:rPr>
-                        <a:t>ion</a:t>
-                      </a:r>
-                      <a:endParaRPr lang="ko-KR" altLang="en-US" dirty="0">
-                        <a:solidFill>
-                          <a:schemeClr val="accent5"/>
-                        </a:solidFill>
-                        <a:latin typeface="Arial Narrow" panose="020B0606020202030204" pitchFamily="34" charset="0"/>
-                      </a:endParaRPr>
-                    </a:p>
-                  </a:txBody>
-                  <a:tcPr/>
-                </a:tc>
-                <a:tc>
-                  <a:txBody>
-                    <a:bodyPr/>
-                    <a:lstStyle/>
-                    <a:p>
-                      <a:pPr algn="ctr" latinLnBrk="1"/>
-                      <a:r>
-                        <a:rPr lang="en-US" altLang="ko-KR" dirty="0" err="1">
-                          <a:latin typeface="Arial Narrow" panose="020B0606020202030204" pitchFamily="34" charset="0"/>
-                        </a:rPr>
-                        <a:t>abdicat</a:t>
-                      </a:r>
-                      <a:endParaRPr lang="ko-KR" altLang="en-US" dirty="0">
-                        <a:latin typeface="Arial Narrow" panose="020B0606020202030204" pitchFamily="34" charset="0"/>
-                      </a:endParaRPr>
-                    </a:p>
-                  </a:txBody>
-                  <a:tcPr/>
-                </a:tc>
-                <a:tc>
-                  <a:txBody>
-                    <a:bodyPr/>
-                    <a:lstStyle/>
-                    <a:p>
-                      <a:pPr algn="ctr" latinLnBrk="1"/>
-                      <a:r>
-                        <a:rPr lang="en-US" altLang="ko-KR" dirty="0">
-                          <a:latin typeface="Arial Narrow" panose="020B0606020202030204" pitchFamily="34" charset="0"/>
-                        </a:rPr>
-                        <a:t>ion</a:t>
-                      </a:r>
-                      <a:endParaRPr lang="ko-KR" altLang="en-US" dirty="0">
-                        <a:latin typeface="Arial Narrow" panose="020B0606020202030204" pitchFamily="34" charset="0"/>
-                      </a:endParaRPr>
-                    </a:p>
-                  </a:txBody>
-                  <a:tcPr/>
-                </a:tc>
-                <a:extLst>
-                  <a:ext uri="{0D108BD9-81ED-4DB2-BD59-A6C34878D82A}">
-                    <a16:rowId xmlns:a16="http://schemas.microsoft.com/office/drawing/2014/main" val="3136079236"/>
-                  </a:ext>
-                </a:extLst>
-              </a:tr>
-              <a:tr h="362110">
-                <a:tc>
-                  <a:txBody>
-                    <a:bodyPr/>
-                    <a:lstStyle/>
-                    <a:p>
-                      <a:pPr algn="ctr" latinLnBrk="1"/>
-                      <a:endParaRPr lang="ko-KR" altLang="en-US" dirty="0">
-                        <a:latin typeface="Arial Narrow" panose="020B0606020202030204" pitchFamily="34" charset="0"/>
-                      </a:endParaRPr>
-                    </a:p>
-                  </a:txBody>
-                  <a:tcPr/>
-                </a:tc>
-                <a:tc>
-                  <a:txBody>
-                    <a:bodyPr/>
-                    <a:lstStyle/>
-                    <a:p>
-                      <a:pPr algn="ctr" latinLnBrk="1"/>
-                      <a:r>
-                        <a:rPr lang="en-US" altLang="ko-KR" dirty="0">
-                          <a:latin typeface="Arial Narrow" panose="020B0606020202030204" pitchFamily="34" charset="0"/>
-                        </a:rPr>
-                        <a:t>…</a:t>
-                      </a:r>
-                      <a:endParaRPr lang="ko-KR" altLang="en-US" dirty="0">
-                        <a:latin typeface="Arial Narrow" panose="020B0606020202030204" pitchFamily="34" charset="0"/>
-                      </a:endParaRPr>
-                    </a:p>
-                  </a:txBody>
-                  <a:tcPr/>
-                </a:tc>
-                <a:tc>
-                  <a:txBody>
-                    <a:bodyPr/>
-                    <a:lstStyle/>
-                    <a:p>
-                      <a:pPr algn="ctr" latinLnBrk="1"/>
-                      <a:r>
-                        <a:rPr lang="en-US" altLang="ko-KR" dirty="0">
-                          <a:latin typeface="Arial Narrow" panose="020B0606020202030204" pitchFamily="34" charset="0"/>
-                        </a:rPr>
-                        <a:t>…</a:t>
-                      </a:r>
-                      <a:endParaRPr lang="ko-KR" altLang="en-US" dirty="0">
-                        <a:latin typeface="Arial Narrow" panose="020B0606020202030204" pitchFamily="34" charset="0"/>
-                      </a:endParaRPr>
-                    </a:p>
-                  </a:txBody>
-                  <a:tcPr/>
-                </a:tc>
-                <a:extLst>
-                  <a:ext uri="{0D108BD9-81ED-4DB2-BD59-A6C34878D82A}">
-                    <a16:rowId xmlns:a16="http://schemas.microsoft.com/office/drawing/2014/main" val="1901682917"/>
-                  </a:ext>
-                </a:extLst>
-              </a:tr>
-              <a:tr h="362110">
-                <a:tc>
-                  <a:txBody>
-                    <a:bodyPr/>
-                    <a:lstStyle/>
-                    <a:p>
-                      <a:pPr algn="ctr" latinLnBrk="1"/>
-                      <a:r>
-                        <a:rPr lang="en-US" altLang="ko-KR" dirty="0">
-                          <a:solidFill>
-                            <a:schemeClr val="accent6">
-                              <a:lumMod val="75000"/>
-                            </a:schemeClr>
-                          </a:solidFill>
-                          <a:latin typeface="Arial Narrow" panose="020B0606020202030204" pitchFamily="34" charset="0"/>
-                        </a:rPr>
-                        <a:t>yestery</a:t>
-                      </a:r>
-                      <a:r>
-                        <a:rPr lang="en-US" altLang="ko-KR" dirty="0">
-                          <a:solidFill>
-                            <a:schemeClr val="accent5"/>
-                          </a:solidFill>
-                          <a:latin typeface="Arial Narrow" panose="020B0606020202030204" pitchFamily="34" charset="0"/>
-                        </a:rPr>
-                        <a:t>ear</a:t>
-                      </a:r>
-                      <a:endParaRPr lang="ko-KR" altLang="en-US" dirty="0">
-                        <a:solidFill>
-                          <a:schemeClr val="accent5"/>
-                        </a:solidFill>
-                        <a:latin typeface="Arial Narrow" panose="020B0606020202030204" pitchFamily="34" charset="0"/>
-                      </a:endParaRPr>
-                    </a:p>
-                  </a:txBody>
-                  <a:tcPr/>
-                </a:tc>
-                <a:tc>
-                  <a:txBody>
-                    <a:bodyPr/>
-                    <a:lstStyle/>
-                    <a:p>
-                      <a:pPr algn="ctr" latinLnBrk="1"/>
-                      <a:r>
-                        <a:rPr lang="en-US" altLang="ko-KR" dirty="0" err="1">
-                          <a:latin typeface="Arial Narrow" panose="020B0606020202030204" pitchFamily="34" charset="0"/>
-                        </a:rPr>
-                        <a:t>yestery</a:t>
-                      </a:r>
-                      <a:endParaRPr lang="ko-KR" altLang="en-US" dirty="0">
-                        <a:latin typeface="Arial Narrow" panose="020B0606020202030204" pitchFamily="34" charset="0"/>
-                      </a:endParaRPr>
-                    </a:p>
-                  </a:txBody>
-                  <a:tcPr/>
-                </a:tc>
-                <a:tc>
-                  <a:txBody>
-                    <a:bodyPr/>
-                    <a:lstStyle/>
-                    <a:p>
-                      <a:pPr algn="ctr" latinLnBrk="1"/>
-                      <a:r>
-                        <a:rPr lang="en-US" altLang="ko-KR" dirty="0">
-                          <a:latin typeface="Arial Narrow" panose="020B0606020202030204" pitchFamily="34" charset="0"/>
-                        </a:rPr>
-                        <a:t>ear</a:t>
-                      </a:r>
-                      <a:endParaRPr lang="ko-KR" altLang="en-US" dirty="0">
-                        <a:latin typeface="Arial Narrow" panose="020B0606020202030204" pitchFamily="34" charset="0"/>
-                      </a:endParaRPr>
-                    </a:p>
-                  </a:txBody>
-                  <a:tcPr/>
-                </a:tc>
-                <a:extLst>
-                  <a:ext uri="{0D108BD9-81ED-4DB2-BD59-A6C34878D82A}">
-                    <a16:rowId xmlns:a16="http://schemas.microsoft.com/office/drawing/2014/main" val="3178701568"/>
-                  </a:ext>
-                </a:extLst>
-              </a:tr>
-              <a:tr h="362110">
-                <a:tc>
-                  <a:txBody>
-                    <a:bodyPr/>
-                    <a:lstStyle/>
-                    <a:p>
-                      <a:pPr algn="ctr" latinLnBrk="1"/>
-                      <a:r>
-                        <a:rPr lang="en-US" altLang="ko-KR" dirty="0">
-                          <a:solidFill>
-                            <a:schemeClr val="accent6">
-                              <a:lumMod val="75000"/>
-                            </a:schemeClr>
-                          </a:solidFill>
-                          <a:latin typeface="Arial Narrow" panose="020B0606020202030204" pitchFamily="34" charset="0"/>
-                        </a:rPr>
-                        <a:t>zoologi</a:t>
-                      </a:r>
-                      <a:r>
-                        <a:rPr lang="en-US" altLang="ko-KR" dirty="0">
-                          <a:solidFill>
-                            <a:schemeClr val="accent5"/>
-                          </a:solidFill>
-                          <a:latin typeface="Arial Narrow" panose="020B0606020202030204" pitchFamily="34" charset="0"/>
-                        </a:rPr>
-                        <a:t>cal</a:t>
-                      </a:r>
-                      <a:endParaRPr lang="ko-KR" altLang="en-US" dirty="0">
-                        <a:solidFill>
-                          <a:schemeClr val="accent5"/>
-                        </a:solidFill>
-                        <a:latin typeface="Arial Narrow" panose="020B0606020202030204" pitchFamily="34" charset="0"/>
-                      </a:endParaRPr>
-                    </a:p>
-                  </a:txBody>
-                  <a:tcPr/>
-                </a:tc>
-                <a:tc>
-                  <a:txBody>
-                    <a:bodyPr/>
-                    <a:lstStyle/>
-                    <a:p>
-                      <a:pPr algn="ctr" latinLnBrk="1"/>
-                      <a:r>
-                        <a:rPr lang="en-US" altLang="ko-KR" dirty="0" err="1">
-                          <a:latin typeface="Arial Narrow" panose="020B0606020202030204" pitchFamily="34" charset="0"/>
-                        </a:rPr>
-                        <a:t>zoologi</a:t>
-                      </a:r>
-                      <a:endParaRPr lang="ko-KR" altLang="en-US" dirty="0">
-                        <a:latin typeface="Arial Narrow" panose="020B0606020202030204" pitchFamily="34" charset="0"/>
-                      </a:endParaRPr>
-                    </a:p>
-                  </a:txBody>
-                  <a:tcPr/>
-                </a:tc>
-                <a:tc>
-                  <a:txBody>
-                    <a:bodyPr/>
-                    <a:lstStyle/>
-                    <a:p>
-                      <a:pPr algn="ctr" latinLnBrk="1"/>
-                      <a:r>
-                        <a:rPr lang="en-US" altLang="ko-KR" dirty="0" err="1">
-                          <a:latin typeface="Arial Narrow" panose="020B0606020202030204" pitchFamily="34" charset="0"/>
-                        </a:rPr>
-                        <a:t>cal</a:t>
-                      </a:r>
-                      <a:endParaRPr lang="ko-KR" altLang="en-US" dirty="0">
-                        <a:latin typeface="Arial Narrow" panose="020B0606020202030204" pitchFamily="34" charset="0"/>
-                      </a:endParaRPr>
-                    </a:p>
-                  </a:txBody>
-                  <a:tcPr/>
-                </a:tc>
-                <a:extLst>
-                  <a:ext uri="{0D108BD9-81ED-4DB2-BD59-A6C34878D82A}">
-                    <a16:rowId xmlns:a16="http://schemas.microsoft.com/office/drawing/2014/main" val="1612167321"/>
+                    <a16:rowId xmlns:a16="http://schemas.microsoft.com/office/drawing/2014/main" val="3183673895"/>
                   </a:ext>
                 </a:extLst>
               </a:tr>
@@ -10488,290 +12120,10 @@
           </a:graphicData>
         </a:graphic>
       </p:graphicFrame>
-      <p:sp>
-        <p:nvSpPr>
-          <p:cNvPr id="4" name="화살표: 오른쪽 3">
-            <a:extLst>
-              <a:ext uri="{FF2B5EF4-FFF2-40B4-BE49-F238E27FC236}">
-                <a16:creationId xmlns:a16="http://schemas.microsoft.com/office/drawing/2014/main" id="{7F776092-8037-08FC-FDB9-1FDFCBAC3FC2}"/>
-              </a:ext>
-            </a:extLst>
-          </p:cNvPr>
-          <p:cNvSpPr/>
-          <p:nvPr/>
-        </p:nvSpPr>
-        <p:spPr>
-          <a:xfrm>
-            <a:off x="4859527" y="3330020"/>
-            <a:ext cx="466619" cy="266700"/>
-          </a:xfrm>
-          <a:prstGeom prst="rightArrow">
-            <a:avLst/>
-          </a:prstGeom>
-          <a:solidFill>
-            <a:schemeClr val="bg2">
-              <a:lumMod val="90000"/>
-            </a:schemeClr>
-          </a:solidFill>
-          <a:ln>
-            <a:solidFill>
-              <a:schemeClr val="tx1"/>
-            </a:solidFill>
-          </a:ln>
-        </p:spPr>
-        <p:style>
-          <a:lnRef idx="2">
-            <a:schemeClr val="accent1">
-              <a:shade val="50000"/>
-            </a:schemeClr>
-          </a:lnRef>
-          <a:fillRef idx="1">
-            <a:schemeClr val="accent1"/>
-          </a:fillRef>
-          <a:effectRef idx="0">
-            <a:schemeClr val="accent1"/>
-          </a:effectRef>
-          <a:fontRef idx="minor">
-            <a:schemeClr val="lt1"/>
-          </a:fontRef>
-        </p:style>
-        <p:txBody>
-          <a:bodyPr rtlCol="0" anchor="ctr"/>
-          <a:lstStyle/>
-          <a:p>
-            <a:pPr algn="ctr"/>
-            <a:endParaRPr lang="ko-KR" altLang="en-US"/>
-          </a:p>
-        </p:txBody>
-      </p:sp>
-      <p:sp>
-        <p:nvSpPr>
-          <p:cNvPr id="5" name="화살표: 오른쪽 4">
-            <a:extLst>
-              <a:ext uri="{FF2B5EF4-FFF2-40B4-BE49-F238E27FC236}">
-                <a16:creationId xmlns:a16="http://schemas.microsoft.com/office/drawing/2014/main" id="{92721498-C902-2B67-5D68-2FA615E5A0EF}"/>
-              </a:ext>
-            </a:extLst>
-          </p:cNvPr>
-          <p:cNvSpPr/>
-          <p:nvPr/>
-        </p:nvSpPr>
-        <p:spPr>
-          <a:xfrm>
-            <a:off x="4859580" y="3715783"/>
-            <a:ext cx="466619" cy="266700"/>
-          </a:xfrm>
-          <a:prstGeom prst="rightArrow">
-            <a:avLst/>
-          </a:prstGeom>
-          <a:solidFill>
-            <a:schemeClr val="bg2">
-              <a:lumMod val="90000"/>
-            </a:schemeClr>
-          </a:solidFill>
-          <a:ln>
-            <a:solidFill>
-              <a:schemeClr val="tx1"/>
-            </a:solidFill>
-          </a:ln>
-        </p:spPr>
-        <p:style>
-          <a:lnRef idx="2">
-            <a:schemeClr val="accent1">
-              <a:shade val="50000"/>
-            </a:schemeClr>
-          </a:lnRef>
-          <a:fillRef idx="1">
-            <a:schemeClr val="accent1"/>
-          </a:fillRef>
-          <a:effectRef idx="0">
-            <a:schemeClr val="accent1"/>
-          </a:effectRef>
-          <a:fontRef idx="minor">
-            <a:schemeClr val="lt1"/>
-          </a:fontRef>
-        </p:style>
-        <p:txBody>
-          <a:bodyPr rtlCol="0" anchor="ctr"/>
-          <a:lstStyle/>
-          <a:p>
-            <a:pPr algn="ctr"/>
-            <a:endParaRPr lang="ko-KR" altLang="en-US"/>
-          </a:p>
-        </p:txBody>
-      </p:sp>
-      <p:sp>
-        <p:nvSpPr>
-          <p:cNvPr id="6" name="화살표: 오른쪽 5">
-            <a:extLst>
-              <a:ext uri="{FF2B5EF4-FFF2-40B4-BE49-F238E27FC236}">
-                <a16:creationId xmlns:a16="http://schemas.microsoft.com/office/drawing/2014/main" id="{405FB8B6-07BB-CBFA-F483-2E0F865E6694}"/>
-              </a:ext>
-            </a:extLst>
-          </p:cNvPr>
-          <p:cNvSpPr/>
-          <p:nvPr/>
-        </p:nvSpPr>
-        <p:spPr>
-          <a:xfrm>
-            <a:off x="4859526" y="4077065"/>
-            <a:ext cx="466619" cy="266700"/>
-          </a:xfrm>
-          <a:prstGeom prst="rightArrow">
-            <a:avLst/>
-          </a:prstGeom>
-          <a:solidFill>
-            <a:schemeClr val="bg2">
-              <a:lumMod val="90000"/>
-            </a:schemeClr>
-          </a:solidFill>
-          <a:ln>
-            <a:solidFill>
-              <a:schemeClr val="tx1"/>
-            </a:solidFill>
-          </a:ln>
-        </p:spPr>
-        <p:style>
-          <a:lnRef idx="2">
-            <a:schemeClr val="accent1">
-              <a:shade val="50000"/>
-            </a:schemeClr>
-          </a:lnRef>
-          <a:fillRef idx="1">
-            <a:schemeClr val="accent1"/>
-          </a:fillRef>
-          <a:effectRef idx="0">
-            <a:schemeClr val="accent1"/>
-          </a:effectRef>
-          <a:fontRef idx="minor">
-            <a:schemeClr val="lt1"/>
-          </a:fontRef>
-        </p:style>
-        <p:txBody>
-          <a:bodyPr rtlCol="0" anchor="ctr"/>
-          <a:lstStyle/>
-          <a:p>
-            <a:pPr algn="ctr"/>
-            <a:endParaRPr lang="ko-KR" altLang="en-US"/>
-          </a:p>
-        </p:txBody>
-      </p:sp>
-      <p:sp>
-        <p:nvSpPr>
-          <p:cNvPr id="7" name="화살표: 오른쪽 6">
-            <a:extLst>
-              <a:ext uri="{FF2B5EF4-FFF2-40B4-BE49-F238E27FC236}">
-                <a16:creationId xmlns:a16="http://schemas.microsoft.com/office/drawing/2014/main" id="{3A2516A0-D304-5587-1C26-41E7DEDAC31F}"/>
-              </a:ext>
-            </a:extLst>
-          </p:cNvPr>
-          <p:cNvSpPr/>
-          <p:nvPr/>
-        </p:nvSpPr>
-        <p:spPr>
-          <a:xfrm>
-            <a:off x="4859525" y="4462828"/>
-            <a:ext cx="466619" cy="266700"/>
-          </a:xfrm>
-          <a:prstGeom prst="rightArrow">
-            <a:avLst/>
-          </a:prstGeom>
-          <a:solidFill>
-            <a:schemeClr val="bg2">
-              <a:lumMod val="90000"/>
-            </a:schemeClr>
-          </a:solidFill>
-          <a:ln>
-            <a:solidFill>
-              <a:schemeClr val="tx1"/>
-            </a:solidFill>
-          </a:ln>
-        </p:spPr>
-        <p:style>
-          <a:lnRef idx="2">
-            <a:schemeClr val="accent1">
-              <a:shade val="50000"/>
-            </a:schemeClr>
-          </a:lnRef>
-          <a:fillRef idx="1">
-            <a:schemeClr val="accent1"/>
-          </a:fillRef>
-          <a:effectRef idx="0">
-            <a:schemeClr val="accent1"/>
-          </a:effectRef>
-          <a:fontRef idx="minor">
-            <a:schemeClr val="lt1"/>
-          </a:fontRef>
-        </p:style>
-        <p:txBody>
-          <a:bodyPr rtlCol="0" anchor="ctr"/>
-          <a:lstStyle/>
-          <a:p>
-            <a:pPr algn="ctr"/>
-            <a:endParaRPr lang="ko-KR" altLang="en-US"/>
-          </a:p>
-        </p:txBody>
-      </p:sp>
-      <p:sp>
-        <p:nvSpPr>
-          <p:cNvPr id="8" name="화살표: 오른쪽 7">
-            <a:extLst>
-              <a:ext uri="{FF2B5EF4-FFF2-40B4-BE49-F238E27FC236}">
-                <a16:creationId xmlns:a16="http://schemas.microsoft.com/office/drawing/2014/main" id="{B0D486D3-61F2-E335-7666-E218B5504E53}"/>
-              </a:ext>
-            </a:extLst>
-          </p:cNvPr>
-          <p:cNvSpPr/>
-          <p:nvPr/>
-        </p:nvSpPr>
-        <p:spPr>
-          <a:xfrm>
-            <a:off x="4859524" y="4824110"/>
-            <a:ext cx="466619" cy="266700"/>
-          </a:xfrm>
-          <a:prstGeom prst="rightArrow">
-            <a:avLst/>
-          </a:prstGeom>
-          <a:solidFill>
-            <a:schemeClr val="bg2">
-              <a:lumMod val="90000"/>
-            </a:schemeClr>
-          </a:solidFill>
-          <a:ln>
-            <a:solidFill>
-              <a:schemeClr val="tx1"/>
-            </a:solidFill>
-          </a:ln>
-        </p:spPr>
-        <p:style>
-          <a:lnRef idx="2">
-            <a:schemeClr val="accent1">
-              <a:shade val="50000"/>
-            </a:schemeClr>
-          </a:lnRef>
-          <a:fillRef idx="1">
-            <a:schemeClr val="accent1"/>
-          </a:fillRef>
-          <a:effectRef idx="0">
-            <a:schemeClr val="accent1"/>
-          </a:effectRef>
-          <a:fontRef idx="minor">
-            <a:schemeClr val="lt1"/>
-          </a:fontRef>
-        </p:style>
-        <p:txBody>
-          <a:bodyPr rtlCol="0" anchor="ctr"/>
-          <a:lstStyle/>
-          <a:p>
-            <a:pPr algn="ctr"/>
-            <a:endParaRPr lang="ko-KR" altLang="en-US"/>
-          </a:p>
-        </p:txBody>
-      </p:sp>
     </p:spTree>
     <p:extLst>
       <p:ext uri="{BB962C8B-B14F-4D97-AF65-F5344CB8AC3E}">
-        <p14:creationId xmlns:p14="http://schemas.microsoft.com/office/powerpoint/2010/main" val="4051165236"/>
+        <p14:creationId xmlns:p14="http://schemas.microsoft.com/office/powerpoint/2010/main" val="346390752"/>
       </p:ext>
     </p:extLst>
   </p:cSld>
@@ -10782,6 +12134,1574 @@
 </file>
 
 <file path=ppt/slides/slide21.xml><?xml version="1.0" encoding="utf-8"?>
+<p:sld xmlns:a="http://schemas.openxmlformats.org/drawingml/2006/main" xmlns:r="http://schemas.openxmlformats.org/officeDocument/2006/relationships" xmlns:p="http://schemas.openxmlformats.org/presentationml/2006/main">
+  <p:cSld>
+    <p:spTree>
+      <p:nvGrpSpPr>
+        <p:cNvPr id="1" name=""/>
+        <p:cNvGrpSpPr/>
+        <p:nvPr/>
+      </p:nvGrpSpPr>
+      <p:grpSpPr>
+        <a:xfrm>
+          <a:off x="0" y="0"/>
+          <a:ext cx="0" cy="0"/>
+          <a:chOff x="0" y="0"/>
+          <a:chExt cx="0" cy="0"/>
+        </a:xfrm>
+      </p:grpSpPr>
+      <p:cxnSp>
+        <p:nvCxnSpPr>
+          <p:cNvPr id="36" name="직선 연결선 35"/>
+          <p:cNvCxnSpPr/>
+          <p:nvPr/>
+        </p:nvCxnSpPr>
+        <p:spPr>
+          <a:xfrm>
+            <a:off x="361950" y="857250"/>
+            <a:ext cx="5391150" cy="0"/>
+          </a:xfrm>
+          <a:prstGeom prst="line">
+            <a:avLst/>
+          </a:prstGeom>
+          <a:ln w="38100">
+            <a:solidFill>
+              <a:schemeClr val="accent2">
+                <a:alpha val="60000"/>
+              </a:schemeClr>
+            </a:solidFill>
+          </a:ln>
+        </p:spPr>
+        <p:style>
+          <a:lnRef idx="1">
+            <a:schemeClr val="accent1"/>
+          </a:lnRef>
+          <a:fillRef idx="0">
+            <a:schemeClr val="accent1"/>
+          </a:fillRef>
+          <a:effectRef idx="0">
+            <a:schemeClr val="accent1"/>
+          </a:effectRef>
+          <a:fontRef idx="minor">
+            <a:schemeClr val="tx1"/>
+          </a:fontRef>
+        </p:style>
+      </p:cxnSp>
+      <p:cxnSp>
+        <p:nvCxnSpPr>
+          <p:cNvPr id="37" name="직선 연결선 36"/>
+          <p:cNvCxnSpPr/>
+          <p:nvPr/>
+        </p:nvCxnSpPr>
+        <p:spPr>
+          <a:xfrm>
+            <a:off x="3257550" y="933450"/>
+            <a:ext cx="5391150" cy="0"/>
+          </a:xfrm>
+          <a:prstGeom prst="line">
+            <a:avLst/>
+          </a:prstGeom>
+          <a:ln w="38100">
+            <a:solidFill>
+              <a:schemeClr val="accent6">
+                <a:alpha val="60000"/>
+              </a:schemeClr>
+            </a:solidFill>
+          </a:ln>
+        </p:spPr>
+        <p:style>
+          <a:lnRef idx="1">
+            <a:schemeClr val="accent1"/>
+          </a:lnRef>
+          <a:fillRef idx="0">
+            <a:schemeClr val="accent1"/>
+          </a:fillRef>
+          <a:effectRef idx="0">
+            <a:schemeClr val="accent1"/>
+          </a:effectRef>
+          <a:fontRef idx="minor">
+            <a:schemeClr val="tx1"/>
+          </a:fontRef>
+        </p:style>
+      </p:cxnSp>
+      <p:sp>
+        <p:nvSpPr>
+          <p:cNvPr id="6" name="직사각형 5">
+            <a:extLst>
+              <a:ext uri="{FF2B5EF4-FFF2-40B4-BE49-F238E27FC236}">
+                <a16:creationId xmlns:a16="http://schemas.microsoft.com/office/drawing/2014/main" id="{6AE458C1-6B85-ECDF-7351-770B57E86129}"/>
+              </a:ext>
+            </a:extLst>
+          </p:cNvPr>
+          <p:cNvSpPr/>
+          <p:nvPr/>
+        </p:nvSpPr>
+        <p:spPr>
+          <a:xfrm>
+            <a:off x="299839" y="70603"/>
+            <a:ext cx="8544322" cy="657168"/>
+          </a:xfrm>
+          <a:prstGeom prst="rect">
+            <a:avLst/>
+          </a:prstGeom>
+        </p:spPr>
+        <p:txBody>
+          <a:bodyPr wrap="square">
+            <a:spAutoFit/>
+          </a:bodyPr>
+          <a:lstStyle/>
+          <a:p>
+            <a:pPr>
+              <a:lnSpc>
+                <a:spcPct val="150000"/>
+              </a:lnSpc>
+            </a:pPr>
+            <a:r>
+              <a:rPr lang="en-US" altLang="ko-KR" sz="2800" dirty="0">
+                <a:solidFill>
+                  <a:srgbClr val="222222"/>
+                </a:solidFill>
+                <a:latin typeface="Arial Narrow" panose="020B0606020202030204" pitchFamily="34" charset="0"/>
+              </a:rPr>
+              <a:t>Introduction to natural language processing</a:t>
+            </a:r>
+            <a:endParaRPr lang="en-US" altLang="ko-KR" sz="2800" dirty="0">
+              <a:latin typeface="Arial Narrow" panose="020B0606020202030204" pitchFamily="34" charset="0"/>
+              <a:cs typeface="Times New Roman" panose="02020603050405020304" pitchFamily="18" charset="0"/>
+            </a:endParaRPr>
+          </a:p>
+        </p:txBody>
+      </p:sp>
+      <p:sp>
+        <p:nvSpPr>
+          <p:cNvPr id="2" name="직사각형 1">
+            <a:extLst>
+              <a:ext uri="{FF2B5EF4-FFF2-40B4-BE49-F238E27FC236}">
+                <a16:creationId xmlns:a16="http://schemas.microsoft.com/office/drawing/2014/main" id="{0312F0CB-A1EA-A177-7E7F-D9DB7FC6A687}"/>
+              </a:ext>
+            </a:extLst>
+          </p:cNvPr>
+          <p:cNvSpPr/>
+          <p:nvPr/>
+        </p:nvSpPr>
+        <p:spPr>
+          <a:xfrm>
+            <a:off x="328770" y="1139130"/>
+            <a:ext cx="8544322" cy="5672258"/>
+          </a:xfrm>
+          <a:prstGeom prst="rect">
+            <a:avLst/>
+          </a:prstGeom>
+        </p:spPr>
+        <p:txBody>
+          <a:bodyPr wrap="square">
+            <a:spAutoFit/>
+          </a:bodyPr>
+          <a:lstStyle/>
+          <a:p>
+            <a:pPr marL="284400" indent="-284400">
+              <a:lnSpc>
+                <a:spcPct val="150000"/>
+              </a:lnSpc>
+              <a:buFont typeface="Arial" panose="020B0604020202020204" pitchFamily="34" charset="0"/>
+              <a:buChar char="•"/>
+            </a:pPr>
+            <a:r>
+              <a:rPr lang="en-US" altLang="ko-KR" sz="2400" dirty="0">
+                <a:solidFill>
+                  <a:srgbClr val="222222"/>
+                </a:solidFill>
+                <a:latin typeface="Arial Narrow" panose="020B0606020202030204" pitchFamily="34" charset="0"/>
+              </a:rPr>
+              <a:t>Word embedding with </a:t>
+            </a:r>
+            <a:r>
+              <a:rPr lang="en-US" altLang="ko-KR" sz="2400" dirty="0" err="1">
+                <a:solidFill>
+                  <a:srgbClr val="222222"/>
+                </a:solidFill>
+                <a:latin typeface="Arial Narrow" panose="020B0606020202030204" pitchFamily="34" charset="0"/>
+              </a:rPr>
+              <a:t>Keras</a:t>
+            </a:r>
+            <a:endParaRPr lang="en-US" altLang="ko-KR" sz="2400" dirty="0">
+              <a:solidFill>
+                <a:srgbClr val="222222"/>
+              </a:solidFill>
+              <a:latin typeface="Arial Narrow" panose="020B0606020202030204" pitchFamily="34" charset="0"/>
+            </a:endParaRPr>
+          </a:p>
+          <a:p>
+            <a:pPr marL="741600" lvl="1" indent="-284400">
+              <a:lnSpc>
+                <a:spcPct val="150000"/>
+              </a:lnSpc>
+              <a:buFont typeface="Arial" panose="020B0604020202020204" pitchFamily="34" charset="0"/>
+              <a:buChar char="•"/>
+            </a:pPr>
+            <a:r>
+              <a:rPr lang="en-US" altLang="ko-KR" sz="2000" dirty="0">
+                <a:solidFill>
+                  <a:srgbClr val="222222"/>
+                </a:solidFill>
+                <a:latin typeface="Arial Narrow" panose="020B0606020202030204" pitchFamily="34" charset="0"/>
+              </a:rPr>
+              <a:t>Embedding() Function in </a:t>
+            </a:r>
+            <a:r>
+              <a:rPr lang="en-US" altLang="ko-KR" sz="2000" dirty="0" err="1">
+                <a:solidFill>
+                  <a:srgbClr val="222222"/>
+                </a:solidFill>
+                <a:latin typeface="Arial Narrow" panose="020B0606020202030204" pitchFamily="34" charset="0"/>
+              </a:rPr>
+              <a:t>Keras</a:t>
+            </a:r>
+            <a:r>
+              <a:rPr lang="en-US" altLang="ko-KR" dirty="0">
+                <a:solidFill>
+                  <a:srgbClr val="222222"/>
+                </a:solidFill>
+                <a:latin typeface="Arial Narrow" panose="020B0606020202030204" pitchFamily="34" charset="0"/>
+              </a:rPr>
+              <a:t>:</a:t>
+            </a:r>
+          </a:p>
+          <a:p>
+            <a:pPr marL="1198800" lvl="2" indent="-284400">
+              <a:lnSpc>
+                <a:spcPct val="150000"/>
+              </a:lnSpc>
+              <a:buFont typeface="Arial" panose="020B0604020202020204" pitchFamily="34" charset="0"/>
+              <a:buChar char="•"/>
+            </a:pPr>
+            <a:r>
+              <a:rPr lang="en-US" altLang="ko-KR" dirty="0">
+                <a:solidFill>
+                  <a:schemeClr val="accent6">
+                    <a:lumMod val="75000"/>
+                  </a:schemeClr>
+                </a:solidFill>
+                <a:latin typeface="Arial Narrow" panose="020B0606020202030204" pitchFamily="34" charset="0"/>
+              </a:rPr>
+              <a:t>from</a:t>
+            </a:r>
+            <a:r>
+              <a:rPr lang="en-US" altLang="ko-KR" dirty="0">
+                <a:solidFill>
+                  <a:srgbClr val="222222"/>
+                </a:solidFill>
+                <a:latin typeface="Arial Narrow" panose="020B0606020202030204" pitchFamily="34" charset="0"/>
+              </a:rPr>
+              <a:t> </a:t>
+            </a:r>
+            <a:r>
+              <a:rPr lang="en-US" altLang="ko-KR" dirty="0" err="1">
+                <a:solidFill>
+                  <a:srgbClr val="222222"/>
+                </a:solidFill>
+                <a:latin typeface="Arial Narrow" panose="020B0606020202030204" pitchFamily="34" charset="0"/>
+              </a:rPr>
+              <a:t>keras.</a:t>
+            </a:r>
+            <a:r>
+              <a:rPr lang="en-US" altLang="ko-KR" dirty="0" err="1">
+                <a:solidFill>
+                  <a:srgbClr val="0070C0"/>
+                </a:solidFill>
+                <a:latin typeface="Arial Narrow" panose="020B0606020202030204" pitchFamily="34" charset="0"/>
+              </a:rPr>
+              <a:t>layers</a:t>
+            </a:r>
+            <a:r>
+              <a:rPr lang="en-US" altLang="ko-KR" dirty="0">
+                <a:solidFill>
+                  <a:srgbClr val="0070C0"/>
+                </a:solidFill>
+                <a:latin typeface="Arial Narrow" panose="020B0606020202030204" pitchFamily="34" charset="0"/>
+              </a:rPr>
+              <a:t> </a:t>
+            </a:r>
+            <a:r>
+              <a:rPr lang="en-US" altLang="ko-KR" dirty="0">
+                <a:solidFill>
+                  <a:schemeClr val="accent6">
+                    <a:lumMod val="75000"/>
+                  </a:schemeClr>
+                </a:solidFill>
+                <a:latin typeface="Arial Narrow" panose="020B0606020202030204" pitchFamily="34" charset="0"/>
+              </a:rPr>
+              <a:t>import</a:t>
+            </a:r>
+            <a:r>
+              <a:rPr lang="en-US" altLang="ko-KR" dirty="0">
+                <a:solidFill>
+                  <a:srgbClr val="222222"/>
+                </a:solidFill>
+                <a:latin typeface="Arial Narrow" panose="020B0606020202030204" pitchFamily="34" charset="0"/>
+              </a:rPr>
+              <a:t> Embedding</a:t>
+            </a:r>
+          </a:p>
+          <a:p>
+            <a:pPr marL="1198800" lvl="2" indent="-284400">
+              <a:lnSpc>
+                <a:spcPct val="150000"/>
+              </a:lnSpc>
+              <a:buFont typeface="Arial" panose="020B0604020202020204" pitchFamily="34" charset="0"/>
+              <a:buChar char="•"/>
+            </a:pPr>
+            <a:endParaRPr lang="en-US" altLang="ko-KR" dirty="0">
+              <a:solidFill>
+                <a:srgbClr val="222222"/>
+              </a:solidFill>
+              <a:latin typeface="Arial Narrow" panose="020B0606020202030204" pitchFamily="34" charset="0"/>
+            </a:endParaRPr>
+          </a:p>
+          <a:p>
+            <a:pPr marL="741600" lvl="1" indent="-284400">
+              <a:lnSpc>
+                <a:spcPct val="150000"/>
+              </a:lnSpc>
+              <a:buFont typeface="Arial" panose="020B0604020202020204" pitchFamily="34" charset="0"/>
+              <a:buChar char="•"/>
+            </a:pPr>
+            <a:r>
+              <a:rPr lang="en-US" altLang="ko-KR" sz="2000" dirty="0">
+                <a:solidFill>
+                  <a:srgbClr val="222222"/>
+                </a:solidFill>
+                <a:latin typeface="Arial Narrow" panose="020B0606020202030204" pitchFamily="34" charset="0"/>
+              </a:rPr>
+              <a:t>Two mandatory parameters</a:t>
+            </a:r>
+          </a:p>
+          <a:p>
+            <a:pPr marL="1198800" lvl="2" indent="-284400">
+              <a:lnSpc>
+                <a:spcPct val="150000"/>
+              </a:lnSpc>
+              <a:buFont typeface="Arial" panose="020B0604020202020204" pitchFamily="34" charset="0"/>
+              <a:buChar char="•"/>
+            </a:pPr>
+            <a:r>
+              <a:rPr lang="ko-KR" altLang="en-US" dirty="0">
+                <a:solidFill>
+                  <a:srgbClr val="222222"/>
+                </a:solidFill>
+                <a:latin typeface="Arial Narrow" panose="020B0606020202030204" pitchFamily="34" charset="0"/>
+              </a:rPr>
+              <a:t>① </a:t>
+            </a:r>
+            <a:r>
+              <a:rPr lang="en-US" altLang="ko-KR" dirty="0">
+                <a:solidFill>
+                  <a:srgbClr val="222222"/>
+                </a:solidFill>
+                <a:latin typeface="Arial Narrow" panose="020B0606020202030204" pitchFamily="34" charset="0"/>
+              </a:rPr>
+              <a:t>the size of the ‘input’ and </a:t>
+            </a:r>
+            <a:r>
+              <a:rPr lang="ko-KR" altLang="en-US" dirty="0">
+                <a:solidFill>
+                  <a:srgbClr val="222222"/>
+                </a:solidFill>
+                <a:latin typeface="Arial Narrow" panose="020B0606020202030204" pitchFamily="34" charset="0"/>
+              </a:rPr>
+              <a:t>② </a:t>
+            </a:r>
+            <a:r>
+              <a:rPr lang="en-US" altLang="ko-KR" dirty="0">
+                <a:solidFill>
+                  <a:srgbClr val="222222"/>
+                </a:solidFill>
+                <a:latin typeface="Arial Narrow" panose="020B0606020202030204" pitchFamily="34" charset="0"/>
+              </a:rPr>
+              <a:t>the size of the ‘output.’</a:t>
+            </a:r>
+          </a:p>
+          <a:p>
+            <a:pPr marL="1198800" lvl="2" indent="-284400">
+              <a:lnSpc>
+                <a:spcPct val="150000"/>
+              </a:lnSpc>
+              <a:buFont typeface="Arial" panose="020B0604020202020204" pitchFamily="34" charset="0"/>
+              <a:buChar char="•"/>
+            </a:pPr>
+            <a:r>
+              <a:rPr lang="en-US" altLang="ko-KR" dirty="0">
+                <a:solidFill>
+                  <a:srgbClr val="222222"/>
+                </a:solidFill>
+                <a:latin typeface="Arial Narrow" panose="020B0606020202030204" pitchFamily="34" charset="0"/>
+              </a:rPr>
+              <a:t>Ex) “Embedding(16, 4)“means that there are a total of 16 unique words for input, and the output vector size after embedding will be 4.</a:t>
+            </a:r>
+          </a:p>
+          <a:p>
+            <a:pPr marL="741600" lvl="1" indent="-284400">
+              <a:lnSpc>
+                <a:spcPct val="150000"/>
+              </a:lnSpc>
+              <a:buFont typeface="Arial" panose="020B0604020202020204" pitchFamily="34" charset="0"/>
+              <a:buChar char="•"/>
+            </a:pPr>
+            <a:endParaRPr lang="en-US" altLang="ko-KR" dirty="0">
+              <a:solidFill>
+                <a:srgbClr val="222222"/>
+              </a:solidFill>
+              <a:latin typeface="Arial Narrow" panose="020B0606020202030204" pitchFamily="34" charset="0"/>
+            </a:endParaRPr>
+          </a:p>
+          <a:p>
+            <a:pPr marL="741600" lvl="1" indent="-284400">
+              <a:lnSpc>
+                <a:spcPct val="150000"/>
+              </a:lnSpc>
+              <a:buFont typeface="Arial" panose="020B0604020202020204" pitchFamily="34" charset="0"/>
+              <a:buChar char="•"/>
+            </a:pPr>
+            <a:r>
+              <a:rPr lang="en-US" altLang="ko-KR" dirty="0">
+                <a:solidFill>
+                  <a:srgbClr val="222222"/>
+                </a:solidFill>
+                <a:latin typeface="Arial Narrow" panose="020B0606020202030204" pitchFamily="34" charset="0"/>
+              </a:rPr>
+              <a:t>Optional parameter</a:t>
+            </a:r>
+          </a:p>
+          <a:p>
+            <a:pPr marL="1198800" lvl="2" indent="-284400">
+              <a:lnSpc>
+                <a:spcPct val="150000"/>
+              </a:lnSpc>
+              <a:buFont typeface="Arial" panose="020B0604020202020204" pitchFamily="34" charset="0"/>
+              <a:buChar char="•"/>
+            </a:pPr>
+            <a:r>
+              <a:rPr lang="en-US" altLang="ko-KR" dirty="0">
+                <a:solidFill>
+                  <a:srgbClr val="222222"/>
+                </a:solidFill>
+                <a:latin typeface="Arial Narrow" panose="020B0606020202030204" pitchFamily="34" charset="0"/>
+              </a:rPr>
+              <a:t>the </a:t>
+            </a:r>
+            <a:r>
+              <a:rPr lang="en-US" altLang="ko-KR" dirty="0" err="1">
+                <a:solidFill>
+                  <a:srgbClr val="222222"/>
+                </a:solidFill>
+                <a:latin typeface="Arial Narrow" panose="020B0606020202030204" pitchFamily="34" charset="0"/>
+              </a:rPr>
+              <a:t>input_length</a:t>
+            </a:r>
+            <a:r>
+              <a:rPr lang="en-US" altLang="ko-KR" dirty="0">
+                <a:solidFill>
+                  <a:srgbClr val="222222"/>
+                </a:solidFill>
+                <a:latin typeface="Arial Narrow" panose="020B0606020202030204" pitchFamily="34" charset="0"/>
+              </a:rPr>
+              <a:t>: to control how many words are fed into the model at once</a:t>
+            </a:r>
+          </a:p>
+          <a:p>
+            <a:pPr marL="1198800" lvl="2" indent="-284400">
+              <a:lnSpc>
+                <a:spcPct val="150000"/>
+              </a:lnSpc>
+              <a:buFont typeface="Arial" panose="020B0604020202020204" pitchFamily="34" charset="0"/>
+              <a:buChar char="•"/>
+            </a:pPr>
+            <a:r>
+              <a:rPr lang="en-US" altLang="ko-KR" dirty="0">
+                <a:solidFill>
+                  <a:srgbClr val="222222"/>
+                </a:solidFill>
+                <a:latin typeface="Arial Narrow" panose="020B0606020202030204" pitchFamily="34" charset="0"/>
+              </a:rPr>
+              <a:t>"Embedding(16, 4, </a:t>
+            </a:r>
+            <a:r>
+              <a:rPr lang="en-US" altLang="ko-KR" dirty="0" err="1">
+                <a:solidFill>
+                  <a:srgbClr val="222222"/>
+                </a:solidFill>
+                <a:latin typeface="Arial Narrow" panose="020B0606020202030204" pitchFamily="34" charset="0"/>
+              </a:rPr>
+              <a:t>input_length</a:t>
+            </a:r>
+            <a:r>
+              <a:rPr lang="en-US" altLang="ko-KR" dirty="0">
+                <a:solidFill>
+                  <a:srgbClr val="222222"/>
+                </a:solidFill>
+                <a:latin typeface="Arial Narrow" panose="020B0606020202030204" pitchFamily="34" charset="0"/>
+              </a:rPr>
+              <a:t>=2)" indicates that although there are 16 unique input words, only 2 words will be processed in each iteration.</a:t>
+            </a:r>
+            <a:endParaRPr lang="en-US" altLang="ko-KR" dirty="0">
+              <a:latin typeface="Arial Narrow" panose="020B0606020202030204" pitchFamily="34" charset="0"/>
+            </a:endParaRPr>
+          </a:p>
+        </p:txBody>
+      </p:sp>
+    </p:spTree>
+    <p:extLst>
+      <p:ext uri="{BB962C8B-B14F-4D97-AF65-F5344CB8AC3E}">
+        <p14:creationId xmlns:p14="http://schemas.microsoft.com/office/powerpoint/2010/main" val="4243513286"/>
+      </p:ext>
+    </p:extLst>
+  </p:cSld>
+  <p:clrMapOvr>
+    <a:masterClrMapping/>
+  </p:clrMapOvr>
+</p:sld>
+</file>
+
+<file path=ppt/slides/slide22.xml><?xml version="1.0" encoding="utf-8"?>
+<p:sld xmlns:a="http://schemas.openxmlformats.org/drawingml/2006/main" xmlns:r="http://schemas.openxmlformats.org/officeDocument/2006/relationships" xmlns:p="http://schemas.openxmlformats.org/presentationml/2006/main">
+  <p:cSld>
+    <p:spTree>
+      <p:nvGrpSpPr>
+        <p:cNvPr id="1" name=""/>
+        <p:cNvGrpSpPr/>
+        <p:nvPr/>
+      </p:nvGrpSpPr>
+      <p:grpSpPr>
+        <a:xfrm>
+          <a:off x="0" y="0"/>
+          <a:ext cx="0" cy="0"/>
+          <a:chOff x="0" y="0"/>
+          <a:chExt cx="0" cy="0"/>
+        </a:xfrm>
+      </p:grpSpPr>
+      <p:cxnSp>
+        <p:nvCxnSpPr>
+          <p:cNvPr id="36" name="직선 연결선 35"/>
+          <p:cNvCxnSpPr/>
+          <p:nvPr/>
+        </p:nvCxnSpPr>
+        <p:spPr>
+          <a:xfrm>
+            <a:off x="361950" y="857250"/>
+            <a:ext cx="5391150" cy="0"/>
+          </a:xfrm>
+          <a:prstGeom prst="line">
+            <a:avLst/>
+          </a:prstGeom>
+          <a:ln w="38100">
+            <a:solidFill>
+              <a:schemeClr val="accent2">
+                <a:alpha val="60000"/>
+              </a:schemeClr>
+            </a:solidFill>
+          </a:ln>
+        </p:spPr>
+        <p:style>
+          <a:lnRef idx="1">
+            <a:schemeClr val="accent1"/>
+          </a:lnRef>
+          <a:fillRef idx="0">
+            <a:schemeClr val="accent1"/>
+          </a:fillRef>
+          <a:effectRef idx="0">
+            <a:schemeClr val="accent1"/>
+          </a:effectRef>
+          <a:fontRef idx="minor">
+            <a:schemeClr val="tx1"/>
+          </a:fontRef>
+        </p:style>
+      </p:cxnSp>
+      <p:cxnSp>
+        <p:nvCxnSpPr>
+          <p:cNvPr id="37" name="직선 연결선 36"/>
+          <p:cNvCxnSpPr/>
+          <p:nvPr/>
+        </p:nvCxnSpPr>
+        <p:spPr>
+          <a:xfrm>
+            <a:off x="3257550" y="933450"/>
+            <a:ext cx="5391150" cy="0"/>
+          </a:xfrm>
+          <a:prstGeom prst="line">
+            <a:avLst/>
+          </a:prstGeom>
+          <a:ln w="38100">
+            <a:solidFill>
+              <a:schemeClr val="accent6">
+                <a:alpha val="60000"/>
+              </a:schemeClr>
+            </a:solidFill>
+          </a:ln>
+        </p:spPr>
+        <p:style>
+          <a:lnRef idx="1">
+            <a:schemeClr val="accent1"/>
+          </a:lnRef>
+          <a:fillRef idx="0">
+            <a:schemeClr val="accent1"/>
+          </a:fillRef>
+          <a:effectRef idx="0">
+            <a:schemeClr val="accent1"/>
+          </a:effectRef>
+          <a:fontRef idx="minor">
+            <a:schemeClr val="tx1"/>
+          </a:fontRef>
+        </p:style>
+      </p:cxnSp>
+      <p:sp>
+        <p:nvSpPr>
+          <p:cNvPr id="10" name="직사각형 9">
+            <a:extLst>
+              <a:ext uri="{FF2B5EF4-FFF2-40B4-BE49-F238E27FC236}">
+                <a16:creationId xmlns:a16="http://schemas.microsoft.com/office/drawing/2014/main" id="{9DC7D8DF-F1AC-5E24-6D05-87B8D3343A78}"/>
+              </a:ext>
+            </a:extLst>
+          </p:cNvPr>
+          <p:cNvSpPr/>
+          <p:nvPr/>
+        </p:nvSpPr>
+        <p:spPr>
+          <a:xfrm>
+            <a:off x="328771" y="1139130"/>
+            <a:ext cx="8742077" cy="1130438"/>
+          </a:xfrm>
+          <a:prstGeom prst="rect">
+            <a:avLst/>
+          </a:prstGeom>
+        </p:spPr>
+        <p:txBody>
+          <a:bodyPr wrap="square">
+            <a:spAutoFit/>
+          </a:bodyPr>
+          <a:lstStyle/>
+          <a:p>
+            <a:pPr marL="284400" indent="-284400">
+              <a:lnSpc>
+                <a:spcPct val="150000"/>
+              </a:lnSpc>
+              <a:buFont typeface="Arial" panose="020B0604020202020204" pitchFamily="34" charset="0"/>
+              <a:buChar char="•"/>
+            </a:pPr>
+            <a:r>
+              <a:rPr lang="en-US" altLang="ko-KR" sz="2400" dirty="0">
+                <a:solidFill>
+                  <a:srgbClr val="222222"/>
+                </a:solidFill>
+                <a:latin typeface="Arial Narrow" panose="020B0606020202030204" pitchFamily="34" charset="0"/>
+              </a:rPr>
+              <a:t>Understanding the mechanism of word embedding with </a:t>
+            </a:r>
+            <a:r>
+              <a:rPr lang="en-US" altLang="ko-KR" sz="2400" dirty="0" err="1">
+                <a:solidFill>
+                  <a:srgbClr val="222222"/>
+                </a:solidFill>
+                <a:latin typeface="Arial Narrow" panose="020B0606020202030204" pitchFamily="34" charset="0"/>
+              </a:rPr>
+              <a:t>Keras</a:t>
+            </a:r>
+            <a:endParaRPr lang="en-US" altLang="ko-KR" sz="2400" dirty="0">
+              <a:solidFill>
+                <a:srgbClr val="222222"/>
+              </a:solidFill>
+              <a:latin typeface="Arial Narrow" panose="020B0606020202030204" pitchFamily="34" charset="0"/>
+            </a:endParaRPr>
+          </a:p>
+          <a:p>
+            <a:pPr marL="284400" indent="-284400">
+              <a:lnSpc>
+                <a:spcPct val="150000"/>
+              </a:lnSpc>
+              <a:buFont typeface="Arial" panose="020B0604020202020204" pitchFamily="34" charset="0"/>
+              <a:buChar char="•"/>
+            </a:pPr>
+            <a:endParaRPr lang="en-US" altLang="ko-KR" sz="2400" dirty="0">
+              <a:solidFill>
+                <a:srgbClr val="222222"/>
+              </a:solidFill>
+              <a:latin typeface="Arial Narrow" panose="020B0606020202030204" pitchFamily="34" charset="0"/>
+            </a:endParaRPr>
+          </a:p>
+        </p:txBody>
+      </p:sp>
+      <p:sp>
+        <p:nvSpPr>
+          <p:cNvPr id="6" name="직사각형 5">
+            <a:extLst>
+              <a:ext uri="{FF2B5EF4-FFF2-40B4-BE49-F238E27FC236}">
+                <a16:creationId xmlns:a16="http://schemas.microsoft.com/office/drawing/2014/main" id="{6AE458C1-6B85-ECDF-7351-770B57E86129}"/>
+              </a:ext>
+            </a:extLst>
+          </p:cNvPr>
+          <p:cNvSpPr/>
+          <p:nvPr/>
+        </p:nvSpPr>
+        <p:spPr>
+          <a:xfrm>
+            <a:off x="299839" y="70603"/>
+            <a:ext cx="8544322" cy="657168"/>
+          </a:xfrm>
+          <a:prstGeom prst="rect">
+            <a:avLst/>
+          </a:prstGeom>
+        </p:spPr>
+        <p:txBody>
+          <a:bodyPr wrap="square">
+            <a:spAutoFit/>
+          </a:bodyPr>
+          <a:lstStyle/>
+          <a:p>
+            <a:pPr>
+              <a:lnSpc>
+                <a:spcPct val="150000"/>
+              </a:lnSpc>
+            </a:pPr>
+            <a:r>
+              <a:rPr lang="en-US" altLang="ko-KR" sz="2800" dirty="0">
+                <a:solidFill>
+                  <a:srgbClr val="222222"/>
+                </a:solidFill>
+                <a:latin typeface="Arial Narrow" panose="020B0606020202030204" pitchFamily="34" charset="0"/>
+              </a:rPr>
+              <a:t>Introduction to natural language processing</a:t>
+            </a:r>
+            <a:endParaRPr lang="en-US" altLang="ko-KR" sz="2800" dirty="0">
+              <a:latin typeface="Arial Narrow" panose="020B0606020202030204" pitchFamily="34" charset="0"/>
+              <a:cs typeface="Times New Roman" panose="02020603050405020304" pitchFamily="18" charset="0"/>
+            </a:endParaRPr>
+          </a:p>
+        </p:txBody>
+      </p:sp>
+      <p:sp>
+        <p:nvSpPr>
+          <p:cNvPr id="4" name="TextBox 3">
+            <a:extLst>
+              <a:ext uri="{FF2B5EF4-FFF2-40B4-BE49-F238E27FC236}">
+                <a16:creationId xmlns:a16="http://schemas.microsoft.com/office/drawing/2014/main" id="{7463A2A2-E5F1-353F-9F2A-5395FC99A10B}"/>
+              </a:ext>
+            </a:extLst>
+          </p:cNvPr>
+          <p:cNvSpPr txBox="1"/>
+          <p:nvPr/>
+        </p:nvSpPr>
+        <p:spPr>
+          <a:xfrm>
+            <a:off x="1935019" y="3161108"/>
+            <a:ext cx="4572000" cy="923330"/>
+          </a:xfrm>
+          <a:prstGeom prst="rect">
+            <a:avLst/>
+          </a:prstGeom>
+          <a:noFill/>
+        </p:spPr>
+        <p:txBody>
+          <a:bodyPr wrap="square">
+            <a:spAutoFit/>
+          </a:bodyPr>
+          <a:lstStyle/>
+          <a:p>
+            <a:r>
+              <a:rPr lang="en-US" altLang="ko-KR" dirty="0">
+                <a:hlinkClick r:id="rId3"/>
+              </a:rPr>
+              <a:t>https://colab.research.google.com/github/JunetaeKim/DeepLearningClass/blob/main/Week14/WordEmbedding.ipynb</a:t>
+            </a:r>
+            <a:endParaRPr lang="ko-KR" altLang="en-US" dirty="0"/>
+          </a:p>
+        </p:txBody>
+      </p:sp>
+    </p:spTree>
+    <p:extLst>
+      <p:ext uri="{BB962C8B-B14F-4D97-AF65-F5344CB8AC3E}">
+        <p14:creationId xmlns:p14="http://schemas.microsoft.com/office/powerpoint/2010/main" val="3951712473"/>
+      </p:ext>
+    </p:extLst>
+  </p:cSld>
+  <p:clrMapOvr>
+    <a:masterClrMapping/>
+  </p:clrMapOvr>
+</p:sld>
+</file>
+
+<file path=ppt/slides/slide23.xml><?xml version="1.0" encoding="utf-8"?>
+<p:sld xmlns:a="http://schemas.openxmlformats.org/drawingml/2006/main" xmlns:r="http://schemas.openxmlformats.org/officeDocument/2006/relationships" xmlns:p="http://schemas.openxmlformats.org/presentationml/2006/main">
+  <p:cSld>
+    <p:spTree>
+      <p:nvGrpSpPr>
+        <p:cNvPr id="1" name=""/>
+        <p:cNvGrpSpPr/>
+        <p:nvPr/>
+      </p:nvGrpSpPr>
+      <p:grpSpPr>
+        <a:xfrm>
+          <a:off x="0" y="0"/>
+          <a:ext cx="0" cy="0"/>
+          <a:chOff x="0" y="0"/>
+          <a:chExt cx="0" cy="0"/>
+        </a:xfrm>
+      </p:grpSpPr>
+      <p:cxnSp>
+        <p:nvCxnSpPr>
+          <p:cNvPr id="36" name="직선 연결선 35"/>
+          <p:cNvCxnSpPr/>
+          <p:nvPr/>
+        </p:nvCxnSpPr>
+        <p:spPr>
+          <a:xfrm>
+            <a:off x="361950" y="857250"/>
+            <a:ext cx="5391150" cy="0"/>
+          </a:xfrm>
+          <a:prstGeom prst="line">
+            <a:avLst/>
+          </a:prstGeom>
+          <a:ln w="38100">
+            <a:solidFill>
+              <a:schemeClr val="accent2">
+                <a:alpha val="60000"/>
+              </a:schemeClr>
+            </a:solidFill>
+          </a:ln>
+        </p:spPr>
+        <p:style>
+          <a:lnRef idx="1">
+            <a:schemeClr val="accent1"/>
+          </a:lnRef>
+          <a:fillRef idx="0">
+            <a:schemeClr val="accent1"/>
+          </a:fillRef>
+          <a:effectRef idx="0">
+            <a:schemeClr val="accent1"/>
+          </a:effectRef>
+          <a:fontRef idx="minor">
+            <a:schemeClr val="tx1"/>
+          </a:fontRef>
+        </p:style>
+      </p:cxnSp>
+      <p:cxnSp>
+        <p:nvCxnSpPr>
+          <p:cNvPr id="37" name="직선 연결선 36"/>
+          <p:cNvCxnSpPr/>
+          <p:nvPr/>
+        </p:nvCxnSpPr>
+        <p:spPr>
+          <a:xfrm>
+            <a:off x="3257550" y="933450"/>
+            <a:ext cx="5391150" cy="0"/>
+          </a:xfrm>
+          <a:prstGeom prst="line">
+            <a:avLst/>
+          </a:prstGeom>
+          <a:ln w="38100">
+            <a:solidFill>
+              <a:schemeClr val="accent6">
+                <a:alpha val="60000"/>
+              </a:schemeClr>
+            </a:solidFill>
+          </a:ln>
+        </p:spPr>
+        <p:style>
+          <a:lnRef idx="1">
+            <a:schemeClr val="accent1"/>
+          </a:lnRef>
+          <a:fillRef idx="0">
+            <a:schemeClr val="accent1"/>
+          </a:fillRef>
+          <a:effectRef idx="0">
+            <a:schemeClr val="accent1"/>
+          </a:effectRef>
+          <a:fontRef idx="minor">
+            <a:schemeClr val="tx1"/>
+          </a:fontRef>
+        </p:style>
+      </p:cxnSp>
+      <p:sp>
+        <p:nvSpPr>
+          <p:cNvPr id="10" name="직사각형 9">
+            <a:extLst>
+              <a:ext uri="{FF2B5EF4-FFF2-40B4-BE49-F238E27FC236}">
+                <a16:creationId xmlns:a16="http://schemas.microsoft.com/office/drawing/2014/main" id="{9DC7D8DF-F1AC-5E24-6D05-87B8D3343A78}"/>
+              </a:ext>
+            </a:extLst>
+          </p:cNvPr>
+          <p:cNvSpPr/>
+          <p:nvPr/>
+        </p:nvSpPr>
+        <p:spPr>
+          <a:xfrm>
+            <a:off x="328770" y="1139130"/>
+            <a:ext cx="8544322" cy="2717603"/>
+          </a:xfrm>
+          <a:prstGeom prst="rect">
+            <a:avLst/>
+          </a:prstGeom>
+        </p:spPr>
+        <p:txBody>
+          <a:bodyPr wrap="square">
+            <a:spAutoFit/>
+          </a:bodyPr>
+          <a:lstStyle/>
+          <a:p>
+            <a:pPr marL="284400" indent="-284400">
+              <a:lnSpc>
+                <a:spcPct val="150000"/>
+              </a:lnSpc>
+              <a:buFont typeface="Arial" panose="020B0604020202020204" pitchFamily="34" charset="0"/>
+              <a:buChar char="•"/>
+            </a:pPr>
+            <a:r>
+              <a:rPr lang="en-US" altLang="ko-KR" sz="2400" dirty="0">
+                <a:solidFill>
+                  <a:srgbClr val="222222"/>
+                </a:solidFill>
+                <a:latin typeface="Arial Narrow" panose="020B0606020202030204" pitchFamily="34" charset="0"/>
+              </a:rPr>
+              <a:t>Simple application exercise</a:t>
+            </a:r>
+          </a:p>
+          <a:p>
+            <a:pPr marL="741600" lvl="1" indent="-284400">
+              <a:lnSpc>
+                <a:spcPct val="150000"/>
+              </a:lnSpc>
+              <a:buFont typeface="Arial" panose="020B0604020202020204" pitchFamily="34" charset="0"/>
+              <a:buChar char="•"/>
+            </a:pPr>
+            <a:r>
+              <a:rPr lang="en-US" altLang="ko-KR" sz="2000" dirty="0">
+                <a:solidFill>
+                  <a:srgbClr val="222222"/>
+                </a:solidFill>
+                <a:latin typeface="Arial Narrow" panose="020B0606020202030204" pitchFamily="34" charset="0"/>
+              </a:rPr>
+              <a:t>Sentiment Analysis Overview</a:t>
+            </a:r>
+          </a:p>
+          <a:p>
+            <a:pPr marL="1198800" lvl="2" indent="-284400">
+              <a:lnSpc>
+                <a:spcPct val="150000"/>
+              </a:lnSpc>
+              <a:buFont typeface="Arial" panose="020B0604020202020204" pitchFamily="34" charset="0"/>
+              <a:buChar char="•"/>
+            </a:pPr>
+            <a:r>
+              <a:rPr lang="en-US" altLang="ko-KR" dirty="0">
+                <a:latin typeface="Arial Narrow" panose="020B0606020202030204" pitchFamily="34" charset="0"/>
+              </a:rPr>
+              <a:t>Definition: Sentiment analysis, also known as opinion mining, is the process of determining the sentiment or emotion expressed in a piece of text.</a:t>
+            </a:r>
+          </a:p>
+          <a:p>
+            <a:pPr marL="1198800" lvl="2" indent="-284400">
+              <a:lnSpc>
+                <a:spcPct val="150000"/>
+              </a:lnSpc>
+              <a:buFont typeface="Arial" panose="020B0604020202020204" pitchFamily="34" charset="0"/>
+              <a:buChar char="•"/>
+            </a:pPr>
+            <a:r>
+              <a:rPr lang="en-US" altLang="ko-KR" dirty="0">
+                <a:latin typeface="Arial Narrow" panose="020B0606020202030204" pitchFamily="34" charset="0"/>
+              </a:rPr>
+              <a:t>Types of sentiment analysis: Binary (positive/negative), multi-class (positive/neutral/negative), and sentiment intensity.</a:t>
+            </a:r>
+          </a:p>
+        </p:txBody>
+      </p:sp>
+      <p:sp>
+        <p:nvSpPr>
+          <p:cNvPr id="6" name="직사각형 5">
+            <a:extLst>
+              <a:ext uri="{FF2B5EF4-FFF2-40B4-BE49-F238E27FC236}">
+                <a16:creationId xmlns:a16="http://schemas.microsoft.com/office/drawing/2014/main" id="{6AE458C1-6B85-ECDF-7351-770B57E86129}"/>
+              </a:ext>
+            </a:extLst>
+          </p:cNvPr>
+          <p:cNvSpPr/>
+          <p:nvPr/>
+        </p:nvSpPr>
+        <p:spPr>
+          <a:xfrm>
+            <a:off x="299839" y="70603"/>
+            <a:ext cx="8544322" cy="657168"/>
+          </a:xfrm>
+          <a:prstGeom prst="rect">
+            <a:avLst/>
+          </a:prstGeom>
+        </p:spPr>
+        <p:txBody>
+          <a:bodyPr wrap="square">
+            <a:spAutoFit/>
+          </a:bodyPr>
+          <a:lstStyle/>
+          <a:p>
+            <a:pPr>
+              <a:lnSpc>
+                <a:spcPct val="150000"/>
+              </a:lnSpc>
+            </a:pPr>
+            <a:r>
+              <a:rPr lang="en-US" altLang="ko-KR" sz="2800" dirty="0">
+                <a:solidFill>
+                  <a:srgbClr val="222222"/>
+                </a:solidFill>
+                <a:latin typeface="Arial Narrow" panose="020B0606020202030204" pitchFamily="34" charset="0"/>
+              </a:rPr>
+              <a:t>Introduction to natural language processing</a:t>
+            </a:r>
+            <a:endParaRPr lang="en-US" altLang="ko-KR" sz="2800" dirty="0">
+              <a:latin typeface="Arial Narrow" panose="020B0606020202030204" pitchFamily="34" charset="0"/>
+              <a:cs typeface="Times New Roman" panose="02020603050405020304" pitchFamily="18" charset="0"/>
+            </a:endParaRPr>
+          </a:p>
+        </p:txBody>
+      </p:sp>
+    </p:spTree>
+    <p:extLst>
+      <p:ext uri="{BB962C8B-B14F-4D97-AF65-F5344CB8AC3E}">
+        <p14:creationId xmlns:p14="http://schemas.microsoft.com/office/powerpoint/2010/main" val="2755281212"/>
+      </p:ext>
+    </p:extLst>
+  </p:cSld>
+  <p:clrMapOvr>
+    <a:masterClrMapping/>
+  </p:clrMapOvr>
+</p:sld>
+</file>
+
+<file path=ppt/slides/slide24.xml><?xml version="1.0" encoding="utf-8"?>
+<p:sld xmlns:a="http://schemas.openxmlformats.org/drawingml/2006/main" xmlns:r="http://schemas.openxmlformats.org/officeDocument/2006/relationships" xmlns:p="http://schemas.openxmlformats.org/presentationml/2006/main">
+  <p:cSld>
+    <p:spTree>
+      <p:nvGrpSpPr>
+        <p:cNvPr id="1" name=""/>
+        <p:cNvGrpSpPr/>
+        <p:nvPr/>
+      </p:nvGrpSpPr>
+      <p:grpSpPr>
+        <a:xfrm>
+          <a:off x="0" y="0"/>
+          <a:ext cx="0" cy="0"/>
+          <a:chOff x="0" y="0"/>
+          <a:chExt cx="0" cy="0"/>
+        </a:xfrm>
+      </p:grpSpPr>
+      <p:cxnSp>
+        <p:nvCxnSpPr>
+          <p:cNvPr id="36" name="직선 연결선 35"/>
+          <p:cNvCxnSpPr/>
+          <p:nvPr/>
+        </p:nvCxnSpPr>
+        <p:spPr>
+          <a:xfrm>
+            <a:off x="361950" y="857250"/>
+            <a:ext cx="5391150" cy="0"/>
+          </a:xfrm>
+          <a:prstGeom prst="line">
+            <a:avLst/>
+          </a:prstGeom>
+          <a:ln w="38100">
+            <a:solidFill>
+              <a:schemeClr val="accent2">
+                <a:alpha val="60000"/>
+              </a:schemeClr>
+            </a:solidFill>
+          </a:ln>
+        </p:spPr>
+        <p:style>
+          <a:lnRef idx="1">
+            <a:schemeClr val="accent1"/>
+          </a:lnRef>
+          <a:fillRef idx="0">
+            <a:schemeClr val="accent1"/>
+          </a:fillRef>
+          <a:effectRef idx="0">
+            <a:schemeClr val="accent1"/>
+          </a:effectRef>
+          <a:fontRef idx="minor">
+            <a:schemeClr val="tx1"/>
+          </a:fontRef>
+        </p:style>
+      </p:cxnSp>
+      <p:cxnSp>
+        <p:nvCxnSpPr>
+          <p:cNvPr id="37" name="직선 연결선 36"/>
+          <p:cNvCxnSpPr/>
+          <p:nvPr/>
+        </p:nvCxnSpPr>
+        <p:spPr>
+          <a:xfrm>
+            <a:off x="3257550" y="933450"/>
+            <a:ext cx="5391150" cy="0"/>
+          </a:xfrm>
+          <a:prstGeom prst="line">
+            <a:avLst/>
+          </a:prstGeom>
+          <a:ln w="38100">
+            <a:solidFill>
+              <a:schemeClr val="accent6">
+                <a:alpha val="60000"/>
+              </a:schemeClr>
+            </a:solidFill>
+          </a:ln>
+        </p:spPr>
+        <p:style>
+          <a:lnRef idx="1">
+            <a:schemeClr val="accent1"/>
+          </a:lnRef>
+          <a:fillRef idx="0">
+            <a:schemeClr val="accent1"/>
+          </a:fillRef>
+          <a:effectRef idx="0">
+            <a:schemeClr val="accent1"/>
+          </a:effectRef>
+          <a:fontRef idx="minor">
+            <a:schemeClr val="tx1"/>
+          </a:fontRef>
+        </p:style>
+      </p:cxnSp>
+      <p:sp>
+        <p:nvSpPr>
+          <p:cNvPr id="10" name="직사각형 9">
+            <a:extLst>
+              <a:ext uri="{FF2B5EF4-FFF2-40B4-BE49-F238E27FC236}">
+                <a16:creationId xmlns:a16="http://schemas.microsoft.com/office/drawing/2014/main" id="{9DC7D8DF-F1AC-5E24-6D05-87B8D3343A78}"/>
+              </a:ext>
+            </a:extLst>
+          </p:cNvPr>
+          <p:cNvSpPr/>
+          <p:nvPr/>
+        </p:nvSpPr>
+        <p:spPr>
+          <a:xfrm>
+            <a:off x="328770" y="1139130"/>
+            <a:ext cx="8173880" cy="3548600"/>
+          </a:xfrm>
+          <a:prstGeom prst="rect">
+            <a:avLst/>
+          </a:prstGeom>
+        </p:spPr>
+        <p:txBody>
+          <a:bodyPr wrap="square">
+            <a:spAutoFit/>
+          </a:bodyPr>
+          <a:lstStyle/>
+          <a:p>
+            <a:pPr marL="284400" indent="-284400">
+              <a:lnSpc>
+                <a:spcPct val="150000"/>
+              </a:lnSpc>
+              <a:buFont typeface="Arial" panose="020B0604020202020204" pitchFamily="34" charset="0"/>
+              <a:buChar char="•"/>
+            </a:pPr>
+            <a:r>
+              <a:rPr lang="en-US" altLang="ko-KR" sz="2400" dirty="0">
+                <a:solidFill>
+                  <a:srgbClr val="222222"/>
+                </a:solidFill>
+                <a:latin typeface="Arial Narrow" panose="020B0606020202030204" pitchFamily="34" charset="0"/>
+              </a:rPr>
+              <a:t>Simple application exercise</a:t>
+            </a:r>
+          </a:p>
+          <a:p>
+            <a:pPr marL="741600" lvl="1" indent="-284400">
+              <a:lnSpc>
+                <a:spcPct val="150000"/>
+              </a:lnSpc>
+              <a:buFont typeface="Arial" panose="020B0604020202020204" pitchFamily="34" charset="0"/>
+              <a:buChar char="•"/>
+            </a:pPr>
+            <a:r>
+              <a:rPr lang="en-US" altLang="ko-KR" sz="2000" dirty="0">
+                <a:solidFill>
+                  <a:srgbClr val="222222"/>
+                </a:solidFill>
+                <a:latin typeface="Arial Narrow" panose="020B0606020202030204" pitchFamily="34" charset="0"/>
+              </a:rPr>
+              <a:t>Building a Sentiment Analysis Model</a:t>
+            </a:r>
+          </a:p>
+          <a:p>
+            <a:pPr marL="1257300" lvl="2" indent="-342900">
+              <a:lnSpc>
+                <a:spcPct val="150000"/>
+              </a:lnSpc>
+              <a:buFont typeface="Arial" panose="020B0604020202020204" pitchFamily="34" charset="0"/>
+              <a:buChar char="•"/>
+            </a:pPr>
+            <a:r>
+              <a:rPr lang="en-US" altLang="ko-KR" dirty="0">
+                <a:latin typeface="Arial Narrow" panose="020B0606020202030204" pitchFamily="34" charset="0"/>
+              </a:rPr>
+              <a:t>Data preparation: 20 toy sentences (10 pos. and 10 neg.) </a:t>
+            </a:r>
+          </a:p>
+          <a:p>
+            <a:pPr marL="1257300" lvl="2" indent="-342900">
+              <a:lnSpc>
+                <a:spcPct val="150000"/>
+              </a:lnSpc>
+              <a:buFont typeface="Arial" panose="020B0604020202020204" pitchFamily="34" charset="0"/>
+              <a:buChar char="•"/>
+            </a:pPr>
+            <a:r>
+              <a:rPr lang="en-US" altLang="ko-KR" dirty="0">
+                <a:latin typeface="Arial Narrow" panose="020B0606020202030204" pitchFamily="34" charset="0"/>
+              </a:rPr>
+              <a:t>Padding: Making all input sequences have the same length by either padding shorter sequences with zeros at the end or truncating longer sequences to the specified maximum length. </a:t>
+            </a:r>
+          </a:p>
+          <a:p>
+            <a:pPr marL="1257300" lvl="2" indent="-342900">
+              <a:lnSpc>
+                <a:spcPct val="150000"/>
+              </a:lnSpc>
+              <a:buFont typeface="Arial" panose="020B0604020202020204" pitchFamily="34" charset="0"/>
+              <a:buChar char="•"/>
+            </a:pPr>
+            <a:r>
+              <a:rPr lang="en-US" altLang="ko-KR" dirty="0">
+                <a:latin typeface="Arial Narrow" panose="020B0606020202030204" pitchFamily="34" charset="0"/>
+              </a:rPr>
+              <a:t>Model architecture: Design the neural network architecture, including embedding and DNN layers.</a:t>
+            </a:r>
+          </a:p>
+        </p:txBody>
+      </p:sp>
+      <p:sp>
+        <p:nvSpPr>
+          <p:cNvPr id="6" name="직사각형 5">
+            <a:extLst>
+              <a:ext uri="{FF2B5EF4-FFF2-40B4-BE49-F238E27FC236}">
+                <a16:creationId xmlns:a16="http://schemas.microsoft.com/office/drawing/2014/main" id="{6AE458C1-6B85-ECDF-7351-770B57E86129}"/>
+              </a:ext>
+            </a:extLst>
+          </p:cNvPr>
+          <p:cNvSpPr/>
+          <p:nvPr/>
+        </p:nvSpPr>
+        <p:spPr>
+          <a:xfrm>
+            <a:off x="299839" y="70603"/>
+            <a:ext cx="8544322" cy="657168"/>
+          </a:xfrm>
+          <a:prstGeom prst="rect">
+            <a:avLst/>
+          </a:prstGeom>
+        </p:spPr>
+        <p:txBody>
+          <a:bodyPr wrap="square">
+            <a:spAutoFit/>
+          </a:bodyPr>
+          <a:lstStyle/>
+          <a:p>
+            <a:pPr>
+              <a:lnSpc>
+                <a:spcPct val="150000"/>
+              </a:lnSpc>
+            </a:pPr>
+            <a:r>
+              <a:rPr lang="en-US" altLang="ko-KR" sz="2800" dirty="0">
+                <a:solidFill>
+                  <a:srgbClr val="222222"/>
+                </a:solidFill>
+                <a:latin typeface="Arial Narrow" panose="020B0606020202030204" pitchFamily="34" charset="0"/>
+              </a:rPr>
+              <a:t>Introduction to natural language processing</a:t>
+            </a:r>
+            <a:endParaRPr lang="en-US" altLang="ko-KR" sz="2800" dirty="0">
+              <a:latin typeface="Arial Narrow" panose="020B0606020202030204" pitchFamily="34" charset="0"/>
+              <a:cs typeface="Times New Roman" panose="02020603050405020304" pitchFamily="18" charset="0"/>
+            </a:endParaRPr>
+          </a:p>
+        </p:txBody>
+      </p:sp>
+    </p:spTree>
+    <p:extLst>
+      <p:ext uri="{BB962C8B-B14F-4D97-AF65-F5344CB8AC3E}">
+        <p14:creationId xmlns:p14="http://schemas.microsoft.com/office/powerpoint/2010/main" val="3435259238"/>
+      </p:ext>
+    </p:extLst>
+  </p:cSld>
+  <p:clrMapOvr>
+    <a:masterClrMapping/>
+  </p:clrMapOvr>
+</p:sld>
+</file>
+
+<file path=ppt/slides/slide25.xml><?xml version="1.0" encoding="utf-8"?>
+<p:sld xmlns:a="http://schemas.openxmlformats.org/drawingml/2006/main" xmlns:r="http://schemas.openxmlformats.org/officeDocument/2006/relationships" xmlns:p="http://schemas.openxmlformats.org/presentationml/2006/main">
+  <p:cSld>
+    <p:spTree>
+      <p:nvGrpSpPr>
+        <p:cNvPr id="1" name=""/>
+        <p:cNvGrpSpPr/>
+        <p:nvPr/>
+      </p:nvGrpSpPr>
+      <p:grpSpPr>
+        <a:xfrm>
+          <a:off x="0" y="0"/>
+          <a:ext cx="0" cy="0"/>
+          <a:chOff x="0" y="0"/>
+          <a:chExt cx="0" cy="0"/>
+        </a:xfrm>
+      </p:grpSpPr>
+      <p:cxnSp>
+        <p:nvCxnSpPr>
+          <p:cNvPr id="36" name="직선 연결선 35"/>
+          <p:cNvCxnSpPr/>
+          <p:nvPr/>
+        </p:nvCxnSpPr>
+        <p:spPr>
+          <a:xfrm>
+            <a:off x="361950" y="857250"/>
+            <a:ext cx="5391150" cy="0"/>
+          </a:xfrm>
+          <a:prstGeom prst="line">
+            <a:avLst/>
+          </a:prstGeom>
+          <a:ln w="38100">
+            <a:solidFill>
+              <a:schemeClr val="accent2">
+                <a:alpha val="60000"/>
+              </a:schemeClr>
+            </a:solidFill>
+          </a:ln>
+        </p:spPr>
+        <p:style>
+          <a:lnRef idx="1">
+            <a:schemeClr val="accent1"/>
+          </a:lnRef>
+          <a:fillRef idx="0">
+            <a:schemeClr val="accent1"/>
+          </a:fillRef>
+          <a:effectRef idx="0">
+            <a:schemeClr val="accent1"/>
+          </a:effectRef>
+          <a:fontRef idx="minor">
+            <a:schemeClr val="tx1"/>
+          </a:fontRef>
+        </p:style>
+      </p:cxnSp>
+      <p:cxnSp>
+        <p:nvCxnSpPr>
+          <p:cNvPr id="37" name="직선 연결선 36"/>
+          <p:cNvCxnSpPr/>
+          <p:nvPr/>
+        </p:nvCxnSpPr>
+        <p:spPr>
+          <a:xfrm>
+            <a:off x="3257550" y="933450"/>
+            <a:ext cx="5391150" cy="0"/>
+          </a:xfrm>
+          <a:prstGeom prst="line">
+            <a:avLst/>
+          </a:prstGeom>
+          <a:ln w="38100">
+            <a:solidFill>
+              <a:schemeClr val="accent6">
+                <a:alpha val="60000"/>
+              </a:schemeClr>
+            </a:solidFill>
+          </a:ln>
+        </p:spPr>
+        <p:style>
+          <a:lnRef idx="1">
+            <a:schemeClr val="accent1"/>
+          </a:lnRef>
+          <a:fillRef idx="0">
+            <a:schemeClr val="accent1"/>
+          </a:fillRef>
+          <a:effectRef idx="0">
+            <a:schemeClr val="accent1"/>
+          </a:effectRef>
+          <a:fontRef idx="minor">
+            <a:schemeClr val="tx1"/>
+          </a:fontRef>
+        </p:style>
+      </p:cxnSp>
+      <p:sp>
+        <p:nvSpPr>
+          <p:cNvPr id="10" name="직사각형 9">
+            <a:extLst>
+              <a:ext uri="{FF2B5EF4-FFF2-40B4-BE49-F238E27FC236}">
+                <a16:creationId xmlns:a16="http://schemas.microsoft.com/office/drawing/2014/main" id="{9DC7D8DF-F1AC-5E24-6D05-87B8D3343A78}"/>
+              </a:ext>
+            </a:extLst>
+          </p:cNvPr>
+          <p:cNvSpPr/>
+          <p:nvPr/>
+        </p:nvSpPr>
+        <p:spPr>
+          <a:xfrm>
+            <a:off x="328771" y="1139130"/>
+            <a:ext cx="8742077" cy="1130438"/>
+          </a:xfrm>
+          <a:prstGeom prst="rect">
+            <a:avLst/>
+          </a:prstGeom>
+        </p:spPr>
+        <p:txBody>
+          <a:bodyPr wrap="square">
+            <a:spAutoFit/>
+          </a:bodyPr>
+          <a:lstStyle/>
+          <a:p>
+            <a:pPr marL="284400" indent="-284400">
+              <a:lnSpc>
+                <a:spcPct val="150000"/>
+              </a:lnSpc>
+              <a:buFont typeface="Arial" panose="020B0604020202020204" pitchFamily="34" charset="0"/>
+              <a:buChar char="•"/>
+            </a:pPr>
+            <a:r>
+              <a:rPr lang="en-US" altLang="ko-KR" sz="2400" dirty="0">
+                <a:solidFill>
+                  <a:srgbClr val="222222"/>
+                </a:solidFill>
+                <a:latin typeface="Arial Narrow" panose="020B0606020202030204" pitchFamily="34" charset="0"/>
+              </a:rPr>
+              <a:t>Building a Sentiment Analysis Model with </a:t>
+            </a:r>
+            <a:r>
+              <a:rPr lang="en-US" altLang="ko-KR" sz="2400" dirty="0" err="1">
+                <a:solidFill>
+                  <a:srgbClr val="222222"/>
+                </a:solidFill>
+                <a:latin typeface="Arial Narrow" panose="020B0606020202030204" pitchFamily="34" charset="0"/>
+              </a:rPr>
+              <a:t>Keras</a:t>
+            </a:r>
+            <a:endParaRPr lang="en-US" altLang="ko-KR" sz="2400" dirty="0">
+              <a:solidFill>
+                <a:srgbClr val="222222"/>
+              </a:solidFill>
+              <a:latin typeface="Arial Narrow" panose="020B0606020202030204" pitchFamily="34" charset="0"/>
+            </a:endParaRPr>
+          </a:p>
+          <a:p>
+            <a:pPr marL="284400" indent="-284400">
+              <a:lnSpc>
+                <a:spcPct val="150000"/>
+              </a:lnSpc>
+              <a:buFont typeface="Arial" panose="020B0604020202020204" pitchFamily="34" charset="0"/>
+              <a:buChar char="•"/>
+            </a:pPr>
+            <a:endParaRPr lang="en-US" altLang="ko-KR" sz="2400" dirty="0">
+              <a:solidFill>
+                <a:srgbClr val="222222"/>
+              </a:solidFill>
+              <a:latin typeface="Arial Narrow" panose="020B0606020202030204" pitchFamily="34" charset="0"/>
+            </a:endParaRPr>
+          </a:p>
+        </p:txBody>
+      </p:sp>
+      <p:sp>
+        <p:nvSpPr>
+          <p:cNvPr id="6" name="직사각형 5">
+            <a:extLst>
+              <a:ext uri="{FF2B5EF4-FFF2-40B4-BE49-F238E27FC236}">
+                <a16:creationId xmlns:a16="http://schemas.microsoft.com/office/drawing/2014/main" id="{6AE458C1-6B85-ECDF-7351-770B57E86129}"/>
+              </a:ext>
+            </a:extLst>
+          </p:cNvPr>
+          <p:cNvSpPr/>
+          <p:nvPr/>
+        </p:nvSpPr>
+        <p:spPr>
+          <a:xfrm>
+            <a:off x="299839" y="70603"/>
+            <a:ext cx="8544322" cy="657168"/>
+          </a:xfrm>
+          <a:prstGeom prst="rect">
+            <a:avLst/>
+          </a:prstGeom>
+        </p:spPr>
+        <p:txBody>
+          <a:bodyPr wrap="square">
+            <a:spAutoFit/>
+          </a:bodyPr>
+          <a:lstStyle/>
+          <a:p>
+            <a:pPr>
+              <a:lnSpc>
+                <a:spcPct val="150000"/>
+              </a:lnSpc>
+            </a:pPr>
+            <a:r>
+              <a:rPr lang="en-US" altLang="ko-KR" sz="2800" dirty="0">
+                <a:solidFill>
+                  <a:srgbClr val="222222"/>
+                </a:solidFill>
+                <a:latin typeface="Arial Narrow" panose="020B0606020202030204" pitchFamily="34" charset="0"/>
+              </a:rPr>
+              <a:t>Introduction to natural language processing</a:t>
+            </a:r>
+            <a:endParaRPr lang="en-US" altLang="ko-KR" sz="2800" dirty="0">
+              <a:latin typeface="Arial Narrow" panose="020B0606020202030204" pitchFamily="34" charset="0"/>
+              <a:cs typeface="Times New Roman" panose="02020603050405020304" pitchFamily="18" charset="0"/>
+            </a:endParaRPr>
+          </a:p>
+        </p:txBody>
+      </p:sp>
+      <p:sp>
+        <p:nvSpPr>
+          <p:cNvPr id="4" name="TextBox 3">
+            <a:extLst>
+              <a:ext uri="{FF2B5EF4-FFF2-40B4-BE49-F238E27FC236}">
+                <a16:creationId xmlns:a16="http://schemas.microsoft.com/office/drawing/2014/main" id="{7463A2A2-E5F1-353F-9F2A-5395FC99A10B}"/>
+              </a:ext>
+            </a:extLst>
+          </p:cNvPr>
+          <p:cNvSpPr txBox="1"/>
+          <p:nvPr/>
+        </p:nvSpPr>
+        <p:spPr>
+          <a:xfrm>
+            <a:off x="1935019" y="3161108"/>
+            <a:ext cx="4572000" cy="923330"/>
+          </a:xfrm>
+          <a:prstGeom prst="rect">
+            <a:avLst/>
+          </a:prstGeom>
+          <a:noFill/>
+        </p:spPr>
+        <p:txBody>
+          <a:bodyPr wrap="square">
+            <a:spAutoFit/>
+          </a:bodyPr>
+          <a:lstStyle/>
+          <a:p>
+            <a:r>
+              <a:rPr lang="en-US" altLang="ko-KR" dirty="0">
+                <a:hlinkClick r:id="rId3"/>
+              </a:rPr>
+              <a:t>https://colab.research.google.com/github/JunetaeKim/DeepLearningClass/blob/main/Week14/ToySentimental.ipynb</a:t>
+            </a:r>
+            <a:endParaRPr lang="ko-KR" altLang="en-US" dirty="0"/>
+          </a:p>
+        </p:txBody>
+      </p:sp>
+    </p:spTree>
+    <p:extLst>
+      <p:ext uri="{BB962C8B-B14F-4D97-AF65-F5344CB8AC3E}">
+        <p14:creationId xmlns:p14="http://schemas.microsoft.com/office/powerpoint/2010/main" val="2908328936"/>
+      </p:ext>
+    </p:extLst>
+  </p:cSld>
+  <p:clrMapOvr>
+    <a:masterClrMapping/>
+  </p:clrMapOvr>
+</p:sld>
+</file>
+
+<file path=ppt/slides/slide26.xml><?xml version="1.0" encoding="utf-8"?>
 <p:sld xmlns:a="http://schemas.openxmlformats.org/drawingml/2006/main" xmlns:r="http://schemas.openxmlformats.org/officeDocument/2006/relationships" xmlns:p="http://schemas.openxmlformats.org/presentationml/2006/main">
   <p:cSld>
     <p:spTree>
@@ -12791,7 +15711,7 @@
         <p:spPr>
           <a:xfrm>
             <a:off x="328771" y="1139130"/>
-            <a:ext cx="8515390" cy="3964099"/>
+            <a:ext cx="8515390" cy="4010265"/>
           </a:xfrm>
           <a:prstGeom prst="rect">
             <a:avLst/>
@@ -12898,13 +15818,22 @@
               <a:buChar char="•"/>
             </a:pPr>
             <a:r>
+              <a:rPr lang="en-US" altLang="ko-KR" sz="2000" dirty="0">
+                <a:solidFill>
+                  <a:srgbClr val="222222"/>
+                </a:solidFill>
+                <a:latin typeface="Arial Narrow" panose="020B0606020202030204" pitchFamily="34" charset="0"/>
+              </a:rPr>
+              <a:t>Tools</a:t>
+            </a:r>
+            <a:r>
               <a:rPr lang="en-US" altLang="ko-KR" dirty="0">
                 <a:solidFill>
                   <a:srgbClr val="222222"/>
                 </a:solidFill>
                 <a:latin typeface="Arial Narrow" panose="020B0606020202030204" pitchFamily="34" charset="0"/>
               </a:rPr>
-              <a:t>Tools:</a:t>
+              <a:t>:</a:t>
             </a:r>
           </a:p>
           <a:p>

--- a/Week14/week14 natural language processing.pptx
+++ b/Week14/week14 natural language processing.pptx
@@ -5,10 +5,10 @@
     <p:sldMasterId id="2147483660" r:id="rId1"/>
   </p:sldMasterIdLst>
   <p:notesMasterIdLst>
-    <p:notesMasterId r:id="rId36"/>
+    <p:notesMasterId r:id="rId38"/>
   </p:notesMasterIdLst>
   <p:handoutMasterIdLst>
-    <p:handoutMasterId r:id="rId37"/>
+    <p:handoutMasterId r:id="rId39"/>
   </p:handoutMasterIdLst>
   <p:sldIdLst>
     <p:sldId id="265" r:id="rId2"/>
@@ -45,6 +45,8 @@
     <p:sldId id="792" r:id="rId33"/>
     <p:sldId id="793" r:id="rId34"/>
     <p:sldId id="759" r:id="rId35"/>
+    <p:sldId id="794" r:id="rId36"/>
+    <p:sldId id="795" r:id="rId37"/>
   </p:sldIdLst>
   <p:sldSz cx="9144000" cy="6858000" type="screen4x3"/>
   <p:notesSz cx="6797675" cy="9874250"/>
@@ -256,7 +258,7 @@
           <a:p>
             <a:fld id="{D9D2A4DD-E6C5-4446-8814-DDCEAB64F4E0}" type="datetimeFigureOut">
               <a:rPr lang="ko-KR" altLang="en-US" smtClean="0"/>
-              <a:t>2023-03-23</a:t>
+              <a:t>2023-03-24</a:t>
             </a:fld>
             <a:endParaRPr lang="ko-KR" altLang="en-US"/>
           </a:p>
@@ -421,7 +423,7 @@
           <a:p>
             <a:fld id="{BF4D36B7-6BC9-4358-A9C9-63F4AFA82B46}" type="datetimeFigureOut">
               <a:rPr lang="ko-KR" altLang="en-US" smtClean="0"/>
-              <a:t>2023-03-23</a:t>
+              <a:t>2023-03-24</a:t>
             </a:fld>
             <a:endParaRPr lang="ko-KR" altLang="en-US"/>
           </a:p>
@@ -2956,6 +2958,174 @@
 </p:notes>
 </file>
 
+<file path=ppt/notesSlides/notesSlide34.xml><?xml version="1.0" encoding="utf-8"?>
+<p:notes xmlns:a="http://schemas.openxmlformats.org/drawingml/2006/main" xmlns:r="http://schemas.openxmlformats.org/officeDocument/2006/relationships" xmlns:p="http://schemas.openxmlformats.org/presentationml/2006/main">
+  <p:cSld>
+    <p:spTree>
+      <p:nvGrpSpPr>
+        <p:cNvPr id="1" name=""/>
+        <p:cNvGrpSpPr/>
+        <p:nvPr/>
+      </p:nvGrpSpPr>
+      <p:grpSpPr>
+        <a:xfrm>
+          <a:off x="0" y="0"/>
+          <a:ext cx="0" cy="0"/>
+          <a:chOff x="0" y="0"/>
+          <a:chExt cx="0" cy="0"/>
+        </a:xfrm>
+      </p:grpSpPr>
+      <p:sp>
+        <p:nvSpPr>
+          <p:cNvPr id="2" name="슬라이드 이미지 개체 틀 1"/>
+          <p:cNvSpPr>
+            <a:spLocks noGrp="1" noRot="1" noChangeAspect="1"/>
+          </p:cNvSpPr>
+          <p:nvPr>
+            <p:ph type="sldImg"/>
+          </p:nvPr>
+        </p:nvSpPr>
+        <p:spPr/>
+      </p:sp>
+      <p:sp>
+        <p:nvSpPr>
+          <p:cNvPr id="3" name="슬라이드 노트 개체 틀 2"/>
+          <p:cNvSpPr>
+            <a:spLocks noGrp="1"/>
+          </p:cNvSpPr>
+          <p:nvPr>
+            <p:ph type="body" idx="1"/>
+          </p:nvPr>
+        </p:nvSpPr>
+        <p:spPr/>
+        <p:txBody>
+          <a:bodyPr/>
+          <a:lstStyle/>
+          <a:p>
+            <a:endParaRPr lang="ko-KR" altLang="en-US" dirty="0"/>
+          </a:p>
+        </p:txBody>
+      </p:sp>
+      <p:sp>
+        <p:nvSpPr>
+          <p:cNvPr id="4" name="슬라이드 번호 개체 틀 3"/>
+          <p:cNvSpPr>
+            <a:spLocks noGrp="1"/>
+          </p:cNvSpPr>
+          <p:nvPr>
+            <p:ph type="sldNum" sz="quarter" idx="10"/>
+          </p:nvPr>
+        </p:nvSpPr>
+        <p:spPr/>
+        <p:txBody>
+          <a:bodyPr/>
+          <a:lstStyle/>
+          <a:p>
+            <a:fld id="{AE7DD7B4-6F0D-4FE3-8660-A7DE31D2AD67}" type="slidenum">
+              <a:rPr lang="ko-KR" altLang="en-US" smtClean="0"/>
+              <a:t>35</a:t>
+            </a:fld>
+            <a:endParaRPr lang="ko-KR" altLang="en-US"/>
+          </a:p>
+        </p:txBody>
+      </p:sp>
+    </p:spTree>
+    <p:extLst>
+      <p:ext uri="{BB962C8B-B14F-4D97-AF65-F5344CB8AC3E}">
+        <p14:creationId xmlns:p14="http://schemas.microsoft.com/office/powerpoint/2010/main" val="2987831631"/>
+      </p:ext>
+    </p:extLst>
+  </p:cSld>
+  <p:clrMapOvr>
+    <a:masterClrMapping/>
+  </p:clrMapOvr>
+</p:notes>
+</file>
+
+<file path=ppt/notesSlides/notesSlide35.xml><?xml version="1.0" encoding="utf-8"?>
+<p:notes xmlns:a="http://schemas.openxmlformats.org/drawingml/2006/main" xmlns:r="http://schemas.openxmlformats.org/officeDocument/2006/relationships" xmlns:p="http://schemas.openxmlformats.org/presentationml/2006/main">
+  <p:cSld>
+    <p:spTree>
+      <p:nvGrpSpPr>
+        <p:cNvPr id="1" name=""/>
+        <p:cNvGrpSpPr/>
+        <p:nvPr/>
+      </p:nvGrpSpPr>
+      <p:grpSpPr>
+        <a:xfrm>
+          <a:off x="0" y="0"/>
+          <a:ext cx="0" cy="0"/>
+          <a:chOff x="0" y="0"/>
+          <a:chExt cx="0" cy="0"/>
+        </a:xfrm>
+      </p:grpSpPr>
+      <p:sp>
+        <p:nvSpPr>
+          <p:cNvPr id="2" name="슬라이드 이미지 개체 틀 1"/>
+          <p:cNvSpPr>
+            <a:spLocks noGrp="1" noRot="1" noChangeAspect="1"/>
+          </p:cNvSpPr>
+          <p:nvPr>
+            <p:ph type="sldImg"/>
+          </p:nvPr>
+        </p:nvSpPr>
+        <p:spPr/>
+      </p:sp>
+      <p:sp>
+        <p:nvSpPr>
+          <p:cNvPr id="3" name="슬라이드 노트 개체 틀 2"/>
+          <p:cNvSpPr>
+            <a:spLocks noGrp="1"/>
+          </p:cNvSpPr>
+          <p:nvPr>
+            <p:ph type="body" idx="1"/>
+          </p:nvPr>
+        </p:nvSpPr>
+        <p:spPr/>
+        <p:txBody>
+          <a:bodyPr/>
+          <a:lstStyle/>
+          <a:p>
+            <a:endParaRPr lang="ko-KR" altLang="en-US" dirty="0"/>
+          </a:p>
+        </p:txBody>
+      </p:sp>
+      <p:sp>
+        <p:nvSpPr>
+          <p:cNvPr id="4" name="슬라이드 번호 개체 틀 3"/>
+          <p:cNvSpPr>
+            <a:spLocks noGrp="1"/>
+          </p:cNvSpPr>
+          <p:nvPr>
+            <p:ph type="sldNum" sz="quarter" idx="10"/>
+          </p:nvPr>
+        </p:nvSpPr>
+        <p:spPr/>
+        <p:txBody>
+          <a:bodyPr/>
+          <a:lstStyle/>
+          <a:p>
+            <a:fld id="{AE7DD7B4-6F0D-4FE3-8660-A7DE31D2AD67}" type="slidenum">
+              <a:rPr lang="ko-KR" altLang="en-US" smtClean="0"/>
+              <a:t>36</a:t>
+            </a:fld>
+            <a:endParaRPr lang="ko-KR" altLang="en-US"/>
+          </a:p>
+        </p:txBody>
+      </p:sp>
+    </p:spTree>
+    <p:extLst>
+      <p:ext uri="{BB962C8B-B14F-4D97-AF65-F5344CB8AC3E}">
+        <p14:creationId xmlns:p14="http://schemas.microsoft.com/office/powerpoint/2010/main" val="3333772400"/>
+      </p:ext>
+    </p:extLst>
+  </p:cSld>
+  <p:clrMapOvr>
+    <a:masterClrMapping/>
+  </p:clrMapOvr>
+</p:notes>
+</file>
+
 <file path=ppt/notesSlides/notesSlide4.xml><?xml version="1.0" encoding="utf-8"?>
 <p:notes xmlns:a="http://schemas.openxmlformats.org/drawingml/2006/main" xmlns:r="http://schemas.openxmlformats.org/officeDocument/2006/relationships" xmlns:p="http://schemas.openxmlformats.org/presentationml/2006/main">
   <p:cSld>
@@ -3591,7 +3761,7 @@
           <a:p>
             <a:fld id="{178ADFAC-D890-497A-A497-2A400DD02E74}" type="datetimeFigureOut">
               <a:rPr lang="ko-KR" altLang="en-US" smtClean="0"/>
-              <a:t>2023-03-23</a:t>
+              <a:t>2023-03-24</a:t>
             </a:fld>
             <a:endParaRPr lang="ko-KR" altLang="en-US"/>
           </a:p>
@@ -3761,7 +3931,7 @@
           <a:p>
             <a:fld id="{178ADFAC-D890-497A-A497-2A400DD02E74}" type="datetimeFigureOut">
               <a:rPr lang="ko-KR" altLang="en-US" smtClean="0"/>
-              <a:t>2023-03-23</a:t>
+              <a:t>2023-03-24</a:t>
             </a:fld>
             <a:endParaRPr lang="ko-KR" altLang="en-US"/>
           </a:p>
@@ -3941,7 +4111,7 @@
           <a:p>
             <a:fld id="{178ADFAC-D890-497A-A497-2A400DD02E74}" type="datetimeFigureOut">
               <a:rPr lang="ko-KR" altLang="en-US" smtClean="0"/>
-              <a:t>2023-03-23</a:t>
+              <a:t>2023-03-24</a:t>
             </a:fld>
             <a:endParaRPr lang="ko-KR" altLang="en-US"/>
           </a:p>
@@ -4111,7 +4281,7 @@
           <a:p>
             <a:fld id="{178ADFAC-D890-497A-A497-2A400DD02E74}" type="datetimeFigureOut">
               <a:rPr lang="ko-KR" altLang="en-US" smtClean="0"/>
-              <a:t>2023-03-23</a:t>
+              <a:t>2023-03-24</a:t>
             </a:fld>
             <a:endParaRPr lang="ko-KR" altLang="en-US"/>
           </a:p>
@@ -4355,7 +4525,7 @@
           <a:p>
             <a:fld id="{178ADFAC-D890-497A-A497-2A400DD02E74}" type="datetimeFigureOut">
               <a:rPr lang="ko-KR" altLang="en-US" smtClean="0"/>
-              <a:t>2023-03-23</a:t>
+              <a:t>2023-03-24</a:t>
             </a:fld>
             <a:endParaRPr lang="ko-KR" altLang="en-US"/>
           </a:p>
@@ -4587,7 +4757,7 @@
           <a:p>
             <a:fld id="{178ADFAC-D890-497A-A497-2A400DD02E74}" type="datetimeFigureOut">
               <a:rPr lang="ko-KR" altLang="en-US" smtClean="0"/>
-              <a:t>2023-03-23</a:t>
+              <a:t>2023-03-24</a:t>
             </a:fld>
             <a:endParaRPr lang="ko-KR" altLang="en-US"/>
           </a:p>
@@ -4954,7 +5124,7 @@
           <a:p>
             <a:fld id="{178ADFAC-D890-497A-A497-2A400DD02E74}" type="datetimeFigureOut">
               <a:rPr lang="ko-KR" altLang="en-US" smtClean="0"/>
-              <a:t>2023-03-23</a:t>
+              <a:t>2023-03-24</a:t>
             </a:fld>
             <a:endParaRPr lang="ko-KR" altLang="en-US"/>
           </a:p>
@@ -5072,7 +5242,7 @@
           <a:p>
             <a:fld id="{178ADFAC-D890-497A-A497-2A400DD02E74}" type="datetimeFigureOut">
               <a:rPr lang="ko-KR" altLang="en-US" smtClean="0"/>
-              <a:t>2023-03-23</a:t>
+              <a:t>2023-03-24</a:t>
             </a:fld>
             <a:endParaRPr lang="ko-KR" altLang="en-US"/>
           </a:p>
@@ -5167,7 +5337,7 @@
           <a:p>
             <a:fld id="{178ADFAC-D890-497A-A497-2A400DD02E74}" type="datetimeFigureOut">
               <a:rPr lang="ko-KR" altLang="en-US" smtClean="0"/>
-              <a:t>2023-03-23</a:t>
+              <a:t>2023-03-24</a:t>
             </a:fld>
             <a:endParaRPr lang="ko-KR" altLang="en-US"/>
           </a:p>
@@ -5444,7 +5614,7 @@
           <a:p>
             <a:fld id="{178ADFAC-D890-497A-A497-2A400DD02E74}" type="datetimeFigureOut">
               <a:rPr lang="ko-KR" altLang="en-US" smtClean="0"/>
-              <a:t>2023-03-23</a:t>
+              <a:t>2023-03-24</a:t>
             </a:fld>
             <a:endParaRPr lang="ko-KR" altLang="en-US"/>
           </a:p>
@@ -5701,7 +5871,7 @@
           <a:p>
             <a:fld id="{178ADFAC-D890-497A-A497-2A400DD02E74}" type="datetimeFigureOut">
               <a:rPr lang="ko-KR" altLang="en-US" smtClean="0"/>
-              <a:t>2023-03-23</a:t>
+              <a:t>2023-03-24</a:t>
             </a:fld>
             <a:endParaRPr lang="ko-KR" altLang="en-US"/>
           </a:p>
@@ -5914,7 +6084,7 @@
           <a:p>
             <a:fld id="{178ADFAC-D890-497A-A497-2A400DD02E74}" type="datetimeFigureOut">
               <a:rPr lang="ko-KR" altLang="en-US" smtClean="0"/>
-              <a:t>2023-03-23</a:t>
+              <a:t>2023-03-24</a:t>
             </a:fld>
             <a:endParaRPr lang="ko-KR" altLang="en-US"/>
           </a:p>
@@ -21306,6 +21476,720 @@
 </p:sld>
 </file>
 
+<file path=ppt/slides/slide35.xml><?xml version="1.0" encoding="utf-8"?>
+<p:sld xmlns:a="http://schemas.openxmlformats.org/drawingml/2006/main" xmlns:r="http://schemas.openxmlformats.org/officeDocument/2006/relationships" xmlns:p="http://schemas.openxmlformats.org/presentationml/2006/main">
+  <p:cSld>
+    <p:spTree>
+      <p:nvGrpSpPr>
+        <p:cNvPr id="1" name=""/>
+        <p:cNvGrpSpPr/>
+        <p:nvPr/>
+      </p:nvGrpSpPr>
+      <p:grpSpPr>
+        <a:xfrm>
+          <a:off x="0" y="0"/>
+          <a:ext cx="0" cy="0"/>
+          <a:chOff x="0" y="0"/>
+          <a:chExt cx="0" cy="0"/>
+        </a:xfrm>
+      </p:grpSpPr>
+      <p:cxnSp>
+        <p:nvCxnSpPr>
+          <p:cNvPr id="36" name="직선 연결선 35"/>
+          <p:cNvCxnSpPr/>
+          <p:nvPr/>
+        </p:nvCxnSpPr>
+        <p:spPr>
+          <a:xfrm>
+            <a:off x="361950" y="857250"/>
+            <a:ext cx="5391150" cy="0"/>
+          </a:xfrm>
+          <a:prstGeom prst="line">
+            <a:avLst/>
+          </a:prstGeom>
+          <a:ln w="38100">
+            <a:solidFill>
+              <a:schemeClr val="accent2">
+                <a:alpha val="60000"/>
+              </a:schemeClr>
+            </a:solidFill>
+          </a:ln>
+        </p:spPr>
+        <p:style>
+          <a:lnRef idx="1">
+            <a:schemeClr val="accent1"/>
+          </a:lnRef>
+          <a:fillRef idx="0">
+            <a:schemeClr val="accent1"/>
+          </a:fillRef>
+          <a:effectRef idx="0">
+            <a:schemeClr val="accent1"/>
+          </a:effectRef>
+          <a:fontRef idx="minor">
+            <a:schemeClr val="tx1"/>
+          </a:fontRef>
+        </p:style>
+      </p:cxnSp>
+      <p:cxnSp>
+        <p:nvCxnSpPr>
+          <p:cNvPr id="37" name="직선 연결선 36"/>
+          <p:cNvCxnSpPr/>
+          <p:nvPr/>
+        </p:nvCxnSpPr>
+        <p:spPr>
+          <a:xfrm>
+            <a:off x="3257550" y="933450"/>
+            <a:ext cx="5391150" cy="0"/>
+          </a:xfrm>
+          <a:prstGeom prst="line">
+            <a:avLst/>
+          </a:prstGeom>
+          <a:ln w="38100">
+            <a:solidFill>
+              <a:schemeClr val="accent6">
+                <a:alpha val="60000"/>
+              </a:schemeClr>
+            </a:solidFill>
+          </a:ln>
+        </p:spPr>
+        <p:style>
+          <a:lnRef idx="1">
+            <a:schemeClr val="accent1"/>
+          </a:lnRef>
+          <a:fillRef idx="0">
+            <a:schemeClr val="accent1"/>
+          </a:fillRef>
+          <a:effectRef idx="0">
+            <a:schemeClr val="accent1"/>
+          </a:effectRef>
+          <a:fontRef idx="minor">
+            <a:schemeClr val="tx1"/>
+          </a:fontRef>
+        </p:style>
+      </p:cxnSp>
+      <p:sp>
+        <p:nvSpPr>
+          <p:cNvPr id="10" name="직사각형 9">
+            <a:extLst>
+              <a:ext uri="{FF2B5EF4-FFF2-40B4-BE49-F238E27FC236}">
+                <a16:creationId xmlns:a16="http://schemas.microsoft.com/office/drawing/2014/main" id="{9DC7D8DF-F1AC-5E24-6D05-87B8D3343A78}"/>
+              </a:ext>
+            </a:extLst>
+          </p:cNvPr>
+          <p:cNvSpPr/>
+          <p:nvPr/>
+        </p:nvSpPr>
+        <p:spPr>
+          <a:xfrm>
+            <a:off x="328769" y="1139130"/>
+            <a:ext cx="8544321" cy="4841262"/>
+          </a:xfrm>
+          <a:prstGeom prst="rect">
+            <a:avLst/>
+          </a:prstGeom>
+        </p:spPr>
+        <p:txBody>
+          <a:bodyPr wrap="square">
+            <a:spAutoFit/>
+          </a:bodyPr>
+          <a:lstStyle/>
+          <a:p>
+            <a:pPr marL="284400" indent="-284400">
+              <a:lnSpc>
+                <a:spcPct val="150000"/>
+              </a:lnSpc>
+              <a:buFont typeface="Arial" panose="020B0604020202020204" pitchFamily="34" charset="0"/>
+              <a:buChar char="•"/>
+            </a:pPr>
+            <a:r>
+              <a:rPr lang="en-US" altLang="ko-KR" sz="2400" dirty="0">
+                <a:solidFill>
+                  <a:srgbClr val="222222"/>
+                </a:solidFill>
+                <a:latin typeface="Arial Narrow" panose="020B0606020202030204" pitchFamily="34" charset="0"/>
+              </a:rPr>
+              <a:t>Word Embedding Visualization</a:t>
+            </a:r>
+          </a:p>
+          <a:p>
+            <a:pPr marL="741600" lvl="1" indent="-284400">
+              <a:lnSpc>
+                <a:spcPct val="150000"/>
+              </a:lnSpc>
+              <a:buFont typeface="Arial" panose="020B0604020202020204" pitchFamily="34" charset="0"/>
+              <a:buChar char="•"/>
+            </a:pPr>
+            <a:r>
+              <a:rPr lang="en-US" altLang="ko-KR" sz="2000" dirty="0">
+                <a:solidFill>
+                  <a:srgbClr val="222222"/>
+                </a:solidFill>
+                <a:latin typeface="Arial Narrow" panose="020B0606020202030204" pitchFamily="34" charset="0"/>
+              </a:rPr>
+              <a:t>Introduction to UMAP for Word Embedding Visualization</a:t>
+            </a:r>
+          </a:p>
+          <a:p>
+            <a:pPr marL="1257300" lvl="2" indent="-342900">
+              <a:lnSpc>
+                <a:spcPct val="150000"/>
+              </a:lnSpc>
+              <a:buFont typeface="Arial" panose="020B0604020202020204" pitchFamily="34" charset="0"/>
+              <a:buChar char="•"/>
+            </a:pPr>
+            <a:r>
+              <a:rPr lang="en-US" altLang="ko-KR" dirty="0">
+                <a:latin typeface="Arial Narrow" panose="020B0606020202030204" pitchFamily="34" charset="0"/>
+              </a:rPr>
+              <a:t>UMAP is a non-linear dimensionality reduction technique</a:t>
+            </a:r>
+          </a:p>
+          <a:p>
+            <a:pPr marL="1257300" lvl="2" indent="-342900">
+              <a:lnSpc>
+                <a:spcPct val="150000"/>
+              </a:lnSpc>
+              <a:buFont typeface="Arial" panose="020B0604020202020204" pitchFamily="34" charset="0"/>
+              <a:buChar char="•"/>
+            </a:pPr>
+            <a:r>
+              <a:rPr lang="en-US" altLang="ko-KR" dirty="0">
+                <a:latin typeface="Arial Narrow" panose="020B0606020202030204" pitchFamily="34" charset="0"/>
+              </a:rPr>
+              <a:t>It preserves both local and global structure of the high-dimensional data</a:t>
+            </a:r>
+          </a:p>
+          <a:p>
+            <a:pPr marL="1257300" lvl="2" indent="-342900">
+              <a:lnSpc>
+                <a:spcPct val="150000"/>
+              </a:lnSpc>
+              <a:buFont typeface="Arial" panose="020B0604020202020204" pitchFamily="34" charset="0"/>
+              <a:buChar char="•"/>
+            </a:pPr>
+            <a:r>
+              <a:rPr lang="en-US" altLang="ko-KR" dirty="0">
+                <a:latin typeface="Arial Narrow" panose="020B0606020202030204" pitchFamily="34" charset="0"/>
+              </a:rPr>
+              <a:t>Suitable for visualizing complex data structures, such as word embeddings.</a:t>
+            </a:r>
+          </a:p>
+          <a:p>
+            <a:pPr marL="1257300" lvl="2" indent="-342900">
+              <a:lnSpc>
+                <a:spcPct val="150000"/>
+              </a:lnSpc>
+              <a:buFont typeface="Arial" panose="020B0604020202020204" pitchFamily="34" charset="0"/>
+              <a:buChar char="•"/>
+            </a:pPr>
+            <a:endParaRPr lang="en-US" altLang="ko-KR" dirty="0">
+              <a:latin typeface="Arial Narrow" panose="020B0606020202030204" pitchFamily="34" charset="0"/>
+            </a:endParaRPr>
+          </a:p>
+          <a:p>
+            <a:pPr marL="800100" lvl="1" indent="-342900">
+              <a:lnSpc>
+                <a:spcPct val="150000"/>
+              </a:lnSpc>
+              <a:buFont typeface="Arial" panose="020B0604020202020204" pitchFamily="34" charset="0"/>
+              <a:buChar char="•"/>
+            </a:pPr>
+            <a:r>
+              <a:rPr lang="en-US" altLang="ko-KR" sz="2000" dirty="0">
+                <a:latin typeface="Arial Narrow" panose="020B0606020202030204" pitchFamily="34" charset="0"/>
+              </a:rPr>
+              <a:t>Why use UMAP for word embeddings?</a:t>
+            </a:r>
+            <a:endParaRPr lang="en-US" altLang="ko-KR" dirty="0">
+              <a:latin typeface="Arial Narrow" panose="020B0606020202030204" pitchFamily="34" charset="0"/>
+            </a:endParaRPr>
+          </a:p>
+          <a:p>
+            <a:pPr marL="1257300" lvl="2" indent="-342900">
+              <a:lnSpc>
+                <a:spcPct val="150000"/>
+              </a:lnSpc>
+              <a:buFont typeface="Arial" panose="020B0604020202020204" pitchFamily="34" charset="0"/>
+              <a:buChar char="•"/>
+            </a:pPr>
+            <a:r>
+              <a:rPr lang="en-US" altLang="ko-KR" dirty="0">
+                <a:latin typeface="Arial Narrow" panose="020B0606020202030204" pitchFamily="34" charset="0"/>
+              </a:rPr>
+              <a:t>Word embeddings can have high dimensionality (e.g., 100, or more dimensions)</a:t>
+            </a:r>
+          </a:p>
+          <a:p>
+            <a:pPr marL="1257300" lvl="2" indent="-342900">
+              <a:lnSpc>
+                <a:spcPct val="150000"/>
+              </a:lnSpc>
+              <a:buFont typeface="Arial" panose="020B0604020202020204" pitchFamily="34" charset="0"/>
+              <a:buChar char="•"/>
+            </a:pPr>
+            <a:r>
+              <a:rPr lang="en-US" altLang="ko-KR" dirty="0">
+                <a:latin typeface="Arial Narrow" panose="020B0606020202030204" pitchFamily="34" charset="0"/>
+              </a:rPr>
+              <a:t>Visualizing high-dimensional data is challenging</a:t>
+            </a:r>
+          </a:p>
+          <a:p>
+            <a:pPr marL="1257300" lvl="2" indent="-342900">
+              <a:lnSpc>
+                <a:spcPct val="150000"/>
+              </a:lnSpc>
+              <a:buFont typeface="Arial" panose="020B0604020202020204" pitchFamily="34" charset="0"/>
+              <a:buChar char="•"/>
+            </a:pPr>
+            <a:r>
+              <a:rPr lang="en-US" altLang="ko-KR" dirty="0">
+                <a:latin typeface="Arial Narrow" panose="020B0606020202030204" pitchFamily="34" charset="0"/>
+              </a:rPr>
+              <a:t>UMAP helps to project high-dimensional data onto a 2D or 3D space, which is easier to visualize and interpret</a:t>
+            </a:r>
+          </a:p>
+        </p:txBody>
+      </p:sp>
+      <p:sp>
+        <p:nvSpPr>
+          <p:cNvPr id="6" name="직사각형 5">
+            <a:extLst>
+              <a:ext uri="{FF2B5EF4-FFF2-40B4-BE49-F238E27FC236}">
+                <a16:creationId xmlns:a16="http://schemas.microsoft.com/office/drawing/2014/main" id="{6AE458C1-6B85-ECDF-7351-770B57E86129}"/>
+              </a:ext>
+            </a:extLst>
+          </p:cNvPr>
+          <p:cNvSpPr/>
+          <p:nvPr/>
+        </p:nvSpPr>
+        <p:spPr>
+          <a:xfrm>
+            <a:off x="299839" y="70603"/>
+            <a:ext cx="8544322" cy="657168"/>
+          </a:xfrm>
+          <a:prstGeom prst="rect">
+            <a:avLst/>
+          </a:prstGeom>
+        </p:spPr>
+        <p:txBody>
+          <a:bodyPr wrap="square">
+            <a:spAutoFit/>
+          </a:bodyPr>
+          <a:lstStyle/>
+          <a:p>
+            <a:pPr>
+              <a:lnSpc>
+                <a:spcPct val="150000"/>
+              </a:lnSpc>
+            </a:pPr>
+            <a:r>
+              <a:rPr lang="en-US" altLang="ko-KR" sz="2800" dirty="0">
+                <a:solidFill>
+                  <a:srgbClr val="222222"/>
+                </a:solidFill>
+                <a:latin typeface="Arial Narrow" panose="020B0606020202030204" pitchFamily="34" charset="0"/>
+              </a:rPr>
+              <a:t>Introduction to natural language processing</a:t>
+            </a:r>
+            <a:endParaRPr lang="en-US" altLang="ko-KR" sz="2800" dirty="0">
+              <a:latin typeface="Arial Narrow" panose="020B0606020202030204" pitchFamily="34" charset="0"/>
+              <a:cs typeface="Times New Roman" panose="02020603050405020304" pitchFamily="18" charset="0"/>
+            </a:endParaRPr>
+          </a:p>
+        </p:txBody>
+      </p:sp>
+    </p:spTree>
+    <p:extLst>
+      <p:ext uri="{BB962C8B-B14F-4D97-AF65-F5344CB8AC3E}">
+        <p14:creationId xmlns:p14="http://schemas.microsoft.com/office/powerpoint/2010/main" val="509283802"/>
+      </p:ext>
+    </p:extLst>
+  </p:cSld>
+  <p:clrMapOvr>
+    <a:masterClrMapping/>
+  </p:clrMapOvr>
+</p:sld>
+</file>
+
+<file path=ppt/slides/slide36.xml><?xml version="1.0" encoding="utf-8"?>
+<p:sld xmlns:a="http://schemas.openxmlformats.org/drawingml/2006/main" xmlns:r="http://schemas.openxmlformats.org/officeDocument/2006/relationships" xmlns:p="http://schemas.openxmlformats.org/presentationml/2006/main">
+  <p:cSld>
+    <p:spTree>
+      <p:nvGrpSpPr>
+        <p:cNvPr id="1" name=""/>
+        <p:cNvGrpSpPr/>
+        <p:nvPr/>
+      </p:nvGrpSpPr>
+      <p:grpSpPr>
+        <a:xfrm>
+          <a:off x="0" y="0"/>
+          <a:ext cx="0" cy="0"/>
+          <a:chOff x="0" y="0"/>
+          <a:chExt cx="0" cy="0"/>
+        </a:xfrm>
+      </p:grpSpPr>
+      <p:cxnSp>
+        <p:nvCxnSpPr>
+          <p:cNvPr id="36" name="직선 연결선 35"/>
+          <p:cNvCxnSpPr/>
+          <p:nvPr/>
+        </p:nvCxnSpPr>
+        <p:spPr>
+          <a:xfrm>
+            <a:off x="361950" y="857250"/>
+            <a:ext cx="5391150" cy="0"/>
+          </a:xfrm>
+          <a:prstGeom prst="line">
+            <a:avLst/>
+          </a:prstGeom>
+          <a:ln w="38100">
+            <a:solidFill>
+              <a:schemeClr val="accent2">
+                <a:alpha val="60000"/>
+              </a:schemeClr>
+            </a:solidFill>
+          </a:ln>
+        </p:spPr>
+        <p:style>
+          <a:lnRef idx="1">
+            <a:schemeClr val="accent1"/>
+          </a:lnRef>
+          <a:fillRef idx="0">
+            <a:schemeClr val="accent1"/>
+          </a:fillRef>
+          <a:effectRef idx="0">
+            <a:schemeClr val="accent1"/>
+          </a:effectRef>
+          <a:fontRef idx="minor">
+            <a:schemeClr val="tx1"/>
+          </a:fontRef>
+        </p:style>
+      </p:cxnSp>
+      <p:cxnSp>
+        <p:nvCxnSpPr>
+          <p:cNvPr id="37" name="직선 연결선 36"/>
+          <p:cNvCxnSpPr/>
+          <p:nvPr/>
+        </p:nvCxnSpPr>
+        <p:spPr>
+          <a:xfrm>
+            <a:off x="3257550" y="933450"/>
+            <a:ext cx="5391150" cy="0"/>
+          </a:xfrm>
+          <a:prstGeom prst="line">
+            <a:avLst/>
+          </a:prstGeom>
+          <a:ln w="38100">
+            <a:solidFill>
+              <a:schemeClr val="accent6">
+                <a:alpha val="60000"/>
+              </a:schemeClr>
+            </a:solidFill>
+          </a:ln>
+        </p:spPr>
+        <p:style>
+          <a:lnRef idx="1">
+            <a:schemeClr val="accent1"/>
+          </a:lnRef>
+          <a:fillRef idx="0">
+            <a:schemeClr val="accent1"/>
+          </a:fillRef>
+          <a:effectRef idx="0">
+            <a:schemeClr val="accent1"/>
+          </a:effectRef>
+          <a:fontRef idx="minor">
+            <a:schemeClr val="tx1"/>
+          </a:fontRef>
+        </p:style>
+      </p:cxnSp>
+      <p:sp>
+        <p:nvSpPr>
+          <p:cNvPr id="10" name="직사각형 9">
+            <a:extLst>
+              <a:ext uri="{FF2B5EF4-FFF2-40B4-BE49-F238E27FC236}">
+                <a16:creationId xmlns:a16="http://schemas.microsoft.com/office/drawing/2014/main" id="{9DC7D8DF-F1AC-5E24-6D05-87B8D3343A78}"/>
+              </a:ext>
+            </a:extLst>
+          </p:cNvPr>
+          <p:cNvSpPr/>
+          <p:nvPr/>
+        </p:nvSpPr>
+        <p:spPr>
+          <a:xfrm>
+            <a:off x="328769" y="1139130"/>
+            <a:ext cx="8544321" cy="5308697"/>
+          </a:xfrm>
+          <a:prstGeom prst="rect">
+            <a:avLst/>
+          </a:prstGeom>
+        </p:spPr>
+        <p:txBody>
+          <a:bodyPr wrap="square">
+            <a:spAutoFit/>
+          </a:bodyPr>
+          <a:lstStyle/>
+          <a:p>
+            <a:pPr marL="284400" indent="-284400">
+              <a:lnSpc>
+                <a:spcPct val="150000"/>
+              </a:lnSpc>
+              <a:buFont typeface="Arial" panose="020B0604020202020204" pitchFamily="34" charset="0"/>
+              <a:buChar char="•"/>
+            </a:pPr>
+            <a:r>
+              <a:rPr lang="en-US" altLang="ko-KR" sz="2400" dirty="0">
+                <a:solidFill>
+                  <a:srgbClr val="222222"/>
+                </a:solidFill>
+                <a:latin typeface="Arial Narrow" panose="020B0606020202030204" pitchFamily="34" charset="0"/>
+              </a:rPr>
+              <a:t>Word Embedding Visualization</a:t>
+            </a:r>
+          </a:p>
+          <a:p>
+            <a:pPr marL="741600" lvl="1" indent="-284400">
+              <a:lnSpc>
+                <a:spcPct val="150000"/>
+              </a:lnSpc>
+              <a:buFont typeface="Arial" panose="020B0604020202020204" pitchFamily="34" charset="0"/>
+              <a:buChar char="•"/>
+            </a:pPr>
+            <a:r>
+              <a:rPr lang="en-US" altLang="ko-KR" sz="2000" dirty="0">
+                <a:solidFill>
+                  <a:srgbClr val="222222"/>
+                </a:solidFill>
+                <a:latin typeface="Arial Narrow" panose="020B0606020202030204" pitchFamily="34" charset="0"/>
+              </a:rPr>
+              <a:t>Steps of Word Embedding Visualization</a:t>
+            </a:r>
+          </a:p>
+          <a:p>
+            <a:pPr marL="1257300" lvl="2" indent="-342900">
+              <a:lnSpc>
+                <a:spcPct val="150000"/>
+              </a:lnSpc>
+              <a:buFont typeface="+mj-lt"/>
+              <a:buAutoNum type="arabicPeriod"/>
+            </a:pPr>
+            <a:r>
+              <a:rPr lang="en-US" altLang="ko-KR" dirty="0">
+                <a:latin typeface="Arial Narrow" panose="020B0606020202030204" pitchFamily="34" charset="0"/>
+              </a:rPr>
+              <a:t>Obtain word embeddings</a:t>
+            </a:r>
+          </a:p>
+          <a:p>
+            <a:pPr marL="1714500" lvl="3" indent="-342900">
+              <a:lnSpc>
+                <a:spcPct val="150000"/>
+              </a:lnSpc>
+              <a:buFont typeface="Arial" panose="020B0604020202020204" pitchFamily="34" charset="0"/>
+              <a:buChar char="•"/>
+            </a:pPr>
+            <a:r>
+              <a:rPr lang="en-US" altLang="ko-KR" sz="1600" dirty="0">
+                <a:latin typeface="Arial Narrow" panose="020B0606020202030204" pitchFamily="34" charset="0"/>
+              </a:rPr>
+              <a:t>Train a model with an embedding layer</a:t>
+            </a:r>
+          </a:p>
+          <a:p>
+            <a:pPr marL="1714500" lvl="3" indent="-342900">
+              <a:lnSpc>
+                <a:spcPct val="150000"/>
+              </a:lnSpc>
+              <a:buFont typeface="Arial" panose="020B0604020202020204" pitchFamily="34" charset="0"/>
+              <a:buChar char="•"/>
+            </a:pPr>
+            <a:r>
+              <a:rPr lang="en-US" altLang="ko-KR" sz="1600" dirty="0">
+                <a:latin typeface="Arial Narrow" panose="020B0606020202030204" pitchFamily="34" charset="0"/>
+              </a:rPr>
+              <a:t>Extract the embedding matrix (word vectors) from the trained model</a:t>
+            </a:r>
+          </a:p>
+          <a:p>
+            <a:pPr marL="1714500" lvl="3" indent="-342900">
+              <a:lnSpc>
+                <a:spcPct val="150000"/>
+              </a:lnSpc>
+              <a:buFont typeface="Arial" panose="020B0604020202020204" pitchFamily="34" charset="0"/>
+              <a:buChar char="•"/>
+            </a:pPr>
+            <a:endParaRPr lang="en-US" altLang="ko-KR" sz="1600" dirty="0">
+              <a:latin typeface="Arial Narrow" panose="020B0606020202030204" pitchFamily="34" charset="0"/>
+            </a:endParaRPr>
+          </a:p>
+          <a:p>
+            <a:pPr marL="1257300" lvl="2" indent="-342900">
+              <a:lnSpc>
+                <a:spcPct val="150000"/>
+              </a:lnSpc>
+              <a:buFont typeface="+mj-lt"/>
+              <a:buAutoNum type="arabicPeriod"/>
+            </a:pPr>
+            <a:r>
+              <a:rPr lang="en-US" altLang="ko-KR" dirty="0">
+                <a:latin typeface="Arial Narrow" panose="020B0606020202030204" pitchFamily="34" charset="0"/>
+              </a:rPr>
+              <a:t>Apply UMAP for dimensionality reduction</a:t>
+            </a:r>
+          </a:p>
+          <a:p>
+            <a:pPr marL="1714500" lvl="3" indent="-342900">
+              <a:lnSpc>
+                <a:spcPct val="150000"/>
+              </a:lnSpc>
+              <a:buFont typeface="Arial" panose="020B0604020202020204" pitchFamily="34" charset="0"/>
+              <a:buChar char="•"/>
+            </a:pPr>
+            <a:r>
+              <a:rPr lang="en-US" altLang="ko-KR" sz="1600" dirty="0">
+                <a:latin typeface="Arial Narrow" panose="020B0606020202030204" pitchFamily="34" charset="0"/>
+              </a:rPr>
+              <a:t>Create a UMAP reducer with desired parameters </a:t>
+            </a:r>
+          </a:p>
+          <a:p>
+            <a:pPr marL="1714500" lvl="3" indent="-342900">
+              <a:lnSpc>
+                <a:spcPct val="150000"/>
+              </a:lnSpc>
+              <a:buFont typeface="Arial" panose="020B0604020202020204" pitchFamily="34" charset="0"/>
+              <a:buChar char="•"/>
+            </a:pPr>
+            <a:r>
+              <a:rPr lang="en-US" altLang="ko-KR" sz="1600" dirty="0">
+                <a:latin typeface="Arial Narrow" panose="020B0606020202030204" pitchFamily="34" charset="0"/>
+              </a:rPr>
+              <a:t>Fit the reducer to the embedding matrix and transform it into a lower-dimensional space </a:t>
+            </a:r>
+            <a:endParaRPr lang="en-US" altLang="ko-KR" dirty="0">
+              <a:latin typeface="Arial Narrow" panose="020B0606020202030204" pitchFamily="34" charset="0"/>
+            </a:endParaRPr>
+          </a:p>
+          <a:p>
+            <a:pPr marL="1257300" lvl="2" indent="-342900">
+              <a:lnSpc>
+                <a:spcPct val="150000"/>
+              </a:lnSpc>
+              <a:buFont typeface="+mj-lt"/>
+              <a:buAutoNum type="arabicPeriod"/>
+            </a:pPr>
+            <a:endParaRPr lang="en-US" altLang="ko-KR" dirty="0">
+              <a:latin typeface="Arial Narrow" panose="020B0606020202030204" pitchFamily="34" charset="0"/>
+            </a:endParaRPr>
+          </a:p>
+          <a:p>
+            <a:pPr marL="1257300" lvl="2" indent="-342900">
+              <a:lnSpc>
+                <a:spcPct val="150000"/>
+              </a:lnSpc>
+              <a:buFont typeface="+mj-lt"/>
+              <a:buAutoNum type="arabicPeriod"/>
+            </a:pPr>
+            <a:r>
+              <a:rPr lang="en-US" altLang="ko-KR" dirty="0">
+                <a:latin typeface="Arial Narrow" panose="020B0606020202030204" pitchFamily="34" charset="0"/>
+              </a:rPr>
+              <a:t>Visualize the reduced embeddings</a:t>
+            </a:r>
+          </a:p>
+          <a:p>
+            <a:pPr marL="1714500" lvl="3" indent="-342900">
+              <a:lnSpc>
+                <a:spcPct val="150000"/>
+              </a:lnSpc>
+              <a:buFont typeface="Arial" panose="020B0604020202020204" pitchFamily="34" charset="0"/>
+              <a:buChar char="•"/>
+            </a:pPr>
+            <a:r>
+              <a:rPr lang="en-US" altLang="ko-KR" sz="1600" dirty="0">
+                <a:latin typeface="Arial Narrow" panose="020B0606020202030204" pitchFamily="34" charset="0"/>
+              </a:rPr>
+              <a:t>Use a visualization library to create a scatter plot of the 2D embeddings</a:t>
+            </a:r>
+          </a:p>
+          <a:p>
+            <a:pPr marL="1714500" lvl="3" indent="-342900">
+              <a:lnSpc>
+                <a:spcPct val="150000"/>
+              </a:lnSpc>
+              <a:buFont typeface="Arial" panose="020B0604020202020204" pitchFamily="34" charset="0"/>
+              <a:buChar char="•"/>
+            </a:pPr>
+            <a:r>
+              <a:rPr lang="en-US" altLang="ko-KR" sz="1600" dirty="0">
+                <a:latin typeface="Arial Narrow" panose="020B0606020202030204" pitchFamily="34" charset="0"/>
+              </a:rPr>
+              <a:t>Interpret the plot to identify clusters, relationships, and patterns between words</a:t>
+            </a:r>
+          </a:p>
+        </p:txBody>
+      </p:sp>
+      <p:sp>
+        <p:nvSpPr>
+          <p:cNvPr id="6" name="직사각형 5">
+            <a:extLst>
+              <a:ext uri="{FF2B5EF4-FFF2-40B4-BE49-F238E27FC236}">
+                <a16:creationId xmlns:a16="http://schemas.microsoft.com/office/drawing/2014/main" id="{6AE458C1-6B85-ECDF-7351-770B57E86129}"/>
+              </a:ext>
+            </a:extLst>
+          </p:cNvPr>
+          <p:cNvSpPr/>
+          <p:nvPr/>
+        </p:nvSpPr>
+        <p:spPr>
+          <a:xfrm>
+            <a:off x="299839" y="70603"/>
+            <a:ext cx="8544322" cy="657168"/>
+          </a:xfrm>
+          <a:prstGeom prst="rect">
+            <a:avLst/>
+          </a:prstGeom>
+        </p:spPr>
+        <p:txBody>
+          <a:bodyPr wrap="square">
+            <a:spAutoFit/>
+          </a:bodyPr>
+          <a:lstStyle/>
+          <a:p>
+            <a:pPr>
+              <a:lnSpc>
+                <a:spcPct val="150000"/>
+              </a:lnSpc>
+            </a:pPr>
+            <a:r>
+              <a:rPr lang="en-US" altLang="ko-KR" sz="2800" dirty="0">
+                <a:solidFill>
+                  <a:srgbClr val="222222"/>
+                </a:solidFill>
+                <a:latin typeface="Arial Narrow" panose="020B0606020202030204" pitchFamily="34" charset="0"/>
+              </a:rPr>
+              <a:t>Introduction to natural language processing</a:t>
+            </a:r>
+            <a:endParaRPr lang="en-US" altLang="ko-KR" sz="2800" dirty="0">
+              <a:latin typeface="Arial Narrow" panose="020B0606020202030204" pitchFamily="34" charset="0"/>
+              <a:cs typeface="Times New Roman" panose="02020603050405020304" pitchFamily="18" charset="0"/>
+            </a:endParaRPr>
+          </a:p>
+        </p:txBody>
+      </p:sp>
+    </p:spTree>
+    <p:extLst>
+      <p:ext uri="{BB962C8B-B14F-4D97-AF65-F5344CB8AC3E}">
+        <p14:creationId xmlns:p14="http://schemas.microsoft.com/office/powerpoint/2010/main" val="3682561038"/>
+      </p:ext>
+    </p:extLst>
+  </p:cSld>
+  <p:clrMapOvr>
+    <a:masterClrMapping/>
+  </p:clrMapOvr>
+</p:sld>
+</file>
+
 <file path=ppt/slides/slide4.xml><?xml version="1.0" encoding="utf-8"?>
 <p:sld xmlns:a="http://schemas.openxmlformats.org/drawingml/2006/main" xmlns:r="http://schemas.openxmlformats.org/officeDocument/2006/relationships" xmlns:p="http://schemas.openxmlformats.org/presentationml/2006/main">
   <p:cSld>

--- a/Week14/week14 natural language processing.pptx
+++ b/Week14/week14 natural language processing.pptx
@@ -5,10 +5,10 @@
     <p:sldMasterId id="2147483660" r:id="rId1"/>
   </p:sldMasterIdLst>
   <p:notesMasterIdLst>
-    <p:notesMasterId r:id="rId38"/>
+    <p:notesMasterId r:id="rId39"/>
   </p:notesMasterIdLst>
   <p:handoutMasterIdLst>
-    <p:handoutMasterId r:id="rId39"/>
+    <p:handoutMasterId r:id="rId40"/>
   </p:handoutMasterIdLst>
   <p:sldIdLst>
     <p:sldId id="265" r:id="rId2"/>
@@ -47,6 +47,7 @@
     <p:sldId id="759" r:id="rId35"/>
     <p:sldId id="794" r:id="rId36"/>
     <p:sldId id="795" r:id="rId37"/>
+    <p:sldId id="796" r:id="rId38"/>
   </p:sldIdLst>
   <p:sldSz cx="9144000" cy="6858000" type="screen4x3"/>
   <p:notesSz cx="6797675" cy="9874250"/>
@@ -3117,6 +3118,90 @@
     <p:extLst>
       <p:ext uri="{BB962C8B-B14F-4D97-AF65-F5344CB8AC3E}">
         <p14:creationId xmlns:p14="http://schemas.microsoft.com/office/powerpoint/2010/main" val="3333772400"/>
+      </p:ext>
+    </p:extLst>
+  </p:cSld>
+  <p:clrMapOvr>
+    <a:masterClrMapping/>
+  </p:clrMapOvr>
+</p:notes>
+</file>
+
+<file path=ppt/notesSlides/notesSlide36.xml><?xml version="1.0" encoding="utf-8"?>
+<p:notes xmlns:a="http://schemas.openxmlformats.org/drawingml/2006/main" xmlns:r="http://schemas.openxmlformats.org/officeDocument/2006/relationships" xmlns:p="http://schemas.openxmlformats.org/presentationml/2006/main">
+  <p:cSld>
+    <p:spTree>
+      <p:nvGrpSpPr>
+        <p:cNvPr id="1" name=""/>
+        <p:cNvGrpSpPr/>
+        <p:nvPr/>
+      </p:nvGrpSpPr>
+      <p:grpSpPr>
+        <a:xfrm>
+          <a:off x="0" y="0"/>
+          <a:ext cx="0" cy="0"/>
+          <a:chOff x="0" y="0"/>
+          <a:chExt cx="0" cy="0"/>
+        </a:xfrm>
+      </p:grpSpPr>
+      <p:sp>
+        <p:nvSpPr>
+          <p:cNvPr id="2" name="슬라이드 이미지 개체 틀 1"/>
+          <p:cNvSpPr>
+            <a:spLocks noGrp="1" noRot="1" noChangeAspect="1"/>
+          </p:cNvSpPr>
+          <p:nvPr>
+            <p:ph type="sldImg"/>
+          </p:nvPr>
+        </p:nvSpPr>
+        <p:spPr/>
+      </p:sp>
+      <p:sp>
+        <p:nvSpPr>
+          <p:cNvPr id="3" name="슬라이드 노트 개체 틀 2"/>
+          <p:cNvSpPr>
+            <a:spLocks noGrp="1"/>
+          </p:cNvSpPr>
+          <p:nvPr>
+            <p:ph type="body" idx="1"/>
+          </p:nvPr>
+        </p:nvSpPr>
+        <p:spPr/>
+        <p:txBody>
+          <a:bodyPr/>
+          <a:lstStyle/>
+          <a:p>
+            <a:endParaRPr lang="ko-KR" altLang="en-US" dirty="0"/>
+          </a:p>
+        </p:txBody>
+      </p:sp>
+      <p:sp>
+        <p:nvSpPr>
+          <p:cNvPr id="4" name="슬라이드 번호 개체 틀 3"/>
+          <p:cNvSpPr>
+            <a:spLocks noGrp="1"/>
+          </p:cNvSpPr>
+          <p:nvPr>
+            <p:ph type="sldNum" sz="quarter" idx="10"/>
+          </p:nvPr>
+        </p:nvSpPr>
+        <p:spPr/>
+        <p:txBody>
+          <a:bodyPr/>
+          <a:lstStyle/>
+          <a:p>
+            <a:fld id="{AE7DD7B4-6F0D-4FE3-8660-A7DE31D2AD67}" type="slidenum">
+              <a:rPr lang="ko-KR" altLang="en-US" smtClean="0"/>
+              <a:t>37</a:t>
+            </a:fld>
+            <a:endParaRPr lang="ko-KR" altLang="en-US"/>
+          </a:p>
+        </p:txBody>
+      </p:sp>
+    </p:spTree>
+    <p:extLst>
+      <p:ext uri="{BB962C8B-B14F-4D97-AF65-F5344CB8AC3E}">
+        <p14:creationId xmlns:p14="http://schemas.microsoft.com/office/powerpoint/2010/main" val="2742587249"/>
       </p:ext>
     </p:extLst>
   </p:cSld>
@@ -17401,7 +17486,7 @@
                 </a:solidFill>
                 <a:latin typeface="Arial Narrow" panose="020B0606020202030204" pitchFamily="34" charset="0"/>
               </a:rPr>
-              <a:t>Word embedding with </a:t>
+              <a:t>Word Embedding with </a:t>
             </a:r>
             <a:r>
               <a:rPr lang="en-US" altLang="ko-KR" sz="2400" dirty="0" err="1">
@@ -18207,7 +18292,7 @@
                 </a:solidFill>
                 <a:latin typeface="Arial Narrow" panose="020B0606020202030204" pitchFamily="34" charset="0"/>
               </a:rPr>
-              <a:t>Word embedding with </a:t>
+              <a:t>Word Embedding with </a:t>
             </a:r>
             <a:r>
               <a:rPr lang="en-US" altLang="ko-KR" sz="2400" dirty="0" err="1">
@@ -18688,7 +18773,7 @@
                 </a:solidFill>
                 <a:latin typeface="Arial Narrow" panose="020B0606020202030204" pitchFamily="34" charset="0"/>
               </a:rPr>
-              <a:t>Understanding the mechanism of word embedding with </a:t>
+              <a:t>Understanding the Mechanism of Word Embedding with </a:t>
             </a:r>
             <a:r>
               <a:rPr lang="en-US" altLang="ko-KR" sz="2400" dirty="0" err="1">
@@ -18954,7 +19039,7 @@
                 </a:solidFill>
                 <a:latin typeface="Arial Narrow" panose="020B0606020202030204" pitchFamily="34" charset="0"/>
               </a:rPr>
-              <a:t>Simple application exercise</a:t>
+              <a:t>Simple Application Exercise</a:t>
             </a:r>
           </a:p>
           <a:p>
@@ -19200,7 +19285,7 @@
                 </a:solidFill>
                 <a:latin typeface="Arial Narrow" panose="020B0606020202030204" pitchFamily="34" charset="0"/>
               </a:rPr>
-              <a:t>Simple application exercise</a:t>
+              <a:t>Simple Application Exercise</a:t>
             </a:r>
           </a:p>
           <a:p>
@@ -22181,6 +22266,257 @@
     <p:extLst>
       <p:ext uri="{BB962C8B-B14F-4D97-AF65-F5344CB8AC3E}">
         <p14:creationId xmlns:p14="http://schemas.microsoft.com/office/powerpoint/2010/main" val="3682561038"/>
+      </p:ext>
+    </p:extLst>
+  </p:cSld>
+  <p:clrMapOvr>
+    <a:masterClrMapping/>
+  </p:clrMapOvr>
+</p:sld>
+</file>
+
+<file path=ppt/slides/slide37.xml><?xml version="1.0" encoding="utf-8"?>
+<p:sld xmlns:a="http://schemas.openxmlformats.org/drawingml/2006/main" xmlns:r="http://schemas.openxmlformats.org/officeDocument/2006/relationships" xmlns:p="http://schemas.openxmlformats.org/presentationml/2006/main">
+  <p:cSld>
+    <p:spTree>
+      <p:nvGrpSpPr>
+        <p:cNvPr id="1" name=""/>
+        <p:cNvGrpSpPr/>
+        <p:nvPr/>
+      </p:nvGrpSpPr>
+      <p:grpSpPr>
+        <a:xfrm>
+          <a:off x="0" y="0"/>
+          <a:ext cx="0" cy="0"/>
+          <a:chOff x="0" y="0"/>
+          <a:chExt cx="0" cy="0"/>
+        </a:xfrm>
+      </p:grpSpPr>
+      <p:cxnSp>
+        <p:nvCxnSpPr>
+          <p:cNvPr id="36" name="직선 연결선 35"/>
+          <p:cNvCxnSpPr/>
+          <p:nvPr/>
+        </p:nvCxnSpPr>
+        <p:spPr>
+          <a:xfrm>
+            <a:off x="361950" y="857250"/>
+            <a:ext cx="5391150" cy="0"/>
+          </a:xfrm>
+          <a:prstGeom prst="line">
+            <a:avLst/>
+          </a:prstGeom>
+          <a:ln w="38100">
+            <a:solidFill>
+              <a:schemeClr val="accent2">
+                <a:alpha val="60000"/>
+              </a:schemeClr>
+            </a:solidFill>
+          </a:ln>
+        </p:spPr>
+        <p:style>
+          <a:lnRef idx="1">
+            <a:schemeClr val="accent1"/>
+          </a:lnRef>
+          <a:fillRef idx="0">
+            <a:schemeClr val="accent1"/>
+          </a:fillRef>
+          <a:effectRef idx="0">
+            <a:schemeClr val="accent1"/>
+          </a:effectRef>
+          <a:fontRef idx="minor">
+            <a:schemeClr val="tx1"/>
+          </a:fontRef>
+        </p:style>
+      </p:cxnSp>
+      <p:cxnSp>
+        <p:nvCxnSpPr>
+          <p:cNvPr id="37" name="직선 연결선 36"/>
+          <p:cNvCxnSpPr/>
+          <p:nvPr/>
+        </p:nvCxnSpPr>
+        <p:spPr>
+          <a:xfrm>
+            <a:off x="3257550" y="933450"/>
+            <a:ext cx="5391150" cy="0"/>
+          </a:xfrm>
+          <a:prstGeom prst="line">
+            <a:avLst/>
+          </a:prstGeom>
+          <a:ln w="38100">
+            <a:solidFill>
+              <a:schemeClr val="accent6">
+                <a:alpha val="60000"/>
+              </a:schemeClr>
+            </a:solidFill>
+          </a:ln>
+        </p:spPr>
+        <p:style>
+          <a:lnRef idx="1">
+            <a:schemeClr val="accent1"/>
+          </a:lnRef>
+          <a:fillRef idx="0">
+            <a:schemeClr val="accent1"/>
+          </a:fillRef>
+          <a:effectRef idx="0">
+            <a:schemeClr val="accent1"/>
+          </a:effectRef>
+          <a:fontRef idx="minor">
+            <a:schemeClr val="tx1"/>
+          </a:fontRef>
+        </p:style>
+      </p:cxnSp>
+      <p:sp>
+        <p:nvSpPr>
+          <p:cNvPr id="10" name="직사각형 9">
+            <a:extLst>
+              <a:ext uri="{FF2B5EF4-FFF2-40B4-BE49-F238E27FC236}">
+                <a16:creationId xmlns:a16="http://schemas.microsoft.com/office/drawing/2014/main" id="{9DC7D8DF-F1AC-5E24-6D05-87B8D3343A78}"/>
+              </a:ext>
+            </a:extLst>
+          </p:cNvPr>
+          <p:cNvSpPr/>
+          <p:nvPr/>
+        </p:nvSpPr>
+        <p:spPr>
+          <a:xfrm>
+            <a:off x="328771" y="1139130"/>
+            <a:ext cx="8742077" cy="1130438"/>
+          </a:xfrm>
+          <a:prstGeom prst="rect">
+            <a:avLst/>
+          </a:prstGeom>
+        </p:spPr>
+        <p:txBody>
+          <a:bodyPr wrap="square">
+            <a:spAutoFit/>
+          </a:bodyPr>
+          <a:lstStyle/>
+          <a:p>
+            <a:pPr marL="284400" indent="-284400">
+              <a:lnSpc>
+                <a:spcPct val="150000"/>
+              </a:lnSpc>
+              <a:buFont typeface="Arial" panose="020B0604020202020204" pitchFamily="34" charset="0"/>
+              <a:buChar char="•"/>
+            </a:pPr>
+            <a:r>
+              <a:rPr lang="en-US" altLang="ko-KR" sz="2400" dirty="0">
+                <a:solidFill>
+                  <a:srgbClr val="222222"/>
+                </a:solidFill>
+                <a:latin typeface="Arial Narrow" panose="020B0606020202030204" pitchFamily="34" charset="0"/>
+              </a:rPr>
+              <a:t>Word Embedding Visualization</a:t>
+            </a:r>
+          </a:p>
+          <a:p>
+            <a:pPr marL="284400" indent="-284400">
+              <a:lnSpc>
+                <a:spcPct val="150000"/>
+              </a:lnSpc>
+              <a:buFont typeface="Arial" panose="020B0604020202020204" pitchFamily="34" charset="0"/>
+              <a:buChar char="•"/>
+            </a:pPr>
+            <a:endParaRPr lang="en-US" altLang="ko-KR" sz="2400" dirty="0">
+              <a:solidFill>
+                <a:srgbClr val="222222"/>
+              </a:solidFill>
+              <a:latin typeface="Arial Narrow" panose="020B0606020202030204" pitchFamily="34" charset="0"/>
+            </a:endParaRPr>
+          </a:p>
+        </p:txBody>
+      </p:sp>
+      <p:sp>
+        <p:nvSpPr>
+          <p:cNvPr id="6" name="직사각형 5">
+            <a:extLst>
+              <a:ext uri="{FF2B5EF4-FFF2-40B4-BE49-F238E27FC236}">
+                <a16:creationId xmlns:a16="http://schemas.microsoft.com/office/drawing/2014/main" id="{6AE458C1-6B85-ECDF-7351-770B57E86129}"/>
+              </a:ext>
+            </a:extLst>
+          </p:cNvPr>
+          <p:cNvSpPr/>
+          <p:nvPr/>
+        </p:nvSpPr>
+        <p:spPr>
+          <a:xfrm>
+            <a:off x="299839" y="70603"/>
+            <a:ext cx="8544322" cy="657168"/>
+          </a:xfrm>
+          <a:prstGeom prst="rect">
+            <a:avLst/>
+          </a:prstGeom>
+        </p:spPr>
+        <p:txBody>
+          <a:bodyPr wrap="square">
+            <a:spAutoFit/>
+          </a:bodyPr>
+          <a:lstStyle/>
+          <a:p>
+            <a:pPr>
+              <a:lnSpc>
+                <a:spcPct val="150000"/>
+              </a:lnSpc>
+            </a:pPr>
+            <a:r>
+              <a:rPr lang="en-US" altLang="ko-KR" sz="2800" dirty="0">
+                <a:solidFill>
+                  <a:srgbClr val="222222"/>
+                </a:solidFill>
+                <a:latin typeface="Arial Narrow" panose="020B0606020202030204" pitchFamily="34" charset="0"/>
+              </a:rPr>
+              <a:t>Introduction to natural language processing</a:t>
+            </a:r>
+            <a:endParaRPr lang="en-US" altLang="ko-KR" sz="2800" dirty="0">
+              <a:latin typeface="Arial Narrow" panose="020B0606020202030204" pitchFamily="34" charset="0"/>
+              <a:cs typeface="Times New Roman" panose="02020603050405020304" pitchFamily="18" charset="0"/>
+            </a:endParaRPr>
+          </a:p>
+        </p:txBody>
+      </p:sp>
+      <p:sp>
+        <p:nvSpPr>
+          <p:cNvPr id="4" name="TextBox 3">
+            <a:extLst>
+              <a:ext uri="{FF2B5EF4-FFF2-40B4-BE49-F238E27FC236}">
+                <a16:creationId xmlns:a16="http://schemas.microsoft.com/office/drawing/2014/main" id="{7463A2A2-E5F1-353F-9F2A-5395FC99A10B}"/>
+              </a:ext>
+            </a:extLst>
+          </p:cNvPr>
+          <p:cNvSpPr txBox="1"/>
+          <p:nvPr/>
+        </p:nvSpPr>
+        <p:spPr>
+          <a:xfrm>
+            <a:off x="1935019" y="3161108"/>
+            <a:ext cx="4572000" cy="923330"/>
+          </a:xfrm>
+          <a:prstGeom prst="rect">
+            <a:avLst/>
+          </a:prstGeom>
+          <a:noFill/>
+        </p:spPr>
+        <p:txBody>
+          <a:bodyPr wrap="square">
+            <a:spAutoFit/>
+          </a:bodyPr>
+          <a:lstStyle/>
+          <a:p>
+            <a:r>
+              <a:rPr lang="en-US" altLang="ko-KR" dirty="0">
+                <a:hlinkClick r:id="rId3"/>
+              </a:rPr>
+              <a:t>https://colab.research.google.com/github/JunetaeKim/DeepLearningClass/blob/main/Week14/VisualizationEmbedding.ipynb</a:t>
+            </a:r>
+            <a:endParaRPr lang="ko-KR" altLang="en-US" dirty="0"/>
+          </a:p>
+        </p:txBody>
+      </p:sp>
+    </p:spTree>
+    <p:extLst>
+      <p:ext uri="{BB962C8B-B14F-4D97-AF65-F5344CB8AC3E}">
+        <p14:creationId xmlns:p14="http://schemas.microsoft.com/office/powerpoint/2010/main" val="2632675763"/>
       </p:ext>
     </p:extLst>
   </p:cSld>

--- a/Week14/week14 natural language processing.pptx
+++ b/Week14/week14 natural language processing.pptx
@@ -5,10 +5,10 @@
     <p:sldMasterId id="2147483660" r:id="rId1"/>
   </p:sldMasterIdLst>
   <p:notesMasterIdLst>
-    <p:notesMasterId r:id="rId39"/>
+    <p:notesMasterId r:id="rId47"/>
   </p:notesMasterIdLst>
   <p:handoutMasterIdLst>
-    <p:handoutMasterId r:id="rId40"/>
+    <p:handoutMasterId r:id="rId48"/>
   </p:handoutMasterIdLst>
   <p:sldIdLst>
     <p:sldId id="265" r:id="rId2"/>
@@ -48,6 +48,14 @@
     <p:sldId id="794" r:id="rId36"/>
     <p:sldId id="795" r:id="rId37"/>
     <p:sldId id="796" r:id="rId38"/>
+    <p:sldId id="797" r:id="rId39"/>
+    <p:sldId id="798" r:id="rId40"/>
+    <p:sldId id="799" r:id="rId41"/>
+    <p:sldId id="800" r:id="rId42"/>
+    <p:sldId id="801" r:id="rId43"/>
+    <p:sldId id="802" r:id="rId44"/>
+    <p:sldId id="803" r:id="rId45"/>
+    <p:sldId id="804" r:id="rId46"/>
   </p:sldIdLst>
   <p:sldSz cx="9144000" cy="6858000" type="screen4x3"/>
   <p:notesSz cx="6797675" cy="9874250"/>
@@ -3211,6 +3219,258 @@
 </p:notes>
 </file>
 
+<file path=ppt/notesSlides/notesSlide37.xml><?xml version="1.0" encoding="utf-8"?>
+<p:notes xmlns:a="http://schemas.openxmlformats.org/drawingml/2006/main" xmlns:r="http://schemas.openxmlformats.org/officeDocument/2006/relationships" xmlns:p="http://schemas.openxmlformats.org/presentationml/2006/main">
+  <p:cSld>
+    <p:spTree>
+      <p:nvGrpSpPr>
+        <p:cNvPr id="1" name=""/>
+        <p:cNvGrpSpPr/>
+        <p:nvPr/>
+      </p:nvGrpSpPr>
+      <p:grpSpPr>
+        <a:xfrm>
+          <a:off x="0" y="0"/>
+          <a:ext cx="0" cy="0"/>
+          <a:chOff x="0" y="0"/>
+          <a:chExt cx="0" cy="0"/>
+        </a:xfrm>
+      </p:grpSpPr>
+      <p:sp>
+        <p:nvSpPr>
+          <p:cNvPr id="2" name="슬라이드 이미지 개체 틀 1"/>
+          <p:cNvSpPr>
+            <a:spLocks noGrp="1" noRot="1" noChangeAspect="1"/>
+          </p:cNvSpPr>
+          <p:nvPr>
+            <p:ph type="sldImg"/>
+          </p:nvPr>
+        </p:nvSpPr>
+        <p:spPr/>
+      </p:sp>
+      <p:sp>
+        <p:nvSpPr>
+          <p:cNvPr id="3" name="슬라이드 노트 개체 틀 2"/>
+          <p:cNvSpPr>
+            <a:spLocks noGrp="1"/>
+          </p:cNvSpPr>
+          <p:nvPr>
+            <p:ph type="body" idx="1"/>
+          </p:nvPr>
+        </p:nvSpPr>
+        <p:spPr/>
+        <p:txBody>
+          <a:bodyPr/>
+          <a:lstStyle/>
+          <a:p>
+            <a:endParaRPr lang="ko-KR" altLang="en-US" dirty="0"/>
+          </a:p>
+        </p:txBody>
+      </p:sp>
+      <p:sp>
+        <p:nvSpPr>
+          <p:cNvPr id="4" name="슬라이드 번호 개체 틀 3"/>
+          <p:cNvSpPr>
+            <a:spLocks noGrp="1"/>
+          </p:cNvSpPr>
+          <p:nvPr>
+            <p:ph type="sldNum" sz="quarter" idx="10"/>
+          </p:nvPr>
+        </p:nvSpPr>
+        <p:spPr/>
+        <p:txBody>
+          <a:bodyPr/>
+          <a:lstStyle/>
+          <a:p>
+            <a:fld id="{AE7DD7B4-6F0D-4FE3-8660-A7DE31D2AD67}" type="slidenum">
+              <a:rPr lang="ko-KR" altLang="en-US" smtClean="0"/>
+              <a:t>38</a:t>
+            </a:fld>
+            <a:endParaRPr lang="ko-KR" altLang="en-US"/>
+          </a:p>
+        </p:txBody>
+      </p:sp>
+    </p:spTree>
+    <p:extLst>
+      <p:ext uri="{BB962C8B-B14F-4D97-AF65-F5344CB8AC3E}">
+        <p14:creationId xmlns:p14="http://schemas.microsoft.com/office/powerpoint/2010/main" val="3257638226"/>
+      </p:ext>
+    </p:extLst>
+  </p:cSld>
+  <p:clrMapOvr>
+    <a:masterClrMapping/>
+  </p:clrMapOvr>
+</p:notes>
+</file>
+
+<file path=ppt/notesSlides/notesSlide38.xml><?xml version="1.0" encoding="utf-8"?>
+<p:notes xmlns:a="http://schemas.openxmlformats.org/drawingml/2006/main" xmlns:r="http://schemas.openxmlformats.org/officeDocument/2006/relationships" xmlns:p="http://schemas.openxmlformats.org/presentationml/2006/main">
+  <p:cSld>
+    <p:spTree>
+      <p:nvGrpSpPr>
+        <p:cNvPr id="1" name=""/>
+        <p:cNvGrpSpPr/>
+        <p:nvPr/>
+      </p:nvGrpSpPr>
+      <p:grpSpPr>
+        <a:xfrm>
+          <a:off x="0" y="0"/>
+          <a:ext cx="0" cy="0"/>
+          <a:chOff x="0" y="0"/>
+          <a:chExt cx="0" cy="0"/>
+        </a:xfrm>
+      </p:grpSpPr>
+      <p:sp>
+        <p:nvSpPr>
+          <p:cNvPr id="2" name="슬라이드 이미지 개체 틀 1"/>
+          <p:cNvSpPr>
+            <a:spLocks noGrp="1" noRot="1" noChangeAspect="1"/>
+          </p:cNvSpPr>
+          <p:nvPr>
+            <p:ph type="sldImg"/>
+          </p:nvPr>
+        </p:nvSpPr>
+        <p:spPr/>
+      </p:sp>
+      <p:sp>
+        <p:nvSpPr>
+          <p:cNvPr id="3" name="슬라이드 노트 개체 틀 2"/>
+          <p:cNvSpPr>
+            <a:spLocks noGrp="1"/>
+          </p:cNvSpPr>
+          <p:nvPr>
+            <p:ph type="body" idx="1"/>
+          </p:nvPr>
+        </p:nvSpPr>
+        <p:spPr/>
+        <p:txBody>
+          <a:bodyPr/>
+          <a:lstStyle/>
+          <a:p>
+            <a:endParaRPr lang="ko-KR" altLang="en-US" dirty="0"/>
+          </a:p>
+        </p:txBody>
+      </p:sp>
+      <p:sp>
+        <p:nvSpPr>
+          <p:cNvPr id="4" name="슬라이드 번호 개체 틀 3"/>
+          <p:cNvSpPr>
+            <a:spLocks noGrp="1"/>
+          </p:cNvSpPr>
+          <p:nvPr>
+            <p:ph type="sldNum" sz="quarter" idx="10"/>
+          </p:nvPr>
+        </p:nvSpPr>
+        <p:spPr/>
+        <p:txBody>
+          <a:bodyPr/>
+          <a:lstStyle/>
+          <a:p>
+            <a:fld id="{AE7DD7B4-6F0D-4FE3-8660-A7DE31D2AD67}" type="slidenum">
+              <a:rPr lang="ko-KR" altLang="en-US" smtClean="0"/>
+              <a:t>39</a:t>
+            </a:fld>
+            <a:endParaRPr lang="ko-KR" altLang="en-US"/>
+          </a:p>
+        </p:txBody>
+      </p:sp>
+    </p:spTree>
+    <p:extLst>
+      <p:ext uri="{BB962C8B-B14F-4D97-AF65-F5344CB8AC3E}">
+        <p14:creationId xmlns:p14="http://schemas.microsoft.com/office/powerpoint/2010/main" val="2433006975"/>
+      </p:ext>
+    </p:extLst>
+  </p:cSld>
+  <p:clrMapOvr>
+    <a:masterClrMapping/>
+  </p:clrMapOvr>
+</p:notes>
+</file>
+
+<file path=ppt/notesSlides/notesSlide39.xml><?xml version="1.0" encoding="utf-8"?>
+<p:notes xmlns:a="http://schemas.openxmlformats.org/drawingml/2006/main" xmlns:r="http://schemas.openxmlformats.org/officeDocument/2006/relationships" xmlns:p="http://schemas.openxmlformats.org/presentationml/2006/main">
+  <p:cSld>
+    <p:spTree>
+      <p:nvGrpSpPr>
+        <p:cNvPr id="1" name=""/>
+        <p:cNvGrpSpPr/>
+        <p:nvPr/>
+      </p:nvGrpSpPr>
+      <p:grpSpPr>
+        <a:xfrm>
+          <a:off x="0" y="0"/>
+          <a:ext cx="0" cy="0"/>
+          <a:chOff x="0" y="0"/>
+          <a:chExt cx="0" cy="0"/>
+        </a:xfrm>
+      </p:grpSpPr>
+      <p:sp>
+        <p:nvSpPr>
+          <p:cNvPr id="2" name="슬라이드 이미지 개체 틀 1"/>
+          <p:cNvSpPr>
+            <a:spLocks noGrp="1" noRot="1" noChangeAspect="1"/>
+          </p:cNvSpPr>
+          <p:nvPr>
+            <p:ph type="sldImg"/>
+          </p:nvPr>
+        </p:nvSpPr>
+        <p:spPr/>
+      </p:sp>
+      <p:sp>
+        <p:nvSpPr>
+          <p:cNvPr id="3" name="슬라이드 노트 개체 틀 2"/>
+          <p:cNvSpPr>
+            <a:spLocks noGrp="1"/>
+          </p:cNvSpPr>
+          <p:nvPr>
+            <p:ph type="body" idx="1"/>
+          </p:nvPr>
+        </p:nvSpPr>
+        <p:spPr/>
+        <p:txBody>
+          <a:bodyPr/>
+          <a:lstStyle/>
+          <a:p>
+            <a:endParaRPr lang="ko-KR" altLang="en-US" dirty="0"/>
+          </a:p>
+        </p:txBody>
+      </p:sp>
+      <p:sp>
+        <p:nvSpPr>
+          <p:cNvPr id="4" name="슬라이드 번호 개체 틀 3"/>
+          <p:cNvSpPr>
+            <a:spLocks noGrp="1"/>
+          </p:cNvSpPr>
+          <p:nvPr>
+            <p:ph type="sldNum" sz="quarter" idx="10"/>
+          </p:nvPr>
+        </p:nvSpPr>
+        <p:spPr/>
+        <p:txBody>
+          <a:bodyPr/>
+          <a:lstStyle/>
+          <a:p>
+            <a:fld id="{AE7DD7B4-6F0D-4FE3-8660-A7DE31D2AD67}" type="slidenum">
+              <a:rPr lang="ko-KR" altLang="en-US" smtClean="0"/>
+              <a:t>40</a:t>
+            </a:fld>
+            <a:endParaRPr lang="ko-KR" altLang="en-US"/>
+          </a:p>
+        </p:txBody>
+      </p:sp>
+    </p:spTree>
+    <p:extLst>
+      <p:ext uri="{BB962C8B-B14F-4D97-AF65-F5344CB8AC3E}">
+        <p14:creationId xmlns:p14="http://schemas.microsoft.com/office/powerpoint/2010/main" val="2663107218"/>
+      </p:ext>
+    </p:extLst>
+  </p:cSld>
+  <p:clrMapOvr>
+    <a:masterClrMapping/>
+  </p:clrMapOvr>
+</p:notes>
+</file>
+
 <file path=ppt/notesSlides/notesSlide4.xml><?xml version="1.0" encoding="utf-8"?>
 <p:notes xmlns:a="http://schemas.openxmlformats.org/drawingml/2006/main" xmlns:r="http://schemas.openxmlformats.org/officeDocument/2006/relationships" xmlns:p="http://schemas.openxmlformats.org/presentationml/2006/main">
   <p:cSld>
@@ -3286,6 +3546,426 @@
     <p:extLst>
       <p:ext uri="{BB962C8B-B14F-4D97-AF65-F5344CB8AC3E}">
         <p14:creationId xmlns:p14="http://schemas.microsoft.com/office/powerpoint/2010/main" val="3272707370"/>
+      </p:ext>
+    </p:extLst>
+  </p:cSld>
+  <p:clrMapOvr>
+    <a:masterClrMapping/>
+  </p:clrMapOvr>
+</p:notes>
+</file>
+
+<file path=ppt/notesSlides/notesSlide40.xml><?xml version="1.0" encoding="utf-8"?>
+<p:notes xmlns:a="http://schemas.openxmlformats.org/drawingml/2006/main" xmlns:r="http://schemas.openxmlformats.org/officeDocument/2006/relationships" xmlns:p="http://schemas.openxmlformats.org/presentationml/2006/main">
+  <p:cSld>
+    <p:spTree>
+      <p:nvGrpSpPr>
+        <p:cNvPr id="1" name=""/>
+        <p:cNvGrpSpPr/>
+        <p:nvPr/>
+      </p:nvGrpSpPr>
+      <p:grpSpPr>
+        <a:xfrm>
+          <a:off x="0" y="0"/>
+          <a:ext cx="0" cy="0"/>
+          <a:chOff x="0" y="0"/>
+          <a:chExt cx="0" cy="0"/>
+        </a:xfrm>
+      </p:grpSpPr>
+      <p:sp>
+        <p:nvSpPr>
+          <p:cNvPr id="2" name="슬라이드 이미지 개체 틀 1"/>
+          <p:cNvSpPr>
+            <a:spLocks noGrp="1" noRot="1" noChangeAspect="1"/>
+          </p:cNvSpPr>
+          <p:nvPr>
+            <p:ph type="sldImg"/>
+          </p:nvPr>
+        </p:nvSpPr>
+        <p:spPr/>
+      </p:sp>
+      <p:sp>
+        <p:nvSpPr>
+          <p:cNvPr id="3" name="슬라이드 노트 개체 틀 2"/>
+          <p:cNvSpPr>
+            <a:spLocks noGrp="1"/>
+          </p:cNvSpPr>
+          <p:nvPr>
+            <p:ph type="body" idx="1"/>
+          </p:nvPr>
+        </p:nvSpPr>
+        <p:spPr/>
+        <p:txBody>
+          <a:bodyPr/>
+          <a:lstStyle/>
+          <a:p>
+            <a:endParaRPr lang="ko-KR" altLang="en-US" dirty="0"/>
+          </a:p>
+        </p:txBody>
+      </p:sp>
+      <p:sp>
+        <p:nvSpPr>
+          <p:cNvPr id="4" name="슬라이드 번호 개체 틀 3"/>
+          <p:cNvSpPr>
+            <a:spLocks noGrp="1"/>
+          </p:cNvSpPr>
+          <p:nvPr>
+            <p:ph type="sldNum" sz="quarter" idx="10"/>
+          </p:nvPr>
+        </p:nvSpPr>
+        <p:spPr/>
+        <p:txBody>
+          <a:bodyPr/>
+          <a:lstStyle/>
+          <a:p>
+            <a:fld id="{AE7DD7B4-6F0D-4FE3-8660-A7DE31D2AD67}" type="slidenum">
+              <a:rPr lang="ko-KR" altLang="en-US" smtClean="0"/>
+              <a:t>41</a:t>
+            </a:fld>
+            <a:endParaRPr lang="ko-KR" altLang="en-US"/>
+          </a:p>
+        </p:txBody>
+      </p:sp>
+    </p:spTree>
+    <p:extLst>
+      <p:ext uri="{BB962C8B-B14F-4D97-AF65-F5344CB8AC3E}">
+        <p14:creationId xmlns:p14="http://schemas.microsoft.com/office/powerpoint/2010/main" val="3224344365"/>
+      </p:ext>
+    </p:extLst>
+  </p:cSld>
+  <p:clrMapOvr>
+    <a:masterClrMapping/>
+  </p:clrMapOvr>
+</p:notes>
+</file>
+
+<file path=ppt/notesSlides/notesSlide41.xml><?xml version="1.0" encoding="utf-8"?>
+<p:notes xmlns:a="http://schemas.openxmlformats.org/drawingml/2006/main" xmlns:r="http://schemas.openxmlformats.org/officeDocument/2006/relationships" xmlns:p="http://schemas.openxmlformats.org/presentationml/2006/main">
+  <p:cSld>
+    <p:spTree>
+      <p:nvGrpSpPr>
+        <p:cNvPr id="1" name=""/>
+        <p:cNvGrpSpPr/>
+        <p:nvPr/>
+      </p:nvGrpSpPr>
+      <p:grpSpPr>
+        <a:xfrm>
+          <a:off x="0" y="0"/>
+          <a:ext cx="0" cy="0"/>
+          <a:chOff x="0" y="0"/>
+          <a:chExt cx="0" cy="0"/>
+        </a:xfrm>
+      </p:grpSpPr>
+      <p:sp>
+        <p:nvSpPr>
+          <p:cNvPr id="2" name="슬라이드 이미지 개체 틀 1"/>
+          <p:cNvSpPr>
+            <a:spLocks noGrp="1" noRot="1" noChangeAspect="1"/>
+          </p:cNvSpPr>
+          <p:nvPr>
+            <p:ph type="sldImg"/>
+          </p:nvPr>
+        </p:nvSpPr>
+        <p:spPr/>
+      </p:sp>
+      <p:sp>
+        <p:nvSpPr>
+          <p:cNvPr id="3" name="슬라이드 노트 개체 틀 2"/>
+          <p:cNvSpPr>
+            <a:spLocks noGrp="1"/>
+          </p:cNvSpPr>
+          <p:nvPr>
+            <p:ph type="body" idx="1"/>
+          </p:nvPr>
+        </p:nvSpPr>
+        <p:spPr/>
+        <p:txBody>
+          <a:bodyPr/>
+          <a:lstStyle/>
+          <a:p>
+            <a:endParaRPr lang="ko-KR" altLang="en-US" dirty="0"/>
+          </a:p>
+        </p:txBody>
+      </p:sp>
+      <p:sp>
+        <p:nvSpPr>
+          <p:cNvPr id="4" name="슬라이드 번호 개체 틀 3"/>
+          <p:cNvSpPr>
+            <a:spLocks noGrp="1"/>
+          </p:cNvSpPr>
+          <p:nvPr>
+            <p:ph type="sldNum" sz="quarter" idx="10"/>
+          </p:nvPr>
+        </p:nvSpPr>
+        <p:spPr/>
+        <p:txBody>
+          <a:bodyPr/>
+          <a:lstStyle/>
+          <a:p>
+            <a:fld id="{AE7DD7B4-6F0D-4FE3-8660-A7DE31D2AD67}" type="slidenum">
+              <a:rPr lang="ko-KR" altLang="en-US" smtClean="0"/>
+              <a:t>42</a:t>
+            </a:fld>
+            <a:endParaRPr lang="ko-KR" altLang="en-US"/>
+          </a:p>
+        </p:txBody>
+      </p:sp>
+    </p:spTree>
+    <p:extLst>
+      <p:ext uri="{BB962C8B-B14F-4D97-AF65-F5344CB8AC3E}">
+        <p14:creationId xmlns:p14="http://schemas.microsoft.com/office/powerpoint/2010/main" val="425995020"/>
+      </p:ext>
+    </p:extLst>
+  </p:cSld>
+  <p:clrMapOvr>
+    <a:masterClrMapping/>
+  </p:clrMapOvr>
+</p:notes>
+</file>
+
+<file path=ppt/notesSlides/notesSlide42.xml><?xml version="1.0" encoding="utf-8"?>
+<p:notes xmlns:a="http://schemas.openxmlformats.org/drawingml/2006/main" xmlns:r="http://schemas.openxmlformats.org/officeDocument/2006/relationships" xmlns:p="http://schemas.openxmlformats.org/presentationml/2006/main">
+  <p:cSld>
+    <p:spTree>
+      <p:nvGrpSpPr>
+        <p:cNvPr id="1" name=""/>
+        <p:cNvGrpSpPr/>
+        <p:nvPr/>
+      </p:nvGrpSpPr>
+      <p:grpSpPr>
+        <a:xfrm>
+          <a:off x="0" y="0"/>
+          <a:ext cx="0" cy="0"/>
+          <a:chOff x="0" y="0"/>
+          <a:chExt cx="0" cy="0"/>
+        </a:xfrm>
+      </p:grpSpPr>
+      <p:sp>
+        <p:nvSpPr>
+          <p:cNvPr id="2" name="슬라이드 이미지 개체 틀 1"/>
+          <p:cNvSpPr>
+            <a:spLocks noGrp="1" noRot="1" noChangeAspect="1"/>
+          </p:cNvSpPr>
+          <p:nvPr>
+            <p:ph type="sldImg"/>
+          </p:nvPr>
+        </p:nvSpPr>
+        <p:spPr/>
+      </p:sp>
+      <p:sp>
+        <p:nvSpPr>
+          <p:cNvPr id="3" name="슬라이드 노트 개체 틀 2"/>
+          <p:cNvSpPr>
+            <a:spLocks noGrp="1"/>
+          </p:cNvSpPr>
+          <p:nvPr>
+            <p:ph type="body" idx="1"/>
+          </p:nvPr>
+        </p:nvSpPr>
+        <p:spPr/>
+        <p:txBody>
+          <a:bodyPr/>
+          <a:lstStyle/>
+          <a:p>
+            <a:endParaRPr lang="ko-KR" altLang="en-US" dirty="0"/>
+          </a:p>
+        </p:txBody>
+      </p:sp>
+      <p:sp>
+        <p:nvSpPr>
+          <p:cNvPr id="4" name="슬라이드 번호 개체 틀 3"/>
+          <p:cNvSpPr>
+            <a:spLocks noGrp="1"/>
+          </p:cNvSpPr>
+          <p:nvPr>
+            <p:ph type="sldNum" sz="quarter" idx="10"/>
+          </p:nvPr>
+        </p:nvSpPr>
+        <p:spPr/>
+        <p:txBody>
+          <a:bodyPr/>
+          <a:lstStyle/>
+          <a:p>
+            <a:fld id="{AE7DD7B4-6F0D-4FE3-8660-A7DE31D2AD67}" type="slidenum">
+              <a:rPr lang="ko-KR" altLang="en-US" smtClean="0"/>
+              <a:t>43</a:t>
+            </a:fld>
+            <a:endParaRPr lang="ko-KR" altLang="en-US"/>
+          </a:p>
+        </p:txBody>
+      </p:sp>
+    </p:spTree>
+    <p:extLst>
+      <p:ext uri="{BB962C8B-B14F-4D97-AF65-F5344CB8AC3E}">
+        <p14:creationId xmlns:p14="http://schemas.microsoft.com/office/powerpoint/2010/main" val="766838542"/>
+      </p:ext>
+    </p:extLst>
+  </p:cSld>
+  <p:clrMapOvr>
+    <a:masterClrMapping/>
+  </p:clrMapOvr>
+</p:notes>
+</file>
+
+<file path=ppt/notesSlides/notesSlide43.xml><?xml version="1.0" encoding="utf-8"?>
+<p:notes xmlns:a="http://schemas.openxmlformats.org/drawingml/2006/main" xmlns:r="http://schemas.openxmlformats.org/officeDocument/2006/relationships" xmlns:p="http://schemas.openxmlformats.org/presentationml/2006/main">
+  <p:cSld>
+    <p:spTree>
+      <p:nvGrpSpPr>
+        <p:cNvPr id="1" name=""/>
+        <p:cNvGrpSpPr/>
+        <p:nvPr/>
+      </p:nvGrpSpPr>
+      <p:grpSpPr>
+        <a:xfrm>
+          <a:off x="0" y="0"/>
+          <a:ext cx="0" cy="0"/>
+          <a:chOff x="0" y="0"/>
+          <a:chExt cx="0" cy="0"/>
+        </a:xfrm>
+      </p:grpSpPr>
+      <p:sp>
+        <p:nvSpPr>
+          <p:cNvPr id="2" name="슬라이드 이미지 개체 틀 1"/>
+          <p:cNvSpPr>
+            <a:spLocks noGrp="1" noRot="1" noChangeAspect="1"/>
+          </p:cNvSpPr>
+          <p:nvPr>
+            <p:ph type="sldImg"/>
+          </p:nvPr>
+        </p:nvSpPr>
+        <p:spPr/>
+      </p:sp>
+      <p:sp>
+        <p:nvSpPr>
+          <p:cNvPr id="3" name="슬라이드 노트 개체 틀 2"/>
+          <p:cNvSpPr>
+            <a:spLocks noGrp="1"/>
+          </p:cNvSpPr>
+          <p:nvPr>
+            <p:ph type="body" idx="1"/>
+          </p:nvPr>
+        </p:nvSpPr>
+        <p:spPr/>
+        <p:txBody>
+          <a:bodyPr/>
+          <a:lstStyle/>
+          <a:p>
+            <a:endParaRPr lang="ko-KR" altLang="en-US" dirty="0"/>
+          </a:p>
+        </p:txBody>
+      </p:sp>
+      <p:sp>
+        <p:nvSpPr>
+          <p:cNvPr id="4" name="슬라이드 번호 개체 틀 3"/>
+          <p:cNvSpPr>
+            <a:spLocks noGrp="1"/>
+          </p:cNvSpPr>
+          <p:nvPr>
+            <p:ph type="sldNum" sz="quarter" idx="10"/>
+          </p:nvPr>
+        </p:nvSpPr>
+        <p:spPr/>
+        <p:txBody>
+          <a:bodyPr/>
+          <a:lstStyle/>
+          <a:p>
+            <a:fld id="{AE7DD7B4-6F0D-4FE3-8660-A7DE31D2AD67}" type="slidenum">
+              <a:rPr lang="ko-KR" altLang="en-US" smtClean="0"/>
+              <a:t>44</a:t>
+            </a:fld>
+            <a:endParaRPr lang="ko-KR" altLang="en-US"/>
+          </a:p>
+        </p:txBody>
+      </p:sp>
+    </p:spTree>
+    <p:extLst>
+      <p:ext uri="{BB962C8B-B14F-4D97-AF65-F5344CB8AC3E}">
+        <p14:creationId xmlns:p14="http://schemas.microsoft.com/office/powerpoint/2010/main" val="186348054"/>
+      </p:ext>
+    </p:extLst>
+  </p:cSld>
+  <p:clrMapOvr>
+    <a:masterClrMapping/>
+  </p:clrMapOvr>
+</p:notes>
+</file>
+
+<file path=ppt/notesSlides/notesSlide44.xml><?xml version="1.0" encoding="utf-8"?>
+<p:notes xmlns:a="http://schemas.openxmlformats.org/drawingml/2006/main" xmlns:r="http://schemas.openxmlformats.org/officeDocument/2006/relationships" xmlns:p="http://schemas.openxmlformats.org/presentationml/2006/main">
+  <p:cSld>
+    <p:spTree>
+      <p:nvGrpSpPr>
+        <p:cNvPr id="1" name=""/>
+        <p:cNvGrpSpPr/>
+        <p:nvPr/>
+      </p:nvGrpSpPr>
+      <p:grpSpPr>
+        <a:xfrm>
+          <a:off x="0" y="0"/>
+          <a:ext cx="0" cy="0"/>
+          <a:chOff x="0" y="0"/>
+          <a:chExt cx="0" cy="0"/>
+        </a:xfrm>
+      </p:grpSpPr>
+      <p:sp>
+        <p:nvSpPr>
+          <p:cNvPr id="2" name="슬라이드 이미지 개체 틀 1"/>
+          <p:cNvSpPr>
+            <a:spLocks noGrp="1" noRot="1" noChangeAspect="1"/>
+          </p:cNvSpPr>
+          <p:nvPr>
+            <p:ph type="sldImg"/>
+          </p:nvPr>
+        </p:nvSpPr>
+        <p:spPr/>
+      </p:sp>
+      <p:sp>
+        <p:nvSpPr>
+          <p:cNvPr id="3" name="슬라이드 노트 개체 틀 2"/>
+          <p:cNvSpPr>
+            <a:spLocks noGrp="1"/>
+          </p:cNvSpPr>
+          <p:nvPr>
+            <p:ph type="body" idx="1"/>
+          </p:nvPr>
+        </p:nvSpPr>
+        <p:spPr/>
+        <p:txBody>
+          <a:bodyPr/>
+          <a:lstStyle/>
+          <a:p>
+            <a:endParaRPr lang="ko-KR" altLang="en-US" dirty="0"/>
+          </a:p>
+        </p:txBody>
+      </p:sp>
+      <p:sp>
+        <p:nvSpPr>
+          <p:cNvPr id="4" name="슬라이드 번호 개체 틀 3"/>
+          <p:cNvSpPr>
+            <a:spLocks noGrp="1"/>
+          </p:cNvSpPr>
+          <p:nvPr>
+            <p:ph type="sldNum" sz="quarter" idx="10"/>
+          </p:nvPr>
+        </p:nvSpPr>
+        <p:spPr/>
+        <p:txBody>
+          <a:bodyPr/>
+          <a:lstStyle/>
+          <a:p>
+            <a:fld id="{AE7DD7B4-6F0D-4FE3-8660-A7DE31D2AD67}" type="slidenum">
+              <a:rPr lang="ko-KR" altLang="en-US" smtClean="0"/>
+              <a:t>45</a:t>
+            </a:fld>
+            <a:endParaRPr lang="ko-KR" altLang="en-US"/>
+          </a:p>
+        </p:txBody>
+      </p:sp>
+    </p:spTree>
+    <p:extLst>
+      <p:ext uri="{BB962C8B-B14F-4D97-AF65-F5344CB8AC3E}">
+        <p14:creationId xmlns:p14="http://schemas.microsoft.com/office/powerpoint/2010/main" val="1132746080"/>
       </p:ext>
     </p:extLst>
   </p:cSld>
@@ -22526,6 +23206,642 @@
 </p:sld>
 </file>
 
+<file path=ppt/slides/slide38.xml><?xml version="1.0" encoding="utf-8"?>
+<p:sld xmlns:a="http://schemas.openxmlformats.org/drawingml/2006/main" xmlns:r="http://schemas.openxmlformats.org/officeDocument/2006/relationships" xmlns:p="http://schemas.openxmlformats.org/presentationml/2006/main">
+  <p:cSld>
+    <p:spTree>
+      <p:nvGrpSpPr>
+        <p:cNvPr id="1" name=""/>
+        <p:cNvGrpSpPr/>
+        <p:nvPr/>
+      </p:nvGrpSpPr>
+      <p:grpSpPr>
+        <a:xfrm>
+          <a:off x="0" y="0"/>
+          <a:ext cx="0" cy="0"/>
+          <a:chOff x="0" y="0"/>
+          <a:chExt cx="0" cy="0"/>
+        </a:xfrm>
+      </p:grpSpPr>
+      <p:cxnSp>
+        <p:nvCxnSpPr>
+          <p:cNvPr id="36" name="직선 연결선 35"/>
+          <p:cNvCxnSpPr/>
+          <p:nvPr/>
+        </p:nvCxnSpPr>
+        <p:spPr>
+          <a:xfrm>
+            <a:off x="361950" y="857250"/>
+            <a:ext cx="5391150" cy="0"/>
+          </a:xfrm>
+          <a:prstGeom prst="line">
+            <a:avLst/>
+          </a:prstGeom>
+          <a:ln w="38100">
+            <a:solidFill>
+              <a:schemeClr val="accent2">
+                <a:alpha val="60000"/>
+              </a:schemeClr>
+            </a:solidFill>
+          </a:ln>
+        </p:spPr>
+        <p:style>
+          <a:lnRef idx="1">
+            <a:schemeClr val="accent1"/>
+          </a:lnRef>
+          <a:fillRef idx="0">
+            <a:schemeClr val="accent1"/>
+          </a:fillRef>
+          <a:effectRef idx="0">
+            <a:schemeClr val="accent1"/>
+          </a:effectRef>
+          <a:fontRef idx="minor">
+            <a:schemeClr val="tx1"/>
+          </a:fontRef>
+        </p:style>
+      </p:cxnSp>
+      <p:cxnSp>
+        <p:nvCxnSpPr>
+          <p:cNvPr id="37" name="직선 연결선 36"/>
+          <p:cNvCxnSpPr/>
+          <p:nvPr/>
+        </p:nvCxnSpPr>
+        <p:spPr>
+          <a:xfrm>
+            <a:off x="3257550" y="933450"/>
+            <a:ext cx="5391150" cy="0"/>
+          </a:xfrm>
+          <a:prstGeom prst="line">
+            <a:avLst/>
+          </a:prstGeom>
+          <a:ln w="38100">
+            <a:solidFill>
+              <a:schemeClr val="accent6">
+                <a:alpha val="60000"/>
+              </a:schemeClr>
+            </a:solidFill>
+          </a:ln>
+        </p:spPr>
+        <p:style>
+          <a:lnRef idx="1">
+            <a:schemeClr val="accent1"/>
+          </a:lnRef>
+          <a:fillRef idx="0">
+            <a:schemeClr val="accent1"/>
+          </a:fillRef>
+          <a:effectRef idx="0">
+            <a:schemeClr val="accent1"/>
+          </a:effectRef>
+          <a:fontRef idx="minor">
+            <a:schemeClr val="tx1"/>
+          </a:fontRef>
+        </p:style>
+      </p:cxnSp>
+      <p:sp>
+        <p:nvSpPr>
+          <p:cNvPr id="10" name="직사각형 9">
+            <a:extLst>
+              <a:ext uri="{FF2B5EF4-FFF2-40B4-BE49-F238E27FC236}">
+                <a16:creationId xmlns:a16="http://schemas.microsoft.com/office/drawing/2014/main" id="{9DC7D8DF-F1AC-5E24-6D05-87B8D3343A78}"/>
+              </a:ext>
+            </a:extLst>
+          </p:cNvPr>
+          <p:cNvSpPr/>
+          <p:nvPr/>
+        </p:nvSpPr>
+        <p:spPr>
+          <a:xfrm>
+            <a:off x="328769" y="1139130"/>
+            <a:ext cx="8386605" cy="4518096"/>
+          </a:xfrm>
+          <a:prstGeom prst="rect">
+            <a:avLst/>
+          </a:prstGeom>
+        </p:spPr>
+        <p:txBody>
+          <a:bodyPr wrap="square">
+            <a:spAutoFit/>
+          </a:bodyPr>
+          <a:lstStyle/>
+          <a:p>
+            <a:pPr marL="284400" indent="-284400">
+              <a:lnSpc>
+                <a:spcPct val="150000"/>
+              </a:lnSpc>
+              <a:buFont typeface="Arial" panose="020B0604020202020204" pitchFamily="34" charset="0"/>
+              <a:buChar char="•"/>
+            </a:pPr>
+            <a:r>
+              <a:rPr lang="en-US" altLang="ko-KR" sz="2400" dirty="0">
+                <a:solidFill>
+                  <a:srgbClr val="222222"/>
+                </a:solidFill>
+                <a:latin typeface="Arial Narrow" panose="020B0606020202030204" pitchFamily="34" charset="0"/>
+              </a:rPr>
+              <a:t>Exercise2: Prediction of Sentiment Labels on the IMDB Dataset</a:t>
+            </a:r>
+          </a:p>
+          <a:p>
+            <a:pPr marL="741600" lvl="1" indent="-284400">
+              <a:lnSpc>
+                <a:spcPct val="150000"/>
+              </a:lnSpc>
+              <a:buFont typeface="Arial" panose="020B0604020202020204" pitchFamily="34" charset="0"/>
+              <a:buChar char="•"/>
+            </a:pPr>
+            <a:r>
+              <a:rPr lang="en-US" altLang="ko-KR" sz="2000" dirty="0">
+                <a:solidFill>
+                  <a:srgbClr val="222222"/>
+                </a:solidFill>
+                <a:latin typeface="Arial Narrow" panose="020B0606020202030204" pitchFamily="34" charset="0"/>
+              </a:rPr>
+              <a:t>Objective </a:t>
+            </a:r>
+          </a:p>
+          <a:p>
+            <a:pPr marL="1198800" lvl="2" indent="-284400">
+              <a:lnSpc>
+                <a:spcPct val="150000"/>
+              </a:lnSpc>
+              <a:buFont typeface="Arial" panose="020B0604020202020204" pitchFamily="34" charset="0"/>
+              <a:buChar char="•"/>
+            </a:pPr>
+            <a:r>
+              <a:rPr lang="en-US" altLang="ko-KR" dirty="0">
+                <a:solidFill>
+                  <a:srgbClr val="222222"/>
+                </a:solidFill>
+                <a:latin typeface="Arial Narrow" panose="020B0606020202030204" pitchFamily="34" charset="0"/>
+              </a:rPr>
+              <a:t>Build models to predict sentiment labels on the IMDB dataset</a:t>
+            </a:r>
+          </a:p>
+          <a:p>
+            <a:pPr marL="1198800" lvl="2" indent="-284400">
+              <a:lnSpc>
+                <a:spcPct val="150000"/>
+              </a:lnSpc>
+              <a:buFont typeface="Arial" panose="020B0604020202020204" pitchFamily="34" charset="0"/>
+              <a:buChar char="•"/>
+            </a:pPr>
+            <a:endParaRPr lang="en-US" altLang="ko-KR" sz="2000" dirty="0">
+              <a:solidFill>
+                <a:srgbClr val="222222"/>
+              </a:solidFill>
+              <a:latin typeface="Arial Narrow" panose="020B0606020202030204" pitchFamily="34" charset="0"/>
+            </a:endParaRPr>
+          </a:p>
+          <a:p>
+            <a:pPr marL="741600" lvl="1" indent="-284400">
+              <a:lnSpc>
+                <a:spcPct val="150000"/>
+              </a:lnSpc>
+              <a:buFont typeface="Arial" panose="020B0604020202020204" pitchFamily="34" charset="0"/>
+              <a:buChar char="•"/>
+            </a:pPr>
+            <a:r>
+              <a:rPr lang="en-US" altLang="ko-KR" sz="2000" dirty="0">
+                <a:solidFill>
+                  <a:srgbClr val="222222"/>
+                </a:solidFill>
+                <a:latin typeface="Arial Narrow" panose="020B0606020202030204" pitchFamily="34" charset="0"/>
+              </a:rPr>
+              <a:t>IMDB Dataset</a:t>
+            </a:r>
+          </a:p>
+          <a:p>
+            <a:pPr marL="1198800" lvl="2" indent="-284400">
+              <a:lnSpc>
+                <a:spcPct val="150000"/>
+              </a:lnSpc>
+              <a:buFont typeface="Arial" panose="020B0604020202020204" pitchFamily="34" charset="0"/>
+              <a:buChar char="•"/>
+            </a:pPr>
+            <a:r>
+              <a:rPr lang="en-US" altLang="ko-KR" dirty="0">
+                <a:solidFill>
+                  <a:srgbClr val="222222"/>
+                </a:solidFill>
+                <a:latin typeface="Arial Narrow" panose="020B0606020202030204" pitchFamily="34" charset="0"/>
+              </a:rPr>
+              <a:t>A popular dataset for sentiment analysis containing movie reviews</a:t>
+            </a:r>
+          </a:p>
+          <a:p>
+            <a:pPr marL="1198800" lvl="2" indent="-284400">
+              <a:lnSpc>
+                <a:spcPct val="150000"/>
+              </a:lnSpc>
+              <a:buFont typeface="Arial" panose="020B0604020202020204" pitchFamily="34" charset="0"/>
+              <a:buChar char="•"/>
+            </a:pPr>
+            <a:r>
+              <a:rPr lang="en-US" altLang="ko-KR" dirty="0">
+                <a:solidFill>
+                  <a:srgbClr val="222222"/>
+                </a:solidFill>
+                <a:latin typeface="Arial Narrow" panose="020B0606020202030204" pitchFamily="34" charset="0"/>
+              </a:rPr>
+              <a:t>50,000 movie reviews labeled as positive (1) or negative (0)</a:t>
+            </a:r>
+          </a:p>
+          <a:p>
+            <a:pPr marL="1198800" lvl="2" indent="-284400">
+              <a:lnSpc>
+                <a:spcPct val="150000"/>
+              </a:lnSpc>
+              <a:buFont typeface="Arial" panose="020B0604020202020204" pitchFamily="34" charset="0"/>
+              <a:buChar char="•"/>
+            </a:pPr>
+            <a:r>
+              <a:rPr lang="en-US" altLang="ko-KR" dirty="0">
+                <a:solidFill>
+                  <a:srgbClr val="222222"/>
+                </a:solidFill>
+                <a:latin typeface="Arial Narrow" panose="020B0606020202030204" pitchFamily="34" charset="0"/>
+              </a:rPr>
+              <a:t>The dataset is preprocessed and available in </a:t>
+            </a:r>
+            <a:r>
+              <a:rPr lang="en-US" altLang="ko-KR" dirty="0" err="1">
+                <a:solidFill>
+                  <a:srgbClr val="222222"/>
+                </a:solidFill>
+                <a:latin typeface="Arial Narrow" panose="020B0606020202030204" pitchFamily="34" charset="0"/>
+              </a:rPr>
+              <a:t>Keras</a:t>
+            </a:r>
+            <a:endParaRPr lang="en-US" altLang="ko-KR" dirty="0">
+              <a:solidFill>
+                <a:srgbClr val="222222"/>
+              </a:solidFill>
+              <a:latin typeface="Arial Narrow" panose="020B0606020202030204" pitchFamily="34" charset="0"/>
+            </a:endParaRPr>
+          </a:p>
+          <a:p>
+            <a:pPr marL="741600" lvl="1" indent="-284400">
+              <a:lnSpc>
+                <a:spcPct val="150000"/>
+              </a:lnSpc>
+              <a:buFont typeface="Arial" panose="020B0604020202020204" pitchFamily="34" charset="0"/>
+              <a:buChar char="•"/>
+            </a:pPr>
+            <a:endParaRPr lang="en-US" altLang="ko-KR" sz="2000" dirty="0">
+              <a:solidFill>
+                <a:srgbClr val="222222"/>
+              </a:solidFill>
+              <a:latin typeface="Arial Narrow" panose="020B0606020202030204" pitchFamily="34" charset="0"/>
+            </a:endParaRPr>
+          </a:p>
+          <a:p>
+            <a:pPr marL="741600" lvl="1" indent="-284400">
+              <a:lnSpc>
+                <a:spcPct val="150000"/>
+              </a:lnSpc>
+              <a:buFont typeface="Arial" panose="020B0604020202020204" pitchFamily="34" charset="0"/>
+              <a:buChar char="•"/>
+            </a:pPr>
+            <a:endParaRPr lang="en-US" altLang="ko-KR" dirty="0">
+              <a:solidFill>
+                <a:srgbClr val="222222"/>
+              </a:solidFill>
+              <a:latin typeface="Arial Narrow" panose="020B0606020202030204" pitchFamily="34" charset="0"/>
+            </a:endParaRPr>
+          </a:p>
+        </p:txBody>
+      </p:sp>
+      <p:sp>
+        <p:nvSpPr>
+          <p:cNvPr id="6" name="직사각형 5">
+            <a:extLst>
+              <a:ext uri="{FF2B5EF4-FFF2-40B4-BE49-F238E27FC236}">
+                <a16:creationId xmlns:a16="http://schemas.microsoft.com/office/drawing/2014/main" id="{6AE458C1-6B85-ECDF-7351-770B57E86129}"/>
+              </a:ext>
+            </a:extLst>
+          </p:cNvPr>
+          <p:cNvSpPr/>
+          <p:nvPr/>
+        </p:nvSpPr>
+        <p:spPr>
+          <a:xfrm>
+            <a:off x="299839" y="70603"/>
+            <a:ext cx="8544322" cy="657168"/>
+          </a:xfrm>
+          <a:prstGeom prst="rect">
+            <a:avLst/>
+          </a:prstGeom>
+        </p:spPr>
+        <p:txBody>
+          <a:bodyPr wrap="square">
+            <a:spAutoFit/>
+          </a:bodyPr>
+          <a:lstStyle/>
+          <a:p>
+            <a:pPr>
+              <a:lnSpc>
+                <a:spcPct val="150000"/>
+              </a:lnSpc>
+            </a:pPr>
+            <a:r>
+              <a:rPr lang="en-US" altLang="ko-KR" sz="2800" dirty="0">
+                <a:solidFill>
+                  <a:srgbClr val="222222"/>
+                </a:solidFill>
+                <a:latin typeface="Arial Narrow" panose="020B0606020202030204" pitchFamily="34" charset="0"/>
+              </a:rPr>
+              <a:t>Introduction to natural language processing</a:t>
+            </a:r>
+            <a:endParaRPr lang="en-US" altLang="ko-KR" sz="2800" dirty="0">
+              <a:latin typeface="Arial Narrow" panose="020B0606020202030204" pitchFamily="34" charset="0"/>
+              <a:cs typeface="Times New Roman" panose="02020603050405020304" pitchFamily="18" charset="0"/>
+            </a:endParaRPr>
+          </a:p>
+        </p:txBody>
+      </p:sp>
+    </p:spTree>
+    <p:extLst>
+      <p:ext uri="{BB962C8B-B14F-4D97-AF65-F5344CB8AC3E}">
+        <p14:creationId xmlns:p14="http://schemas.microsoft.com/office/powerpoint/2010/main" val="3755072918"/>
+      </p:ext>
+    </p:extLst>
+  </p:cSld>
+  <p:clrMapOvr>
+    <a:masterClrMapping/>
+  </p:clrMapOvr>
+</p:sld>
+</file>
+
+<file path=ppt/slides/slide39.xml><?xml version="1.0" encoding="utf-8"?>
+<p:sld xmlns:a="http://schemas.openxmlformats.org/drawingml/2006/main" xmlns:r="http://schemas.openxmlformats.org/officeDocument/2006/relationships" xmlns:p="http://schemas.openxmlformats.org/presentationml/2006/main">
+  <p:cSld>
+    <p:spTree>
+      <p:nvGrpSpPr>
+        <p:cNvPr id="1" name=""/>
+        <p:cNvGrpSpPr/>
+        <p:nvPr/>
+      </p:nvGrpSpPr>
+      <p:grpSpPr>
+        <a:xfrm>
+          <a:off x="0" y="0"/>
+          <a:ext cx="0" cy="0"/>
+          <a:chOff x="0" y="0"/>
+          <a:chExt cx="0" cy="0"/>
+        </a:xfrm>
+      </p:grpSpPr>
+      <p:cxnSp>
+        <p:nvCxnSpPr>
+          <p:cNvPr id="36" name="직선 연결선 35"/>
+          <p:cNvCxnSpPr/>
+          <p:nvPr/>
+        </p:nvCxnSpPr>
+        <p:spPr>
+          <a:xfrm>
+            <a:off x="361950" y="857250"/>
+            <a:ext cx="5391150" cy="0"/>
+          </a:xfrm>
+          <a:prstGeom prst="line">
+            <a:avLst/>
+          </a:prstGeom>
+          <a:ln w="38100">
+            <a:solidFill>
+              <a:schemeClr val="accent2">
+                <a:alpha val="60000"/>
+              </a:schemeClr>
+            </a:solidFill>
+          </a:ln>
+        </p:spPr>
+        <p:style>
+          <a:lnRef idx="1">
+            <a:schemeClr val="accent1"/>
+          </a:lnRef>
+          <a:fillRef idx="0">
+            <a:schemeClr val="accent1"/>
+          </a:fillRef>
+          <a:effectRef idx="0">
+            <a:schemeClr val="accent1"/>
+          </a:effectRef>
+          <a:fontRef idx="minor">
+            <a:schemeClr val="tx1"/>
+          </a:fontRef>
+        </p:style>
+      </p:cxnSp>
+      <p:cxnSp>
+        <p:nvCxnSpPr>
+          <p:cNvPr id="37" name="직선 연결선 36"/>
+          <p:cNvCxnSpPr/>
+          <p:nvPr/>
+        </p:nvCxnSpPr>
+        <p:spPr>
+          <a:xfrm>
+            <a:off x="3257550" y="933450"/>
+            <a:ext cx="5391150" cy="0"/>
+          </a:xfrm>
+          <a:prstGeom prst="line">
+            <a:avLst/>
+          </a:prstGeom>
+          <a:ln w="38100">
+            <a:solidFill>
+              <a:schemeClr val="accent6">
+                <a:alpha val="60000"/>
+              </a:schemeClr>
+            </a:solidFill>
+          </a:ln>
+        </p:spPr>
+        <p:style>
+          <a:lnRef idx="1">
+            <a:schemeClr val="accent1"/>
+          </a:lnRef>
+          <a:fillRef idx="0">
+            <a:schemeClr val="accent1"/>
+          </a:fillRef>
+          <a:effectRef idx="0">
+            <a:schemeClr val="accent1"/>
+          </a:effectRef>
+          <a:fontRef idx="minor">
+            <a:schemeClr val="tx1"/>
+          </a:fontRef>
+        </p:style>
+      </p:cxnSp>
+      <p:sp>
+        <p:nvSpPr>
+          <p:cNvPr id="10" name="직사각형 9">
+            <a:extLst>
+              <a:ext uri="{FF2B5EF4-FFF2-40B4-BE49-F238E27FC236}">
+                <a16:creationId xmlns:a16="http://schemas.microsoft.com/office/drawing/2014/main" id="{9DC7D8DF-F1AC-5E24-6D05-87B8D3343A78}"/>
+              </a:ext>
+            </a:extLst>
+          </p:cNvPr>
+          <p:cNvSpPr/>
+          <p:nvPr/>
+        </p:nvSpPr>
+        <p:spPr>
+          <a:xfrm>
+            <a:off x="328769" y="1139130"/>
+            <a:ext cx="8386605" cy="3133102"/>
+          </a:xfrm>
+          <a:prstGeom prst="rect">
+            <a:avLst/>
+          </a:prstGeom>
+        </p:spPr>
+        <p:txBody>
+          <a:bodyPr wrap="square">
+            <a:spAutoFit/>
+          </a:bodyPr>
+          <a:lstStyle/>
+          <a:p>
+            <a:pPr marL="284400" indent="-284400">
+              <a:lnSpc>
+                <a:spcPct val="150000"/>
+              </a:lnSpc>
+              <a:buFont typeface="Arial" panose="020B0604020202020204" pitchFamily="34" charset="0"/>
+              <a:buChar char="•"/>
+            </a:pPr>
+            <a:r>
+              <a:rPr lang="en-US" altLang="ko-KR" sz="2400" dirty="0">
+                <a:solidFill>
+                  <a:srgbClr val="222222"/>
+                </a:solidFill>
+                <a:latin typeface="Arial Narrow" panose="020B0606020202030204" pitchFamily="34" charset="0"/>
+              </a:rPr>
+              <a:t>Exercise2: Prediction of Sentiment Labels on the IMDB Dataset</a:t>
+            </a:r>
+          </a:p>
+          <a:p>
+            <a:pPr marL="741600" lvl="1" indent="-284400">
+              <a:lnSpc>
+                <a:spcPct val="150000"/>
+              </a:lnSpc>
+              <a:buFont typeface="Arial" panose="020B0604020202020204" pitchFamily="34" charset="0"/>
+              <a:buChar char="•"/>
+            </a:pPr>
+            <a:r>
+              <a:rPr lang="en-US" altLang="ko-KR" sz="2000" dirty="0">
+                <a:solidFill>
+                  <a:srgbClr val="222222"/>
+                </a:solidFill>
+                <a:latin typeface="Arial Narrow" panose="020B0606020202030204" pitchFamily="34" charset="0"/>
+              </a:rPr>
+              <a:t>Model Architectures</a:t>
+            </a:r>
+          </a:p>
+          <a:p>
+            <a:pPr marL="1198800" lvl="2" indent="-284400">
+              <a:lnSpc>
+                <a:spcPct val="150000"/>
+              </a:lnSpc>
+              <a:buFont typeface="Arial" panose="020B0604020202020204" pitchFamily="34" charset="0"/>
+              <a:buChar char="•"/>
+            </a:pPr>
+            <a:r>
+              <a:rPr lang="en-US" altLang="ko-KR" dirty="0">
+                <a:solidFill>
+                  <a:srgbClr val="222222"/>
+                </a:solidFill>
+                <a:latin typeface="Arial Narrow" panose="020B0606020202030204" pitchFamily="34" charset="0"/>
+              </a:rPr>
+              <a:t>Embedding: Convert words into dense vectors that capture the semantic meaning</a:t>
+            </a:r>
+          </a:p>
+          <a:p>
+            <a:pPr marL="1198800" lvl="2" indent="-284400">
+              <a:lnSpc>
+                <a:spcPct val="150000"/>
+              </a:lnSpc>
+              <a:buFont typeface="Arial" panose="020B0604020202020204" pitchFamily="34" charset="0"/>
+              <a:buChar char="•"/>
+            </a:pPr>
+            <a:r>
+              <a:rPr lang="en-US" altLang="ko-KR" dirty="0">
+                <a:solidFill>
+                  <a:srgbClr val="222222"/>
+                </a:solidFill>
+                <a:latin typeface="Arial Narrow" panose="020B0606020202030204" pitchFamily="34" charset="0"/>
+              </a:rPr>
+              <a:t>CNN: Apply convolutional layers to detect local patterns in the sequence of word vectors</a:t>
+            </a:r>
+          </a:p>
+          <a:p>
+            <a:pPr marL="1198800" lvl="2" indent="-284400">
+              <a:lnSpc>
+                <a:spcPct val="150000"/>
+              </a:lnSpc>
+              <a:buFont typeface="Arial" panose="020B0604020202020204" pitchFamily="34" charset="0"/>
+              <a:buChar char="•"/>
+            </a:pPr>
+            <a:r>
+              <a:rPr lang="en-US" altLang="ko-KR" dirty="0">
+                <a:solidFill>
+                  <a:srgbClr val="222222"/>
+                </a:solidFill>
+                <a:latin typeface="Arial Narrow" panose="020B0606020202030204" pitchFamily="34" charset="0"/>
+              </a:rPr>
+              <a:t>LSTM: Use LSTM layers to model long-range dependencies and capture the temporal structure of the text</a:t>
+            </a:r>
+          </a:p>
+        </p:txBody>
+      </p:sp>
+      <p:sp>
+        <p:nvSpPr>
+          <p:cNvPr id="6" name="직사각형 5">
+            <a:extLst>
+              <a:ext uri="{FF2B5EF4-FFF2-40B4-BE49-F238E27FC236}">
+                <a16:creationId xmlns:a16="http://schemas.microsoft.com/office/drawing/2014/main" id="{6AE458C1-6B85-ECDF-7351-770B57E86129}"/>
+              </a:ext>
+            </a:extLst>
+          </p:cNvPr>
+          <p:cNvSpPr/>
+          <p:nvPr/>
+        </p:nvSpPr>
+        <p:spPr>
+          <a:xfrm>
+            <a:off x="299839" y="70603"/>
+            <a:ext cx="8544322" cy="657168"/>
+          </a:xfrm>
+          <a:prstGeom prst="rect">
+            <a:avLst/>
+          </a:prstGeom>
+        </p:spPr>
+        <p:txBody>
+          <a:bodyPr wrap="square">
+            <a:spAutoFit/>
+          </a:bodyPr>
+          <a:lstStyle/>
+          <a:p>
+            <a:pPr>
+              <a:lnSpc>
+                <a:spcPct val="150000"/>
+              </a:lnSpc>
+            </a:pPr>
+            <a:r>
+              <a:rPr lang="en-US" altLang="ko-KR" sz="2800" dirty="0">
+                <a:solidFill>
+                  <a:srgbClr val="222222"/>
+                </a:solidFill>
+                <a:latin typeface="Arial Narrow" panose="020B0606020202030204" pitchFamily="34" charset="0"/>
+              </a:rPr>
+              <a:t>Introduction to natural language processing</a:t>
+            </a:r>
+            <a:endParaRPr lang="en-US" altLang="ko-KR" sz="2800" dirty="0">
+              <a:latin typeface="Arial Narrow" panose="020B0606020202030204" pitchFamily="34" charset="0"/>
+              <a:cs typeface="Times New Roman" panose="02020603050405020304" pitchFamily="18" charset="0"/>
+            </a:endParaRPr>
+          </a:p>
+        </p:txBody>
+      </p:sp>
+    </p:spTree>
+    <p:extLst>
+      <p:ext uri="{BB962C8B-B14F-4D97-AF65-F5344CB8AC3E}">
+        <p14:creationId xmlns:p14="http://schemas.microsoft.com/office/powerpoint/2010/main" val="2388654871"/>
+      </p:ext>
+    </p:extLst>
+  </p:cSld>
+  <p:clrMapOvr>
+    <a:masterClrMapping/>
+  </p:clrMapOvr>
+</p:sld>
+</file>
+
 <file path=ppt/slides/slide4.xml><?xml version="1.0" encoding="utf-8"?>
 <p:sld xmlns:a="http://schemas.openxmlformats.org/drawingml/2006/main" xmlns:r="http://schemas.openxmlformats.org/officeDocument/2006/relationships" xmlns:p="http://schemas.openxmlformats.org/presentationml/2006/main">
   <p:cSld>
@@ -22934,6 +24250,1949 @@
     <p:extLst>
       <p:ext uri="{BB962C8B-B14F-4D97-AF65-F5344CB8AC3E}">
         <p14:creationId xmlns:p14="http://schemas.microsoft.com/office/powerpoint/2010/main" val="2138245886"/>
+      </p:ext>
+    </p:extLst>
+  </p:cSld>
+  <p:clrMapOvr>
+    <a:masterClrMapping/>
+  </p:clrMapOvr>
+</p:sld>
+</file>
+
+<file path=ppt/slides/slide40.xml><?xml version="1.0" encoding="utf-8"?>
+<p:sld xmlns:a="http://schemas.openxmlformats.org/drawingml/2006/main" xmlns:r="http://schemas.openxmlformats.org/officeDocument/2006/relationships" xmlns:p="http://schemas.openxmlformats.org/presentationml/2006/main">
+  <p:cSld>
+    <p:spTree>
+      <p:nvGrpSpPr>
+        <p:cNvPr id="1" name=""/>
+        <p:cNvGrpSpPr/>
+        <p:nvPr/>
+      </p:nvGrpSpPr>
+      <p:grpSpPr>
+        <a:xfrm>
+          <a:off x="0" y="0"/>
+          <a:ext cx="0" cy="0"/>
+          <a:chOff x="0" y="0"/>
+          <a:chExt cx="0" cy="0"/>
+        </a:xfrm>
+      </p:grpSpPr>
+      <p:cxnSp>
+        <p:nvCxnSpPr>
+          <p:cNvPr id="36" name="직선 연결선 35"/>
+          <p:cNvCxnSpPr/>
+          <p:nvPr/>
+        </p:nvCxnSpPr>
+        <p:spPr>
+          <a:xfrm>
+            <a:off x="361950" y="857250"/>
+            <a:ext cx="5391150" cy="0"/>
+          </a:xfrm>
+          <a:prstGeom prst="line">
+            <a:avLst/>
+          </a:prstGeom>
+          <a:ln w="38100">
+            <a:solidFill>
+              <a:schemeClr val="accent2">
+                <a:alpha val="60000"/>
+              </a:schemeClr>
+            </a:solidFill>
+          </a:ln>
+        </p:spPr>
+        <p:style>
+          <a:lnRef idx="1">
+            <a:schemeClr val="accent1"/>
+          </a:lnRef>
+          <a:fillRef idx="0">
+            <a:schemeClr val="accent1"/>
+          </a:fillRef>
+          <a:effectRef idx="0">
+            <a:schemeClr val="accent1"/>
+          </a:effectRef>
+          <a:fontRef idx="minor">
+            <a:schemeClr val="tx1"/>
+          </a:fontRef>
+        </p:style>
+      </p:cxnSp>
+      <p:cxnSp>
+        <p:nvCxnSpPr>
+          <p:cNvPr id="37" name="직선 연결선 36"/>
+          <p:cNvCxnSpPr/>
+          <p:nvPr/>
+        </p:nvCxnSpPr>
+        <p:spPr>
+          <a:xfrm>
+            <a:off x="3257550" y="933450"/>
+            <a:ext cx="5391150" cy="0"/>
+          </a:xfrm>
+          <a:prstGeom prst="line">
+            <a:avLst/>
+          </a:prstGeom>
+          <a:ln w="38100">
+            <a:solidFill>
+              <a:schemeClr val="accent6">
+                <a:alpha val="60000"/>
+              </a:schemeClr>
+            </a:solidFill>
+          </a:ln>
+        </p:spPr>
+        <p:style>
+          <a:lnRef idx="1">
+            <a:schemeClr val="accent1"/>
+          </a:lnRef>
+          <a:fillRef idx="0">
+            <a:schemeClr val="accent1"/>
+          </a:fillRef>
+          <a:effectRef idx="0">
+            <a:schemeClr val="accent1"/>
+          </a:effectRef>
+          <a:fontRef idx="minor">
+            <a:schemeClr val="tx1"/>
+          </a:fontRef>
+        </p:style>
+      </p:cxnSp>
+      <p:sp>
+        <p:nvSpPr>
+          <p:cNvPr id="10" name="직사각형 9">
+            <a:extLst>
+              <a:ext uri="{FF2B5EF4-FFF2-40B4-BE49-F238E27FC236}">
+                <a16:creationId xmlns:a16="http://schemas.microsoft.com/office/drawing/2014/main" id="{9DC7D8DF-F1AC-5E24-6D05-87B8D3343A78}"/>
+              </a:ext>
+            </a:extLst>
+          </p:cNvPr>
+          <p:cNvSpPr/>
+          <p:nvPr/>
+        </p:nvSpPr>
+        <p:spPr>
+          <a:xfrm>
+            <a:off x="328769" y="1139130"/>
+            <a:ext cx="8386605" cy="5302927"/>
+          </a:xfrm>
+          <a:prstGeom prst="rect">
+            <a:avLst/>
+          </a:prstGeom>
+        </p:spPr>
+        <p:txBody>
+          <a:bodyPr wrap="square">
+            <a:spAutoFit/>
+          </a:bodyPr>
+          <a:lstStyle/>
+          <a:p>
+            <a:pPr marL="284400" indent="-284400">
+              <a:lnSpc>
+                <a:spcPct val="150000"/>
+              </a:lnSpc>
+              <a:buFont typeface="Arial" panose="020B0604020202020204" pitchFamily="34" charset="0"/>
+              <a:buChar char="•"/>
+            </a:pPr>
+            <a:r>
+              <a:rPr lang="en-US" altLang="ko-KR" sz="2400" dirty="0">
+                <a:solidFill>
+                  <a:srgbClr val="222222"/>
+                </a:solidFill>
+                <a:latin typeface="Arial Narrow" panose="020B0606020202030204" pitchFamily="34" charset="0"/>
+              </a:rPr>
+              <a:t>Exercise2: Prediction of Sentiment Labels on the IMDB Dataset</a:t>
+            </a:r>
+          </a:p>
+          <a:p>
+            <a:pPr marL="914400" lvl="1" indent="-457200">
+              <a:lnSpc>
+                <a:spcPct val="150000"/>
+              </a:lnSpc>
+              <a:buFont typeface="+mj-lt"/>
+              <a:buAutoNum type="arabicPeriod"/>
+            </a:pPr>
+            <a:r>
+              <a:rPr lang="en-US" altLang="ko-KR" sz="2000" dirty="0">
+                <a:solidFill>
+                  <a:srgbClr val="222222"/>
+                </a:solidFill>
+                <a:latin typeface="Arial Narrow" panose="020B0606020202030204" pitchFamily="34" charset="0"/>
+              </a:rPr>
+              <a:t>Preprocess data</a:t>
+            </a:r>
+          </a:p>
+          <a:p>
+            <a:pPr marL="1371600" lvl="2" indent="-457200">
+              <a:lnSpc>
+                <a:spcPct val="150000"/>
+              </a:lnSpc>
+              <a:buFont typeface="Arial" panose="020B0604020202020204" pitchFamily="34" charset="0"/>
+              <a:buChar char="•"/>
+            </a:pPr>
+            <a:r>
+              <a:rPr lang="en-US" altLang="ko-KR" dirty="0">
+                <a:solidFill>
+                  <a:srgbClr val="222222"/>
+                </a:solidFill>
+                <a:latin typeface="Arial Narrow" panose="020B0606020202030204" pitchFamily="34" charset="0"/>
+              </a:rPr>
+              <a:t>Load the IMDB dataset using </a:t>
+            </a:r>
+            <a:r>
+              <a:rPr lang="en-US" altLang="ko-KR" dirty="0" err="1">
+                <a:solidFill>
+                  <a:srgbClr val="222222"/>
+                </a:solidFill>
+                <a:latin typeface="Arial Narrow" panose="020B0606020202030204" pitchFamily="34" charset="0"/>
+              </a:rPr>
+              <a:t>Keras</a:t>
+            </a:r>
+            <a:endParaRPr lang="en-US" altLang="ko-KR" dirty="0">
+              <a:solidFill>
+                <a:srgbClr val="222222"/>
+              </a:solidFill>
+              <a:latin typeface="Arial Narrow" panose="020B0606020202030204" pitchFamily="34" charset="0"/>
+            </a:endParaRPr>
+          </a:p>
+          <a:p>
+            <a:pPr marL="1371600" lvl="2" indent="-457200">
+              <a:lnSpc>
+                <a:spcPct val="150000"/>
+              </a:lnSpc>
+              <a:buFont typeface="Arial" panose="020B0604020202020204" pitchFamily="34" charset="0"/>
+              <a:buChar char="•"/>
+            </a:pPr>
+            <a:r>
+              <a:rPr lang="en-US" altLang="ko-KR" dirty="0">
+                <a:solidFill>
+                  <a:srgbClr val="222222"/>
+                </a:solidFill>
+                <a:latin typeface="Arial Narrow" panose="020B0606020202030204" pitchFamily="34" charset="0"/>
+              </a:rPr>
+              <a:t>Limit the vocabulary to the top 10,000 most frequent words</a:t>
+            </a:r>
+          </a:p>
+          <a:p>
+            <a:pPr marL="1371600" lvl="2" indent="-457200">
+              <a:lnSpc>
+                <a:spcPct val="150000"/>
+              </a:lnSpc>
+              <a:buFont typeface="Arial" panose="020B0604020202020204" pitchFamily="34" charset="0"/>
+              <a:buChar char="•"/>
+            </a:pPr>
+            <a:r>
+              <a:rPr lang="en-US" altLang="ko-KR" dirty="0">
+                <a:solidFill>
+                  <a:srgbClr val="222222"/>
+                </a:solidFill>
+                <a:latin typeface="Arial Narrow" panose="020B0606020202030204" pitchFamily="34" charset="0"/>
+              </a:rPr>
+              <a:t>Pad the sequences to a fixed length of 500 words for input to the models</a:t>
+            </a:r>
+          </a:p>
+          <a:p>
+            <a:pPr marL="914400" lvl="1" indent="-457200">
+              <a:lnSpc>
+                <a:spcPct val="150000"/>
+              </a:lnSpc>
+              <a:buFont typeface="+mj-lt"/>
+              <a:buAutoNum type="arabicPeriod"/>
+            </a:pPr>
+            <a:r>
+              <a:rPr lang="en-US" altLang="ko-KR" sz="2000" dirty="0">
+                <a:solidFill>
+                  <a:srgbClr val="222222"/>
+                </a:solidFill>
+                <a:latin typeface="Arial Narrow" panose="020B0606020202030204" pitchFamily="34" charset="0"/>
+              </a:rPr>
+              <a:t>Create models</a:t>
+            </a:r>
+          </a:p>
+          <a:p>
+            <a:pPr marL="1371600" lvl="2" indent="-457200">
+              <a:lnSpc>
+                <a:spcPct val="150000"/>
+              </a:lnSpc>
+              <a:buFont typeface="Arial" panose="020B0604020202020204" pitchFamily="34" charset="0"/>
+              <a:buChar char="•"/>
+            </a:pPr>
+            <a:r>
+              <a:rPr lang="en-US" altLang="ko-KR" dirty="0">
+                <a:solidFill>
+                  <a:srgbClr val="222222"/>
+                </a:solidFill>
+                <a:latin typeface="Arial Narrow" panose="020B0606020202030204" pitchFamily="34" charset="0"/>
+              </a:rPr>
+              <a:t>Build a model using Embedding, CNN, and LSTM layers</a:t>
+            </a:r>
+          </a:p>
+          <a:p>
+            <a:pPr marL="1371600" lvl="2" indent="-457200">
+              <a:lnSpc>
+                <a:spcPct val="150000"/>
+              </a:lnSpc>
+              <a:buFont typeface="Arial" panose="020B0604020202020204" pitchFamily="34" charset="0"/>
+              <a:buChar char="•"/>
+            </a:pPr>
+            <a:r>
+              <a:rPr lang="en-US" altLang="ko-KR" dirty="0">
+                <a:solidFill>
+                  <a:srgbClr val="222222"/>
+                </a:solidFill>
+                <a:latin typeface="Arial Narrow" panose="020B0606020202030204" pitchFamily="34" charset="0"/>
+              </a:rPr>
+              <a:t>Combine layers as needed, e.g., Embedding followed by CNN and LSTM</a:t>
+            </a:r>
+          </a:p>
+          <a:p>
+            <a:pPr marL="914400" lvl="1" indent="-457200">
+              <a:lnSpc>
+                <a:spcPct val="150000"/>
+              </a:lnSpc>
+              <a:buFont typeface="+mj-lt"/>
+              <a:buAutoNum type="arabicPeriod"/>
+            </a:pPr>
+            <a:r>
+              <a:rPr lang="en-US" altLang="ko-KR" sz="2000" dirty="0">
+                <a:solidFill>
+                  <a:srgbClr val="222222"/>
+                </a:solidFill>
+                <a:latin typeface="Arial Narrow" panose="020B0606020202030204" pitchFamily="34" charset="0"/>
+              </a:rPr>
+              <a:t>Train models</a:t>
+            </a:r>
+          </a:p>
+          <a:p>
+            <a:pPr marL="1371600" lvl="2" indent="-457200">
+              <a:lnSpc>
+                <a:spcPct val="150000"/>
+              </a:lnSpc>
+              <a:buFont typeface="Arial" panose="020B0604020202020204" pitchFamily="34" charset="0"/>
+              <a:buChar char="•"/>
+            </a:pPr>
+            <a:r>
+              <a:rPr lang="en-US" altLang="ko-KR" dirty="0">
+                <a:solidFill>
+                  <a:srgbClr val="222222"/>
+                </a:solidFill>
+                <a:latin typeface="Arial Narrow" panose="020B0606020202030204" pitchFamily="34" charset="0"/>
+              </a:rPr>
+              <a:t>Compile the model using binary cross-entropy loss and the RMSprop optimizer</a:t>
+            </a:r>
+          </a:p>
+          <a:p>
+            <a:pPr marL="1371600" lvl="2" indent="-457200">
+              <a:lnSpc>
+                <a:spcPct val="150000"/>
+              </a:lnSpc>
+              <a:buFont typeface="Arial" panose="020B0604020202020204" pitchFamily="34" charset="0"/>
+              <a:buChar char="•"/>
+            </a:pPr>
+            <a:r>
+              <a:rPr lang="en-US" altLang="ko-KR" dirty="0">
+                <a:solidFill>
+                  <a:srgbClr val="222222"/>
+                </a:solidFill>
+                <a:latin typeface="Arial Narrow" panose="020B0606020202030204" pitchFamily="34" charset="0"/>
+              </a:rPr>
+              <a:t>Fit the model using the training data</a:t>
+            </a:r>
+          </a:p>
+          <a:p>
+            <a:pPr marL="1371600" lvl="2" indent="-457200">
+              <a:lnSpc>
+                <a:spcPct val="150000"/>
+              </a:lnSpc>
+              <a:buFont typeface="Arial" panose="020B0604020202020204" pitchFamily="34" charset="0"/>
+              <a:buChar char="•"/>
+            </a:pPr>
+            <a:r>
+              <a:rPr lang="en-US" altLang="ko-KR" dirty="0">
+                <a:solidFill>
+                  <a:srgbClr val="222222"/>
+                </a:solidFill>
+                <a:latin typeface="Arial Narrow" panose="020B0606020202030204" pitchFamily="34" charset="0"/>
+              </a:rPr>
+              <a:t>Monitor training progress and loss/accuracy metrics with validation data</a:t>
+            </a:r>
+            <a:endParaRPr lang="en-US" altLang="ko-KR" sz="2000" dirty="0">
+              <a:solidFill>
+                <a:srgbClr val="222222"/>
+              </a:solidFill>
+              <a:latin typeface="Arial Narrow" panose="020B0606020202030204" pitchFamily="34" charset="0"/>
+            </a:endParaRPr>
+          </a:p>
+        </p:txBody>
+      </p:sp>
+      <p:sp>
+        <p:nvSpPr>
+          <p:cNvPr id="6" name="직사각형 5">
+            <a:extLst>
+              <a:ext uri="{FF2B5EF4-FFF2-40B4-BE49-F238E27FC236}">
+                <a16:creationId xmlns:a16="http://schemas.microsoft.com/office/drawing/2014/main" id="{6AE458C1-6B85-ECDF-7351-770B57E86129}"/>
+              </a:ext>
+            </a:extLst>
+          </p:cNvPr>
+          <p:cNvSpPr/>
+          <p:nvPr/>
+        </p:nvSpPr>
+        <p:spPr>
+          <a:xfrm>
+            <a:off x="299839" y="70603"/>
+            <a:ext cx="8544322" cy="657168"/>
+          </a:xfrm>
+          <a:prstGeom prst="rect">
+            <a:avLst/>
+          </a:prstGeom>
+        </p:spPr>
+        <p:txBody>
+          <a:bodyPr wrap="square">
+            <a:spAutoFit/>
+          </a:bodyPr>
+          <a:lstStyle/>
+          <a:p>
+            <a:pPr>
+              <a:lnSpc>
+                <a:spcPct val="150000"/>
+              </a:lnSpc>
+            </a:pPr>
+            <a:r>
+              <a:rPr lang="en-US" altLang="ko-KR" sz="2800" dirty="0">
+                <a:solidFill>
+                  <a:srgbClr val="222222"/>
+                </a:solidFill>
+                <a:latin typeface="Arial Narrow" panose="020B0606020202030204" pitchFamily="34" charset="0"/>
+              </a:rPr>
+              <a:t>Introduction to natural language processing</a:t>
+            </a:r>
+            <a:endParaRPr lang="en-US" altLang="ko-KR" sz="2800" dirty="0">
+              <a:latin typeface="Arial Narrow" panose="020B0606020202030204" pitchFamily="34" charset="0"/>
+              <a:cs typeface="Times New Roman" panose="02020603050405020304" pitchFamily="18" charset="0"/>
+            </a:endParaRPr>
+          </a:p>
+        </p:txBody>
+      </p:sp>
+    </p:spTree>
+    <p:extLst>
+      <p:ext uri="{BB962C8B-B14F-4D97-AF65-F5344CB8AC3E}">
+        <p14:creationId xmlns:p14="http://schemas.microsoft.com/office/powerpoint/2010/main" val="3839070406"/>
+      </p:ext>
+    </p:extLst>
+  </p:cSld>
+  <p:clrMapOvr>
+    <a:masterClrMapping/>
+  </p:clrMapOvr>
+</p:sld>
+</file>
+
+<file path=ppt/slides/slide41.xml><?xml version="1.0" encoding="utf-8"?>
+<p:sld xmlns:a="http://schemas.openxmlformats.org/drawingml/2006/main" xmlns:r="http://schemas.openxmlformats.org/officeDocument/2006/relationships" xmlns:p="http://schemas.openxmlformats.org/presentationml/2006/main">
+  <p:cSld>
+    <p:spTree>
+      <p:nvGrpSpPr>
+        <p:cNvPr id="1" name=""/>
+        <p:cNvGrpSpPr/>
+        <p:nvPr/>
+      </p:nvGrpSpPr>
+      <p:grpSpPr>
+        <a:xfrm>
+          <a:off x="0" y="0"/>
+          <a:ext cx="0" cy="0"/>
+          <a:chOff x="0" y="0"/>
+          <a:chExt cx="0" cy="0"/>
+        </a:xfrm>
+      </p:grpSpPr>
+      <p:cxnSp>
+        <p:nvCxnSpPr>
+          <p:cNvPr id="36" name="직선 연결선 35"/>
+          <p:cNvCxnSpPr/>
+          <p:nvPr/>
+        </p:nvCxnSpPr>
+        <p:spPr>
+          <a:xfrm>
+            <a:off x="361950" y="857250"/>
+            <a:ext cx="5391150" cy="0"/>
+          </a:xfrm>
+          <a:prstGeom prst="line">
+            <a:avLst/>
+          </a:prstGeom>
+          <a:ln w="38100">
+            <a:solidFill>
+              <a:schemeClr val="accent2">
+                <a:alpha val="60000"/>
+              </a:schemeClr>
+            </a:solidFill>
+          </a:ln>
+        </p:spPr>
+        <p:style>
+          <a:lnRef idx="1">
+            <a:schemeClr val="accent1"/>
+          </a:lnRef>
+          <a:fillRef idx="0">
+            <a:schemeClr val="accent1"/>
+          </a:fillRef>
+          <a:effectRef idx="0">
+            <a:schemeClr val="accent1"/>
+          </a:effectRef>
+          <a:fontRef idx="minor">
+            <a:schemeClr val="tx1"/>
+          </a:fontRef>
+        </p:style>
+      </p:cxnSp>
+      <p:cxnSp>
+        <p:nvCxnSpPr>
+          <p:cNvPr id="37" name="직선 연결선 36"/>
+          <p:cNvCxnSpPr/>
+          <p:nvPr/>
+        </p:nvCxnSpPr>
+        <p:spPr>
+          <a:xfrm>
+            <a:off x="3257550" y="933450"/>
+            <a:ext cx="5391150" cy="0"/>
+          </a:xfrm>
+          <a:prstGeom prst="line">
+            <a:avLst/>
+          </a:prstGeom>
+          <a:ln w="38100">
+            <a:solidFill>
+              <a:schemeClr val="accent6">
+                <a:alpha val="60000"/>
+              </a:schemeClr>
+            </a:solidFill>
+          </a:ln>
+        </p:spPr>
+        <p:style>
+          <a:lnRef idx="1">
+            <a:schemeClr val="accent1"/>
+          </a:lnRef>
+          <a:fillRef idx="0">
+            <a:schemeClr val="accent1"/>
+          </a:fillRef>
+          <a:effectRef idx="0">
+            <a:schemeClr val="accent1"/>
+          </a:effectRef>
+          <a:fontRef idx="minor">
+            <a:schemeClr val="tx1"/>
+          </a:fontRef>
+        </p:style>
+      </p:cxnSp>
+      <p:sp>
+        <p:nvSpPr>
+          <p:cNvPr id="10" name="직사각형 9">
+            <a:extLst>
+              <a:ext uri="{FF2B5EF4-FFF2-40B4-BE49-F238E27FC236}">
+                <a16:creationId xmlns:a16="http://schemas.microsoft.com/office/drawing/2014/main" id="{9DC7D8DF-F1AC-5E24-6D05-87B8D3343A78}"/>
+              </a:ext>
+            </a:extLst>
+          </p:cNvPr>
+          <p:cNvSpPr/>
+          <p:nvPr/>
+        </p:nvSpPr>
+        <p:spPr>
+          <a:xfrm>
+            <a:off x="328769" y="1139130"/>
+            <a:ext cx="8386605" cy="5297091"/>
+          </a:xfrm>
+          <a:prstGeom prst="rect">
+            <a:avLst/>
+          </a:prstGeom>
+        </p:spPr>
+        <p:txBody>
+          <a:bodyPr wrap="square">
+            <a:spAutoFit/>
+          </a:bodyPr>
+          <a:lstStyle/>
+          <a:p>
+            <a:pPr marL="284400" indent="-284400">
+              <a:lnSpc>
+                <a:spcPct val="150000"/>
+              </a:lnSpc>
+              <a:buFont typeface="Arial" panose="020B0604020202020204" pitchFamily="34" charset="0"/>
+              <a:buChar char="•"/>
+            </a:pPr>
+            <a:r>
+              <a:rPr lang="en-US" altLang="ko-KR" sz="2400" dirty="0">
+                <a:solidFill>
+                  <a:srgbClr val="222222"/>
+                </a:solidFill>
+                <a:latin typeface="Arial Narrow" panose="020B0606020202030204" pitchFamily="34" charset="0"/>
+              </a:rPr>
+              <a:t>Exercise2: Prediction of Sentiment Labels on the IMDB Dataset</a:t>
+            </a:r>
+          </a:p>
+          <a:p>
+            <a:pPr marL="914400" lvl="1" indent="-457200">
+              <a:lnSpc>
+                <a:spcPct val="150000"/>
+              </a:lnSpc>
+              <a:buFont typeface="+mj-lt"/>
+              <a:buAutoNum type="arabicPeriod" startAt="4"/>
+            </a:pPr>
+            <a:r>
+              <a:rPr lang="en-US" altLang="ko-KR" sz="2000" dirty="0">
+                <a:solidFill>
+                  <a:srgbClr val="222222"/>
+                </a:solidFill>
+                <a:latin typeface="Arial Narrow" panose="020B0606020202030204" pitchFamily="34" charset="0"/>
+              </a:rPr>
+              <a:t>Evaluate performance</a:t>
+            </a:r>
+          </a:p>
+          <a:p>
+            <a:pPr marL="1371600" lvl="2" indent="-457200">
+              <a:lnSpc>
+                <a:spcPct val="150000"/>
+              </a:lnSpc>
+              <a:buFont typeface="Arial" panose="020B0604020202020204" pitchFamily="34" charset="0"/>
+              <a:buChar char="•"/>
+            </a:pPr>
+            <a:r>
+              <a:rPr lang="en-US" altLang="ko-KR" dirty="0">
+                <a:solidFill>
+                  <a:srgbClr val="222222"/>
+                </a:solidFill>
+                <a:latin typeface="Arial Narrow" panose="020B0606020202030204" pitchFamily="34" charset="0"/>
+              </a:rPr>
+              <a:t>Test the model's performance on the test dataset</a:t>
+            </a:r>
+          </a:p>
+          <a:p>
+            <a:pPr marL="1371600" lvl="2" indent="-457200">
+              <a:lnSpc>
+                <a:spcPct val="150000"/>
+              </a:lnSpc>
+              <a:buFont typeface="Arial" panose="020B0604020202020204" pitchFamily="34" charset="0"/>
+              <a:buChar char="•"/>
+            </a:pPr>
+            <a:r>
+              <a:rPr lang="en-US" altLang="ko-KR" dirty="0">
+                <a:solidFill>
+                  <a:srgbClr val="222222"/>
+                </a:solidFill>
+                <a:latin typeface="Arial Narrow" panose="020B0606020202030204" pitchFamily="34" charset="0"/>
+              </a:rPr>
+              <a:t>Report loss and accuracy metrics</a:t>
+            </a:r>
+          </a:p>
+          <a:p>
+            <a:pPr marL="914400" lvl="1" indent="-457200">
+              <a:lnSpc>
+                <a:spcPct val="150000"/>
+              </a:lnSpc>
+              <a:buFont typeface="+mj-lt"/>
+              <a:buAutoNum type="arabicPeriod" startAt="4"/>
+            </a:pPr>
+            <a:r>
+              <a:rPr lang="en-US" altLang="ko-KR" sz="2000" dirty="0">
+                <a:solidFill>
+                  <a:srgbClr val="222222"/>
+                </a:solidFill>
+                <a:latin typeface="Arial Narrow" panose="020B0606020202030204" pitchFamily="34" charset="0"/>
+              </a:rPr>
+              <a:t>Analyze embeddings</a:t>
+            </a:r>
+          </a:p>
+          <a:p>
+            <a:pPr marL="1371600" lvl="2" indent="-457200">
+              <a:lnSpc>
+                <a:spcPct val="150000"/>
+              </a:lnSpc>
+              <a:buFont typeface="Arial" panose="020B0604020202020204" pitchFamily="34" charset="0"/>
+              <a:buChar char="•"/>
+            </a:pPr>
+            <a:r>
+              <a:rPr lang="en-US" altLang="ko-KR" dirty="0">
+                <a:solidFill>
+                  <a:srgbClr val="222222"/>
+                </a:solidFill>
+                <a:latin typeface="Arial Narrow" panose="020B0606020202030204" pitchFamily="34" charset="0"/>
+              </a:rPr>
+              <a:t>Extract the word embeddings from the trained model</a:t>
+            </a:r>
+          </a:p>
+          <a:p>
+            <a:pPr marL="1371600" lvl="2" indent="-457200">
+              <a:lnSpc>
+                <a:spcPct val="150000"/>
+              </a:lnSpc>
+              <a:buFont typeface="Arial" panose="020B0604020202020204" pitchFamily="34" charset="0"/>
+              <a:buChar char="•"/>
+            </a:pPr>
+            <a:r>
+              <a:rPr lang="en-US" altLang="ko-KR" dirty="0">
+                <a:solidFill>
+                  <a:srgbClr val="222222"/>
+                </a:solidFill>
+                <a:latin typeface="Arial Narrow" panose="020B0606020202030204" pitchFamily="34" charset="0"/>
+              </a:rPr>
+              <a:t>Compute cosine similarity between pairs of word vectors to measure their semantic similarity</a:t>
+            </a:r>
+          </a:p>
+          <a:p>
+            <a:pPr marL="1371600" lvl="2" indent="-457200">
+              <a:lnSpc>
+                <a:spcPct val="150000"/>
+              </a:lnSpc>
+              <a:buFont typeface="Arial" panose="020B0604020202020204" pitchFamily="34" charset="0"/>
+              <a:buChar char="•"/>
+            </a:pPr>
+            <a:r>
+              <a:rPr lang="en-US" altLang="ko-KR" dirty="0">
+                <a:solidFill>
+                  <a:srgbClr val="222222"/>
+                </a:solidFill>
+                <a:latin typeface="Arial Narrow" panose="020B0606020202030204" pitchFamily="34" charset="0"/>
+              </a:rPr>
+              <a:t>Use cosine similarity to analyze the relationships between words in the learned embedding space</a:t>
+            </a:r>
+          </a:p>
+          <a:p>
+            <a:pPr marL="1371600" lvl="2" indent="-457200">
+              <a:lnSpc>
+                <a:spcPct val="150000"/>
+              </a:lnSpc>
+              <a:buFont typeface="Arial" panose="020B0604020202020204" pitchFamily="34" charset="0"/>
+              <a:buChar char="•"/>
+            </a:pPr>
+            <a:r>
+              <a:rPr lang="en-US" altLang="ko-KR" dirty="0">
+                <a:solidFill>
+                  <a:srgbClr val="222222"/>
+                </a:solidFill>
+                <a:latin typeface="Arial Narrow" panose="020B0606020202030204" pitchFamily="34" charset="0"/>
+              </a:rPr>
+              <a:t>Visualize the cosine similarity matrix using a heatmap</a:t>
+            </a:r>
+          </a:p>
+          <a:p>
+            <a:pPr marL="1371600" lvl="2" indent="-457200">
+              <a:lnSpc>
+                <a:spcPct val="150000"/>
+              </a:lnSpc>
+              <a:buFont typeface="Arial" panose="020B0604020202020204" pitchFamily="34" charset="0"/>
+              <a:buChar char="•"/>
+            </a:pPr>
+            <a:r>
+              <a:rPr lang="en-US" altLang="ko-KR" dirty="0">
+                <a:solidFill>
+                  <a:srgbClr val="222222"/>
+                </a:solidFill>
+                <a:latin typeface="Arial Narrow" panose="020B0606020202030204" pitchFamily="34" charset="0"/>
+              </a:rPr>
+              <a:t>Apply clustering to the heatmap to reveal patterns in the word embeddings </a:t>
+            </a:r>
+          </a:p>
+        </p:txBody>
+      </p:sp>
+      <p:sp>
+        <p:nvSpPr>
+          <p:cNvPr id="6" name="직사각형 5">
+            <a:extLst>
+              <a:ext uri="{FF2B5EF4-FFF2-40B4-BE49-F238E27FC236}">
+                <a16:creationId xmlns:a16="http://schemas.microsoft.com/office/drawing/2014/main" id="{6AE458C1-6B85-ECDF-7351-770B57E86129}"/>
+              </a:ext>
+            </a:extLst>
+          </p:cNvPr>
+          <p:cNvSpPr/>
+          <p:nvPr/>
+        </p:nvSpPr>
+        <p:spPr>
+          <a:xfrm>
+            <a:off x="299839" y="70603"/>
+            <a:ext cx="8544322" cy="657168"/>
+          </a:xfrm>
+          <a:prstGeom prst="rect">
+            <a:avLst/>
+          </a:prstGeom>
+        </p:spPr>
+        <p:txBody>
+          <a:bodyPr wrap="square">
+            <a:spAutoFit/>
+          </a:bodyPr>
+          <a:lstStyle/>
+          <a:p>
+            <a:pPr>
+              <a:lnSpc>
+                <a:spcPct val="150000"/>
+              </a:lnSpc>
+            </a:pPr>
+            <a:r>
+              <a:rPr lang="en-US" altLang="ko-KR" sz="2800" dirty="0">
+                <a:solidFill>
+                  <a:srgbClr val="222222"/>
+                </a:solidFill>
+                <a:latin typeface="Arial Narrow" panose="020B0606020202030204" pitchFamily="34" charset="0"/>
+              </a:rPr>
+              <a:t>Introduction to natural language processing</a:t>
+            </a:r>
+            <a:endParaRPr lang="en-US" altLang="ko-KR" sz="2800" dirty="0">
+              <a:latin typeface="Arial Narrow" panose="020B0606020202030204" pitchFamily="34" charset="0"/>
+              <a:cs typeface="Times New Roman" panose="02020603050405020304" pitchFamily="18" charset="0"/>
+            </a:endParaRPr>
+          </a:p>
+        </p:txBody>
+      </p:sp>
+    </p:spTree>
+    <p:extLst>
+      <p:ext uri="{BB962C8B-B14F-4D97-AF65-F5344CB8AC3E}">
+        <p14:creationId xmlns:p14="http://schemas.microsoft.com/office/powerpoint/2010/main" val="2509382083"/>
+      </p:ext>
+    </p:extLst>
+  </p:cSld>
+  <p:clrMapOvr>
+    <a:masterClrMapping/>
+  </p:clrMapOvr>
+</p:sld>
+</file>
+
+<file path=ppt/slides/slide42.xml><?xml version="1.0" encoding="utf-8"?>
+<p:sld xmlns:a="http://schemas.openxmlformats.org/drawingml/2006/main" xmlns:r="http://schemas.openxmlformats.org/officeDocument/2006/relationships" xmlns:p="http://schemas.openxmlformats.org/presentationml/2006/main">
+  <p:cSld>
+    <p:spTree>
+      <p:nvGrpSpPr>
+        <p:cNvPr id="1" name=""/>
+        <p:cNvGrpSpPr/>
+        <p:nvPr/>
+      </p:nvGrpSpPr>
+      <p:grpSpPr>
+        <a:xfrm>
+          <a:off x="0" y="0"/>
+          <a:ext cx="0" cy="0"/>
+          <a:chOff x="0" y="0"/>
+          <a:chExt cx="0" cy="0"/>
+        </a:xfrm>
+      </p:grpSpPr>
+      <p:cxnSp>
+        <p:nvCxnSpPr>
+          <p:cNvPr id="36" name="직선 연결선 35"/>
+          <p:cNvCxnSpPr/>
+          <p:nvPr/>
+        </p:nvCxnSpPr>
+        <p:spPr>
+          <a:xfrm>
+            <a:off x="361950" y="857250"/>
+            <a:ext cx="5391150" cy="0"/>
+          </a:xfrm>
+          <a:prstGeom prst="line">
+            <a:avLst/>
+          </a:prstGeom>
+          <a:ln w="38100">
+            <a:solidFill>
+              <a:schemeClr val="accent2">
+                <a:alpha val="60000"/>
+              </a:schemeClr>
+            </a:solidFill>
+          </a:ln>
+        </p:spPr>
+        <p:style>
+          <a:lnRef idx="1">
+            <a:schemeClr val="accent1"/>
+          </a:lnRef>
+          <a:fillRef idx="0">
+            <a:schemeClr val="accent1"/>
+          </a:fillRef>
+          <a:effectRef idx="0">
+            <a:schemeClr val="accent1"/>
+          </a:effectRef>
+          <a:fontRef idx="minor">
+            <a:schemeClr val="tx1"/>
+          </a:fontRef>
+        </p:style>
+      </p:cxnSp>
+      <p:cxnSp>
+        <p:nvCxnSpPr>
+          <p:cNvPr id="37" name="직선 연결선 36"/>
+          <p:cNvCxnSpPr/>
+          <p:nvPr/>
+        </p:nvCxnSpPr>
+        <p:spPr>
+          <a:xfrm>
+            <a:off x="3257550" y="933450"/>
+            <a:ext cx="5391150" cy="0"/>
+          </a:xfrm>
+          <a:prstGeom prst="line">
+            <a:avLst/>
+          </a:prstGeom>
+          <a:ln w="38100">
+            <a:solidFill>
+              <a:schemeClr val="accent6">
+                <a:alpha val="60000"/>
+              </a:schemeClr>
+            </a:solidFill>
+          </a:ln>
+        </p:spPr>
+        <p:style>
+          <a:lnRef idx="1">
+            <a:schemeClr val="accent1"/>
+          </a:lnRef>
+          <a:fillRef idx="0">
+            <a:schemeClr val="accent1"/>
+          </a:fillRef>
+          <a:effectRef idx="0">
+            <a:schemeClr val="accent1"/>
+          </a:effectRef>
+          <a:fontRef idx="minor">
+            <a:schemeClr val="tx1"/>
+          </a:fontRef>
+        </p:style>
+      </p:cxnSp>
+      <p:sp>
+        <p:nvSpPr>
+          <p:cNvPr id="10" name="직사각형 9">
+            <a:extLst>
+              <a:ext uri="{FF2B5EF4-FFF2-40B4-BE49-F238E27FC236}">
+                <a16:creationId xmlns:a16="http://schemas.microsoft.com/office/drawing/2014/main" id="{9DC7D8DF-F1AC-5E24-6D05-87B8D3343A78}"/>
+              </a:ext>
+            </a:extLst>
+          </p:cNvPr>
+          <p:cNvSpPr/>
+          <p:nvPr/>
+        </p:nvSpPr>
+        <p:spPr>
+          <a:xfrm>
+            <a:off x="328769" y="1139130"/>
+            <a:ext cx="8544321" cy="3508204"/>
+          </a:xfrm>
+          <a:prstGeom prst="rect">
+            <a:avLst/>
+          </a:prstGeom>
+        </p:spPr>
+        <p:txBody>
+          <a:bodyPr wrap="square">
+            <a:spAutoFit/>
+          </a:bodyPr>
+          <a:lstStyle/>
+          <a:p>
+            <a:pPr marL="284400" indent="-284400">
+              <a:lnSpc>
+                <a:spcPct val="150000"/>
+              </a:lnSpc>
+              <a:buFont typeface="Arial" panose="020B0604020202020204" pitchFamily="34" charset="0"/>
+              <a:buChar char="•"/>
+            </a:pPr>
+            <a:r>
+              <a:rPr lang="en-US" altLang="ko-KR" sz="2400" dirty="0">
+                <a:solidFill>
+                  <a:srgbClr val="222222"/>
+                </a:solidFill>
+                <a:latin typeface="Arial Narrow" panose="020B0606020202030204" pitchFamily="34" charset="0"/>
+              </a:rPr>
+              <a:t>Cosine Similarity for Word Embeddings</a:t>
+            </a:r>
+          </a:p>
+          <a:p>
+            <a:pPr marL="741600" lvl="1" indent="-284400">
+              <a:lnSpc>
+                <a:spcPct val="150000"/>
+              </a:lnSpc>
+              <a:buFont typeface="Arial" panose="020B0604020202020204" pitchFamily="34" charset="0"/>
+              <a:buChar char="•"/>
+            </a:pPr>
+            <a:r>
+              <a:rPr lang="en-US" altLang="ko-KR" sz="2000" dirty="0">
+                <a:solidFill>
+                  <a:srgbClr val="222222"/>
+                </a:solidFill>
+                <a:latin typeface="Arial Narrow" panose="020B0606020202030204" pitchFamily="34" charset="0"/>
+              </a:rPr>
+              <a:t>What is cosine similarity?</a:t>
+            </a:r>
+          </a:p>
+          <a:p>
+            <a:pPr marL="1198800" lvl="2" indent="-284400">
+              <a:lnSpc>
+                <a:spcPct val="150000"/>
+              </a:lnSpc>
+              <a:buFont typeface="Arial" panose="020B0604020202020204" pitchFamily="34" charset="0"/>
+              <a:buChar char="•"/>
+            </a:pPr>
+            <a:r>
+              <a:rPr lang="en-US" altLang="ko-KR" dirty="0">
+                <a:solidFill>
+                  <a:srgbClr val="222222"/>
+                </a:solidFill>
+                <a:latin typeface="Arial Narrow" panose="020B0606020202030204" pitchFamily="34" charset="0"/>
+              </a:rPr>
+              <a:t>A widely-used metric to measure the similarity between two vectors</a:t>
+            </a:r>
+          </a:p>
+          <a:p>
+            <a:pPr marL="1198800" lvl="2" indent="-284400">
+              <a:lnSpc>
+                <a:spcPct val="150000"/>
+              </a:lnSpc>
+              <a:buFont typeface="Arial" panose="020B0604020202020204" pitchFamily="34" charset="0"/>
+              <a:buChar char="•"/>
+            </a:pPr>
+            <a:r>
+              <a:rPr lang="en-US" altLang="ko-KR" dirty="0">
+                <a:solidFill>
+                  <a:srgbClr val="222222"/>
+                </a:solidFill>
+                <a:latin typeface="Arial Narrow" panose="020B0606020202030204" pitchFamily="34" charset="0"/>
+              </a:rPr>
+              <a:t>It calculates the cosine of the angle between the two vectors</a:t>
+            </a:r>
+          </a:p>
+          <a:p>
+            <a:pPr marL="1198800" lvl="2" indent="-284400">
+              <a:lnSpc>
+                <a:spcPct val="150000"/>
+              </a:lnSpc>
+              <a:buFont typeface="Arial" panose="020B0604020202020204" pitchFamily="34" charset="0"/>
+              <a:buChar char="•"/>
+            </a:pPr>
+            <a:r>
+              <a:rPr lang="en-US" altLang="ko-KR" dirty="0">
+                <a:solidFill>
+                  <a:srgbClr val="222222"/>
+                </a:solidFill>
+                <a:latin typeface="Arial Narrow" panose="020B0606020202030204" pitchFamily="34" charset="0"/>
+              </a:rPr>
+              <a:t>Ranges between -1 and 1, where -1 indicates complete dissimilarity, 1 indicates complete similarity, and 0 indicates orthogonality (independence)</a:t>
+            </a:r>
+          </a:p>
+          <a:p>
+            <a:pPr marL="1198800" lvl="2" indent="-284400">
+              <a:lnSpc>
+                <a:spcPct val="150000"/>
+              </a:lnSpc>
+              <a:buFont typeface="Arial" panose="020B0604020202020204" pitchFamily="34" charset="0"/>
+              <a:buChar char="•"/>
+            </a:pPr>
+            <a:r>
+              <a:rPr lang="en-US" altLang="ko-KR" dirty="0">
+                <a:solidFill>
+                  <a:srgbClr val="222222"/>
+                </a:solidFill>
+                <a:latin typeface="Arial Narrow" panose="020B0606020202030204" pitchFamily="34" charset="0"/>
+              </a:rPr>
+              <a:t>Suitable for high-dimensional data, such as word embeddings</a:t>
+            </a:r>
+          </a:p>
+          <a:p>
+            <a:pPr marL="1257300" lvl="2" indent="-342900">
+              <a:lnSpc>
+                <a:spcPct val="150000"/>
+              </a:lnSpc>
+              <a:buFont typeface="+mj-lt"/>
+              <a:buAutoNum type="arabicPeriod"/>
+            </a:pPr>
+            <a:endParaRPr lang="en-US" altLang="ko-KR" sz="1600" dirty="0">
+              <a:latin typeface="Arial Narrow" panose="020B0606020202030204" pitchFamily="34" charset="0"/>
+            </a:endParaRPr>
+          </a:p>
+        </p:txBody>
+      </p:sp>
+      <p:sp>
+        <p:nvSpPr>
+          <p:cNvPr id="6" name="직사각형 5">
+            <a:extLst>
+              <a:ext uri="{FF2B5EF4-FFF2-40B4-BE49-F238E27FC236}">
+                <a16:creationId xmlns:a16="http://schemas.microsoft.com/office/drawing/2014/main" id="{6AE458C1-6B85-ECDF-7351-770B57E86129}"/>
+              </a:ext>
+            </a:extLst>
+          </p:cNvPr>
+          <p:cNvSpPr/>
+          <p:nvPr/>
+        </p:nvSpPr>
+        <p:spPr>
+          <a:xfrm>
+            <a:off x="299839" y="70603"/>
+            <a:ext cx="8544322" cy="657168"/>
+          </a:xfrm>
+          <a:prstGeom prst="rect">
+            <a:avLst/>
+          </a:prstGeom>
+        </p:spPr>
+        <p:txBody>
+          <a:bodyPr wrap="square">
+            <a:spAutoFit/>
+          </a:bodyPr>
+          <a:lstStyle/>
+          <a:p>
+            <a:pPr>
+              <a:lnSpc>
+                <a:spcPct val="150000"/>
+              </a:lnSpc>
+            </a:pPr>
+            <a:r>
+              <a:rPr lang="en-US" altLang="ko-KR" sz="2800" dirty="0">
+                <a:solidFill>
+                  <a:srgbClr val="222222"/>
+                </a:solidFill>
+                <a:latin typeface="Arial Narrow" panose="020B0606020202030204" pitchFamily="34" charset="0"/>
+              </a:rPr>
+              <a:t>Introduction to natural language processing</a:t>
+            </a:r>
+            <a:endParaRPr lang="en-US" altLang="ko-KR" sz="2800" dirty="0">
+              <a:latin typeface="Arial Narrow" panose="020B0606020202030204" pitchFamily="34" charset="0"/>
+              <a:cs typeface="Times New Roman" panose="02020603050405020304" pitchFamily="18" charset="0"/>
+            </a:endParaRPr>
+          </a:p>
+        </p:txBody>
+      </p:sp>
+    </p:spTree>
+    <p:extLst>
+      <p:ext uri="{BB962C8B-B14F-4D97-AF65-F5344CB8AC3E}">
+        <p14:creationId xmlns:p14="http://schemas.microsoft.com/office/powerpoint/2010/main" val="2897780233"/>
+      </p:ext>
+    </p:extLst>
+  </p:cSld>
+  <p:clrMapOvr>
+    <a:masterClrMapping/>
+  </p:clrMapOvr>
+</p:sld>
+</file>
+
+<file path=ppt/slides/slide43.xml><?xml version="1.0" encoding="utf-8"?>
+<p:sld xmlns:a="http://schemas.openxmlformats.org/drawingml/2006/main" xmlns:r="http://schemas.openxmlformats.org/officeDocument/2006/relationships" xmlns:p="http://schemas.openxmlformats.org/presentationml/2006/main">
+  <p:cSld>
+    <p:spTree>
+      <p:nvGrpSpPr>
+        <p:cNvPr id="1" name=""/>
+        <p:cNvGrpSpPr/>
+        <p:nvPr/>
+      </p:nvGrpSpPr>
+      <p:grpSpPr>
+        <a:xfrm>
+          <a:off x="0" y="0"/>
+          <a:ext cx="0" cy="0"/>
+          <a:chOff x="0" y="0"/>
+          <a:chExt cx="0" cy="0"/>
+        </a:xfrm>
+      </p:grpSpPr>
+      <p:cxnSp>
+        <p:nvCxnSpPr>
+          <p:cNvPr id="36" name="직선 연결선 35"/>
+          <p:cNvCxnSpPr/>
+          <p:nvPr/>
+        </p:nvCxnSpPr>
+        <p:spPr>
+          <a:xfrm>
+            <a:off x="361950" y="857250"/>
+            <a:ext cx="5391150" cy="0"/>
+          </a:xfrm>
+          <a:prstGeom prst="line">
+            <a:avLst/>
+          </a:prstGeom>
+          <a:ln w="38100">
+            <a:solidFill>
+              <a:schemeClr val="accent2">
+                <a:alpha val="60000"/>
+              </a:schemeClr>
+            </a:solidFill>
+          </a:ln>
+        </p:spPr>
+        <p:style>
+          <a:lnRef idx="1">
+            <a:schemeClr val="accent1"/>
+          </a:lnRef>
+          <a:fillRef idx="0">
+            <a:schemeClr val="accent1"/>
+          </a:fillRef>
+          <a:effectRef idx="0">
+            <a:schemeClr val="accent1"/>
+          </a:effectRef>
+          <a:fontRef idx="minor">
+            <a:schemeClr val="tx1"/>
+          </a:fontRef>
+        </p:style>
+      </p:cxnSp>
+      <p:cxnSp>
+        <p:nvCxnSpPr>
+          <p:cNvPr id="37" name="직선 연결선 36"/>
+          <p:cNvCxnSpPr/>
+          <p:nvPr/>
+        </p:nvCxnSpPr>
+        <p:spPr>
+          <a:xfrm>
+            <a:off x="3257550" y="933450"/>
+            <a:ext cx="5391150" cy="0"/>
+          </a:xfrm>
+          <a:prstGeom prst="line">
+            <a:avLst/>
+          </a:prstGeom>
+          <a:ln w="38100">
+            <a:solidFill>
+              <a:schemeClr val="accent6">
+                <a:alpha val="60000"/>
+              </a:schemeClr>
+            </a:solidFill>
+          </a:ln>
+        </p:spPr>
+        <p:style>
+          <a:lnRef idx="1">
+            <a:schemeClr val="accent1"/>
+          </a:lnRef>
+          <a:fillRef idx="0">
+            <a:schemeClr val="accent1"/>
+          </a:fillRef>
+          <a:effectRef idx="0">
+            <a:schemeClr val="accent1"/>
+          </a:effectRef>
+          <a:fontRef idx="minor">
+            <a:schemeClr val="tx1"/>
+          </a:fontRef>
+        </p:style>
+      </p:cxnSp>
+      <p:sp>
+        <p:nvSpPr>
+          <p:cNvPr id="10" name="직사각형 9">
+            <a:extLst>
+              <a:ext uri="{FF2B5EF4-FFF2-40B4-BE49-F238E27FC236}">
+                <a16:creationId xmlns:a16="http://schemas.microsoft.com/office/drawing/2014/main" id="{9DC7D8DF-F1AC-5E24-6D05-87B8D3343A78}"/>
+              </a:ext>
+            </a:extLst>
+          </p:cNvPr>
+          <p:cNvSpPr/>
+          <p:nvPr/>
+        </p:nvSpPr>
+        <p:spPr>
+          <a:xfrm>
+            <a:off x="328769" y="1139130"/>
+            <a:ext cx="8544321" cy="2302105"/>
+          </a:xfrm>
+          <a:prstGeom prst="rect">
+            <a:avLst/>
+          </a:prstGeom>
+        </p:spPr>
+        <p:txBody>
+          <a:bodyPr wrap="square">
+            <a:spAutoFit/>
+          </a:bodyPr>
+          <a:lstStyle/>
+          <a:p>
+            <a:pPr marL="284400" indent="-284400">
+              <a:lnSpc>
+                <a:spcPct val="150000"/>
+              </a:lnSpc>
+              <a:buFont typeface="Arial" panose="020B0604020202020204" pitchFamily="34" charset="0"/>
+              <a:buChar char="•"/>
+            </a:pPr>
+            <a:r>
+              <a:rPr lang="en-US" altLang="ko-KR" sz="2400" dirty="0">
+                <a:solidFill>
+                  <a:srgbClr val="222222"/>
+                </a:solidFill>
+                <a:latin typeface="Arial Narrow" panose="020B0606020202030204" pitchFamily="34" charset="0"/>
+              </a:rPr>
+              <a:t>Cosine Similarity for Word Embeddings</a:t>
+            </a:r>
+          </a:p>
+          <a:p>
+            <a:pPr marL="741600" lvl="1" indent="-284400">
+              <a:lnSpc>
+                <a:spcPct val="150000"/>
+              </a:lnSpc>
+              <a:buFont typeface="Arial" panose="020B0604020202020204" pitchFamily="34" charset="0"/>
+              <a:buChar char="•"/>
+            </a:pPr>
+            <a:r>
+              <a:rPr lang="en-US" altLang="ko-KR" sz="2000" dirty="0">
+                <a:solidFill>
+                  <a:srgbClr val="222222"/>
+                </a:solidFill>
+                <a:latin typeface="Arial Narrow" panose="020B0606020202030204" pitchFamily="34" charset="0"/>
+              </a:rPr>
+              <a:t>What is cosine similarity?</a:t>
+            </a:r>
+          </a:p>
+          <a:p>
+            <a:pPr marL="1198800" lvl="2" indent="-284400">
+              <a:lnSpc>
+                <a:spcPct val="150000"/>
+              </a:lnSpc>
+              <a:buFont typeface="Arial" panose="020B0604020202020204" pitchFamily="34" charset="0"/>
+              <a:buChar char="•"/>
+            </a:pPr>
+            <a:r>
+              <a:rPr lang="en-US" altLang="ko-KR" dirty="0">
+                <a:solidFill>
+                  <a:srgbClr val="222222"/>
+                </a:solidFill>
+                <a:latin typeface="Arial Narrow" panose="020B0606020202030204" pitchFamily="34" charset="0"/>
+              </a:rPr>
+              <a:t>Cosine Similarity(A, B) = (A • B) / (||A|| ||B||)</a:t>
+            </a:r>
+          </a:p>
+          <a:p>
+            <a:pPr marL="1198800" lvl="2" indent="-284400">
+              <a:lnSpc>
+                <a:spcPct val="150000"/>
+              </a:lnSpc>
+              <a:buFont typeface="Arial" panose="020B0604020202020204" pitchFamily="34" charset="0"/>
+              <a:buChar char="•"/>
+            </a:pPr>
+            <a:r>
+              <a:rPr lang="en-US" altLang="ko-KR" dirty="0">
+                <a:solidFill>
+                  <a:srgbClr val="222222"/>
+                </a:solidFill>
+                <a:latin typeface="Arial Narrow" panose="020B0606020202030204" pitchFamily="34" charset="0"/>
+              </a:rPr>
+              <a:t>where A and B are vectors, • denotes the dot product, and ||A|| and ||B|| represent the magnitudes of A and B, respectively</a:t>
+            </a:r>
+            <a:endParaRPr lang="en-US" altLang="ko-KR" sz="1600" dirty="0">
+              <a:latin typeface="Arial Narrow" panose="020B0606020202030204" pitchFamily="34" charset="0"/>
+            </a:endParaRPr>
+          </a:p>
+        </p:txBody>
+      </p:sp>
+      <p:sp>
+        <p:nvSpPr>
+          <p:cNvPr id="6" name="직사각형 5">
+            <a:extLst>
+              <a:ext uri="{FF2B5EF4-FFF2-40B4-BE49-F238E27FC236}">
+                <a16:creationId xmlns:a16="http://schemas.microsoft.com/office/drawing/2014/main" id="{6AE458C1-6B85-ECDF-7351-770B57E86129}"/>
+              </a:ext>
+            </a:extLst>
+          </p:cNvPr>
+          <p:cNvSpPr/>
+          <p:nvPr/>
+        </p:nvSpPr>
+        <p:spPr>
+          <a:xfrm>
+            <a:off x="299839" y="70603"/>
+            <a:ext cx="8544322" cy="657168"/>
+          </a:xfrm>
+          <a:prstGeom prst="rect">
+            <a:avLst/>
+          </a:prstGeom>
+        </p:spPr>
+        <p:txBody>
+          <a:bodyPr wrap="square">
+            <a:spAutoFit/>
+          </a:bodyPr>
+          <a:lstStyle/>
+          <a:p>
+            <a:pPr>
+              <a:lnSpc>
+                <a:spcPct val="150000"/>
+              </a:lnSpc>
+            </a:pPr>
+            <a:r>
+              <a:rPr lang="en-US" altLang="ko-KR" sz="2800" dirty="0">
+                <a:solidFill>
+                  <a:srgbClr val="222222"/>
+                </a:solidFill>
+                <a:latin typeface="Arial Narrow" panose="020B0606020202030204" pitchFamily="34" charset="0"/>
+              </a:rPr>
+              <a:t>Introduction to natural language processing</a:t>
+            </a:r>
+            <a:endParaRPr lang="en-US" altLang="ko-KR" sz="2800" dirty="0">
+              <a:latin typeface="Arial Narrow" panose="020B0606020202030204" pitchFamily="34" charset="0"/>
+              <a:cs typeface="Times New Roman" panose="02020603050405020304" pitchFamily="18" charset="0"/>
+            </a:endParaRPr>
+          </a:p>
+        </p:txBody>
+      </p:sp>
+      <p:pic>
+        <p:nvPicPr>
+          <p:cNvPr id="1028" name="Picture 4" descr="How Cosine Similarity Can Improve Your Machine Learning Models - aiTechTrend">
+            <a:extLst>
+              <a:ext uri="{FF2B5EF4-FFF2-40B4-BE49-F238E27FC236}">
+                <a16:creationId xmlns:a16="http://schemas.microsoft.com/office/drawing/2014/main" id="{F1FA9B7A-57D0-21ED-5A7E-2B61D83AAA98}"/>
+              </a:ext>
+            </a:extLst>
+          </p:cNvPr>
+          <p:cNvPicPr>
+            <a:picLocks noChangeAspect="1" noChangeArrowheads="1"/>
+          </p:cNvPicPr>
+          <p:nvPr/>
+        </p:nvPicPr>
+        <p:blipFill rotWithShape="1">
+          <a:blip r:embed="rId3" cstate="print">
+            <a:extLst>
+              <a:ext uri="{28A0092B-C50C-407E-A947-70E740481C1C}">
+                <a14:useLocalDpi xmlns:a14="http://schemas.microsoft.com/office/drawing/2010/main" val="0"/>
+              </a:ext>
+            </a:extLst>
+          </a:blip>
+          <a:srcRect t="18067"/>
+          <a:stretch/>
+        </p:blipFill>
+        <p:spPr bwMode="auto">
+          <a:xfrm>
+            <a:off x="1795332" y="3723114"/>
+            <a:ext cx="4343666" cy="2829300"/>
+          </a:xfrm>
+          <a:prstGeom prst="rect">
+            <a:avLst/>
+          </a:prstGeom>
+          <a:noFill/>
+          <a:extLst>
+            <a:ext uri="{909E8E84-426E-40DD-AFC4-6F175D3DCCD1}">
+              <a14:hiddenFill xmlns:a14="http://schemas.microsoft.com/office/drawing/2010/main">
+                <a:solidFill>
+                  <a:srgbClr val="FFFFFF"/>
+                </a:solidFill>
+              </a14:hiddenFill>
+            </a:ext>
+          </a:extLst>
+        </p:spPr>
+      </p:pic>
+      <p:sp>
+        <p:nvSpPr>
+          <p:cNvPr id="3" name="TextBox 2">
+            <a:extLst>
+              <a:ext uri="{FF2B5EF4-FFF2-40B4-BE49-F238E27FC236}">
+                <a16:creationId xmlns:a16="http://schemas.microsoft.com/office/drawing/2014/main" id="{36459C8E-C1C8-D602-1B1C-3C53DEB0C379}"/>
+              </a:ext>
+            </a:extLst>
+          </p:cNvPr>
+          <p:cNvSpPr txBox="1"/>
+          <p:nvPr/>
+        </p:nvSpPr>
+        <p:spPr>
+          <a:xfrm>
+            <a:off x="2686639" y="6593299"/>
+            <a:ext cx="6457362" cy="276999"/>
+          </a:xfrm>
+          <a:prstGeom prst="rect">
+            <a:avLst/>
+          </a:prstGeom>
+          <a:noFill/>
+        </p:spPr>
+        <p:txBody>
+          <a:bodyPr wrap="square">
+            <a:spAutoFit/>
+          </a:bodyPr>
+          <a:lstStyle/>
+          <a:p>
+            <a:r>
+              <a:rPr lang="en-US" altLang="ko-KR" sz="1200" dirty="0"/>
+              <a:t>Source: https://aitechtrend.com/how-cosine-similarity-can-improve-your-machine-learning-models/</a:t>
+            </a:r>
+            <a:endParaRPr lang="ko-KR" altLang="en-US" sz="1200" dirty="0"/>
+          </a:p>
+        </p:txBody>
+      </p:sp>
+    </p:spTree>
+    <p:extLst>
+      <p:ext uri="{BB962C8B-B14F-4D97-AF65-F5344CB8AC3E}">
+        <p14:creationId xmlns:p14="http://schemas.microsoft.com/office/powerpoint/2010/main" val="2042762219"/>
+      </p:ext>
+    </p:extLst>
+  </p:cSld>
+  <p:clrMapOvr>
+    <a:masterClrMapping/>
+  </p:clrMapOvr>
+</p:sld>
+</file>
+
+<file path=ppt/slides/slide44.xml><?xml version="1.0" encoding="utf-8"?>
+<p:sld xmlns:a="http://schemas.openxmlformats.org/drawingml/2006/main" xmlns:r="http://schemas.openxmlformats.org/officeDocument/2006/relationships" xmlns:p="http://schemas.openxmlformats.org/presentationml/2006/main">
+  <p:cSld>
+    <p:spTree>
+      <p:nvGrpSpPr>
+        <p:cNvPr id="1" name=""/>
+        <p:cNvGrpSpPr/>
+        <p:nvPr/>
+      </p:nvGrpSpPr>
+      <p:grpSpPr>
+        <a:xfrm>
+          <a:off x="0" y="0"/>
+          <a:ext cx="0" cy="0"/>
+          <a:chOff x="0" y="0"/>
+          <a:chExt cx="0" cy="0"/>
+        </a:xfrm>
+      </p:grpSpPr>
+      <p:cxnSp>
+        <p:nvCxnSpPr>
+          <p:cNvPr id="36" name="직선 연결선 35"/>
+          <p:cNvCxnSpPr/>
+          <p:nvPr/>
+        </p:nvCxnSpPr>
+        <p:spPr>
+          <a:xfrm>
+            <a:off x="361950" y="857250"/>
+            <a:ext cx="5391150" cy="0"/>
+          </a:xfrm>
+          <a:prstGeom prst="line">
+            <a:avLst/>
+          </a:prstGeom>
+          <a:ln w="38100">
+            <a:solidFill>
+              <a:schemeClr val="accent2">
+                <a:alpha val="60000"/>
+              </a:schemeClr>
+            </a:solidFill>
+          </a:ln>
+        </p:spPr>
+        <p:style>
+          <a:lnRef idx="1">
+            <a:schemeClr val="accent1"/>
+          </a:lnRef>
+          <a:fillRef idx="0">
+            <a:schemeClr val="accent1"/>
+          </a:fillRef>
+          <a:effectRef idx="0">
+            <a:schemeClr val="accent1"/>
+          </a:effectRef>
+          <a:fontRef idx="minor">
+            <a:schemeClr val="tx1"/>
+          </a:fontRef>
+        </p:style>
+      </p:cxnSp>
+      <p:cxnSp>
+        <p:nvCxnSpPr>
+          <p:cNvPr id="37" name="직선 연결선 36"/>
+          <p:cNvCxnSpPr/>
+          <p:nvPr/>
+        </p:nvCxnSpPr>
+        <p:spPr>
+          <a:xfrm>
+            <a:off x="3257550" y="933450"/>
+            <a:ext cx="5391150" cy="0"/>
+          </a:xfrm>
+          <a:prstGeom prst="line">
+            <a:avLst/>
+          </a:prstGeom>
+          <a:ln w="38100">
+            <a:solidFill>
+              <a:schemeClr val="accent6">
+                <a:alpha val="60000"/>
+              </a:schemeClr>
+            </a:solidFill>
+          </a:ln>
+        </p:spPr>
+        <p:style>
+          <a:lnRef idx="1">
+            <a:schemeClr val="accent1"/>
+          </a:lnRef>
+          <a:fillRef idx="0">
+            <a:schemeClr val="accent1"/>
+          </a:fillRef>
+          <a:effectRef idx="0">
+            <a:schemeClr val="accent1"/>
+          </a:effectRef>
+          <a:fontRef idx="minor">
+            <a:schemeClr val="tx1"/>
+          </a:fontRef>
+        </p:style>
+      </p:cxnSp>
+      <p:sp>
+        <p:nvSpPr>
+          <p:cNvPr id="10" name="직사각형 9">
+            <a:extLst>
+              <a:ext uri="{FF2B5EF4-FFF2-40B4-BE49-F238E27FC236}">
+                <a16:creationId xmlns:a16="http://schemas.microsoft.com/office/drawing/2014/main" id="{9DC7D8DF-F1AC-5E24-6D05-87B8D3343A78}"/>
+              </a:ext>
+            </a:extLst>
+          </p:cNvPr>
+          <p:cNvSpPr/>
+          <p:nvPr/>
+        </p:nvSpPr>
+        <p:spPr>
+          <a:xfrm>
+            <a:off x="328769" y="1139130"/>
+            <a:ext cx="8544321" cy="3133102"/>
+          </a:xfrm>
+          <a:prstGeom prst="rect">
+            <a:avLst/>
+          </a:prstGeom>
+        </p:spPr>
+        <p:txBody>
+          <a:bodyPr wrap="square">
+            <a:spAutoFit/>
+          </a:bodyPr>
+          <a:lstStyle/>
+          <a:p>
+            <a:pPr marL="284400" indent="-284400">
+              <a:lnSpc>
+                <a:spcPct val="150000"/>
+              </a:lnSpc>
+              <a:buFont typeface="Arial" panose="020B0604020202020204" pitchFamily="34" charset="0"/>
+              <a:buChar char="•"/>
+            </a:pPr>
+            <a:r>
+              <a:rPr lang="en-US" altLang="ko-KR" sz="2400" dirty="0">
+                <a:solidFill>
+                  <a:srgbClr val="222222"/>
+                </a:solidFill>
+                <a:latin typeface="Arial Narrow" panose="020B0606020202030204" pitchFamily="34" charset="0"/>
+              </a:rPr>
+              <a:t>Exercise2: Prediction of Sentiment Labels on the IMDB Dataset</a:t>
+            </a:r>
+          </a:p>
+          <a:p>
+            <a:pPr marL="741600" lvl="1" indent="-284400">
+              <a:lnSpc>
+                <a:spcPct val="150000"/>
+              </a:lnSpc>
+              <a:buFont typeface="Arial" panose="020B0604020202020204" pitchFamily="34" charset="0"/>
+              <a:buChar char="•"/>
+            </a:pPr>
+            <a:r>
+              <a:rPr lang="en-US" altLang="ko-KR" sz="2000" dirty="0">
+                <a:solidFill>
+                  <a:srgbClr val="222222"/>
+                </a:solidFill>
+                <a:latin typeface="Arial Narrow" panose="020B0606020202030204" pitchFamily="34" charset="0"/>
+              </a:rPr>
+              <a:t>Steps of Applying Cosine Similarity to Word Embeddings</a:t>
+            </a:r>
+          </a:p>
+          <a:p>
+            <a:pPr marL="1257300" lvl="2" indent="-342900">
+              <a:lnSpc>
+                <a:spcPct val="150000"/>
+              </a:lnSpc>
+              <a:buFont typeface="+mj-lt"/>
+              <a:buAutoNum type="arabicPeriod"/>
+            </a:pPr>
+            <a:r>
+              <a:rPr lang="en-US" altLang="ko-KR" dirty="0">
+                <a:latin typeface="Arial Narrow" panose="020B0606020202030204" pitchFamily="34" charset="0"/>
+              </a:rPr>
+              <a:t>Extract embedding matrix from the trained model</a:t>
+            </a:r>
+          </a:p>
+          <a:p>
+            <a:pPr marL="1257300" lvl="2" indent="-342900">
+              <a:lnSpc>
+                <a:spcPct val="150000"/>
+              </a:lnSpc>
+              <a:buFont typeface="+mj-lt"/>
+              <a:buAutoNum type="arabicPeriod"/>
+            </a:pPr>
+            <a:r>
+              <a:rPr lang="en-US" altLang="ko-KR" dirty="0">
+                <a:latin typeface="Arial Narrow" panose="020B0606020202030204" pitchFamily="34" charset="0"/>
+              </a:rPr>
+              <a:t>Compute the cosine similarity between pairs of word vectors using the formula</a:t>
+            </a:r>
+          </a:p>
+          <a:p>
+            <a:pPr marL="1257300" lvl="2" indent="-342900">
+              <a:lnSpc>
+                <a:spcPct val="150000"/>
+              </a:lnSpc>
+              <a:buFont typeface="+mj-lt"/>
+              <a:buAutoNum type="arabicPeriod"/>
+            </a:pPr>
+            <a:r>
+              <a:rPr lang="en-US" altLang="ko-KR" dirty="0">
+                <a:latin typeface="Arial Narrow" panose="020B0606020202030204" pitchFamily="34" charset="0"/>
+              </a:rPr>
+              <a:t>(Optional) Select a subset of word vectors for reduced computation</a:t>
+            </a:r>
+          </a:p>
+          <a:p>
+            <a:pPr marL="1257300" lvl="2" indent="-342900">
+              <a:lnSpc>
+                <a:spcPct val="150000"/>
+              </a:lnSpc>
+              <a:buFont typeface="+mj-lt"/>
+              <a:buAutoNum type="arabicPeriod"/>
+            </a:pPr>
+            <a:r>
+              <a:rPr lang="en-US" altLang="ko-KR" dirty="0">
+                <a:latin typeface="Arial Narrow" panose="020B0606020202030204" pitchFamily="34" charset="0"/>
+              </a:rPr>
+              <a:t>Analyze and visualize the cosine similarity matrix using heatmaps, clustering, or other visualization techniques</a:t>
+            </a:r>
+            <a:endParaRPr lang="en-US" altLang="ko-KR" sz="1600" dirty="0">
+              <a:latin typeface="Arial Narrow" panose="020B0606020202030204" pitchFamily="34" charset="0"/>
+            </a:endParaRPr>
+          </a:p>
+        </p:txBody>
+      </p:sp>
+      <p:sp>
+        <p:nvSpPr>
+          <p:cNvPr id="6" name="직사각형 5">
+            <a:extLst>
+              <a:ext uri="{FF2B5EF4-FFF2-40B4-BE49-F238E27FC236}">
+                <a16:creationId xmlns:a16="http://schemas.microsoft.com/office/drawing/2014/main" id="{6AE458C1-6B85-ECDF-7351-770B57E86129}"/>
+              </a:ext>
+            </a:extLst>
+          </p:cNvPr>
+          <p:cNvSpPr/>
+          <p:nvPr/>
+        </p:nvSpPr>
+        <p:spPr>
+          <a:xfrm>
+            <a:off x="299839" y="70603"/>
+            <a:ext cx="8544322" cy="657168"/>
+          </a:xfrm>
+          <a:prstGeom prst="rect">
+            <a:avLst/>
+          </a:prstGeom>
+        </p:spPr>
+        <p:txBody>
+          <a:bodyPr wrap="square">
+            <a:spAutoFit/>
+          </a:bodyPr>
+          <a:lstStyle/>
+          <a:p>
+            <a:pPr>
+              <a:lnSpc>
+                <a:spcPct val="150000"/>
+              </a:lnSpc>
+            </a:pPr>
+            <a:r>
+              <a:rPr lang="en-US" altLang="ko-KR" sz="2800" dirty="0">
+                <a:solidFill>
+                  <a:srgbClr val="222222"/>
+                </a:solidFill>
+                <a:latin typeface="Arial Narrow" panose="020B0606020202030204" pitchFamily="34" charset="0"/>
+              </a:rPr>
+              <a:t>Introduction to natural language processing</a:t>
+            </a:r>
+            <a:endParaRPr lang="en-US" altLang="ko-KR" sz="2800" dirty="0">
+              <a:latin typeface="Arial Narrow" panose="020B0606020202030204" pitchFamily="34" charset="0"/>
+              <a:cs typeface="Times New Roman" panose="02020603050405020304" pitchFamily="18" charset="0"/>
+            </a:endParaRPr>
+          </a:p>
+        </p:txBody>
+      </p:sp>
+    </p:spTree>
+    <p:extLst>
+      <p:ext uri="{BB962C8B-B14F-4D97-AF65-F5344CB8AC3E}">
+        <p14:creationId xmlns:p14="http://schemas.microsoft.com/office/powerpoint/2010/main" val="3742057698"/>
+      </p:ext>
+    </p:extLst>
+  </p:cSld>
+  <p:clrMapOvr>
+    <a:masterClrMapping/>
+  </p:clrMapOvr>
+</p:sld>
+</file>
+
+<file path=ppt/slides/slide45.xml><?xml version="1.0" encoding="utf-8"?>
+<p:sld xmlns:a="http://schemas.openxmlformats.org/drawingml/2006/main" xmlns:r="http://schemas.openxmlformats.org/officeDocument/2006/relationships" xmlns:p="http://schemas.openxmlformats.org/presentationml/2006/main">
+  <p:cSld>
+    <p:spTree>
+      <p:nvGrpSpPr>
+        <p:cNvPr id="1" name=""/>
+        <p:cNvGrpSpPr/>
+        <p:nvPr/>
+      </p:nvGrpSpPr>
+      <p:grpSpPr>
+        <a:xfrm>
+          <a:off x="0" y="0"/>
+          <a:ext cx="0" cy="0"/>
+          <a:chOff x="0" y="0"/>
+          <a:chExt cx="0" cy="0"/>
+        </a:xfrm>
+      </p:grpSpPr>
+      <p:cxnSp>
+        <p:nvCxnSpPr>
+          <p:cNvPr id="36" name="직선 연결선 35"/>
+          <p:cNvCxnSpPr/>
+          <p:nvPr/>
+        </p:nvCxnSpPr>
+        <p:spPr>
+          <a:xfrm>
+            <a:off x="361950" y="857250"/>
+            <a:ext cx="5391150" cy="0"/>
+          </a:xfrm>
+          <a:prstGeom prst="line">
+            <a:avLst/>
+          </a:prstGeom>
+          <a:ln w="38100">
+            <a:solidFill>
+              <a:schemeClr val="accent2">
+                <a:alpha val="60000"/>
+              </a:schemeClr>
+            </a:solidFill>
+          </a:ln>
+        </p:spPr>
+        <p:style>
+          <a:lnRef idx="1">
+            <a:schemeClr val="accent1"/>
+          </a:lnRef>
+          <a:fillRef idx="0">
+            <a:schemeClr val="accent1"/>
+          </a:fillRef>
+          <a:effectRef idx="0">
+            <a:schemeClr val="accent1"/>
+          </a:effectRef>
+          <a:fontRef idx="minor">
+            <a:schemeClr val="tx1"/>
+          </a:fontRef>
+        </p:style>
+      </p:cxnSp>
+      <p:cxnSp>
+        <p:nvCxnSpPr>
+          <p:cNvPr id="37" name="직선 연결선 36"/>
+          <p:cNvCxnSpPr/>
+          <p:nvPr/>
+        </p:nvCxnSpPr>
+        <p:spPr>
+          <a:xfrm>
+            <a:off x="3257550" y="933450"/>
+            <a:ext cx="5391150" cy="0"/>
+          </a:xfrm>
+          <a:prstGeom prst="line">
+            <a:avLst/>
+          </a:prstGeom>
+          <a:ln w="38100">
+            <a:solidFill>
+              <a:schemeClr val="accent6">
+                <a:alpha val="60000"/>
+              </a:schemeClr>
+            </a:solidFill>
+          </a:ln>
+        </p:spPr>
+        <p:style>
+          <a:lnRef idx="1">
+            <a:schemeClr val="accent1"/>
+          </a:lnRef>
+          <a:fillRef idx="0">
+            <a:schemeClr val="accent1"/>
+          </a:fillRef>
+          <a:effectRef idx="0">
+            <a:schemeClr val="accent1"/>
+          </a:effectRef>
+          <a:fontRef idx="minor">
+            <a:schemeClr val="tx1"/>
+          </a:fontRef>
+        </p:style>
+      </p:cxnSp>
+      <p:sp>
+        <p:nvSpPr>
+          <p:cNvPr id="10" name="직사각형 9">
+            <a:extLst>
+              <a:ext uri="{FF2B5EF4-FFF2-40B4-BE49-F238E27FC236}">
+                <a16:creationId xmlns:a16="http://schemas.microsoft.com/office/drawing/2014/main" id="{9DC7D8DF-F1AC-5E24-6D05-87B8D3343A78}"/>
+              </a:ext>
+            </a:extLst>
+          </p:cNvPr>
+          <p:cNvSpPr/>
+          <p:nvPr/>
+        </p:nvSpPr>
+        <p:spPr>
+          <a:xfrm>
+            <a:off x="328771" y="1139130"/>
+            <a:ext cx="8742077" cy="1130438"/>
+          </a:xfrm>
+          <a:prstGeom prst="rect">
+            <a:avLst/>
+          </a:prstGeom>
+        </p:spPr>
+        <p:txBody>
+          <a:bodyPr wrap="square">
+            <a:spAutoFit/>
+          </a:bodyPr>
+          <a:lstStyle/>
+          <a:p>
+            <a:pPr marL="284400" indent="-284400">
+              <a:lnSpc>
+                <a:spcPct val="150000"/>
+              </a:lnSpc>
+              <a:buFont typeface="Arial" panose="020B0604020202020204" pitchFamily="34" charset="0"/>
+              <a:buChar char="•"/>
+            </a:pPr>
+            <a:r>
+              <a:rPr lang="en-US" altLang="ko-KR" sz="2400" dirty="0">
+                <a:solidFill>
+                  <a:srgbClr val="222222"/>
+                </a:solidFill>
+                <a:latin typeface="Arial Narrow" panose="020B0606020202030204" pitchFamily="34" charset="0"/>
+              </a:rPr>
+              <a:t>Prediction of Sentiment Labels on the IMDB Dataset</a:t>
+            </a:r>
+          </a:p>
+          <a:p>
+            <a:pPr marL="284400" indent="-284400">
+              <a:lnSpc>
+                <a:spcPct val="150000"/>
+              </a:lnSpc>
+              <a:buFont typeface="Arial" panose="020B0604020202020204" pitchFamily="34" charset="0"/>
+              <a:buChar char="•"/>
+            </a:pPr>
+            <a:endParaRPr lang="en-US" altLang="ko-KR" sz="2400" dirty="0">
+              <a:solidFill>
+                <a:srgbClr val="222222"/>
+              </a:solidFill>
+              <a:latin typeface="Arial Narrow" panose="020B0606020202030204" pitchFamily="34" charset="0"/>
+            </a:endParaRPr>
+          </a:p>
+        </p:txBody>
+      </p:sp>
+      <p:sp>
+        <p:nvSpPr>
+          <p:cNvPr id="6" name="직사각형 5">
+            <a:extLst>
+              <a:ext uri="{FF2B5EF4-FFF2-40B4-BE49-F238E27FC236}">
+                <a16:creationId xmlns:a16="http://schemas.microsoft.com/office/drawing/2014/main" id="{6AE458C1-6B85-ECDF-7351-770B57E86129}"/>
+              </a:ext>
+            </a:extLst>
+          </p:cNvPr>
+          <p:cNvSpPr/>
+          <p:nvPr/>
+        </p:nvSpPr>
+        <p:spPr>
+          <a:xfrm>
+            <a:off x="299839" y="70603"/>
+            <a:ext cx="8544322" cy="657168"/>
+          </a:xfrm>
+          <a:prstGeom prst="rect">
+            <a:avLst/>
+          </a:prstGeom>
+        </p:spPr>
+        <p:txBody>
+          <a:bodyPr wrap="square">
+            <a:spAutoFit/>
+          </a:bodyPr>
+          <a:lstStyle/>
+          <a:p>
+            <a:pPr>
+              <a:lnSpc>
+                <a:spcPct val="150000"/>
+              </a:lnSpc>
+            </a:pPr>
+            <a:r>
+              <a:rPr lang="en-US" altLang="ko-KR" sz="2800" dirty="0">
+                <a:solidFill>
+                  <a:srgbClr val="222222"/>
+                </a:solidFill>
+                <a:latin typeface="Arial Narrow" panose="020B0606020202030204" pitchFamily="34" charset="0"/>
+              </a:rPr>
+              <a:t>Introduction to natural language processing</a:t>
+            </a:r>
+            <a:endParaRPr lang="en-US" altLang="ko-KR" sz="2800" dirty="0">
+              <a:latin typeface="Arial Narrow" panose="020B0606020202030204" pitchFamily="34" charset="0"/>
+              <a:cs typeface="Times New Roman" panose="02020603050405020304" pitchFamily="18" charset="0"/>
+            </a:endParaRPr>
+          </a:p>
+        </p:txBody>
+      </p:sp>
+      <p:sp>
+        <p:nvSpPr>
+          <p:cNvPr id="4" name="TextBox 3">
+            <a:extLst>
+              <a:ext uri="{FF2B5EF4-FFF2-40B4-BE49-F238E27FC236}">
+                <a16:creationId xmlns:a16="http://schemas.microsoft.com/office/drawing/2014/main" id="{7463A2A2-E5F1-353F-9F2A-5395FC99A10B}"/>
+              </a:ext>
+            </a:extLst>
+          </p:cNvPr>
+          <p:cNvSpPr txBox="1"/>
+          <p:nvPr/>
+        </p:nvSpPr>
+        <p:spPr>
+          <a:xfrm>
+            <a:off x="1935019" y="3161108"/>
+            <a:ext cx="4572000" cy="923330"/>
+          </a:xfrm>
+          <a:prstGeom prst="rect">
+            <a:avLst/>
+          </a:prstGeom>
+          <a:noFill/>
+        </p:spPr>
+        <p:txBody>
+          <a:bodyPr wrap="square">
+            <a:spAutoFit/>
+          </a:bodyPr>
+          <a:lstStyle/>
+          <a:p>
+            <a:r>
+              <a:rPr lang="en-US" altLang="ko-KR" dirty="0">
+                <a:hlinkClick r:id="rId3"/>
+              </a:rPr>
+              <a:t>https://colab.research.google.com/github/JunetaeKim/DeepLearningClass/blob/main/Week14/IMDBClassification.ipynb</a:t>
+            </a:r>
+            <a:endParaRPr lang="ko-KR" altLang="en-US" dirty="0"/>
+          </a:p>
+        </p:txBody>
+      </p:sp>
+    </p:spTree>
+    <p:extLst>
+      <p:ext uri="{BB962C8B-B14F-4D97-AF65-F5344CB8AC3E}">
+        <p14:creationId xmlns:p14="http://schemas.microsoft.com/office/powerpoint/2010/main" val="664567141"/>
       </p:ext>
     </p:extLst>
   </p:cSld>

--- a/Week14/week14 natural language processing.pptx
+++ b/Week14/week14 natural language processing.pptx
@@ -267,7 +267,7 @@
           <a:p>
             <a:fld id="{D9D2A4DD-E6C5-4446-8814-DDCEAB64F4E0}" type="datetimeFigureOut">
               <a:rPr lang="ko-KR" altLang="en-US" smtClean="0"/>
-              <a:t>2023-03-24</a:t>
+              <a:t>2023-06-05</a:t>
             </a:fld>
             <a:endParaRPr lang="ko-KR" altLang="en-US"/>
           </a:p>
@@ -432,7 +432,7 @@
           <a:p>
             <a:fld id="{BF4D36B7-6BC9-4358-A9C9-63F4AFA82B46}" type="datetimeFigureOut">
               <a:rPr lang="ko-KR" altLang="en-US" smtClean="0"/>
-              <a:t>2023-03-24</a:t>
+              <a:t>2023-06-05</a:t>
             </a:fld>
             <a:endParaRPr lang="ko-KR" altLang="en-US"/>
           </a:p>
@@ -4526,7 +4526,7 @@
           <a:p>
             <a:fld id="{178ADFAC-D890-497A-A497-2A400DD02E74}" type="datetimeFigureOut">
               <a:rPr lang="ko-KR" altLang="en-US" smtClean="0"/>
-              <a:t>2023-03-24</a:t>
+              <a:t>2023-06-05</a:t>
             </a:fld>
             <a:endParaRPr lang="ko-KR" altLang="en-US"/>
           </a:p>
@@ -4696,7 +4696,7 @@
           <a:p>
             <a:fld id="{178ADFAC-D890-497A-A497-2A400DD02E74}" type="datetimeFigureOut">
               <a:rPr lang="ko-KR" altLang="en-US" smtClean="0"/>
-              <a:t>2023-03-24</a:t>
+              <a:t>2023-06-05</a:t>
             </a:fld>
             <a:endParaRPr lang="ko-KR" altLang="en-US"/>
           </a:p>
@@ -4876,7 +4876,7 @@
           <a:p>
             <a:fld id="{178ADFAC-D890-497A-A497-2A400DD02E74}" type="datetimeFigureOut">
               <a:rPr lang="ko-KR" altLang="en-US" smtClean="0"/>
-              <a:t>2023-03-24</a:t>
+              <a:t>2023-06-05</a:t>
             </a:fld>
             <a:endParaRPr lang="ko-KR" altLang="en-US"/>
           </a:p>
@@ -5046,7 +5046,7 @@
           <a:p>
             <a:fld id="{178ADFAC-D890-497A-A497-2A400DD02E74}" type="datetimeFigureOut">
               <a:rPr lang="ko-KR" altLang="en-US" smtClean="0"/>
-              <a:t>2023-03-24</a:t>
+              <a:t>2023-06-05</a:t>
             </a:fld>
             <a:endParaRPr lang="ko-KR" altLang="en-US"/>
           </a:p>
@@ -5290,7 +5290,7 @@
           <a:p>
             <a:fld id="{178ADFAC-D890-497A-A497-2A400DD02E74}" type="datetimeFigureOut">
               <a:rPr lang="ko-KR" altLang="en-US" smtClean="0"/>
-              <a:t>2023-03-24</a:t>
+              <a:t>2023-06-05</a:t>
             </a:fld>
             <a:endParaRPr lang="ko-KR" altLang="en-US"/>
           </a:p>
@@ -5522,7 +5522,7 @@
           <a:p>
             <a:fld id="{178ADFAC-D890-497A-A497-2A400DD02E74}" type="datetimeFigureOut">
               <a:rPr lang="ko-KR" altLang="en-US" smtClean="0"/>
-              <a:t>2023-03-24</a:t>
+              <a:t>2023-06-05</a:t>
             </a:fld>
             <a:endParaRPr lang="ko-KR" altLang="en-US"/>
           </a:p>
@@ -5889,7 +5889,7 @@
           <a:p>
             <a:fld id="{178ADFAC-D890-497A-A497-2A400DD02E74}" type="datetimeFigureOut">
               <a:rPr lang="ko-KR" altLang="en-US" smtClean="0"/>
-              <a:t>2023-03-24</a:t>
+              <a:t>2023-06-05</a:t>
             </a:fld>
             <a:endParaRPr lang="ko-KR" altLang="en-US"/>
           </a:p>
@@ -6007,7 +6007,7 @@
           <a:p>
             <a:fld id="{178ADFAC-D890-497A-A497-2A400DD02E74}" type="datetimeFigureOut">
               <a:rPr lang="ko-KR" altLang="en-US" smtClean="0"/>
-              <a:t>2023-03-24</a:t>
+              <a:t>2023-06-05</a:t>
             </a:fld>
             <a:endParaRPr lang="ko-KR" altLang="en-US"/>
           </a:p>
@@ -6102,7 +6102,7 @@
           <a:p>
             <a:fld id="{178ADFAC-D890-497A-A497-2A400DD02E74}" type="datetimeFigureOut">
               <a:rPr lang="ko-KR" altLang="en-US" smtClean="0"/>
-              <a:t>2023-03-24</a:t>
+              <a:t>2023-06-05</a:t>
             </a:fld>
             <a:endParaRPr lang="ko-KR" altLang="en-US"/>
           </a:p>
@@ -6379,7 +6379,7 @@
           <a:p>
             <a:fld id="{178ADFAC-D890-497A-A497-2A400DD02E74}" type="datetimeFigureOut">
               <a:rPr lang="ko-KR" altLang="en-US" smtClean="0"/>
-              <a:t>2023-03-24</a:t>
+              <a:t>2023-06-05</a:t>
             </a:fld>
             <a:endParaRPr lang="ko-KR" altLang="en-US"/>
           </a:p>
@@ -6636,7 +6636,7 @@
           <a:p>
             <a:fld id="{178ADFAC-D890-497A-A497-2A400DD02E74}" type="datetimeFigureOut">
               <a:rPr lang="ko-KR" altLang="en-US" smtClean="0"/>
-              <a:t>2023-03-24</a:t>
+              <a:t>2023-06-05</a:t>
             </a:fld>
             <a:endParaRPr lang="ko-KR" altLang="en-US"/>
           </a:p>
@@ -6849,7 +6849,7 @@
           <a:p>
             <a:fld id="{178ADFAC-D890-497A-A497-2A400DD02E74}" type="datetimeFigureOut">
               <a:rPr lang="ko-KR" altLang="en-US" smtClean="0"/>
-              <a:t>2023-03-24</a:t>
+              <a:t>2023-06-05</a:t>
             </a:fld>
             <a:endParaRPr lang="ko-KR" altLang="en-US"/>
           </a:p>
@@ -21619,7 +21619,7 @@
         <p:spPr>
           <a:xfrm>
             <a:off x="328769" y="1139130"/>
-            <a:ext cx="7615081" cy="5302927"/>
+            <a:ext cx="8183635" cy="4887428"/>
           </a:xfrm>
           <a:prstGeom prst="rect">
             <a:avLst/>
@@ -22149,85 +22149,6 @@
           </a:p>
         </p:txBody>
       </p:sp>
-      <p:sp>
-        <p:nvSpPr>
-          <p:cNvPr id="50" name="TextBox 49">
-            <a:extLst>
-              <a:ext uri="{FF2B5EF4-FFF2-40B4-BE49-F238E27FC236}">
-                <a16:creationId xmlns:a16="http://schemas.microsoft.com/office/drawing/2014/main" id="{D88F4D1A-AF14-C213-BA65-39212DBE062C}"/>
-              </a:ext>
-            </a:extLst>
-          </p:cNvPr>
-          <p:cNvSpPr txBox="1"/>
-          <p:nvPr/>
-        </p:nvSpPr>
-        <p:spPr>
-          <a:xfrm>
-            <a:off x="2055756" y="4233348"/>
-            <a:ext cx="4853940" cy="923330"/>
-          </a:xfrm>
-          <a:prstGeom prst="rect">
-            <a:avLst/>
-          </a:prstGeom>
-          <a:noFill/>
-        </p:spPr>
-        <p:txBody>
-          <a:bodyPr wrap="square">
-            <a:spAutoFit/>
-          </a:bodyPr>
-          <a:lstStyle/>
-          <a:p>
-            <a:r>
-              <a:rPr lang="en-US" altLang="ko-KR" dirty="0">
-                <a:hlinkClick r:id="rId4"/>
-              </a:rPr>
-              <a:t>https://colab.research.google.com/github/JunetaeKim/DeepLearningClass/blob/main/Week14/ReutersNewsSolution.ipynb</a:t>
-            </a:r>
-            <a:endParaRPr lang="ko-KR" altLang="en-US" dirty="0"/>
-          </a:p>
-        </p:txBody>
-      </p:sp>
-      <p:sp>
-        <p:nvSpPr>
-          <p:cNvPr id="51" name="TextBox 50">
-            <a:extLst>
-              <a:ext uri="{FF2B5EF4-FFF2-40B4-BE49-F238E27FC236}">
-                <a16:creationId xmlns:a16="http://schemas.microsoft.com/office/drawing/2014/main" id="{AE4B7A2C-716F-E3FA-3BBC-C1A1B6331ADF}"/>
-              </a:ext>
-            </a:extLst>
-          </p:cNvPr>
-          <p:cNvSpPr txBox="1"/>
-          <p:nvPr/>
-        </p:nvSpPr>
-        <p:spPr>
-          <a:xfrm>
-            <a:off x="2055756" y="3864016"/>
-            <a:ext cx="4572000" cy="369332"/>
-          </a:xfrm>
-          <a:prstGeom prst="rect">
-            <a:avLst/>
-          </a:prstGeom>
-          <a:noFill/>
-        </p:spPr>
-        <p:txBody>
-          <a:bodyPr wrap="square">
-            <a:spAutoFit/>
-          </a:bodyPr>
-          <a:lstStyle/>
-          <a:p>
-            <a:r>
-              <a:rPr lang="en-US" altLang="ko-KR" sz="1800" dirty="0">
-                <a:solidFill>
-                  <a:srgbClr val="222222"/>
-                </a:solidFill>
-                <a:latin typeface="Arial Narrow" panose="020B0606020202030204" pitchFamily="34" charset="0"/>
-              </a:rPr>
-              <a:t>For solutions</a:t>
-            </a:r>
-            <a:endParaRPr lang="ko-KR" altLang="en-US" dirty="0"/>
-          </a:p>
-        </p:txBody>
-      </p:sp>
     </p:spTree>
     <p:extLst>
       <p:ext uri="{BB962C8B-B14F-4D97-AF65-F5344CB8AC3E}">
@@ -26308,7 +26229,7 @@
         <p:spPr>
           <a:xfrm>
             <a:off x="328771" y="1139130"/>
-            <a:ext cx="8515390" cy="5256760"/>
+            <a:ext cx="8515390" cy="4841262"/>
           </a:xfrm>
           <a:prstGeom prst="rect">
             <a:avLst/>
@@ -26517,7 +26438,7 @@
                 </a:solidFill>
                 <a:latin typeface="Arial Narrow" panose="020B0606020202030204" pitchFamily="34" charset="0"/>
               </a:rPr>
-              <a:t>State-of-the-art models: BERT, GPT, and </a:t>
+              <a:t>State-of-the-art models: BERT and </a:t>
             </a:r>
             <a:r>
               <a:rPr lang="en-US" altLang="ko-KR" dirty="0" err="1">
@@ -26536,24 +26457,6 @@
                 <a:latin typeface="Arial Narrow" panose="020B0606020202030204" pitchFamily="34" charset="0"/>
               </a:rPr>
               <a:t> GPT-4</a:t>
-            </a:r>
-          </a:p>
-          <a:p>
-            <a:pPr marL="1198800" lvl="2" indent="-284400">
-              <a:lnSpc>
-                <a:spcPct val="150000"/>
-              </a:lnSpc>
-              <a:buFont typeface="Arial" panose="020B0604020202020204" pitchFamily="34" charset="0"/>
-              <a:buChar char="•"/>
-            </a:pPr>
-            <a:r>
-              <a:rPr lang="en-US" altLang="ko-KR" dirty="0">
-                <a:solidFill>
-                  <a:srgbClr val="222222"/>
-                </a:solidFill>
-                <a:latin typeface="Arial Narrow" panose="020B0606020202030204" pitchFamily="34" charset="0"/>
-              </a:rPr>
-              <a:t>Challenges and Future Directions:</a:t>
             </a:r>
           </a:p>
         </p:txBody>
@@ -27509,7 +27412,7 @@
         <p:spPr>
           <a:xfrm>
             <a:off x="328770" y="1139130"/>
-            <a:ext cx="8739815" cy="2717603"/>
+            <a:ext cx="8739815" cy="3133102"/>
           </a:xfrm>
           <a:prstGeom prst="rect">
             <a:avLst/>
@@ -27616,7 +27519,7 @@
                 </a:solidFill>
                 <a:latin typeface="Arial Narrow" panose="020B0606020202030204" pitchFamily="34" charset="0"/>
               </a:rPr>
-              <a:t>It's suitable for basic tokenization when working with single sentences or a small dataset.</a:t>
+              <a:t>It's suitable for basic tokenization when working with a single sentence or a small dataset.</a:t>
             </a:r>
           </a:p>
           <a:p>
